--- a/2019.03.25 ICCV 2015, Optimizing the Viewing Graph for Structure-from-Motion.pptx
+++ b/2019.03.25 ICCV 2015, Optimizing the Viewing Graph for Structure-from-Motion.pptx
@@ -6,10 +6,10 @@
     <p:sldMasterId id="2147483660" r:id="rId3"/>
   </p:sldMasterIdLst>
   <p:notesMasterIdLst>
-    <p:notesMasterId r:id="rId25"/>
+    <p:notesMasterId r:id="rId27"/>
   </p:notesMasterIdLst>
   <p:handoutMasterIdLst>
-    <p:handoutMasterId r:id="rId26"/>
+    <p:handoutMasterId r:id="rId28"/>
   </p:handoutMasterIdLst>
   <p:sldIdLst>
     <p:sldId id="256" r:id="rId4"/>
@@ -17,22 +17,24 @@
     <p:sldId id="366" r:id="rId6"/>
     <p:sldId id="374" r:id="rId7"/>
     <p:sldId id="389" r:id="rId8"/>
-    <p:sldId id="391" r:id="rId9"/>
-    <p:sldId id="392" r:id="rId10"/>
-    <p:sldId id="388" r:id="rId11"/>
-    <p:sldId id="373" r:id="rId12"/>
-    <p:sldId id="378" r:id="rId13"/>
-    <p:sldId id="387" r:id="rId14"/>
-    <p:sldId id="376" r:id="rId15"/>
-    <p:sldId id="380" r:id="rId16"/>
-    <p:sldId id="379" r:id="rId17"/>
-    <p:sldId id="382" r:id="rId18"/>
-    <p:sldId id="352" r:id="rId19"/>
-    <p:sldId id="357" r:id="rId20"/>
-    <p:sldId id="384" r:id="rId21"/>
-    <p:sldId id="353" r:id="rId22"/>
-    <p:sldId id="317" r:id="rId23"/>
-    <p:sldId id="390" r:id="rId24"/>
+    <p:sldId id="407" r:id="rId9"/>
+    <p:sldId id="408" r:id="rId10"/>
+    <p:sldId id="391" r:id="rId11"/>
+    <p:sldId id="393" r:id="rId12"/>
+    <p:sldId id="394" r:id="rId13"/>
+    <p:sldId id="395" r:id="rId14"/>
+    <p:sldId id="396" r:id="rId15"/>
+    <p:sldId id="397" r:id="rId16"/>
+    <p:sldId id="399" r:id="rId17"/>
+    <p:sldId id="401" r:id="rId18"/>
+    <p:sldId id="402" r:id="rId19"/>
+    <p:sldId id="406" r:id="rId20"/>
+    <p:sldId id="403" r:id="rId21"/>
+    <p:sldId id="405" r:id="rId22"/>
+    <p:sldId id="404" r:id="rId23"/>
+    <p:sldId id="353" r:id="rId24"/>
+    <p:sldId id="317" r:id="rId25"/>
+    <p:sldId id="390" r:id="rId26"/>
   </p:sldIdLst>
   <p:sldSz cx="9144000" cy="6858000" type="screen4x3"/>
   <p:notesSz cx="6858000" cy="9144000"/>
@@ -247,7 +249,7 @@
             <a:fld id="{0E4FF8FC-8473-4DFD-87CC-D576DA80B410}" type="datetimeFigureOut">
               <a:rPr lang="en-US" smtClean="0"/>
               <a:pPr/>
-              <a:t>5/24/2019</a:t>
+              <a:t>5/25/2019</a:t>
             </a:fld>
             <a:endParaRPr lang="en-US"/>
           </a:p>
@@ -414,7 +416,7 @@
             <a:fld id="{DBCEF50B-A2CD-498B-9049-5AC52B436F32}" type="datetimeFigureOut">
               <a:rPr lang="zh-CN" altLang="en-US" smtClean="0"/>
               <a:pPr/>
-              <a:t>2019/5/24</a:t>
+              <a:t>2019/5/25</a:t>
             </a:fld>
             <a:endParaRPr lang="zh-CN" altLang="en-US"/>
           </a:p>
@@ -842,7 +844,7 @@
     </p:spTree>
     <p:extLst>
       <p:ext uri="{BB962C8B-B14F-4D97-AF65-F5344CB8AC3E}">
-        <p14:creationId xmlns:p14="http://schemas.microsoft.com/office/powerpoint/2010/main" val="489933420"/>
+        <p14:creationId xmlns:p14="http://schemas.microsoft.com/office/powerpoint/2010/main" val="1198387198"/>
       </p:ext>
     </p:extLst>
   </p:cSld>
@@ -927,7 +929,7 @@
     </p:spTree>
     <p:extLst>
       <p:ext uri="{BB962C8B-B14F-4D97-AF65-F5344CB8AC3E}">
-        <p14:creationId xmlns:p14="http://schemas.microsoft.com/office/powerpoint/2010/main" val="974571825"/>
+        <p14:creationId xmlns:p14="http://schemas.microsoft.com/office/powerpoint/2010/main" val="1198387198"/>
       </p:ext>
     </p:extLst>
   </p:cSld>
@@ -1012,7 +1014,7 @@
     </p:spTree>
     <p:extLst>
       <p:ext uri="{BB962C8B-B14F-4D97-AF65-F5344CB8AC3E}">
-        <p14:creationId xmlns:p14="http://schemas.microsoft.com/office/powerpoint/2010/main" val="281482102"/>
+        <p14:creationId xmlns:p14="http://schemas.microsoft.com/office/powerpoint/2010/main" val="1198387198"/>
       </p:ext>
     </p:extLst>
   </p:cSld>
@@ -1097,7 +1099,7 @@
     </p:spTree>
     <p:extLst>
       <p:ext uri="{BB962C8B-B14F-4D97-AF65-F5344CB8AC3E}">
-        <p14:creationId xmlns:p14="http://schemas.microsoft.com/office/powerpoint/2010/main" val="145484699"/>
+        <p14:creationId xmlns:p14="http://schemas.microsoft.com/office/powerpoint/2010/main" val="1198387198"/>
       </p:ext>
     </p:extLst>
   </p:cSld>
@@ -1182,7 +1184,7 @@
     </p:spTree>
     <p:extLst>
       <p:ext uri="{BB962C8B-B14F-4D97-AF65-F5344CB8AC3E}">
-        <p14:creationId xmlns:p14="http://schemas.microsoft.com/office/powerpoint/2010/main" val="1190549698"/>
+        <p14:creationId xmlns:p14="http://schemas.microsoft.com/office/powerpoint/2010/main" val="1198387198"/>
       </p:ext>
     </p:extLst>
   </p:cSld>
@@ -1267,7 +1269,7 @@
     </p:spTree>
     <p:extLst>
       <p:ext uri="{BB962C8B-B14F-4D97-AF65-F5344CB8AC3E}">
-        <p14:creationId xmlns:p14="http://schemas.microsoft.com/office/powerpoint/2010/main" val="4254411773"/>
+        <p14:creationId xmlns:p14="http://schemas.microsoft.com/office/powerpoint/2010/main" val="1198387198"/>
       </p:ext>
     </p:extLst>
   </p:cSld>
@@ -1352,7 +1354,7 @@
     </p:spTree>
     <p:extLst>
       <p:ext uri="{BB962C8B-B14F-4D97-AF65-F5344CB8AC3E}">
-        <p14:creationId xmlns:p14="http://schemas.microsoft.com/office/powerpoint/2010/main" val="3429141641"/>
+        <p14:creationId xmlns:p14="http://schemas.microsoft.com/office/powerpoint/2010/main" val="1198387198"/>
       </p:ext>
     </p:extLst>
   </p:cSld>
@@ -1429,6 +1431,176 @@
               <a:rPr lang="zh-CN" altLang="en-US" smtClean="0"/>
               <a:pPr/>
               <a:t>19</a:t>
+            </a:fld>
+            <a:endParaRPr lang="zh-CN" altLang="en-US"/>
+          </a:p>
+        </p:txBody>
+      </p:sp>
+    </p:spTree>
+    <p:extLst>
+      <p:ext uri="{BB962C8B-B14F-4D97-AF65-F5344CB8AC3E}">
+        <p14:creationId xmlns:p14="http://schemas.microsoft.com/office/powerpoint/2010/main" val="1198387198"/>
+      </p:ext>
+    </p:extLst>
+  </p:cSld>
+  <p:clrMapOvr>
+    <a:masterClrMapping/>
+  </p:clrMapOvr>
+</p:notes>
+</file>
+
+<file path=ppt/notesSlides/notesSlide18.xml><?xml version="1.0" encoding="utf-8"?>
+<p:notes xmlns:a="http://schemas.openxmlformats.org/drawingml/2006/main" xmlns:r="http://schemas.openxmlformats.org/officeDocument/2006/relationships" xmlns:p="http://schemas.openxmlformats.org/presentationml/2006/main">
+  <p:cSld>
+    <p:spTree>
+      <p:nvGrpSpPr>
+        <p:cNvPr id="1" name=""/>
+        <p:cNvGrpSpPr/>
+        <p:nvPr/>
+      </p:nvGrpSpPr>
+      <p:grpSpPr>
+        <a:xfrm>
+          <a:off x="0" y="0"/>
+          <a:ext cx="0" cy="0"/>
+          <a:chOff x="0" y="0"/>
+          <a:chExt cx="0" cy="0"/>
+        </a:xfrm>
+      </p:grpSpPr>
+      <p:sp>
+        <p:nvSpPr>
+          <p:cNvPr id="2" name="幻灯片图像占位符 1"/>
+          <p:cNvSpPr>
+            <a:spLocks noGrp="1" noRot="1" noChangeAspect="1"/>
+          </p:cNvSpPr>
+          <p:nvPr>
+            <p:ph type="sldImg"/>
+          </p:nvPr>
+        </p:nvSpPr>
+        <p:spPr/>
+      </p:sp>
+      <p:sp>
+        <p:nvSpPr>
+          <p:cNvPr id="3" name="备注占位符 2"/>
+          <p:cNvSpPr>
+            <a:spLocks noGrp="1"/>
+          </p:cNvSpPr>
+          <p:nvPr>
+            <p:ph type="body" idx="1"/>
+          </p:nvPr>
+        </p:nvSpPr>
+        <p:spPr/>
+        <p:txBody>
+          <a:bodyPr/>
+          <a:lstStyle/>
+          <a:p>
+            <a:endParaRPr lang="zh-CN" altLang="en-US" dirty="0"/>
+          </a:p>
+        </p:txBody>
+      </p:sp>
+      <p:sp>
+        <p:nvSpPr>
+          <p:cNvPr id="4" name="灯片编号占位符 3"/>
+          <p:cNvSpPr>
+            <a:spLocks noGrp="1"/>
+          </p:cNvSpPr>
+          <p:nvPr>
+            <p:ph type="sldNum" sz="quarter" idx="10"/>
+          </p:nvPr>
+        </p:nvSpPr>
+        <p:spPr/>
+        <p:txBody>
+          <a:bodyPr/>
+          <a:lstStyle/>
+          <a:p>
+            <a:fld id="{3CBEB2FA-5051-4E61-825C-FAC231D30695}" type="slidenum">
+              <a:rPr lang="zh-CN" altLang="en-US" smtClean="0"/>
+              <a:pPr/>
+              <a:t>20</a:t>
+            </a:fld>
+            <a:endParaRPr lang="zh-CN" altLang="en-US"/>
+          </a:p>
+        </p:txBody>
+      </p:sp>
+    </p:spTree>
+    <p:extLst>
+      <p:ext uri="{BB962C8B-B14F-4D97-AF65-F5344CB8AC3E}">
+        <p14:creationId xmlns:p14="http://schemas.microsoft.com/office/powerpoint/2010/main" val="1198387198"/>
+      </p:ext>
+    </p:extLst>
+  </p:cSld>
+  <p:clrMapOvr>
+    <a:masterClrMapping/>
+  </p:clrMapOvr>
+</p:notes>
+</file>
+
+<file path=ppt/notesSlides/notesSlide19.xml><?xml version="1.0" encoding="utf-8"?>
+<p:notes xmlns:a="http://schemas.openxmlformats.org/drawingml/2006/main" xmlns:r="http://schemas.openxmlformats.org/officeDocument/2006/relationships" xmlns:p="http://schemas.openxmlformats.org/presentationml/2006/main">
+  <p:cSld>
+    <p:spTree>
+      <p:nvGrpSpPr>
+        <p:cNvPr id="1" name=""/>
+        <p:cNvGrpSpPr/>
+        <p:nvPr/>
+      </p:nvGrpSpPr>
+      <p:grpSpPr>
+        <a:xfrm>
+          <a:off x="0" y="0"/>
+          <a:ext cx="0" cy="0"/>
+          <a:chOff x="0" y="0"/>
+          <a:chExt cx="0" cy="0"/>
+        </a:xfrm>
+      </p:grpSpPr>
+      <p:sp>
+        <p:nvSpPr>
+          <p:cNvPr id="2" name="幻灯片图像占位符 1"/>
+          <p:cNvSpPr>
+            <a:spLocks noGrp="1" noRot="1" noChangeAspect="1"/>
+          </p:cNvSpPr>
+          <p:nvPr>
+            <p:ph type="sldImg"/>
+          </p:nvPr>
+        </p:nvSpPr>
+        <p:spPr/>
+      </p:sp>
+      <p:sp>
+        <p:nvSpPr>
+          <p:cNvPr id="3" name="备注占位符 2"/>
+          <p:cNvSpPr>
+            <a:spLocks noGrp="1"/>
+          </p:cNvSpPr>
+          <p:nvPr>
+            <p:ph type="body" idx="1"/>
+          </p:nvPr>
+        </p:nvSpPr>
+        <p:spPr/>
+        <p:txBody>
+          <a:bodyPr/>
+          <a:lstStyle/>
+          <a:p>
+            <a:endParaRPr lang="zh-CN" altLang="en-US" dirty="0"/>
+          </a:p>
+        </p:txBody>
+      </p:sp>
+      <p:sp>
+        <p:nvSpPr>
+          <p:cNvPr id="4" name="灯片编号占位符 3"/>
+          <p:cNvSpPr>
+            <a:spLocks noGrp="1"/>
+          </p:cNvSpPr>
+          <p:nvPr>
+            <p:ph type="sldNum" sz="quarter" idx="10"/>
+          </p:nvPr>
+        </p:nvSpPr>
+        <p:spPr/>
+        <p:txBody>
+          <a:bodyPr/>
+          <a:lstStyle/>
+          <a:p>
+            <a:fld id="{3CBEB2FA-5051-4E61-825C-FAC231D30695}" type="slidenum">
+              <a:rPr lang="zh-CN" altLang="en-US" smtClean="0"/>
+              <a:pPr/>
+              <a:t>21</a:t>
             </a:fld>
             <a:endParaRPr lang="zh-CN" altLang="en-US"/>
           </a:p>
@@ -1947,7 +2119,7 @@
     </p:spTree>
     <p:extLst>
       <p:ext uri="{BB962C8B-B14F-4D97-AF65-F5344CB8AC3E}">
-        <p14:creationId xmlns:p14="http://schemas.microsoft.com/office/powerpoint/2010/main" val="2136024013"/>
+        <p14:creationId xmlns:p14="http://schemas.microsoft.com/office/powerpoint/2010/main" val="1198387198"/>
       </p:ext>
     </p:extLst>
   </p:cSld>
@@ -2032,7 +2204,7 @@
     </p:spTree>
     <p:extLst>
       <p:ext uri="{BB962C8B-B14F-4D97-AF65-F5344CB8AC3E}">
-        <p14:creationId xmlns:p14="http://schemas.microsoft.com/office/powerpoint/2010/main" val="1383493700"/>
+        <p14:creationId xmlns:p14="http://schemas.microsoft.com/office/powerpoint/2010/main" val="1198387198"/>
       </p:ext>
     </p:extLst>
   </p:cSld>
@@ -2117,7 +2289,7 @@
     </p:spTree>
     <p:extLst>
       <p:ext uri="{BB962C8B-B14F-4D97-AF65-F5344CB8AC3E}">
-        <p14:creationId xmlns:p14="http://schemas.microsoft.com/office/powerpoint/2010/main" val="2562389152"/>
+        <p14:creationId xmlns:p14="http://schemas.microsoft.com/office/powerpoint/2010/main" val="1198387198"/>
       </p:ext>
     </p:extLst>
   </p:cSld>
@@ -7325,7 +7497,7 @@
             <a:fld id="{11188646-8CEC-4AE4-B1E7-ADF9D885FD96}" type="datetimeFigureOut">
               <a:rPr lang="en-US" smtClean="0"/>
               <a:pPr/>
-              <a:t>5/24/2019</a:t>
+              <a:t>5/25/2019</a:t>
             </a:fld>
             <a:endParaRPr lang="en-US"/>
           </a:p>
@@ -7492,7 +7664,7 @@
             <a:fld id="{11188646-8CEC-4AE4-B1E7-ADF9D885FD96}" type="datetimeFigureOut">
               <a:rPr lang="en-US" smtClean="0"/>
               <a:pPr/>
-              <a:t>5/24/2019</a:t>
+              <a:t>5/25/2019</a:t>
             </a:fld>
             <a:endParaRPr lang="en-US"/>
           </a:p>
@@ -7669,7 +7841,7 @@
             <a:fld id="{11188646-8CEC-4AE4-B1E7-ADF9D885FD96}" type="datetimeFigureOut">
               <a:rPr lang="en-US" smtClean="0"/>
               <a:pPr/>
-              <a:t>5/24/2019</a:t>
+              <a:t>5/25/2019</a:t>
             </a:fld>
             <a:endParaRPr lang="en-US"/>
           </a:p>
@@ -7906,7 +8078,7 @@
             <a:fld id="{16FF2618-C234-4528-BB60-72360CB0937F}" type="datetimeFigureOut">
               <a:rPr lang="en-US" smtClean="0"/>
               <a:pPr/>
-              <a:t>5/24/2019</a:t>
+              <a:t>5/25/2019</a:t>
             </a:fld>
             <a:endParaRPr lang="en-US"/>
           </a:p>
@@ -8071,7 +8243,7 @@
             <a:fld id="{16FF2618-C234-4528-BB60-72360CB0937F}" type="datetimeFigureOut">
               <a:rPr lang="en-US" smtClean="0"/>
               <a:pPr/>
-              <a:t>5/24/2019</a:t>
+              <a:t>5/25/2019</a:t>
             </a:fld>
             <a:endParaRPr lang="en-US"/>
           </a:p>
@@ -8313,7 +8485,7 @@
             <a:fld id="{16FF2618-C234-4528-BB60-72360CB0937F}" type="datetimeFigureOut">
               <a:rPr lang="en-US" smtClean="0"/>
               <a:pPr/>
-              <a:t>5/24/2019</a:t>
+              <a:t>5/25/2019</a:t>
             </a:fld>
             <a:endParaRPr lang="en-US"/>
           </a:p>
@@ -8595,7 +8767,7 @@
             <a:fld id="{16FF2618-C234-4528-BB60-72360CB0937F}" type="datetimeFigureOut">
               <a:rPr lang="en-US" smtClean="0"/>
               <a:pPr/>
-              <a:t>5/24/2019</a:t>
+              <a:t>5/25/2019</a:t>
             </a:fld>
             <a:endParaRPr lang="en-US"/>
           </a:p>
@@ -9011,7 +9183,7 @@
             <a:fld id="{16FF2618-C234-4528-BB60-72360CB0937F}" type="datetimeFigureOut">
               <a:rPr lang="en-US" smtClean="0"/>
               <a:pPr/>
-              <a:t>5/24/2019</a:t>
+              <a:t>5/25/2019</a:t>
             </a:fld>
             <a:endParaRPr lang="en-US"/>
           </a:p>
@@ -9125,7 +9297,7 @@
             <a:fld id="{16FF2618-C234-4528-BB60-72360CB0937F}" type="datetimeFigureOut">
               <a:rPr lang="en-US" smtClean="0"/>
               <a:pPr/>
-              <a:t>5/24/2019</a:t>
+              <a:t>5/25/2019</a:t>
             </a:fld>
             <a:endParaRPr lang="en-US"/>
           </a:p>
@@ -9217,7 +9389,7 @@
             <a:fld id="{16FF2618-C234-4528-BB60-72360CB0937F}" type="datetimeFigureOut">
               <a:rPr lang="en-US" smtClean="0"/>
               <a:pPr/>
-              <a:t>5/24/2019</a:t>
+              <a:t>5/25/2019</a:t>
             </a:fld>
             <a:endParaRPr lang="en-US"/>
           </a:p>
@@ -9489,7 +9661,7 @@
             <a:fld id="{16FF2618-C234-4528-BB60-72360CB0937F}" type="datetimeFigureOut">
               <a:rPr lang="en-US" smtClean="0"/>
               <a:pPr/>
-              <a:t>5/24/2019</a:t>
+              <a:t>5/25/2019</a:t>
             </a:fld>
             <a:endParaRPr lang="en-US"/>
           </a:p>
@@ -9656,7 +9828,7 @@
             <a:fld id="{11188646-8CEC-4AE4-B1E7-ADF9D885FD96}" type="datetimeFigureOut">
               <a:rPr lang="en-US" smtClean="0"/>
               <a:pPr/>
-              <a:t>5/24/2019</a:t>
+              <a:t>5/25/2019</a:t>
             </a:fld>
             <a:endParaRPr lang="en-US"/>
           </a:p>
@@ -9905,7 +10077,7 @@
             <a:fld id="{16FF2618-C234-4528-BB60-72360CB0937F}" type="datetimeFigureOut">
               <a:rPr lang="en-US" smtClean="0"/>
               <a:pPr/>
-              <a:t>5/24/2019</a:t>
+              <a:t>5/25/2019</a:t>
             </a:fld>
             <a:endParaRPr lang="en-US"/>
           </a:p>
@@ -10070,7 +10242,7 @@
             <a:fld id="{16FF2618-C234-4528-BB60-72360CB0937F}" type="datetimeFigureOut">
               <a:rPr lang="en-US" smtClean="0"/>
               <a:pPr/>
-              <a:t>5/24/2019</a:t>
+              <a:t>5/25/2019</a:t>
             </a:fld>
             <a:endParaRPr lang="en-US"/>
           </a:p>
@@ -10245,7 +10417,7 @@
             <a:fld id="{16FF2618-C234-4528-BB60-72360CB0937F}" type="datetimeFigureOut">
               <a:rPr lang="en-US" smtClean="0"/>
               <a:pPr/>
-              <a:t>5/24/2019</a:t>
+              <a:t>5/25/2019</a:t>
             </a:fld>
             <a:endParaRPr lang="en-US"/>
           </a:p>
@@ -10488,7 +10660,7 @@
             <a:fld id="{11188646-8CEC-4AE4-B1E7-ADF9D885FD96}" type="datetimeFigureOut">
               <a:rPr lang="en-US" smtClean="0"/>
               <a:pPr/>
-              <a:t>5/24/2019</a:t>
+              <a:t>5/25/2019</a:t>
             </a:fld>
             <a:endParaRPr lang="en-US"/>
           </a:p>
@@ -10773,7 +10945,7 @@
             <a:fld id="{11188646-8CEC-4AE4-B1E7-ADF9D885FD96}" type="datetimeFigureOut">
               <a:rPr lang="en-US" smtClean="0"/>
               <a:pPr/>
-              <a:t>5/24/2019</a:t>
+              <a:t>5/25/2019</a:t>
             </a:fld>
             <a:endParaRPr lang="en-US"/>
           </a:p>
@@ -11192,7 +11364,7 @@
             <a:fld id="{11188646-8CEC-4AE4-B1E7-ADF9D885FD96}" type="datetimeFigureOut">
               <a:rPr lang="en-US" smtClean="0"/>
               <a:pPr/>
-              <a:t>5/24/2019</a:t>
+              <a:t>5/25/2019</a:t>
             </a:fld>
             <a:endParaRPr lang="en-US"/>
           </a:p>
@@ -11307,7 +11479,7 @@
             <a:fld id="{11188646-8CEC-4AE4-B1E7-ADF9D885FD96}" type="datetimeFigureOut">
               <a:rPr lang="en-US" smtClean="0"/>
               <a:pPr/>
-              <a:t>5/24/2019</a:t>
+              <a:t>5/25/2019</a:t>
             </a:fld>
             <a:endParaRPr lang="en-US"/>
           </a:p>
@@ -11399,7 +11571,7 @@
             <a:fld id="{11188646-8CEC-4AE4-B1E7-ADF9D885FD96}" type="datetimeFigureOut">
               <a:rPr lang="en-US" smtClean="0"/>
               <a:pPr/>
-              <a:t>5/24/2019</a:t>
+              <a:t>5/25/2019</a:t>
             </a:fld>
             <a:endParaRPr lang="en-US"/>
           </a:p>
@@ -11673,7 +11845,7 @@
             <a:fld id="{11188646-8CEC-4AE4-B1E7-ADF9D885FD96}" type="datetimeFigureOut">
               <a:rPr lang="en-US" smtClean="0"/>
               <a:pPr/>
-              <a:t>5/24/2019</a:t>
+              <a:t>5/25/2019</a:t>
             </a:fld>
             <a:endParaRPr lang="en-US"/>
           </a:p>
@@ -11927,7 +12099,7 @@
             <a:fld id="{11188646-8CEC-4AE4-B1E7-ADF9D885FD96}" type="datetimeFigureOut">
               <a:rPr lang="en-US" smtClean="0"/>
               <a:pPr/>
-              <a:t>5/24/2019</a:t>
+              <a:t>5/25/2019</a:t>
             </a:fld>
             <a:endParaRPr lang="en-US"/>
           </a:p>
@@ -13566,7 +13738,7 @@
             <a:fld id="{11188646-8CEC-4AE4-B1E7-ADF9D885FD96}" type="datetimeFigureOut">
               <a:rPr lang="en-US" smtClean="0"/>
               <a:pPr/>
-              <a:t>5/24/2019</a:t>
+              <a:t>5/25/2019</a:t>
             </a:fld>
             <a:endParaRPr lang="en-US"/>
           </a:p>
@@ -14086,7 +14258,7 @@
             <a:fld id="{16FF2618-C234-4528-BB60-72360CB0937F}" type="datetimeFigureOut">
               <a:rPr lang="en-US" smtClean="0"/>
               <a:pPr/>
-              <a:t>5/24/2019</a:t>
+              <a:t>5/25/2019</a:t>
             </a:fld>
             <a:endParaRPr lang="en-US"/>
           </a:p>
@@ -14499,34 +14671,7 @@
                 </a:solidFill>
                 <a:latin typeface="Comic Sans MS" panose="030F0702030302020204" pitchFamily="66" charset="0"/>
               </a:rPr>
-              <a:t>International Conference on Computer Vision (</a:t>
-            </a:r>
-            <a:r>
-              <a:rPr lang="en-US" altLang="zh-CN" sz="1600" b="1" i="1" dirty="0" smtClean="0">
-                <a:solidFill>
-                  <a:schemeClr val="accent2"/>
-                </a:solidFill>
-                <a:latin typeface="Comic Sans MS" panose="030F0702030302020204" pitchFamily="66" charset="0"/>
-              </a:rPr>
-              <a:t>ICCV</a:t>
-            </a:r>
-            <a:r>
-              <a:rPr lang="en-US" altLang="zh-CN" sz="1600" b="1" i="1" dirty="0" smtClean="0">
-                <a:solidFill>
-                  <a:schemeClr val="accent2"/>
-                </a:solidFill>
-                <a:latin typeface="Comic Sans MS" panose="030F0702030302020204" pitchFamily="66" charset="0"/>
-              </a:rPr>
-              <a:t>),</a:t>
-            </a:r>
-            <a:r>
-              <a:rPr lang="en-US" altLang="zh-CN" sz="1600" b="1" i="1" dirty="0" smtClean="0">
-                <a:solidFill>
-                  <a:schemeClr val="accent2"/>
-                </a:solidFill>
-                <a:latin typeface="Comic Sans MS" panose="030F0702030302020204" pitchFamily="66" charset="0"/>
-              </a:rPr>
-              <a:t>2011. </a:t>
+              <a:t>International Conference on Computer Vision (ICCV),2011. </a:t>
             </a:r>
           </a:p>
           <a:p>
@@ -14762,7 +14907,7 @@
         <p:spPr bwMode="auto">
           <a:xfrm>
             <a:off x="257175" y="142852"/>
-            <a:ext cx="8779321" cy="609600"/>
+            <a:ext cx="8491289" cy="609600"/>
           </a:xfrm>
           <a:prstGeom prst="rect">
             <a:avLst/>
@@ -14787,7 +14932,14 @@
                 <a:latin typeface="Calibri" pitchFamily="34" charset="0"/>
                 <a:cs typeface="Calibri" pitchFamily="34" charset="0"/>
               </a:rPr>
-              <a:t>3  MRPCA (Moving Robust Principal Component Analysis)</a:t>
+              <a:t>4.1 Viewing Graph </a:t>
+            </a:r>
+            <a:r>
+              <a:rPr lang="en-US" altLang="zh-CN" sz="2800" b="1" i="1" dirty="0" smtClean="0">
+                <a:latin typeface="Calibri" pitchFamily="34" charset="0"/>
+                <a:cs typeface="Calibri" pitchFamily="34" charset="0"/>
+              </a:rPr>
+              <a:t>Optimization</a:t>
             </a:r>
             <a:endParaRPr lang="zh-CN" altLang="en-US" sz="3200" b="1" kern="0" dirty="0">
               <a:effectLst/>
@@ -14798,119 +14950,287 @@
           </a:p>
         </p:txBody>
       </p:sp>
-      <p:sp>
-        <p:nvSpPr>
-          <p:cNvPr id="2" name="文本框 1"/>
-          <p:cNvSpPr txBox="1"/>
+      <p:pic>
+        <p:nvPicPr>
+          <p:cNvPr id="11" name="Picture 2"/>
+          <p:cNvPicPr>
+            <a:picLocks noChangeAspect="1" noChangeArrowheads="1"/>
+          </p:cNvPicPr>
           <p:nvPr/>
-        </p:nvSpPr>
-        <p:spPr>
+        </p:nvPicPr>
+        <p:blipFill rotWithShape="1">
+          <a:blip r:embed="rId3">
+            <a:extLst>
+              <a:ext uri="{28A0092B-C50C-407E-A947-70E740481C1C}">
+                <a14:useLocalDpi xmlns:a14="http://schemas.microsoft.com/office/drawing/2010/main" val="0"/>
+              </a:ext>
+            </a:extLst>
+          </a:blip>
+          <a:srcRect r="49850"/>
+          <a:stretch/>
+        </p:blipFill>
+        <p:spPr bwMode="auto">
           <a:xfrm>
-            <a:off x="467544" y="836712"/>
-            <a:ext cx="8064041" cy="2308324"/>
+            <a:off x="5123432" y="1536191"/>
+            <a:ext cx="3424989" cy="1928813"/>
           </a:xfrm>
           <a:prstGeom prst="rect">
             <a:avLst/>
           </a:prstGeom>
           <a:noFill/>
+          <a:ln>
+            <a:noFill/>
+          </a:ln>
+          <a:effectLst/>
+          <a:extLst>
+            <a:ext uri="{909E8E84-426E-40DD-AFC4-6F175D3DCCD1}">
+              <a14:hiddenFill xmlns:a14="http://schemas.microsoft.com/office/drawing/2010/main">
+                <a:solidFill>
+                  <a:schemeClr val="accent1"/>
+                </a:solidFill>
+              </a14:hiddenFill>
+            </a:ext>
+            <a:ext uri="{91240B29-F687-4F45-9708-019B960494DF}">
+              <a14:hiddenLine xmlns:a14="http://schemas.microsoft.com/office/drawing/2010/main" w="9525">
+                <a:solidFill>
+                  <a:schemeClr val="tx1"/>
+                </a:solidFill>
+                <a:miter lim="800000"/>
+                <a:headEnd/>
+                <a:tailEnd/>
+              </a14:hiddenLine>
+            </a:ext>
+            <a:ext uri="{AF507438-7753-43E0-B8FC-AC1667EBCBE1}">
+              <a14:hiddenEffects xmlns:a14="http://schemas.microsoft.com/office/drawing/2010/main">
+                <a:effectLst>
+                  <a:outerShdw dist="35921" dir="2700000" algn="ctr" rotWithShape="0">
+                    <a:schemeClr val="bg2"/>
+                  </a:outerShdw>
+                </a:effectLst>
+              </a14:hiddenEffects>
+            </a:ext>
+          </a:extLst>
         </p:spPr>
-        <p:txBody>
-          <a:bodyPr wrap="square" rtlCol="0">
+      </p:pic>
+      <p:pic>
+        <p:nvPicPr>
+          <p:cNvPr id="12" name="Picture 2"/>
+          <p:cNvPicPr>
+            <a:picLocks noChangeAspect="1" noChangeArrowheads="1"/>
+          </p:cNvPicPr>
+          <p:nvPr/>
+        </p:nvPicPr>
+        <p:blipFill rotWithShape="1">
+          <a:blip r:embed="rId3">
+            <a:extLst>
+              <a:ext uri="{28A0092B-C50C-407E-A947-70E740481C1C}">
+                <a14:useLocalDpi xmlns:a14="http://schemas.microsoft.com/office/drawing/2010/main" val="0"/>
+              </a:ext>
+            </a:extLst>
+          </a:blip>
+          <a:srcRect l="50000"/>
+          <a:stretch/>
+        </p:blipFill>
+        <p:spPr bwMode="auto">
+          <a:xfrm>
+            <a:off x="5137787" y="3479243"/>
+            <a:ext cx="3414713" cy="1928813"/>
+          </a:xfrm>
+          <a:prstGeom prst="rect">
+            <a:avLst/>
+          </a:prstGeom>
+          <a:noFill/>
+          <a:ln>
+            <a:noFill/>
+          </a:ln>
+          <a:effectLst/>
+          <a:extLst>
+            <a:ext uri="{909E8E84-426E-40DD-AFC4-6F175D3DCCD1}">
+              <a14:hiddenFill xmlns:a14="http://schemas.microsoft.com/office/drawing/2010/main">
+                <a:solidFill>
+                  <a:schemeClr val="accent1"/>
+                </a:solidFill>
+              </a14:hiddenFill>
+            </a:ext>
+            <a:ext uri="{91240B29-F687-4F45-9708-019B960494DF}">
+              <a14:hiddenLine xmlns:a14="http://schemas.microsoft.com/office/drawing/2010/main" w="9525">
+                <a:solidFill>
+                  <a:schemeClr val="tx1"/>
+                </a:solidFill>
+                <a:miter lim="800000"/>
+                <a:headEnd/>
+                <a:tailEnd/>
+              </a14:hiddenLine>
+            </a:ext>
+            <a:ext uri="{AF507438-7753-43E0-B8FC-AC1667EBCBE1}">
+              <a14:hiddenEffects xmlns:a14="http://schemas.microsoft.com/office/drawing/2010/main">
+                <a:effectLst>
+                  <a:outerShdw dist="35921" dir="2700000" algn="ctr" rotWithShape="0">
+                    <a:schemeClr val="bg2"/>
+                  </a:outerShdw>
+                </a:effectLst>
+              </a14:hiddenEffects>
+            </a:ext>
+          </a:extLst>
+        </p:spPr>
+      </p:pic>
+      <p:sp>
+        <p:nvSpPr>
+          <p:cNvPr id="4" name="矩形 3"/>
+          <p:cNvSpPr/>
+          <p:nvPr/>
+        </p:nvSpPr>
+        <p:spPr>
+          <a:xfrm>
+            <a:off x="499523" y="5408056"/>
+            <a:ext cx="8006592" cy="1354217"/>
+          </a:xfrm>
+          <a:prstGeom prst="rect">
+            <a:avLst/>
+          </a:prstGeom>
+        </p:spPr>
+        <p:txBody>
+          <a:bodyPr wrap="square">
             <a:spAutoFit/>
           </a:bodyPr>
           <a:lstStyle/>
           <a:p>
-            <a:pPr indent="457200">
-              <a:lnSpc>
-                <a:spcPct val="150000"/>
-              </a:lnSpc>
+            <a:r>
+              <a:rPr lang="en-US" altLang="zh-CN" sz="2400" b="1" dirty="0" smtClean="0">
+                <a:latin typeface="Times New Roman" pitchFamily="18" charset="0"/>
+                <a:cs typeface="Times New Roman" pitchFamily="18" charset="0"/>
+              </a:rPr>
+              <a:t>Condition</a:t>
+            </a:r>
+            <a:endParaRPr lang="en-US" altLang="zh-CN" sz="2400" b="1" dirty="0">
+              <a:latin typeface="Times New Roman" pitchFamily="18" charset="0"/>
+              <a:cs typeface="Times New Roman" pitchFamily="18" charset="0"/>
+            </a:endParaRPr>
+          </a:p>
+          <a:p>
+            <a:pPr marL="914400" lvl="1" indent="-457200">
+              <a:spcAft>
+                <a:spcPts val="1200"/>
+              </a:spcAft>
+              <a:buFont typeface="+mj-lt"/>
+              <a:buAutoNum type="arabicParenR"/>
             </a:pPr>
             <a:r>
+              <a:rPr lang="en-US" altLang="zh-CN" sz="2400" dirty="0">
+                <a:latin typeface="Times New Roman" pitchFamily="18" charset="0"/>
+                <a:cs typeface="Times New Roman" pitchFamily="18" charset="0"/>
+              </a:rPr>
+              <a:t>Every view is in at least one </a:t>
+            </a:r>
+            <a:r>
               <a:rPr lang="en-US" altLang="zh-CN" sz="2400" dirty="0" smtClean="0">
-                <a:latin typeface="Times New Roman" panose="02020603050405020304" pitchFamily="18" charset="0"/>
-                <a:cs typeface="Times New Roman" panose="02020603050405020304" pitchFamily="18" charset="0"/>
+                <a:latin typeface="Times New Roman" pitchFamily="18" charset="0"/>
+                <a:cs typeface="Times New Roman" pitchFamily="18" charset="0"/>
               </a:rPr>
-              <a:t>MRPCA is an algorithm which applied RPCA to point cloud </a:t>
-            </a:r>
-            <a:r>
-              <a:rPr lang="en-US" altLang="zh-CN" sz="2400" dirty="0" err="1" smtClean="0">
-                <a:latin typeface="Times New Roman" panose="02020603050405020304" pitchFamily="18" charset="0"/>
-                <a:cs typeface="Times New Roman" panose="02020603050405020304" pitchFamily="18" charset="0"/>
+              <a:t>triplet.</a:t>
+            </a:r>
+          </a:p>
+          <a:p>
+            <a:pPr marL="914400" lvl="1" indent="-457200">
+              <a:spcAft>
+                <a:spcPts val="1200"/>
+              </a:spcAft>
+              <a:buFont typeface="+mj-lt"/>
+              <a:buAutoNum type="arabicParenR"/>
+            </a:pPr>
+            <a:r>
+              <a:rPr lang="en-US" altLang="zh-CN" sz="2400" dirty="0" smtClean="0">
+                <a:latin typeface="Times New Roman" pitchFamily="18" charset="0"/>
+                <a:cs typeface="Times New Roman" pitchFamily="18" charset="0"/>
               </a:rPr>
-              <a:t>denoising</a:t>
-            </a:r>
-            <a:r>
-              <a:rPr lang="en-US" altLang="zh-CN" sz="2400" dirty="0" smtClean="0">
-                <a:latin typeface="Times New Roman" panose="02020603050405020304" pitchFamily="18" charset="0"/>
-                <a:cs typeface="Times New Roman" panose="02020603050405020304" pitchFamily="18" charset="0"/>
+              <a:t>There </a:t>
+            </a:r>
+            <a:r>
+              <a:rPr lang="en-US" altLang="zh-CN" sz="2400" dirty="0">
+                <a:latin typeface="Times New Roman" pitchFamily="18" charset="0"/>
+                <a:cs typeface="Times New Roman" pitchFamily="18" charset="0"/>
               </a:rPr>
-              <a:t>. </a:t>
-            </a:r>
-          </a:p>
-          <a:p>
-            <a:pPr>
-              <a:lnSpc>
-                <a:spcPct val="150000"/>
-              </a:lnSpc>
-            </a:pPr>
-            <a:r>
-              <a:rPr lang="en-US" altLang="zh-CN" sz="2400" dirty="0" smtClean="0">
-                <a:latin typeface="Times New Roman" panose="02020603050405020304" pitchFamily="18" charset="0"/>
-                <a:cs typeface="Times New Roman" panose="02020603050405020304" pitchFamily="18" charset="0"/>
+              <a:t>are no more “good” edges that can be added.</a:t>
+            </a:r>
+          </a:p>
+        </p:txBody>
+      </p:sp>
+      <p:pic>
+        <p:nvPicPr>
+          <p:cNvPr id="1032" name="Picture 8" descr="D:\mondy-report\monday-speech\OptimazeGraph.png"/>
+          <p:cNvPicPr>
+            <a:picLocks noChangeAspect="1" noChangeArrowheads="1"/>
+          </p:cNvPicPr>
+          <p:nvPr/>
+        </p:nvPicPr>
+        <p:blipFill rotWithShape="1">
+          <a:blip r:embed="rId4">
+            <a:extLst>
+              <a:ext uri="{28A0092B-C50C-407E-A947-70E740481C1C}">
+                <a14:useLocalDpi xmlns:a14="http://schemas.microsoft.com/office/drawing/2010/main" val="0"/>
+              </a:ext>
+            </a:extLst>
+          </a:blip>
+          <a:srcRect l="7498" t="6151" r="7924" b="9136"/>
+          <a:stretch/>
+        </p:blipFill>
+        <p:spPr bwMode="auto">
+          <a:xfrm>
+            <a:off x="571469" y="1259462"/>
+            <a:ext cx="3893371" cy="4248472"/>
+          </a:xfrm>
+          <a:prstGeom prst="rect">
+            <a:avLst/>
+          </a:prstGeom>
+          <a:noFill/>
+          <a:extLst>
+            <a:ext uri="{909E8E84-426E-40DD-AFC4-6F175D3DCCD1}">
+              <a14:hiddenFill xmlns:a14="http://schemas.microsoft.com/office/drawing/2010/main">
+                <a:solidFill>
+                  <a:srgbClr val="FFFFFF"/>
+                </a:solidFill>
+              </a14:hiddenFill>
+            </a:ext>
+          </a:extLst>
+        </p:spPr>
+      </p:pic>
+      <p:sp>
+        <p:nvSpPr>
+          <p:cNvPr id="7" name="矩形 6"/>
+          <p:cNvSpPr/>
+          <p:nvPr/>
+        </p:nvSpPr>
+        <p:spPr>
+          <a:xfrm>
+            <a:off x="2992323" y="736242"/>
+            <a:ext cx="2945037" cy="523220"/>
+          </a:xfrm>
+          <a:prstGeom prst="rect">
+            <a:avLst/>
+          </a:prstGeom>
+        </p:spPr>
+        <p:txBody>
+          <a:bodyPr wrap="none">
+            <a:spAutoFit/>
+          </a:bodyPr>
+          <a:lstStyle/>
+          <a:p>
+            <a:r>
+              <a:rPr lang="en-US" altLang="zh-CN" sz="2800" b="1" i="1" dirty="0">
+                <a:solidFill>
+                  <a:schemeClr val="accent2"/>
+                </a:solidFill>
+                <a:latin typeface="Times New Roman" pitchFamily="18" charset="0"/>
+                <a:cs typeface="Times New Roman" pitchFamily="18" charset="0"/>
               </a:rPr>
-              <a:t>(1) A factor analysis model to </a:t>
-            </a:r>
-            <a:r>
-              <a:rPr lang="en-US" altLang="zh-CN" sz="2400" b="1" dirty="0" smtClean="0">
-                <a:solidFill>
-                  <a:srgbClr val="FF0000"/>
-                </a:solidFill>
-                <a:latin typeface="Times New Roman" panose="02020603050405020304" pitchFamily="18" charset="0"/>
-                <a:cs typeface="Times New Roman" panose="02020603050405020304" pitchFamily="18" charset="0"/>
-              </a:rPr>
-              <a:t>process local neighborhoods</a:t>
-            </a:r>
-            <a:r>
-              <a:rPr lang="en-US" altLang="zh-CN" sz="2400" dirty="0" smtClean="0">
-                <a:latin typeface="Times New Roman" panose="02020603050405020304" pitchFamily="18" charset="0"/>
-                <a:cs typeface="Times New Roman" panose="02020603050405020304" pitchFamily="18" charset="0"/>
-              </a:rPr>
-              <a:t>;</a:t>
-            </a:r>
-          </a:p>
-          <a:p>
-            <a:pPr>
-              <a:lnSpc>
-                <a:spcPct val="150000"/>
-              </a:lnSpc>
-            </a:pPr>
-            <a:r>
-              <a:rPr lang="en-US" altLang="zh-CN" sz="2400" dirty="0" smtClean="0">
-                <a:latin typeface="Times New Roman" panose="02020603050405020304" pitchFamily="18" charset="0"/>
-                <a:cs typeface="Times New Roman" panose="02020603050405020304" pitchFamily="18" charset="0"/>
-              </a:rPr>
-              <a:t>(2) A global approach to process </a:t>
-            </a:r>
-            <a:r>
-              <a:rPr lang="en-US" altLang="zh-CN" sz="2400" b="1" dirty="0" smtClean="0">
-                <a:solidFill>
-                  <a:srgbClr val="FF0000"/>
-                </a:solidFill>
-                <a:latin typeface="Times New Roman" panose="02020603050405020304" pitchFamily="18" charset="0"/>
-                <a:cs typeface="Times New Roman" panose="02020603050405020304" pitchFamily="18" charset="0"/>
-              </a:rPr>
-              <a:t>overlapped regions</a:t>
-            </a:r>
-            <a:r>
-              <a:rPr lang="en-US" altLang="zh-CN" sz="2400" dirty="0" smtClean="0">
-                <a:latin typeface="Times New Roman" panose="02020603050405020304" pitchFamily="18" charset="0"/>
-                <a:cs typeface="Times New Roman" panose="02020603050405020304" pitchFamily="18" charset="0"/>
-              </a:rPr>
-              <a:t>.</a:t>
-            </a:r>
-            <a:endParaRPr lang="en-US" altLang="zh-CN" sz="2400" dirty="0">
-              <a:latin typeface="Times New Roman" panose="02020603050405020304" pitchFamily="18" charset="0"/>
-              <a:cs typeface="Times New Roman" panose="02020603050405020304" pitchFamily="18" charset="0"/>
+              <a:t>Edge Optimization</a:t>
+            </a:r>
+            <a:endParaRPr lang="en-US" sz="2800" dirty="0">
+              <a:solidFill>
+                <a:schemeClr val="accent2"/>
+              </a:solidFill>
+              <a:latin typeface="Times New Roman" pitchFamily="18" charset="0"/>
+              <a:cs typeface="Times New Roman" pitchFamily="18" charset="0"/>
             </a:endParaRPr>
           </a:p>
         </p:txBody>
@@ -14918,7 +15238,7 @@
     </p:spTree>
     <p:extLst>
       <p:ext uri="{BB962C8B-B14F-4D97-AF65-F5344CB8AC3E}">
-        <p14:creationId xmlns:p14="http://schemas.microsoft.com/office/powerpoint/2010/main" val="150326541"/>
+        <p14:creationId xmlns:p14="http://schemas.microsoft.com/office/powerpoint/2010/main" val="1286310014"/>
       </p:ext>
     </p:extLst>
   </p:cSld>
@@ -15000,7 +15320,7 @@
         <p:spPr bwMode="auto">
           <a:xfrm>
             <a:off x="257175" y="142852"/>
-            <a:ext cx="7699201" cy="609600"/>
+            <a:ext cx="9499401" cy="609600"/>
           </a:xfrm>
           <a:prstGeom prst="rect">
             <a:avLst/>
@@ -15025,7 +15345,14 @@
                 <a:latin typeface="Calibri" pitchFamily="34" charset="0"/>
                 <a:cs typeface="Calibri" pitchFamily="34" charset="0"/>
               </a:rPr>
-              <a:t>3.1  MRPCA —— Local Neighborhoods Processing</a:t>
+              <a:t>4.1 Viewing Graph </a:t>
+            </a:r>
+            <a:r>
+              <a:rPr lang="en-US" altLang="zh-CN" sz="2800" b="1" i="1" dirty="0" smtClean="0">
+                <a:latin typeface="Calibri" pitchFamily="34" charset="0"/>
+                <a:cs typeface="Calibri" pitchFamily="34" charset="0"/>
+              </a:rPr>
+              <a:t>Optimization</a:t>
             </a:r>
             <a:endParaRPr lang="zh-CN" altLang="en-US" sz="3200" b="1" kern="0" dirty="0">
               <a:effectLst/>
@@ -15036,594 +15363,94 @@
           </a:p>
         </p:txBody>
       </p:sp>
-      <p:grpSp>
-        <p:nvGrpSpPr>
-          <p:cNvPr id="12" name="组合 11"/>
-          <p:cNvGrpSpPr/>
-          <p:nvPr/>
-        </p:nvGrpSpPr>
-        <p:grpSpPr>
-          <a:xfrm>
-            <a:off x="689555" y="764704"/>
-            <a:ext cx="7482845" cy="1168137"/>
-            <a:chOff x="683568" y="964718"/>
-            <a:chExt cx="7482845" cy="1168137"/>
-          </a:xfrm>
-        </p:grpSpPr>
-        <p:pic>
-          <p:nvPicPr>
-            <p:cNvPr id="3" name="图片 2"/>
-            <p:cNvPicPr>
-              <a:picLocks noChangeAspect="1"/>
-            </p:cNvPicPr>
-            <p:nvPr/>
-          </p:nvPicPr>
-          <p:blipFill>
-            <a:blip r:embed="rId3"/>
-            <a:stretch>
-              <a:fillRect/>
-            </a:stretch>
-          </p:blipFill>
-          <p:spPr>
-            <a:xfrm>
-              <a:off x="683568" y="964718"/>
-              <a:ext cx="7482845" cy="1168137"/>
-            </a:xfrm>
-            <a:prstGeom prst="rect">
-              <a:avLst/>
-            </a:prstGeom>
-          </p:spPr>
-        </p:pic>
-        <p:sp>
-          <p:nvSpPr>
-            <p:cNvPr id="6" name="椭圆 5"/>
-            <p:cNvSpPr/>
-            <p:nvPr/>
-          </p:nvSpPr>
-          <p:spPr>
-            <a:xfrm>
-              <a:off x="6981998" y="1078564"/>
-              <a:ext cx="435648" cy="576064"/>
-            </a:xfrm>
-            <a:prstGeom prst="ellipse">
-              <a:avLst/>
-            </a:prstGeom>
-            <a:noFill/>
-            <a:ln>
-              <a:solidFill>
-                <a:srgbClr val="FF0000"/>
-              </a:solidFill>
-            </a:ln>
-          </p:spPr>
-          <p:style>
-            <a:lnRef idx="2">
-              <a:schemeClr val="accent1">
-                <a:shade val="50000"/>
-              </a:schemeClr>
-            </a:lnRef>
-            <a:fillRef idx="1">
-              <a:schemeClr val="accent1"/>
-            </a:fillRef>
-            <a:effectRef idx="0">
-              <a:schemeClr val="accent1"/>
-            </a:effectRef>
-            <a:fontRef idx="minor">
-              <a:schemeClr val="lt1"/>
-            </a:fontRef>
-          </p:style>
-          <p:txBody>
-            <a:bodyPr lIns="18000" tIns="18000" rIns="18000" bIns="18000" rtlCol="0" anchor="ctr">
-              <a:noAutofit/>
-            </a:bodyPr>
-            <a:lstStyle/>
-            <a:p>
-              <a:pPr algn="ctr"/>
-              <a:endParaRPr lang="zh-CN" altLang="en-US" sz="1400" b="1" dirty="0" smtClean="0">
-                <a:solidFill>
-                  <a:srgbClr val="336699"/>
-                </a:solidFill>
-                <a:latin typeface="楷体" pitchFamily="49" charset="-122"/>
-                <a:ea typeface="楷体" pitchFamily="49" charset="-122"/>
-                <a:cs typeface="MoolBoran" pitchFamily="34" charset="0"/>
-              </a:endParaRPr>
-            </a:p>
-          </p:txBody>
-        </p:sp>
-      </p:grpSp>
-      <mc:AlternateContent xmlns:mc="http://schemas.openxmlformats.org/markup-compatibility/2006" xmlns:a14="http://schemas.microsoft.com/office/drawing/2010/main">
-        <mc:Choice Requires="a14">
-          <p:sp>
-            <p:nvSpPr>
-              <p:cNvPr id="11" name="文本框 10"/>
-              <p:cNvSpPr txBox="1"/>
-              <p:nvPr/>
-            </p:nvSpPr>
-            <p:spPr>
-              <a:xfrm>
-                <a:off x="668244" y="2021939"/>
-                <a:ext cx="8032976" cy="830997"/>
-              </a:xfrm>
-              <a:prstGeom prst="rect">
-                <a:avLst/>
-              </a:prstGeom>
-              <a:noFill/>
-            </p:spPr>
-            <p:txBody>
-              <a:bodyPr wrap="square" rtlCol="0">
-                <a:spAutoFit/>
-              </a:bodyPr>
-              <a:lstStyle/>
-              <a:p>
-                <a:pPr indent="457200" latinLnBrk="1"/>
-                <a:r>
-                  <a:rPr lang="en-US" altLang="zh-CN" sz="2400" dirty="0" smtClean="0">
-                    <a:latin typeface="Times New Roman" panose="02020603050405020304" pitchFamily="18" charset="0"/>
-                    <a:cs typeface="Times New Roman" panose="02020603050405020304" pitchFamily="18" charset="0"/>
-                  </a:rPr>
-                  <a:t>Here, the weight </a:t>
-                </a:r>
-                <a14:m>
-                  <m:oMath xmlns:m="http://schemas.openxmlformats.org/officeDocument/2006/math">
-                    <m:sSub>
-                      <m:sSubPr>
-                        <m:ctrlPr>
-                          <a:rPr lang="en-US" altLang="zh-CN" sz="2400" i="1" smtClean="0">
-                            <a:latin typeface="Cambria Math"/>
-                          </a:rPr>
-                        </m:ctrlPr>
-                      </m:sSubPr>
-                      <m:e>
-                        <m:r>
-                          <a:rPr lang="en-US" altLang="zh-CN" sz="2400" b="0" i="1" smtClean="0">
-                            <a:latin typeface="Cambria Math" panose="02040503050406030204" pitchFamily="18" charset="0"/>
-                          </a:rPr>
-                          <m:t>𝑤</m:t>
-                        </m:r>
-                      </m:e>
-                      <m:sub>
-                        <m:r>
-                          <a:rPr lang="en-US" altLang="zh-CN" sz="2400" b="0" i="1" smtClean="0">
-                            <a:latin typeface="Cambria Math" panose="02040503050406030204" pitchFamily="18" charset="0"/>
-                          </a:rPr>
-                          <m:t>𝑖𝑙</m:t>
-                        </m:r>
-                      </m:sub>
-                    </m:sSub>
-                  </m:oMath>
-                </a14:m>
-                <a:r>
-                  <a:rPr lang="zh-CN" altLang="en-US" sz="2400" dirty="0" smtClean="0">
-                    <a:latin typeface="Times New Roman" panose="02020603050405020304" pitchFamily="18" charset="0"/>
-                    <a:cs typeface="Times New Roman" panose="02020603050405020304" pitchFamily="18" charset="0"/>
-                  </a:rPr>
-                  <a:t> </a:t>
-                </a:r>
-                <a:r>
-                  <a:rPr lang="en-US" altLang="zh-CN" sz="2400" dirty="0" smtClean="0">
-                    <a:latin typeface="Times New Roman" panose="02020603050405020304" pitchFamily="18" charset="0"/>
-                    <a:cs typeface="Times New Roman" panose="02020603050405020304" pitchFamily="18" charset="0"/>
-                  </a:rPr>
-                  <a:t>is a function to </a:t>
-                </a:r>
-                <a:r>
-                  <a:rPr lang="en-US" altLang="zh-CN" sz="2400" b="1" dirty="0" smtClean="0">
-                    <a:solidFill>
-                      <a:srgbClr val="FF0000"/>
-                    </a:solidFill>
-                    <a:latin typeface="Times New Roman" panose="02020603050405020304" pitchFamily="18" charset="0"/>
-                    <a:cs typeface="Times New Roman" panose="02020603050405020304" pitchFamily="18" charset="0"/>
-                  </a:rPr>
-                  <a:t>increase the influence </a:t>
-                </a:r>
-                <a:r>
-                  <a:rPr lang="en-US" altLang="zh-CN" sz="2400" dirty="0" smtClean="0">
-                    <a:latin typeface="Times New Roman" panose="02020603050405020304" pitchFamily="18" charset="0"/>
-                    <a:cs typeface="Times New Roman" panose="02020603050405020304" pitchFamily="18" charset="0"/>
-                  </a:rPr>
-                  <a:t>of points who have similar normal vector.</a:t>
-                </a:r>
-                <a:endParaRPr lang="zh-CN" altLang="en-US" sz="2400" dirty="0">
-                  <a:latin typeface="Times New Roman" panose="02020603050405020304" pitchFamily="18" charset="0"/>
-                  <a:cs typeface="Times New Roman" panose="02020603050405020304" pitchFamily="18" charset="0"/>
-                </a:endParaRPr>
-              </a:p>
-            </p:txBody>
-          </p:sp>
-        </mc:Choice>
-        <mc:Fallback xmlns="">
-          <p:sp>
-            <p:nvSpPr>
-              <p:cNvPr id="11" name="文本框 10"/>
-              <p:cNvSpPr txBox="1">
-                <a:spLocks noRot="1" noChangeAspect="1" noMove="1" noResize="1" noEditPoints="1" noAdjustHandles="1" noChangeArrowheads="1" noChangeShapeType="1" noTextEdit="1"/>
-              </p:cNvSpPr>
-              <p:nvPr/>
-            </p:nvSpPr>
-            <p:spPr>
-              <a:xfrm>
-                <a:off x="668244" y="2021939"/>
-                <a:ext cx="8032976" cy="830997"/>
-              </a:xfrm>
-              <a:prstGeom prst="rect">
-                <a:avLst/>
-              </a:prstGeom>
-              <a:blipFill>
-                <a:blip r:embed="rId4"/>
-                <a:stretch>
-                  <a:fillRect l="-1215" t="-5882" r="-456" b="-16176"/>
-                </a:stretch>
-              </a:blipFill>
-            </p:spPr>
-            <p:txBody>
-              <a:bodyPr/>
-              <a:lstStyle/>
-              <a:p>
-                <a:r>
-                  <a:rPr lang="zh-CN" altLang="en-US">
-                    <a:noFill/>
-                  </a:rPr>
-                  <a:t> </a:t>
-                </a:r>
-              </a:p>
-            </p:txBody>
-          </p:sp>
-        </mc:Fallback>
-      </mc:AlternateContent>
       <p:pic>
         <p:nvPicPr>
-          <p:cNvPr id="4" name="图片 3"/>
+          <p:cNvPr id="7170" name="Picture 2" descr="D:\mondy-report\monday-speech\FeatureOptimization.png"/>
           <p:cNvPicPr>
-            <a:picLocks noChangeAspect="1"/>
+            <a:picLocks noChangeAspect="1" noChangeArrowheads="1"/>
           </p:cNvPicPr>
           <p:nvPr/>
         </p:nvPicPr>
         <p:blipFill>
-          <a:blip r:embed="rId5"/>
+          <a:blip r:embed="rId3">
+            <a:extLst>
+              <a:ext uri="{28A0092B-C50C-407E-A947-70E740481C1C}">
+                <a14:useLocalDpi xmlns:a14="http://schemas.microsoft.com/office/drawing/2010/main" val="0"/>
+              </a:ext>
+            </a:extLst>
+          </a:blip>
+          <a:srcRect/>
           <a:stretch>
             <a:fillRect/>
           </a:stretch>
         </p:blipFill>
+        <p:spPr bwMode="auto">
+          <a:xfrm>
+            <a:off x="490563" y="1425603"/>
+            <a:ext cx="7867651" cy="2657475"/>
+          </a:xfrm>
+          <a:prstGeom prst="rect">
+            <a:avLst/>
+          </a:prstGeom>
+          <a:noFill/>
+          <a:extLst>
+            <a:ext uri="{909E8E84-426E-40DD-AFC4-6F175D3DCCD1}">
+              <a14:hiddenFill xmlns:a14="http://schemas.microsoft.com/office/drawing/2010/main">
+                <a:solidFill>
+                  <a:srgbClr val="FFFFFF"/>
+                </a:solidFill>
+              </a14:hiddenFill>
+            </a:ext>
+          </a:extLst>
+        </p:spPr>
+      </p:pic>
+      <p:sp>
+        <p:nvSpPr>
+          <p:cNvPr id="15" name="矩形 14"/>
+          <p:cNvSpPr/>
+          <p:nvPr/>
+        </p:nvSpPr>
         <p:spPr>
           <a:xfrm>
-            <a:off x="5797495" y="3284984"/>
-            <a:ext cx="1870849" cy="516577"/>
+            <a:off x="2713402" y="902383"/>
+            <a:ext cx="3502882" cy="523220"/>
           </a:xfrm>
           <a:prstGeom prst="rect">
             <a:avLst/>
           </a:prstGeom>
         </p:spPr>
-      </p:pic>
-      <p:pic>
-        <p:nvPicPr>
-          <p:cNvPr id="15" name="图片 14"/>
-          <p:cNvPicPr>
-            <a:picLocks noChangeAspect="1"/>
-          </p:cNvPicPr>
-          <p:nvPr/>
-        </p:nvPicPr>
-        <p:blipFill>
-          <a:blip r:embed="rId6"/>
-          <a:stretch>
-            <a:fillRect/>
-          </a:stretch>
-        </p:blipFill>
-        <p:spPr>
-          <a:xfrm>
-            <a:off x="689555" y="4365104"/>
-            <a:ext cx="3639206" cy="2279099"/>
-          </a:xfrm>
-          <a:prstGeom prst="rect">
-            <a:avLst/>
-          </a:prstGeom>
-        </p:spPr>
-      </p:pic>
-      <p:sp>
-        <p:nvSpPr>
-          <p:cNvPr id="2" name="文本框 1"/>
-          <p:cNvSpPr txBox="1"/>
-          <p:nvPr/>
-        </p:nvSpPr>
-        <p:spPr>
-          <a:xfrm>
-            <a:off x="1234089" y="2948751"/>
-            <a:ext cx="3450643" cy="1200329"/>
-          </a:xfrm>
-          <a:prstGeom prst="rect">
-            <a:avLst/>
-          </a:prstGeom>
-          <a:noFill/>
-          <a:ln>
-            <a:solidFill>
-              <a:srgbClr val="FF0000"/>
-            </a:solidFill>
-          </a:ln>
-        </p:spPr>
-        <p:txBody>
-          <a:bodyPr wrap="square" rtlCol="0">
+        <p:txBody>
+          <a:bodyPr wrap="none">
             <a:spAutoFit/>
           </a:bodyPr>
           <a:lstStyle/>
           <a:p>
-            <a:pPr algn="ctr"/>
-            <a:r>
-              <a:rPr lang="en-US" altLang="zh-CN" sz="2400" dirty="0" smtClean="0">
+            <a:r>
+              <a:rPr lang="en-US" altLang="zh-CN" sz="2800" b="1" i="1" dirty="0" smtClean="0">
                 <a:solidFill>
-                  <a:srgbClr val="FF0000"/>
+                  <a:schemeClr val="accent2"/>
                 </a:solidFill>
-                <a:latin typeface="Times New Roman" panose="02020603050405020304" pitchFamily="18" charset="0"/>
-                <a:cs typeface="Times New Roman" panose="02020603050405020304" pitchFamily="18" charset="0"/>
+                <a:latin typeface="Times New Roman" pitchFamily="18" charset="0"/>
+                <a:cs typeface="Times New Roman" pitchFamily="18" charset="0"/>
               </a:rPr>
-              <a:t>Gaussian Kernel Function</a:t>
-            </a:r>
-          </a:p>
-          <a:p>
-            <a:pPr algn="ctr"/>
-            <a:r>
-              <a:rPr lang="en-US" altLang="zh-CN" sz="2400" dirty="0">
+              <a:t>Features </a:t>
+            </a:r>
+            <a:r>
+              <a:rPr lang="en-US" altLang="zh-CN" sz="2800" b="1" i="1" dirty="0">
                 <a:solidFill>
-                  <a:srgbClr val="FF0000"/>
+                  <a:schemeClr val="accent2"/>
                 </a:solidFill>
-                <a:latin typeface="Times New Roman" panose="02020603050405020304" pitchFamily="18" charset="0"/>
-                <a:cs typeface="Times New Roman" panose="02020603050405020304" pitchFamily="18" charset="0"/>
+                <a:latin typeface="Times New Roman" pitchFamily="18" charset="0"/>
+                <a:cs typeface="Times New Roman" pitchFamily="18" charset="0"/>
               </a:rPr>
-              <a:t>o</a:t>
-            </a:r>
-            <a:r>
-              <a:rPr lang="en-US" altLang="zh-CN" sz="2400" dirty="0" smtClean="0">
-                <a:solidFill>
-                  <a:srgbClr val="FF0000"/>
-                </a:solidFill>
-                <a:latin typeface="Times New Roman" panose="02020603050405020304" pitchFamily="18" charset="0"/>
-                <a:cs typeface="Times New Roman" panose="02020603050405020304" pitchFamily="18" charset="0"/>
-              </a:rPr>
-              <a:t>r</a:t>
-            </a:r>
-          </a:p>
-          <a:p>
-            <a:pPr algn="ctr"/>
-            <a:r>
-              <a:rPr lang="en-US" altLang="zh-CN" sz="2400" dirty="0" smtClean="0">
-                <a:solidFill>
-                  <a:srgbClr val="FF0000"/>
-                </a:solidFill>
-                <a:latin typeface="Times New Roman" panose="02020603050405020304" pitchFamily="18" charset="0"/>
-                <a:cs typeface="Times New Roman" panose="02020603050405020304" pitchFamily="18" charset="0"/>
-              </a:rPr>
-              <a:t>Radial Basis Function</a:t>
-            </a:r>
-            <a:endParaRPr lang="zh-CN" altLang="en-US" sz="2400" dirty="0">
+              <a:t>Optimization</a:t>
+            </a:r>
+            <a:endParaRPr lang="en-US" sz="2800" dirty="0">
               <a:solidFill>
-                <a:srgbClr val="FF0000"/>
+                <a:schemeClr val="accent2"/>
               </a:solidFill>
-              <a:latin typeface="Times New Roman" panose="02020603050405020304" pitchFamily="18" charset="0"/>
-              <a:cs typeface="Times New Roman" panose="02020603050405020304" pitchFamily="18" charset="0"/>
-            </a:endParaRPr>
-          </a:p>
-        </p:txBody>
-      </p:sp>
-      <p:cxnSp>
-        <p:nvCxnSpPr>
-          <p:cNvPr id="20" name="直接箭头连接符 19"/>
-          <p:cNvCxnSpPr>
-            <a:stCxn id="2" idx="3"/>
-          </p:cNvCxnSpPr>
-          <p:nvPr/>
-        </p:nvCxnSpPr>
-        <p:spPr>
-          <a:xfrm flipV="1">
-            <a:off x="4684732" y="3548915"/>
-            <a:ext cx="930684" cy="1"/>
-          </a:xfrm>
-          <a:prstGeom prst="straightConnector1">
-            <a:avLst/>
-          </a:prstGeom>
-          <a:ln>
-            <a:solidFill>
-              <a:srgbClr val="FF0000"/>
-            </a:solidFill>
-            <a:tailEnd type="triangle"/>
-          </a:ln>
-        </p:spPr>
-        <p:style>
-          <a:lnRef idx="1">
-            <a:schemeClr val="accent1"/>
-          </a:lnRef>
-          <a:fillRef idx="0">
-            <a:schemeClr val="accent1"/>
-          </a:fillRef>
-          <a:effectRef idx="0">
-            <a:schemeClr val="accent1"/>
-          </a:effectRef>
-          <a:fontRef idx="minor">
-            <a:schemeClr val="tx1"/>
-          </a:fontRef>
-        </p:style>
-      </p:cxnSp>
-      <p:sp>
-        <p:nvSpPr>
-          <p:cNvPr id="21" name="椭圆 20"/>
-          <p:cNvSpPr/>
-          <p:nvPr/>
-        </p:nvSpPr>
-        <p:spPr>
-          <a:xfrm>
-            <a:off x="6987985" y="3284984"/>
-            <a:ext cx="320319" cy="432048"/>
-          </a:xfrm>
-          <a:prstGeom prst="ellipse">
-            <a:avLst/>
-          </a:prstGeom>
-          <a:noFill/>
-          <a:ln>
-            <a:solidFill>
-              <a:srgbClr val="FF0000"/>
-            </a:solidFill>
-          </a:ln>
-        </p:spPr>
-        <p:style>
-          <a:lnRef idx="2">
-            <a:schemeClr val="accent1">
-              <a:shade val="50000"/>
-            </a:schemeClr>
-          </a:lnRef>
-          <a:fillRef idx="1">
-            <a:schemeClr val="accent1"/>
-          </a:fillRef>
-          <a:effectRef idx="0">
-            <a:schemeClr val="accent1"/>
-          </a:effectRef>
-          <a:fontRef idx="minor">
-            <a:schemeClr val="lt1"/>
-          </a:fontRef>
-        </p:style>
-        <p:txBody>
-          <a:bodyPr lIns="18000" tIns="18000" rIns="18000" bIns="18000" rtlCol="0" anchor="ctr">
-            <a:noAutofit/>
-          </a:bodyPr>
-          <a:lstStyle/>
-          <a:p>
-            <a:pPr algn="ctr"/>
-            <a:endParaRPr lang="zh-CN" altLang="en-US" sz="1400" b="1" dirty="0" smtClean="0">
-              <a:solidFill>
-                <a:srgbClr val="336699"/>
-              </a:solidFill>
-              <a:latin typeface="楷体" pitchFamily="49" charset="-122"/>
-              <a:ea typeface="楷体" pitchFamily="49" charset="-122"/>
-              <a:cs typeface="MoolBoran" pitchFamily="34" charset="0"/>
-            </a:endParaRPr>
-          </a:p>
-        </p:txBody>
-      </p:sp>
-      <p:cxnSp>
-        <p:nvCxnSpPr>
-          <p:cNvPr id="23" name="肘形连接符 22"/>
-          <p:cNvCxnSpPr>
-            <a:stCxn id="21" idx="4"/>
-          </p:cNvCxnSpPr>
-          <p:nvPr/>
-        </p:nvCxnSpPr>
-        <p:spPr>
-          <a:xfrm rot="16200000" flipH="1">
-            <a:off x="6904188" y="3960988"/>
-            <a:ext cx="1008112" cy="520199"/>
-          </a:xfrm>
-          <a:prstGeom prst="bentConnector3">
-            <a:avLst/>
-          </a:prstGeom>
-          <a:ln>
-            <a:solidFill>
-              <a:srgbClr val="FF0000"/>
-            </a:solidFill>
-            <a:tailEnd type="triangle"/>
-          </a:ln>
-        </p:spPr>
-        <p:style>
-          <a:lnRef idx="1">
-            <a:schemeClr val="accent1"/>
-          </a:lnRef>
-          <a:fillRef idx="0">
-            <a:schemeClr val="accent1"/>
-          </a:fillRef>
-          <a:effectRef idx="0">
-            <a:schemeClr val="accent1"/>
-          </a:effectRef>
-          <a:fontRef idx="minor">
-            <a:schemeClr val="tx1"/>
-          </a:fontRef>
-        </p:style>
-      </p:cxnSp>
-      <p:sp>
-        <p:nvSpPr>
-          <p:cNvPr id="24" name="文本框 23"/>
-          <p:cNvSpPr txBox="1"/>
-          <p:nvPr/>
-        </p:nvSpPr>
-        <p:spPr>
-          <a:xfrm>
-            <a:off x="6243693" y="4691909"/>
-            <a:ext cx="2917978" cy="830997"/>
-          </a:xfrm>
-          <a:prstGeom prst="rect">
-            <a:avLst/>
-          </a:prstGeom>
-          <a:noFill/>
-        </p:spPr>
-        <p:txBody>
-          <a:bodyPr wrap="square" rtlCol="0">
-            <a:spAutoFit/>
-          </a:bodyPr>
-          <a:lstStyle/>
-          <a:p>
-            <a:pPr algn="ctr"/>
-            <a:r>
-              <a:rPr lang="en-US" altLang="zh-CN" sz="2400" dirty="0" smtClean="0">
-                <a:solidFill>
-                  <a:srgbClr val="FF0000"/>
-                </a:solidFill>
-                <a:latin typeface="Times New Roman" panose="02020603050405020304" pitchFamily="18" charset="0"/>
-                <a:cs typeface="Times New Roman" panose="02020603050405020304" pitchFamily="18" charset="0"/>
-              </a:rPr>
-              <a:t>Angle between </a:t>
-            </a:r>
-          </a:p>
-          <a:p>
-            <a:pPr algn="ctr"/>
-            <a:r>
-              <a:rPr lang="en-US" altLang="zh-CN" sz="2400" dirty="0" smtClean="0">
-                <a:solidFill>
-                  <a:srgbClr val="FF0000"/>
-                </a:solidFill>
-                <a:latin typeface="Times New Roman" panose="02020603050405020304" pitchFamily="18" charset="0"/>
-                <a:cs typeface="Times New Roman" panose="02020603050405020304" pitchFamily="18" charset="0"/>
-              </a:rPr>
-              <a:t>Two </a:t>
-            </a:r>
-            <a:r>
-              <a:rPr lang="en-US" altLang="zh-CN" sz="2400" dirty="0">
-                <a:solidFill>
-                  <a:srgbClr val="FF0000"/>
-                </a:solidFill>
-                <a:latin typeface="Times New Roman" panose="02020603050405020304" pitchFamily="18" charset="0"/>
-                <a:cs typeface="Times New Roman" panose="02020603050405020304" pitchFamily="18" charset="0"/>
-              </a:rPr>
-              <a:t>P</a:t>
-            </a:r>
-            <a:r>
-              <a:rPr lang="en-US" altLang="zh-CN" sz="2400" dirty="0" smtClean="0">
-                <a:solidFill>
-                  <a:srgbClr val="FF0000"/>
-                </a:solidFill>
-                <a:latin typeface="Times New Roman" panose="02020603050405020304" pitchFamily="18" charset="0"/>
-                <a:cs typeface="Times New Roman" panose="02020603050405020304" pitchFamily="18" charset="0"/>
-              </a:rPr>
-              <a:t>oints’ </a:t>
-            </a:r>
-            <a:r>
-              <a:rPr lang="en-US" altLang="zh-CN" sz="2400" dirty="0" err="1">
-                <a:solidFill>
-                  <a:srgbClr val="FF0000"/>
-                </a:solidFill>
-                <a:latin typeface="Times New Roman" panose="02020603050405020304" pitchFamily="18" charset="0"/>
-                <a:cs typeface="Times New Roman" panose="02020603050405020304" pitchFamily="18" charset="0"/>
-              </a:rPr>
-              <a:t>N</a:t>
-            </a:r>
-            <a:r>
-              <a:rPr lang="en-US" altLang="zh-CN" sz="2400" dirty="0" err="1" smtClean="0">
-                <a:solidFill>
-                  <a:srgbClr val="FF0000"/>
-                </a:solidFill>
-                <a:latin typeface="Times New Roman" panose="02020603050405020304" pitchFamily="18" charset="0"/>
-                <a:cs typeface="Times New Roman" panose="02020603050405020304" pitchFamily="18" charset="0"/>
-              </a:rPr>
-              <a:t>ormals</a:t>
-            </a:r>
-            <a:endParaRPr lang="zh-CN" altLang="en-US" sz="2400" dirty="0">
-              <a:solidFill>
-                <a:srgbClr val="FF0000"/>
-              </a:solidFill>
-              <a:latin typeface="Times New Roman" panose="02020603050405020304" pitchFamily="18" charset="0"/>
-              <a:cs typeface="Times New Roman" panose="02020603050405020304" pitchFamily="18" charset="0"/>
+              <a:latin typeface="Times New Roman" pitchFamily="18" charset="0"/>
+              <a:cs typeface="Times New Roman" pitchFamily="18" charset="0"/>
             </a:endParaRPr>
           </a:p>
         </p:txBody>
@@ -15631,7 +15458,7 @@
     </p:spTree>
     <p:extLst>
       <p:ext uri="{BB962C8B-B14F-4D97-AF65-F5344CB8AC3E}">
-        <p14:creationId xmlns:p14="http://schemas.microsoft.com/office/powerpoint/2010/main" val="861773890"/>
+        <p14:creationId xmlns:p14="http://schemas.microsoft.com/office/powerpoint/2010/main" val="160708108"/>
       </p:ext>
     </p:extLst>
   </p:cSld>
@@ -15713,7 +15540,7 @@
         <p:spPr bwMode="auto">
           <a:xfrm>
             <a:off x="257175" y="142852"/>
-            <a:ext cx="7627193" cy="609600"/>
+            <a:ext cx="9499401" cy="609600"/>
           </a:xfrm>
           <a:prstGeom prst="rect">
             <a:avLst/>
@@ -15738,7 +15565,7 @@
                 <a:latin typeface="Calibri" pitchFamily="34" charset="0"/>
                 <a:cs typeface="Calibri" pitchFamily="34" charset="0"/>
               </a:rPr>
-              <a:t>3.2  MRPCA —— Overlapped Regions Processing</a:t>
+              <a:t>4.2 Viewing Graph Optimization</a:t>
             </a:r>
             <a:endParaRPr lang="zh-CN" altLang="en-US" sz="3200" b="1" kern="0" dirty="0">
               <a:effectLst/>
@@ -15749,303 +15576,92 @@
           </a:p>
         </p:txBody>
       </p:sp>
-      <p:pic>
-        <p:nvPicPr>
-          <p:cNvPr id="2" name="图片 1"/>
-          <p:cNvPicPr>
-            <a:picLocks noChangeAspect="1"/>
-          </p:cNvPicPr>
+      <p:sp>
+        <p:nvSpPr>
+          <p:cNvPr id="13" name="矩形 12"/>
+          <p:cNvSpPr/>
           <p:nvPr/>
-        </p:nvPicPr>
-        <p:blipFill rotWithShape="1">
-          <a:blip r:embed="rId3"/>
-          <a:srcRect r="2941"/>
-          <a:stretch/>
-        </p:blipFill>
+        </p:nvSpPr>
         <p:spPr>
           <a:xfrm>
-            <a:off x="1294351" y="1490860"/>
-            <a:ext cx="4752528" cy="688443"/>
+            <a:off x="2992323" y="807228"/>
+            <a:ext cx="3584636" cy="523220"/>
           </a:xfrm>
           <a:prstGeom prst="rect">
             <a:avLst/>
           </a:prstGeom>
         </p:spPr>
-      </p:pic>
-      <p:sp>
-        <p:nvSpPr>
-          <p:cNvPr id="4" name="矩形 3"/>
-          <p:cNvSpPr/>
+        <p:txBody>
+          <a:bodyPr wrap="none">
+            <a:spAutoFit/>
+          </a:bodyPr>
+          <a:lstStyle/>
+          <a:p>
+            <a:r>
+              <a:rPr lang="en-US" altLang="zh-CN" sz="2800" b="1" i="1" dirty="0" smtClean="0">
+                <a:solidFill>
+                  <a:schemeClr val="accent2"/>
+                </a:solidFill>
+                <a:latin typeface="Times New Roman" pitchFamily="18" charset="0"/>
+                <a:cs typeface="Times New Roman" pitchFamily="18" charset="0"/>
+              </a:rPr>
+              <a:t>Optimization Structure</a:t>
+            </a:r>
+            <a:endParaRPr lang="en-US" sz="2800" dirty="0">
+              <a:solidFill>
+                <a:schemeClr val="accent2"/>
+              </a:solidFill>
+              <a:latin typeface="Times New Roman" pitchFamily="18" charset="0"/>
+              <a:cs typeface="Times New Roman" pitchFamily="18" charset="0"/>
+            </a:endParaRPr>
+          </a:p>
+        </p:txBody>
+      </p:sp>
+      <p:pic>
+        <p:nvPicPr>
+          <p:cNvPr id="8195" name="Picture 3" descr="D:\mondy-report\monday-speech\OptimizationStructure.png"/>
+          <p:cNvPicPr>
+            <a:picLocks noChangeAspect="1" noChangeArrowheads="1"/>
+          </p:cNvPicPr>
           <p:nvPr/>
-        </p:nvSpPr>
-        <p:spPr>
+        </p:nvPicPr>
+        <p:blipFill>
+          <a:blip r:embed="rId3">
+            <a:extLst>
+              <a:ext uri="{28A0092B-C50C-407E-A947-70E740481C1C}">
+                <a14:useLocalDpi xmlns:a14="http://schemas.microsoft.com/office/drawing/2010/main" val="0"/>
+              </a:ext>
+            </a:extLst>
+          </a:blip>
+          <a:srcRect/>
+          <a:stretch>
+            <a:fillRect/>
+          </a:stretch>
+        </p:blipFill>
+        <p:spPr bwMode="auto">
           <a:xfrm>
-            <a:off x="2518486" y="1490860"/>
-            <a:ext cx="2160240" cy="688443"/>
+            <a:off x="0" y="1379538"/>
+            <a:ext cx="8990013" cy="2679700"/>
           </a:xfrm>
           <a:prstGeom prst="rect">
             <a:avLst/>
           </a:prstGeom>
           <a:noFill/>
-          <a:ln>
-            <a:solidFill>
-              <a:srgbClr val="FF0000"/>
-            </a:solidFill>
-          </a:ln>
+          <a:extLst>
+            <a:ext uri="{909E8E84-426E-40DD-AFC4-6F175D3DCCD1}">
+              <a14:hiddenFill xmlns:a14="http://schemas.microsoft.com/office/drawing/2010/main">
+                <a:solidFill>
+                  <a:srgbClr val="FFFFFF"/>
+                </a:solidFill>
+              </a14:hiddenFill>
+            </a:ext>
+          </a:extLst>
         </p:spPr>
-        <p:style>
-          <a:lnRef idx="2">
-            <a:schemeClr val="accent1">
-              <a:shade val="50000"/>
-            </a:schemeClr>
-          </a:lnRef>
-          <a:fillRef idx="1">
-            <a:schemeClr val="accent1"/>
-          </a:fillRef>
-          <a:effectRef idx="0">
-            <a:schemeClr val="accent1"/>
-          </a:effectRef>
-          <a:fontRef idx="minor">
-            <a:schemeClr val="lt1"/>
-          </a:fontRef>
-        </p:style>
-        <p:txBody>
-          <a:bodyPr lIns="18000" tIns="18000" rIns="18000" bIns="18000" rtlCol="0" anchor="ctr">
-            <a:noAutofit/>
-          </a:bodyPr>
-          <a:lstStyle/>
-          <a:p>
-            <a:pPr algn="ctr"/>
-            <a:endParaRPr lang="zh-CN" altLang="en-US" sz="1400" b="1" dirty="0" smtClean="0">
-              <a:solidFill>
-                <a:srgbClr val="336699"/>
-              </a:solidFill>
-              <a:latin typeface="楷体" pitchFamily="49" charset="-122"/>
-              <a:ea typeface="楷体" pitchFamily="49" charset="-122"/>
-              <a:cs typeface="MoolBoran" pitchFamily="34" charset="0"/>
-            </a:endParaRPr>
-          </a:p>
-        </p:txBody>
-      </p:sp>
-      <p:sp>
-        <p:nvSpPr>
-          <p:cNvPr id="7" name="矩形 6"/>
-          <p:cNvSpPr/>
-          <p:nvPr/>
-        </p:nvSpPr>
-        <p:spPr>
-          <a:xfrm>
-            <a:off x="5102887" y="1490860"/>
-            <a:ext cx="1016000" cy="688443"/>
-          </a:xfrm>
-          <a:prstGeom prst="rect">
-            <a:avLst/>
-          </a:prstGeom>
-          <a:noFill/>
-          <a:ln>
-            <a:solidFill>
-              <a:srgbClr val="FF0000"/>
-            </a:solidFill>
-          </a:ln>
-        </p:spPr>
-        <p:style>
-          <a:lnRef idx="2">
-            <a:schemeClr val="accent1">
-              <a:shade val="50000"/>
-            </a:schemeClr>
-          </a:lnRef>
-          <a:fillRef idx="1">
-            <a:schemeClr val="accent1"/>
-          </a:fillRef>
-          <a:effectRef idx="0">
-            <a:schemeClr val="accent1"/>
-          </a:effectRef>
-          <a:fontRef idx="minor">
-            <a:schemeClr val="lt1"/>
-          </a:fontRef>
-        </p:style>
-        <p:txBody>
-          <a:bodyPr lIns="18000" tIns="18000" rIns="18000" bIns="18000" rtlCol="0" anchor="ctr">
-            <a:noAutofit/>
-          </a:bodyPr>
-          <a:lstStyle/>
-          <a:p>
-            <a:pPr algn="ctr"/>
-            <a:endParaRPr lang="zh-CN" altLang="en-US" sz="1400" b="1" dirty="0" smtClean="0">
-              <a:solidFill>
-                <a:srgbClr val="336699"/>
-              </a:solidFill>
-              <a:latin typeface="楷体" pitchFamily="49" charset="-122"/>
-              <a:ea typeface="楷体" pitchFamily="49" charset="-122"/>
-              <a:cs typeface="MoolBoran" pitchFamily="34" charset="0"/>
-            </a:endParaRPr>
-          </a:p>
-        </p:txBody>
-      </p:sp>
-      <p:cxnSp>
-        <p:nvCxnSpPr>
-          <p:cNvPr id="15" name="直接箭头连接符 14"/>
-          <p:cNvCxnSpPr>
-            <a:stCxn id="4" idx="2"/>
-          </p:cNvCxnSpPr>
-          <p:nvPr/>
-        </p:nvCxnSpPr>
-        <p:spPr>
-          <a:xfrm>
-            <a:off x="3598606" y="2179303"/>
-            <a:ext cx="1" cy="463685"/>
-          </a:xfrm>
-          <a:prstGeom prst="straightConnector1">
-            <a:avLst/>
-          </a:prstGeom>
-          <a:ln>
-            <a:solidFill>
-              <a:srgbClr val="FF0000"/>
-            </a:solidFill>
-            <a:tailEnd type="triangle"/>
-          </a:ln>
-        </p:spPr>
-        <p:style>
-          <a:lnRef idx="1">
-            <a:schemeClr val="accent1"/>
-          </a:lnRef>
-          <a:fillRef idx="0">
-            <a:schemeClr val="accent1"/>
-          </a:fillRef>
-          <a:effectRef idx="0">
-            <a:schemeClr val="accent1"/>
-          </a:effectRef>
-          <a:fontRef idx="minor">
-            <a:schemeClr val="tx1"/>
-          </a:fontRef>
-        </p:style>
-      </p:cxnSp>
-      <p:cxnSp>
-        <p:nvCxnSpPr>
-          <p:cNvPr id="17" name="直接箭头连接符 16"/>
-          <p:cNvCxnSpPr>
-            <a:stCxn id="7" idx="2"/>
-          </p:cNvCxnSpPr>
-          <p:nvPr/>
-        </p:nvCxnSpPr>
-        <p:spPr>
-          <a:xfrm>
-            <a:off x="5610887" y="2179303"/>
-            <a:ext cx="3944" cy="463685"/>
-          </a:xfrm>
-          <a:prstGeom prst="straightConnector1">
-            <a:avLst/>
-          </a:prstGeom>
-          <a:ln>
-            <a:solidFill>
-              <a:srgbClr val="FF0000"/>
-            </a:solidFill>
-            <a:tailEnd type="triangle"/>
-          </a:ln>
-        </p:spPr>
-        <p:style>
-          <a:lnRef idx="1">
-            <a:schemeClr val="accent1"/>
-          </a:lnRef>
-          <a:fillRef idx="0">
-            <a:schemeClr val="accent1"/>
-          </a:fillRef>
-          <a:effectRef idx="0">
-            <a:schemeClr val="accent1"/>
-          </a:effectRef>
-          <a:fontRef idx="minor">
-            <a:schemeClr val="tx1"/>
-          </a:fontRef>
-        </p:style>
-      </p:cxnSp>
-      <p:sp>
-        <p:nvSpPr>
-          <p:cNvPr id="23" name="文本框 22"/>
-          <p:cNvSpPr txBox="1"/>
-          <p:nvPr/>
-        </p:nvSpPr>
-        <p:spPr>
-          <a:xfrm>
-            <a:off x="2483768" y="2636912"/>
-            <a:ext cx="2266967" cy="461665"/>
-          </a:xfrm>
-          <a:prstGeom prst="rect">
-            <a:avLst/>
-          </a:prstGeom>
-          <a:noFill/>
-        </p:spPr>
-        <p:txBody>
-          <a:bodyPr wrap="none" rtlCol="0">
-            <a:spAutoFit/>
-          </a:bodyPr>
-          <a:lstStyle/>
-          <a:p>
-            <a:r>
-              <a:rPr lang="en-US" altLang="zh-CN" sz="2400" dirty="0" smtClean="0">
-                <a:solidFill>
-                  <a:srgbClr val="FF0000"/>
-                </a:solidFill>
-                <a:latin typeface="Times New Roman" panose="02020603050405020304" pitchFamily="18" charset="0"/>
-                <a:cs typeface="Times New Roman" panose="02020603050405020304" pitchFamily="18" charset="0"/>
-              </a:rPr>
-              <a:t>Local Data Error</a:t>
-            </a:r>
-            <a:endParaRPr lang="zh-CN" altLang="en-US" sz="2400" dirty="0">
-              <a:solidFill>
-                <a:srgbClr val="FF0000"/>
-              </a:solidFill>
-              <a:latin typeface="Times New Roman" panose="02020603050405020304" pitchFamily="18" charset="0"/>
-              <a:cs typeface="Times New Roman" panose="02020603050405020304" pitchFamily="18" charset="0"/>
-            </a:endParaRPr>
-          </a:p>
-        </p:txBody>
-      </p:sp>
-      <p:sp>
-        <p:nvSpPr>
-          <p:cNvPr id="24" name="文本框 23"/>
-          <p:cNvSpPr txBox="1"/>
-          <p:nvPr/>
-        </p:nvSpPr>
-        <p:spPr>
-          <a:xfrm>
-            <a:off x="5148064" y="2636912"/>
-            <a:ext cx="2388795" cy="461665"/>
-          </a:xfrm>
-          <a:prstGeom prst="rect">
-            <a:avLst/>
-          </a:prstGeom>
-          <a:noFill/>
-        </p:spPr>
-        <p:txBody>
-          <a:bodyPr wrap="none" rtlCol="0">
-            <a:spAutoFit/>
-          </a:bodyPr>
-          <a:lstStyle/>
-          <a:p>
-            <a:r>
-              <a:rPr lang="en-US" altLang="zh-CN" sz="2400" dirty="0" smtClean="0">
-                <a:solidFill>
-                  <a:srgbClr val="FF0000"/>
-                </a:solidFill>
-                <a:latin typeface="Times New Roman" panose="02020603050405020304" pitchFamily="18" charset="0"/>
-                <a:cs typeface="Times New Roman" panose="02020603050405020304" pitchFamily="18" charset="0"/>
-              </a:rPr>
-              <a:t>Point Cloud Error</a:t>
-            </a:r>
-            <a:endParaRPr lang="zh-CN" altLang="en-US" sz="2400" dirty="0">
-              <a:solidFill>
-                <a:srgbClr val="FF0000"/>
-              </a:solidFill>
-              <a:latin typeface="Times New Roman" panose="02020603050405020304" pitchFamily="18" charset="0"/>
-              <a:cs typeface="Times New Roman" panose="02020603050405020304" pitchFamily="18" charset="0"/>
-            </a:endParaRPr>
-          </a:p>
-        </p:txBody>
-      </p:sp>
+      </p:pic>
     </p:spTree>
     <p:extLst>
       <p:ext uri="{BB962C8B-B14F-4D97-AF65-F5344CB8AC3E}">
-        <p14:creationId xmlns:p14="http://schemas.microsoft.com/office/powerpoint/2010/main" val="2850526979"/>
+        <p14:creationId xmlns:p14="http://schemas.microsoft.com/office/powerpoint/2010/main" val="2203270940"/>
       </p:ext>
     </p:extLst>
   </p:cSld>
@@ -16087,7 +15703,7 @@
         </p:nvCxnSpPr>
         <p:spPr>
           <a:xfrm>
-            <a:off x="535737" y="750864"/>
+            <a:off x="571472" y="692696"/>
             <a:ext cx="7786742" cy="1588"/>
           </a:xfrm>
           <a:prstGeom prst="line">
@@ -16118,7 +15734,7 @@
       </p:cxnSp>
       <p:sp>
         <p:nvSpPr>
-          <p:cNvPr id="6" name="标题 3"/>
+          <p:cNvPr id="5" name="标题 3"/>
           <p:cNvSpPr txBox="1">
             <a:spLocks/>
           </p:cNvSpPr>
@@ -16127,7 +15743,7 @@
         <p:spPr bwMode="auto">
           <a:xfrm>
             <a:off x="257175" y="142852"/>
-            <a:ext cx="7771209" cy="609600"/>
+            <a:ext cx="9499401" cy="609600"/>
           </a:xfrm>
           <a:prstGeom prst="rect">
             <a:avLst/>
@@ -16152,7 +15768,7 @@
                 <a:latin typeface="Calibri" pitchFamily="34" charset="0"/>
                 <a:cs typeface="Calibri" pitchFamily="34" charset="0"/>
               </a:rPr>
-              <a:t>3.3  MRPCA —— Parameters and Processing Time</a:t>
+              <a:t>4.2 Estimating Motion</a:t>
             </a:r>
             <a:endParaRPr lang="zh-CN" altLang="en-US" sz="3200" b="1" kern="0" dirty="0">
               <a:effectLst/>
@@ -16163,377 +15779,164 @@
           </a:p>
         </p:txBody>
       </p:sp>
-      <p:grpSp>
-        <p:nvGrpSpPr>
-          <p:cNvPr id="9" name="组合 8"/>
-          <p:cNvGrpSpPr/>
+      <p:sp>
+        <p:nvSpPr>
+          <p:cNvPr id="6" name="TextBox 5"/>
+          <p:cNvSpPr txBox="1"/>
           <p:nvPr/>
-        </p:nvGrpSpPr>
-        <p:grpSpPr>
+        </p:nvSpPr>
+        <p:spPr>
           <a:xfrm>
-            <a:off x="794407" y="1916832"/>
-            <a:ext cx="6696744" cy="4322612"/>
-            <a:chOff x="0" y="978597"/>
-            <a:chExt cx="4639177" cy="3088386"/>
+            <a:off x="827584" y="1268760"/>
+            <a:ext cx="7776864" cy="2031325"/>
           </a:xfrm>
-        </p:grpSpPr>
-        <p:pic>
-          <p:nvPicPr>
-            <p:cNvPr id="1026" name="Picture 2"/>
-            <p:cNvPicPr>
-              <a:picLocks noChangeAspect="1" noChangeArrowheads="1"/>
-            </p:cNvPicPr>
-            <p:nvPr/>
-          </p:nvPicPr>
-          <p:blipFill rotWithShape="1">
-            <a:blip r:embed="rId3">
-              <a:extLst>
-                <a:ext uri="{28A0092B-C50C-407E-A947-70E740481C1C}">
-                  <a14:useLocalDpi xmlns:a14="http://schemas.microsoft.com/office/drawing/2010/main" val="0"/>
-                </a:ext>
-              </a:extLst>
-            </a:blip>
-            <a:srcRect t="10056" r="72050"/>
-            <a:stretch/>
-          </p:blipFill>
-          <p:spPr bwMode="auto">
-            <a:xfrm>
-              <a:off x="0" y="978597"/>
-              <a:ext cx="2555776" cy="3088138"/>
-            </a:xfrm>
-            <a:prstGeom prst="rect">
-              <a:avLst/>
-            </a:prstGeom>
-            <a:noFill/>
-            <a:ln>
-              <a:noFill/>
-            </a:ln>
-            <a:effectLst/>
+          <a:prstGeom prst="rect">
+            <a:avLst/>
+          </a:prstGeom>
+          <a:noFill/>
+        </p:spPr>
+        <p:txBody>
+          <a:bodyPr wrap="square" rtlCol="0">
+            <a:spAutoFit/>
+          </a:bodyPr>
+          <a:lstStyle/>
+          <a:p>
+            <a:pPr marL="342900" indent="-342900">
+              <a:buFont typeface="+mj-lt"/>
+              <a:buAutoNum type="arabicParenR"/>
+            </a:pPr>
+            <a:r>
+              <a:rPr lang="en-US" dirty="0" smtClean="0"/>
+              <a:t>Assume cameras have been calibrated</a:t>
+            </a:r>
+          </a:p>
+          <a:p>
+            <a:pPr marL="342900" indent="-342900">
+              <a:buFont typeface="+mj-lt"/>
+              <a:buAutoNum type="arabicParenR"/>
+            </a:pPr>
+            <a:r>
+              <a:rPr lang="en-US" dirty="0" smtClean="0"/>
+              <a:t>Solve orientation</a:t>
+            </a:r>
+          </a:p>
+          <a:p>
+            <a:pPr marL="800100" lvl="1" indent="-342900">
+              <a:buFont typeface="+mj-lt"/>
+              <a:buAutoNum type="arabicParenR"/>
+            </a:pPr>
+            <a:r>
+              <a:rPr lang="en-US" dirty="0" smtClean="0"/>
+              <a:t>Cost function: relative rotation constraint</a:t>
+            </a:r>
+          </a:p>
+          <a:p>
+            <a:pPr marL="800100" lvl="1" indent="-342900">
+              <a:buFont typeface="+mj-lt"/>
+              <a:buAutoNum type="arabicParenR"/>
+            </a:pPr>
+            <a:r>
+              <a:rPr lang="en-US" dirty="0" smtClean="0"/>
+              <a:t>Use the angle-axis parameterization to solve for matrices</a:t>
+            </a:r>
+          </a:p>
+          <a:p>
+            <a:pPr marL="800100" lvl="1" indent="-342900">
+              <a:buFont typeface="+mj-lt"/>
+              <a:buAutoNum type="arabicParenR"/>
+            </a:pPr>
+            <a:r>
+              <a:rPr lang="en-US" dirty="0" smtClean="0"/>
+              <a:t>Initialization: chaining relative rotation from a random spanning tree</a:t>
+            </a:r>
+          </a:p>
+          <a:p>
+            <a:pPr marL="342900" indent="-342900">
+              <a:buFont typeface="+mj-lt"/>
+              <a:buAutoNum type="arabicParenR"/>
+            </a:pPr>
+            <a:r>
+              <a:rPr lang="en-US" dirty="0" smtClean="0"/>
+              <a:t> enforcing the relative rotation constraint</a:t>
+            </a:r>
+          </a:p>
+          <a:p>
+            <a:pPr marL="342900" indent="-342900">
+              <a:buFont typeface="+mj-lt"/>
+              <a:buAutoNum type="arabicParenR"/>
+            </a:pPr>
+            <a:endParaRPr lang="en-US" dirty="0"/>
+          </a:p>
+        </p:txBody>
+      </p:sp>
+      <p:pic>
+        <p:nvPicPr>
+          <p:cNvPr id="2051" name="Picture 3"/>
+          <p:cNvPicPr>
+            <a:picLocks noChangeAspect="1" noChangeArrowheads="1"/>
+          </p:cNvPicPr>
+          <p:nvPr/>
+        </p:nvPicPr>
+        <p:blipFill>
+          <a:blip r:embed="rId3">
             <a:extLst>
-              <a:ext uri="{909E8E84-426E-40DD-AFC4-6F175D3DCCD1}">
-                <a14:hiddenFill xmlns:a14="http://schemas.microsoft.com/office/drawing/2010/main">
-                  <a:solidFill>
-                    <a:schemeClr val="accent1"/>
-                  </a:solidFill>
-                </a14:hiddenFill>
-              </a:ext>
-              <a:ext uri="{91240B29-F687-4F45-9708-019B960494DF}">
-                <a14:hiddenLine xmlns:a14="http://schemas.microsoft.com/office/drawing/2010/main" w="9525">
-                  <a:solidFill>
-                    <a:schemeClr val="tx1"/>
-                  </a:solidFill>
-                  <a:miter lim="800000"/>
-                  <a:headEnd/>
-                  <a:tailEnd/>
-                </a14:hiddenLine>
-              </a:ext>
-              <a:ext uri="{AF507438-7753-43E0-B8FC-AC1667EBCBE1}">
-                <a14:hiddenEffects xmlns:a14="http://schemas.microsoft.com/office/drawing/2010/main">
-                  <a:effectLst>
-                    <a:outerShdw dist="35921" dir="2700000" algn="ctr" rotWithShape="0">
-                      <a:schemeClr val="bg2"/>
-                    </a:outerShdw>
-                  </a:effectLst>
-                </a14:hiddenEffects>
+              <a:ext uri="{28A0092B-C50C-407E-A947-70E740481C1C}">
+                <a14:useLocalDpi xmlns:a14="http://schemas.microsoft.com/office/drawing/2010/main" val="0"/>
               </a:ext>
             </a:extLst>
-          </p:spPr>
-        </p:pic>
-        <p:pic>
-          <p:nvPicPr>
-            <p:cNvPr id="10" name="Picture 2"/>
-            <p:cNvPicPr>
-              <a:picLocks noChangeAspect="1" noChangeArrowheads="1"/>
-            </p:cNvPicPr>
-            <p:nvPr/>
-          </p:nvPicPr>
-          <p:blipFill rotWithShape="1">
-            <a:blip r:embed="rId3">
-              <a:extLst>
-                <a:ext uri="{28A0092B-C50C-407E-A947-70E740481C1C}">
-                  <a14:useLocalDpi xmlns:a14="http://schemas.microsoft.com/office/drawing/2010/main" val="0"/>
-                </a:ext>
-              </a:extLst>
-            </a:blip>
-            <a:srcRect l="34650" t="10056" r="55113"/>
-            <a:stretch/>
-          </p:blipFill>
-          <p:spPr bwMode="auto">
-            <a:xfrm>
-              <a:off x="2555776" y="978845"/>
-              <a:ext cx="936104" cy="3088138"/>
-            </a:xfrm>
-            <a:prstGeom prst="rect">
-              <a:avLst/>
-            </a:prstGeom>
-            <a:noFill/>
-            <a:ln>
-              <a:noFill/>
-            </a:ln>
-            <a:effectLst/>
-            <a:extLst>
-              <a:ext uri="{909E8E84-426E-40DD-AFC4-6F175D3DCCD1}">
-                <a14:hiddenFill xmlns:a14="http://schemas.microsoft.com/office/drawing/2010/main">
-                  <a:solidFill>
-                    <a:schemeClr val="accent1"/>
-                  </a:solidFill>
-                </a14:hiddenFill>
-              </a:ext>
-              <a:ext uri="{91240B29-F687-4F45-9708-019B960494DF}">
-                <a14:hiddenLine xmlns:a14="http://schemas.microsoft.com/office/drawing/2010/main" w="9525">
-                  <a:solidFill>
-                    <a:schemeClr val="tx1"/>
-                  </a:solidFill>
-                  <a:miter lim="800000"/>
-                  <a:headEnd/>
-                  <a:tailEnd/>
-                </a14:hiddenLine>
-              </a:ext>
-              <a:ext uri="{AF507438-7753-43E0-B8FC-AC1667EBCBE1}">
-                <a14:hiddenEffects xmlns:a14="http://schemas.microsoft.com/office/drawing/2010/main">
-                  <a:effectLst>
-                    <a:outerShdw dist="35921" dir="2700000" algn="ctr" rotWithShape="0">
-                      <a:schemeClr val="bg2"/>
-                    </a:outerShdw>
-                  </a:effectLst>
-                </a14:hiddenEffects>
-              </a:ext>
-            </a:extLst>
-          </p:spPr>
-        </p:pic>
-        <p:pic>
-          <p:nvPicPr>
-            <p:cNvPr id="11" name="Picture 2"/>
-            <p:cNvPicPr>
-              <a:picLocks noChangeAspect="1" noChangeArrowheads="1"/>
-            </p:cNvPicPr>
-            <p:nvPr/>
-          </p:nvPicPr>
-          <p:blipFill rotWithShape="1">
-            <a:blip r:embed="rId3">
-              <a:extLst>
-                <a:ext uri="{28A0092B-C50C-407E-A947-70E740481C1C}">
-                  <a14:useLocalDpi xmlns:a14="http://schemas.microsoft.com/office/drawing/2010/main" val="0"/>
-                </a:ext>
-              </a:extLst>
-            </a:blip>
-            <a:srcRect l="87453" t="10056"/>
-            <a:stretch/>
-          </p:blipFill>
-          <p:spPr bwMode="auto">
-            <a:xfrm>
-              <a:off x="3491880" y="978597"/>
-              <a:ext cx="1147297" cy="3088138"/>
-            </a:xfrm>
-            <a:prstGeom prst="rect">
-              <a:avLst/>
-            </a:prstGeom>
-            <a:noFill/>
-            <a:ln>
-              <a:noFill/>
-            </a:ln>
-            <a:effectLst/>
-            <a:extLst>
-              <a:ext uri="{909E8E84-426E-40DD-AFC4-6F175D3DCCD1}">
-                <a14:hiddenFill xmlns:a14="http://schemas.microsoft.com/office/drawing/2010/main">
-                  <a:solidFill>
-                    <a:schemeClr val="accent1"/>
-                  </a:solidFill>
-                </a14:hiddenFill>
-              </a:ext>
-              <a:ext uri="{91240B29-F687-4F45-9708-019B960494DF}">
-                <a14:hiddenLine xmlns:a14="http://schemas.microsoft.com/office/drawing/2010/main" w="9525">
-                  <a:solidFill>
-                    <a:schemeClr val="tx1"/>
-                  </a:solidFill>
-                  <a:miter lim="800000"/>
-                  <a:headEnd/>
-                  <a:tailEnd/>
-                </a14:hiddenLine>
-              </a:ext>
-              <a:ext uri="{AF507438-7753-43E0-B8FC-AC1667EBCBE1}">
-                <a14:hiddenEffects xmlns:a14="http://schemas.microsoft.com/office/drawing/2010/main">
-                  <a:effectLst>
-                    <a:outerShdw dist="35921" dir="2700000" algn="ctr" rotWithShape="0">
-                      <a:schemeClr val="bg2"/>
-                    </a:outerShdw>
-                  </a:effectLst>
-                </a14:hiddenEffects>
-              </a:ext>
-            </a:extLst>
-          </p:spPr>
-        </p:pic>
-      </p:grpSp>
-      <p:sp>
-        <p:nvSpPr>
-          <p:cNvPr id="13" name="文本框 12"/>
-          <p:cNvSpPr txBox="1"/>
-          <p:nvPr/>
-        </p:nvSpPr>
-        <p:spPr>
+          </a:blip>
+          <a:srcRect/>
+          <a:stretch>
+            <a:fillRect/>
+          </a:stretch>
+        </p:blipFill>
+        <p:spPr bwMode="auto">
           <a:xfrm>
-            <a:off x="35496" y="808191"/>
-            <a:ext cx="6191564" cy="461665"/>
+            <a:off x="2339752" y="3501008"/>
+            <a:ext cx="3079254" cy="1033856"/>
           </a:xfrm>
           <a:prstGeom prst="rect">
             <a:avLst/>
           </a:prstGeom>
           <a:noFill/>
           <a:ln>
-            <a:solidFill>
-              <a:schemeClr val="bg1"/>
-            </a:solidFill>
+            <a:noFill/>
           </a:ln>
+          <a:effectLst/>
+          <a:extLst>
+            <a:ext uri="{909E8E84-426E-40DD-AFC4-6F175D3DCCD1}">
+              <a14:hiddenFill xmlns:a14="http://schemas.microsoft.com/office/drawing/2010/main">
+                <a:solidFill>
+                  <a:schemeClr val="accent1"/>
+                </a:solidFill>
+              </a14:hiddenFill>
+            </a:ext>
+            <a:ext uri="{91240B29-F687-4F45-9708-019B960494DF}">
+              <a14:hiddenLine xmlns:a14="http://schemas.microsoft.com/office/drawing/2010/main" w="9525">
+                <a:solidFill>
+                  <a:schemeClr val="tx1"/>
+                </a:solidFill>
+                <a:miter lim="800000"/>
+                <a:headEnd/>
+                <a:tailEnd/>
+              </a14:hiddenLine>
+            </a:ext>
+            <a:ext uri="{AF507438-7753-43E0-B8FC-AC1667EBCBE1}">
+              <a14:hiddenEffects xmlns:a14="http://schemas.microsoft.com/office/drawing/2010/main">
+                <a:effectLst>
+                  <a:outerShdw dist="35921" dir="2700000" algn="ctr" rotWithShape="0">
+                    <a:schemeClr val="bg2"/>
+                  </a:outerShdw>
+                </a:effectLst>
+              </a14:hiddenEffects>
+            </a:ext>
+          </a:extLst>
         </p:spPr>
-        <p:txBody>
-          <a:bodyPr wrap="square" rtlCol="0">
-            <a:spAutoFit/>
-          </a:bodyPr>
-          <a:lstStyle/>
-          <a:p>
-            <a:r>
-              <a:rPr lang="en-US" altLang="zh-CN" sz="2400" dirty="0" smtClean="0">
-                <a:solidFill>
-                  <a:srgbClr val="FF0000"/>
-                </a:solidFill>
-                <a:latin typeface="Times New Roman" panose="02020603050405020304" pitchFamily="18" charset="0"/>
-                <a:cs typeface="Times New Roman" panose="02020603050405020304" pitchFamily="18" charset="0"/>
-              </a:rPr>
-              <a:t>The maximum iteration times of RPCA solver </a:t>
-            </a:r>
-            <a:endParaRPr lang="zh-CN" altLang="en-US" sz="2400" dirty="0">
-              <a:solidFill>
-                <a:srgbClr val="FF0000"/>
-              </a:solidFill>
-              <a:latin typeface="Times New Roman" panose="02020603050405020304" pitchFamily="18" charset="0"/>
-              <a:cs typeface="Times New Roman" panose="02020603050405020304" pitchFamily="18" charset="0"/>
-            </a:endParaRPr>
-          </a:p>
-        </p:txBody>
-      </p:sp>
-      <p:sp>
-        <p:nvSpPr>
-          <p:cNvPr id="17" name="文本框 16"/>
-          <p:cNvSpPr txBox="1"/>
-          <p:nvPr/>
-        </p:nvSpPr>
-        <p:spPr>
-          <a:xfrm>
-            <a:off x="35496" y="1323403"/>
-            <a:ext cx="5292588" cy="461665"/>
-          </a:xfrm>
-          <a:prstGeom prst="rect">
-            <a:avLst/>
-          </a:prstGeom>
-          <a:noFill/>
-          <a:ln>
-            <a:solidFill>
-              <a:schemeClr val="bg1"/>
-            </a:solidFill>
-          </a:ln>
-        </p:spPr>
-        <p:txBody>
-          <a:bodyPr wrap="square" rtlCol="0">
-            <a:spAutoFit/>
-          </a:bodyPr>
-          <a:lstStyle/>
-          <a:p>
-            <a:r>
-              <a:rPr lang="en-US" altLang="zh-CN" sz="2400" dirty="0" smtClean="0">
-                <a:solidFill>
-                  <a:srgbClr val="FF0000"/>
-                </a:solidFill>
-                <a:latin typeface="Times New Roman" panose="02020603050405020304" pitchFamily="18" charset="0"/>
-                <a:cs typeface="Times New Roman" panose="02020603050405020304" pitchFamily="18" charset="0"/>
-              </a:rPr>
-              <a:t>The maximum iteration times of MRPCA</a:t>
-            </a:r>
-            <a:endParaRPr lang="zh-CN" altLang="en-US" sz="2400" dirty="0">
-              <a:solidFill>
-                <a:srgbClr val="FF0000"/>
-              </a:solidFill>
-              <a:latin typeface="Times New Roman" panose="02020603050405020304" pitchFamily="18" charset="0"/>
-              <a:cs typeface="Times New Roman" panose="02020603050405020304" pitchFamily="18" charset="0"/>
-            </a:endParaRPr>
-          </a:p>
-        </p:txBody>
-      </p:sp>
-      <p:cxnSp>
-        <p:nvCxnSpPr>
-          <p:cNvPr id="21" name="直接箭头连接符 20"/>
-          <p:cNvCxnSpPr/>
-          <p:nvPr/>
-        </p:nvCxnSpPr>
-        <p:spPr>
-          <a:xfrm>
-            <a:off x="4760316" y="1785068"/>
-            <a:ext cx="0" cy="419796"/>
-          </a:xfrm>
-          <a:prstGeom prst="straightConnector1">
-            <a:avLst/>
-          </a:prstGeom>
-          <a:ln>
-            <a:solidFill>
-              <a:srgbClr val="FF0000"/>
-            </a:solidFill>
-            <a:tailEnd type="triangle"/>
-          </a:ln>
-        </p:spPr>
-        <p:style>
-          <a:lnRef idx="1">
-            <a:schemeClr val="accent1"/>
-          </a:lnRef>
-          <a:fillRef idx="0">
-            <a:schemeClr val="accent1"/>
-          </a:fillRef>
-          <a:effectRef idx="0">
-            <a:schemeClr val="accent1"/>
-          </a:effectRef>
-          <a:fontRef idx="minor">
-            <a:schemeClr val="tx1"/>
-          </a:fontRef>
-        </p:style>
-      </p:cxnSp>
-      <p:cxnSp>
-        <p:nvCxnSpPr>
-          <p:cNvPr id="23" name="直接箭头连接符 22"/>
-          <p:cNvCxnSpPr/>
-          <p:nvPr/>
-        </p:nvCxnSpPr>
-        <p:spPr>
-          <a:xfrm>
-            <a:off x="5436096" y="1269856"/>
-            <a:ext cx="0" cy="935008"/>
-          </a:xfrm>
-          <a:prstGeom prst="straightConnector1">
-            <a:avLst/>
-          </a:prstGeom>
-          <a:ln>
-            <a:solidFill>
-              <a:srgbClr val="FF0000"/>
-            </a:solidFill>
-            <a:tailEnd type="triangle"/>
-          </a:ln>
-        </p:spPr>
-        <p:style>
-          <a:lnRef idx="1">
-            <a:schemeClr val="accent1"/>
-          </a:lnRef>
-          <a:fillRef idx="0">
-            <a:schemeClr val="accent1"/>
-          </a:fillRef>
-          <a:effectRef idx="0">
-            <a:schemeClr val="accent1"/>
-          </a:effectRef>
-          <a:fontRef idx="minor">
-            <a:schemeClr val="tx1"/>
-          </a:fontRef>
-        </p:style>
-      </p:cxnSp>
+      </p:pic>
     </p:spTree>
     <p:extLst>
       <p:ext uri="{BB962C8B-B14F-4D97-AF65-F5344CB8AC3E}">
-        <p14:creationId xmlns:p14="http://schemas.microsoft.com/office/powerpoint/2010/main" val="2523235517"/>
+        <p14:creationId xmlns:p14="http://schemas.microsoft.com/office/powerpoint/2010/main" val="3145957585"/>
       </p:ext>
     </p:extLst>
   </p:cSld>
@@ -16575,7 +15978,7 @@
         </p:nvCxnSpPr>
         <p:spPr>
           <a:xfrm>
-            <a:off x="535737" y="750864"/>
+            <a:off x="571472" y="692696"/>
             <a:ext cx="7786742" cy="1588"/>
           </a:xfrm>
           <a:prstGeom prst="line">
@@ -16606,7 +16009,7 @@
       </p:cxnSp>
       <p:sp>
         <p:nvSpPr>
-          <p:cNvPr id="6" name="标题 3"/>
+          <p:cNvPr id="5" name="标题 3"/>
           <p:cNvSpPr txBox="1">
             <a:spLocks/>
           </p:cNvSpPr>
@@ -16615,7 +16018,7 @@
         <p:spPr bwMode="auto">
           <a:xfrm>
             <a:off x="257175" y="142852"/>
-            <a:ext cx="7771209" cy="609600"/>
+            <a:ext cx="9499401" cy="609600"/>
           </a:xfrm>
           <a:prstGeom prst="rect">
             <a:avLst/>
@@ -16640,7 +16043,7 @@
                 <a:latin typeface="Calibri" pitchFamily="34" charset="0"/>
                 <a:cs typeface="Calibri" pitchFamily="34" charset="0"/>
               </a:rPr>
-              <a:t>3.4  MRPCA —— Computational Complexity</a:t>
+              <a:t>4.3 Pipeline</a:t>
             </a:r>
             <a:endParaRPr lang="zh-CN" altLang="en-US" sz="3200" b="1" kern="0" dirty="0">
               <a:effectLst/>
@@ -16651,984 +16054,51 @@
           </a:p>
         </p:txBody>
       </p:sp>
-      <mc:AlternateContent xmlns:mc="http://schemas.openxmlformats.org/markup-compatibility/2006" xmlns:a14="http://schemas.microsoft.com/office/drawing/2010/main">
-        <mc:Choice Requires="a14">
-          <p:graphicFrame>
-            <p:nvGraphicFramePr>
-              <p:cNvPr id="3" name="表格 2"/>
-              <p:cNvGraphicFramePr>
-                <a:graphicFrameLocks noGrp="1"/>
-              </p:cNvGraphicFramePr>
-              <p:nvPr>
-                <p:extLst>
-                  <p:ext uri="{D42A27DB-BD31-4B8C-83A1-F6EECF244321}">
-                    <p14:modId xmlns:p14="http://schemas.microsoft.com/office/powerpoint/2010/main" val="803096228"/>
-                  </p:ext>
-                </p:extLst>
-              </p:nvPr>
-            </p:nvGraphicFramePr>
-            <p:xfrm>
-              <a:off x="395536" y="1334351"/>
-              <a:ext cx="8387808" cy="2286000"/>
-            </p:xfrm>
-            <a:graphic>
-              <a:graphicData uri="http://schemas.openxmlformats.org/drawingml/2006/table">
-                <a:tbl>
-                  <a:tblPr firstRow="1" bandRow="1">
-                    <a:tableStyleId>{21E4AEA4-8DFA-4A89-87EB-49C32662AFE0}</a:tableStyleId>
-                  </a:tblPr>
-                  <a:tblGrid>
-                    <a:gridCol w="3419256">
-                      <a:extLst>
-                        <a:ext uri="{9D8B030D-6E8A-4147-A177-3AD203B41FA5}">
-                          <a16:colId xmlns="" xmlns:a16="http://schemas.microsoft.com/office/drawing/2014/main" val="3351255762"/>
-                        </a:ext>
-                      </a:extLst>
-                    </a:gridCol>
-                    <a:gridCol w="4968552">
-                      <a:extLst>
-                        <a:ext uri="{9D8B030D-6E8A-4147-A177-3AD203B41FA5}">
-                          <a16:colId xmlns="" xmlns:a16="http://schemas.microsoft.com/office/drawing/2014/main" val="2079187866"/>
-                        </a:ext>
-                      </a:extLst>
-                    </a:gridCol>
-                  </a:tblGrid>
-                  <a:tr h="370840">
-                    <a:tc>
-                      <a:txBody>
-                        <a:bodyPr/>
-                        <a:lstStyle/>
-                        <a:p>
-                          <a:pPr algn="ctr"/>
-                          <a:r>
-                            <a:rPr lang="en-US" altLang="zh-CN" sz="2400" dirty="0" smtClean="0">
-                              <a:latin typeface="Times New Roman" panose="02020603050405020304" pitchFamily="18" charset="0"/>
-                              <a:cs typeface="Times New Roman" panose="02020603050405020304" pitchFamily="18" charset="0"/>
-                            </a:rPr>
-                            <a:t>Operations</a:t>
-                          </a:r>
-                          <a:endParaRPr lang="zh-CN" altLang="en-US" sz="2400" dirty="0">
-                            <a:latin typeface="Times New Roman" panose="02020603050405020304" pitchFamily="18" charset="0"/>
-                            <a:cs typeface="Times New Roman" panose="02020603050405020304" pitchFamily="18" charset="0"/>
-                          </a:endParaRPr>
-                        </a:p>
-                      </a:txBody>
-                      <a:tcPr/>
-                    </a:tc>
-                    <a:tc>
-                      <a:txBody>
-                        <a:bodyPr/>
-                        <a:lstStyle/>
-                        <a:p>
-                          <a:pPr algn="ctr"/>
-                          <a:r>
-                            <a:rPr lang="en-US" altLang="zh-CN" sz="2400" dirty="0" smtClean="0">
-                              <a:latin typeface="Times New Roman" panose="02020603050405020304" pitchFamily="18" charset="0"/>
-                              <a:cs typeface="Times New Roman" panose="02020603050405020304" pitchFamily="18" charset="0"/>
-                            </a:rPr>
-                            <a:t>Complexity</a:t>
-                          </a:r>
-                          <a:endParaRPr lang="zh-CN" altLang="en-US" sz="2400" dirty="0">
-                            <a:latin typeface="Times New Roman" panose="02020603050405020304" pitchFamily="18" charset="0"/>
-                            <a:cs typeface="Times New Roman" panose="02020603050405020304" pitchFamily="18" charset="0"/>
-                          </a:endParaRPr>
-                        </a:p>
-                      </a:txBody>
-                      <a:tcPr/>
-                    </a:tc>
-                    <a:extLst>
-                      <a:ext uri="{0D108BD9-81ED-4DB2-BD59-A6C34878D82A}">
-                        <a16:rowId xmlns="" xmlns:a16="http://schemas.microsoft.com/office/drawing/2014/main" val="2264155070"/>
-                      </a:ext>
-                    </a:extLst>
-                  </a:tr>
-                  <a:tr h="370840">
-                    <a:tc>
-                      <a:txBody>
-                        <a:bodyPr/>
-                        <a:lstStyle/>
-                        <a:p>
-                          <a:pPr algn="ctr"/>
-                          <a:r>
-                            <a:rPr lang="en-US" altLang="zh-CN" sz="2400" dirty="0" smtClean="0">
-                              <a:latin typeface="Times New Roman" panose="02020603050405020304" pitchFamily="18" charset="0"/>
-                              <a:cs typeface="Times New Roman" panose="02020603050405020304" pitchFamily="18" charset="0"/>
-                            </a:rPr>
-                            <a:t>Building KD-tree</a:t>
-                          </a:r>
-                          <a:endParaRPr lang="zh-CN" altLang="en-US" sz="2400" dirty="0">
-                            <a:latin typeface="Times New Roman" panose="02020603050405020304" pitchFamily="18" charset="0"/>
-                            <a:cs typeface="Times New Roman" panose="02020603050405020304" pitchFamily="18" charset="0"/>
-                          </a:endParaRPr>
-                        </a:p>
-                      </a:txBody>
-                      <a:tcPr/>
-                    </a:tc>
-                    <a:tc>
-                      <a:txBody>
-                        <a:bodyPr/>
-                        <a:lstStyle/>
-                        <a:p>
-                          <a:pPr algn="ctr"/>
-                          <a14:m>
-                            <m:oMathPara xmlns:m="http://schemas.openxmlformats.org/officeDocument/2006/math">
-                              <m:oMathParaPr>
-                                <m:jc m:val="centerGroup"/>
-                              </m:oMathParaPr>
-                              <m:oMath xmlns:m="http://schemas.openxmlformats.org/officeDocument/2006/math">
-                                <m:r>
-                                  <a:rPr lang="en-US" altLang="zh-CN" sz="2400" b="0" i="1" smtClean="0">
-                                    <a:latin typeface="Cambria Math" panose="02040503050406030204" pitchFamily="18" charset="0"/>
-                                    <a:cs typeface="Times New Roman" panose="02020603050405020304" pitchFamily="18" charset="0"/>
-                                  </a:rPr>
-                                  <m:t>𝑂</m:t>
-                                </m:r>
-                                <m:r>
-                                  <a:rPr lang="en-US" altLang="zh-CN" sz="2400" b="0" i="1" smtClean="0">
-                                    <a:latin typeface="Cambria Math" panose="02040503050406030204" pitchFamily="18" charset="0"/>
-                                    <a:cs typeface="Times New Roman" panose="02020603050405020304" pitchFamily="18" charset="0"/>
-                                  </a:rPr>
-                                  <m:t>(</m:t>
-                                </m:r>
-                                <m:r>
-                                  <a:rPr lang="en-US" altLang="zh-CN" sz="2400" b="0" i="1" smtClean="0">
-                                    <a:latin typeface="Cambria Math" panose="02040503050406030204" pitchFamily="18" charset="0"/>
-                                    <a:cs typeface="Times New Roman" panose="02020603050405020304" pitchFamily="18" charset="0"/>
-                                  </a:rPr>
-                                  <m:t>𝑁𝑙𝑜𝑔𝑁</m:t>
-                                </m:r>
-                                <m:r>
-                                  <a:rPr lang="en-US" altLang="zh-CN" sz="2400" b="0" i="1" smtClean="0">
-                                    <a:latin typeface="Cambria Math" panose="02040503050406030204" pitchFamily="18" charset="0"/>
-                                    <a:cs typeface="Times New Roman" panose="02020603050405020304" pitchFamily="18" charset="0"/>
-                                  </a:rPr>
-                                  <m:t>)</m:t>
-                                </m:r>
-                              </m:oMath>
-                            </m:oMathPara>
-                          </a14:m>
-                          <a:endParaRPr lang="zh-CN" altLang="en-US" sz="2400" dirty="0">
-                            <a:latin typeface="Times New Roman" panose="02020603050405020304" pitchFamily="18" charset="0"/>
-                            <a:cs typeface="Times New Roman" panose="02020603050405020304" pitchFamily="18" charset="0"/>
-                          </a:endParaRPr>
-                        </a:p>
-                      </a:txBody>
-                      <a:tcPr/>
-                    </a:tc>
-                    <a:extLst>
-                      <a:ext uri="{0D108BD9-81ED-4DB2-BD59-A6C34878D82A}">
-                        <a16:rowId xmlns="" xmlns:a16="http://schemas.microsoft.com/office/drawing/2014/main" val="2370636444"/>
-                      </a:ext>
-                    </a:extLst>
-                  </a:tr>
-                  <a:tr h="370840">
-                    <a:tc>
-                      <a:txBody>
-                        <a:bodyPr/>
-                        <a:lstStyle/>
-                        <a:p>
-                          <a:pPr algn="ctr"/>
-                          <a:r>
-                            <a:rPr lang="en-US" altLang="zh-CN" sz="2400" dirty="0" smtClean="0">
-                              <a:latin typeface="Times New Roman" panose="02020603050405020304" pitchFamily="18" charset="0"/>
-                              <a:cs typeface="Times New Roman" panose="02020603050405020304" pitchFamily="18" charset="0"/>
-                            </a:rPr>
-                            <a:t>K-nearest neighbor search</a:t>
-                          </a:r>
-                          <a:endParaRPr lang="zh-CN" altLang="en-US" sz="2400" dirty="0">
-                            <a:latin typeface="Times New Roman" panose="02020603050405020304" pitchFamily="18" charset="0"/>
-                            <a:cs typeface="Times New Roman" panose="02020603050405020304" pitchFamily="18" charset="0"/>
-                          </a:endParaRPr>
-                        </a:p>
-                      </a:txBody>
-                      <a:tcPr/>
-                    </a:tc>
-                    <a:tc>
-                      <a:txBody>
-                        <a:bodyPr/>
-                        <a:lstStyle/>
-                        <a:p>
-                          <a:pPr algn="ctr"/>
-                          <a14:m>
-                            <m:oMathPara xmlns:m="http://schemas.openxmlformats.org/officeDocument/2006/math">
-                              <m:oMathParaPr>
-                                <m:jc m:val="centerGroup"/>
-                              </m:oMathParaPr>
-                              <m:oMath xmlns:m="http://schemas.openxmlformats.org/officeDocument/2006/math">
-                                <m:r>
-                                  <a:rPr lang="en-US" altLang="zh-CN" sz="2400" b="0" i="1" smtClean="0">
-                                    <a:latin typeface="Cambria Math" panose="02040503050406030204" pitchFamily="18" charset="0"/>
-                                    <a:cs typeface="Times New Roman" panose="02020603050405020304" pitchFamily="18" charset="0"/>
-                                  </a:rPr>
-                                  <m:t>𝑂</m:t>
-                                </m:r>
-                                <m:r>
-                                  <a:rPr lang="en-US" altLang="zh-CN" sz="2400" b="0" i="1" smtClean="0">
-                                    <a:latin typeface="Cambria Math" panose="02040503050406030204" pitchFamily="18" charset="0"/>
-                                    <a:cs typeface="Times New Roman" panose="02020603050405020304" pitchFamily="18" charset="0"/>
-                                  </a:rPr>
-                                  <m:t>(</m:t>
-                                </m:r>
-                                <m:r>
-                                  <a:rPr lang="en-US" altLang="zh-CN" sz="2400" b="0" i="1" smtClean="0">
-                                    <a:latin typeface="Cambria Math" panose="02040503050406030204" pitchFamily="18" charset="0"/>
-                                    <a:cs typeface="Times New Roman" panose="02020603050405020304" pitchFamily="18" charset="0"/>
-                                  </a:rPr>
-                                  <m:t>𝐾𝑙𝑜𝑔𝑁</m:t>
-                                </m:r>
-                                <m:r>
-                                  <a:rPr lang="en-US" altLang="zh-CN" sz="2400" b="0" i="1" smtClean="0">
-                                    <a:latin typeface="Cambria Math" panose="02040503050406030204" pitchFamily="18" charset="0"/>
-                                    <a:cs typeface="Times New Roman" panose="02020603050405020304" pitchFamily="18" charset="0"/>
-                                  </a:rPr>
-                                  <m:t>)</m:t>
-                                </m:r>
-                              </m:oMath>
-                            </m:oMathPara>
-                          </a14:m>
-                          <a:endParaRPr lang="zh-CN" altLang="en-US" sz="2400" dirty="0">
-                            <a:latin typeface="Times New Roman" panose="02020603050405020304" pitchFamily="18" charset="0"/>
-                            <a:cs typeface="Times New Roman" panose="02020603050405020304" pitchFamily="18" charset="0"/>
-                          </a:endParaRPr>
-                        </a:p>
-                      </a:txBody>
-                      <a:tcPr/>
-                    </a:tc>
-                    <a:extLst>
-                      <a:ext uri="{0D108BD9-81ED-4DB2-BD59-A6C34878D82A}">
-                        <a16:rowId xmlns="" xmlns:a16="http://schemas.microsoft.com/office/drawing/2014/main" val="1232754123"/>
-                      </a:ext>
-                    </a:extLst>
-                  </a:tr>
-                  <a:tr h="370840">
-                    <a:tc>
-                      <a:txBody>
-                        <a:bodyPr/>
-                        <a:lstStyle/>
-                        <a:p>
-                          <a:pPr algn="ctr"/>
-                          <a:r>
-                            <a:rPr lang="en-US" altLang="zh-CN" sz="2400" dirty="0" smtClean="0">
-                              <a:latin typeface="Times New Roman" panose="02020603050405020304" pitchFamily="18" charset="0"/>
-                              <a:cs typeface="Times New Roman" panose="02020603050405020304" pitchFamily="18" charset="0"/>
-                            </a:rPr>
-                            <a:t>RPCA solver</a:t>
-                          </a:r>
-                          <a:endParaRPr lang="zh-CN" altLang="en-US" sz="2400" dirty="0">
-                            <a:latin typeface="Times New Roman" panose="02020603050405020304" pitchFamily="18" charset="0"/>
-                            <a:cs typeface="Times New Roman" panose="02020603050405020304" pitchFamily="18" charset="0"/>
-                          </a:endParaRPr>
-                        </a:p>
-                      </a:txBody>
-                      <a:tcPr/>
-                    </a:tc>
-                    <a:tc>
-                      <a:txBody>
-                        <a:bodyPr/>
-                        <a:lstStyle/>
-                        <a:p>
-                          <a:pPr algn="ctr"/>
-                          <a14:m>
-                            <m:oMathPara xmlns:m="http://schemas.openxmlformats.org/officeDocument/2006/math">
-                              <m:oMathParaPr>
-                                <m:jc m:val="centerGroup"/>
-                              </m:oMathParaPr>
-                              <m:oMath xmlns:m="http://schemas.openxmlformats.org/officeDocument/2006/math">
-                                <m:r>
-                                  <a:rPr lang="en-US" altLang="zh-CN" sz="2400" b="0" i="1" smtClean="0">
-                                    <a:latin typeface="Cambria Math" panose="02040503050406030204" pitchFamily="18" charset="0"/>
-                                    <a:cs typeface="Times New Roman" panose="02020603050405020304" pitchFamily="18" charset="0"/>
-                                  </a:rPr>
-                                  <m:t>𝑡𝑂</m:t>
-                                </m:r>
-                                <m:r>
-                                  <a:rPr lang="en-US" altLang="zh-CN" sz="2400" b="0" i="1" smtClean="0">
-                                    <a:latin typeface="Cambria Math" panose="02040503050406030204" pitchFamily="18" charset="0"/>
-                                    <a:cs typeface="Times New Roman" panose="02020603050405020304" pitchFamily="18" charset="0"/>
-                                  </a:rPr>
-                                  <m:t>(</m:t>
-                                </m:r>
-                                <m:r>
-                                  <a:rPr lang="en-US" altLang="zh-CN" sz="2400" b="0" i="1" smtClean="0">
-                                    <a:latin typeface="Cambria Math" panose="02040503050406030204" pitchFamily="18" charset="0"/>
-                                    <a:cs typeface="Times New Roman" panose="02020603050405020304" pitchFamily="18" charset="0"/>
-                                  </a:rPr>
-                                  <m:t>𝐾</m:t>
-                                </m:r>
-                                <m:r>
-                                  <a:rPr lang="en-US" altLang="zh-CN" sz="2400" b="0" i="1" smtClean="0">
-                                    <a:latin typeface="Cambria Math" panose="02040503050406030204" pitchFamily="18" charset="0"/>
-                                    <a:cs typeface="Times New Roman" panose="02020603050405020304" pitchFamily="18" charset="0"/>
-                                  </a:rPr>
-                                  <m:t>)</m:t>
-                                </m:r>
-                              </m:oMath>
-                            </m:oMathPara>
-                          </a14:m>
-                          <a:endParaRPr lang="zh-CN" altLang="en-US" sz="2400" dirty="0">
-                            <a:latin typeface="Times New Roman" panose="02020603050405020304" pitchFamily="18" charset="0"/>
-                            <a:cs typeface="Times New Roman" panose="02020603050405020304" pitchFamily="18" charset="0"/>
-                          </a:endParaRPr>
-                        </a:p>
-                      </a:txBody>
-                      <a:tcPr/>
-                    </a:tc>
-                    <a:extLst>
-                      <a:ext uri="{0D108BD9-81ED-4DB2-BD59-A6C34878D82A}">
-                        <a16:rowId xmlns="" xmlns:a16="http://schemas.microsoft.com/office/drawing/2014/main" val="4288196941"/>
-                      </a:ext>
-                    </a:extLst>
-                  </a:tr>
-                  <a:tr h="370840">
-                    <a:tc>
-                      <a:txBody>
-                        <a:bodyPr/>
-                        <a:lstStyle/>
-                        <a:p>
-                          <a:pPr algn="ctr"/>
-                          <a:r>
-                            <a:rPr lang="en-US" altLang="zh-CN" sz="2400" dirty="0" smtClean="0">
-                              <a:latin typeface="Times New Roman" panose="02020603050405020304" pitchFamily="18" charset="0"/>
-                              <a:cs typeface="Times New Roman" panose="02020603050405020304" pitchFamily="18" charset="0"/>
-                            </a:rPr>
-                            <a:t>Total</a:t>
-                          </a:r>
-                          <a:endParaRPr lang="zh-CN" altLang="en-US" sz="2400" dirty="0">
-                            <a:latin typeface="Times New Roman" panose="02020603050405020304" pitchFamily="18" charset="0"/>
-                            <a:cs typeface="Times New Roman" panose="02020603050405020304" pitchFamily="18" charset="0"/>
-                          </a:endParaRPr>
-                        </a:p>
-                      </a:txBody>
-                      <a:tcPr/>
-                    </a:tc>
-                    <a:tc>
-                      <a:txBody>
-                        <a:bodyPr/>
-                        <a:lstStyle/>
-                        <a:p>
-                          <a:pPr algn="ctr"/>
-                          <a14:m>
-                            <m:oMathPara xmlns:m="http://schemas.openxmlformats.org/officeDocument/2006/math">
-                              <m:oMathParaPr>
-                                <m:jc m:val="centerGroup"/>
-                              </m:oMathParaPr>
-                              <m:oMath xmlns:m="http://schemas.openxmlformats.org/officeDocument/2006/math">
-                                <m:r>
-                                  <a:rPr lang="en-US" altLang="zh-CN" sz="2400" b="0" i="1" smtClean="0">
-                                    <a:latin typeface="Cambria Math" panose="02040503050406030204" pitchFamily="18" charset="0"/>
-                                    <a:cs typeface="Times New Roman" panose="02020603050405020304" pitchFamily="18" charset="0"/>
-                                  </a:rPr>
-                                  <m:t>𝑟𝑂</m:t>
-                                </m:r>
-                                <m:r>
-                                  <a:rPr lang="en-US" altLang="zh-CN" sz="2400" b="0" i="1" smtClean="0">
-                                    <a:latin typeface="Cambria Math" panose="02040503050406030204" pitchFamily="18" charset="0"/>
-                                    <a:cs typeface="Times New Roman" panose="02020603050405020304" pitchFamily="18" charset="0"/>
-                                  </a:rPr>
-                                  <m:t>(</m:t>
-                                </m:r>
-                                <m:r>
-                                  <a:rPr lang="en-US" altLang="zh-CN" sz="2400" b="0" i="1" smtClean="0">
-                                    <a:latin typeface="Cambria Math" panose="02040503050406030204" pitchFamily="18" charset="0"/>
-                                    <a:cs typeface="Times New Roman" panose="02020603050405020304" pitchFamily="18" charset="0"/>
-                                  </a:rPr>
-                                  <m:t>𝑁</m:t>
-                                </m:r>
-                                <m:r>
-                                  <a:rPr lang="en-US" altLang="zh-CN" sz="2400" b="0" i="1" smtClean="0">
-                                    <a:latin typeface="Cambria Math" panose="02040503050406030204" pitchFamily="18" charset="0"/>
-                                    <a:cs typeface="Times New Roman" panose="02020603050405020304" pitchFamily="18" charset="0"/>
-                                  </a:rPr>
-                                  <m:t>(</m:t>
-                                </m:r>
-                                <m:r>
-                                  <a:rPr lang="en-US" altLang="zh-CN" sz="2400" b="0" i="1" smtClean="0">
-                                    <a:latin typeface="Cambria Math" panose="02040503050406030204" pitchFamily="18" charset="0"/>
-                                    <a:cs typeface="Times New Roman" panose="02020603050405020304" pitchFamily="18" charset="0"/>
-                                  </a:rPr>
-                                  <m:t>𝑙𝑜𝑔𝑁</m:t>
-                                </m:r>
-                                <m:r>
-                                  <a:rPr lang="en-US" altLang="zh-CN" sz="2400" b="0" i="1" smtClean="0">
-                                    <a:latin typeface="Cambria Math" panose="02040503050406030204" pitchFamily="18" charset="0"/>
-                                    <a:cs typeface="Times New Roman" panose="02020603050405020304" pitchFamily="18" charset="0"/>
-                                  </a:rPr>
-                                  <m:t>+</m:t>
-                                </m:r>
-                                <m:r>
-                                  <a:rPr lang="en-US" altLang="zh-CN" sz="2400" b="0" i="1" smtClean="0">
-                                    <a:latin typeface="Cambria Math" panose="02040503050406030204" pitchFamily="18" charset="0"/>
-                                    <a:cs typeface="Times New Roman" panose="02020603050405020304" pitchFamily="18" charset="0"/>
-                                  </a:rPr>
-                                  <m:t>𝐾𝑙𝑜𝑔𝑁</m:t>
-                                </m:r>
-                                <m:r>
-                                  <a:rPr lang="en-US" altLang="zh-CN" sz="2400" b="0" i="1" smtClean="0">
-                                    <a:latin typeface="Cambria Math" panose="02040503050406030204" pitchFamily="18" charset="0"/>
-                                    <a:cs typeface="Times New Roman" panose="02020603050405020304" pitchFamily="18" charset="0"/>
-                                  </a:rPr>
-                                  <m:t>+</m:t>
-                                </m:r>
-                                <m:r>
-                                  <a:rPr lang="en-US" altLang="zh-CN" sz="2400" b="0" i="1" smtClean="0">
-                                    <a:latin typeface="Cambria Math" panose="02040503050406030204" pitchFamily="18" charset="0"/>
-                                    <a:cs typeface="Times New Roman" panose="02020603050405020304" pitchFamily="18" charset="0"/>
-                                  </a:rPr>
-                                  <m:t>𝑡𝐾</m:t>
-                                </m:r>
-                                <m:r>
-                                  <a:rPr lang="en-US" altLang="zh-CN" sz="2400" b="0" i="1" smtClean="0">
-                                    <a:latin typeface="Cambria Math" panose="02040503050406030204" pitchFamily="18" charset="0"/>
-                                    <a:cs typeface="Times New Roman" panose="02020603050405020304" pitchFamily="18" charset="0"/>
-                                  </a:rPr>
-                                  <m:t>))</m:t>
-                                </m:r>
-                              </m:oMath>
-                            </m:oMathPara>
-                          </a14:m>
-                          <a:endParaRPr lang="zh-CN" altLang="en-US" sz="2400" dirty="0">
-                            <a:latin typeface="Times New Roman" panose="02020603050405020304" pitchFamily="18" charset="0"/>
-                            <a:cs typeface="Times New Roman" panose="02020603050405020304" pitchFamily="18" charset="0"/>
-                          </a:endParaRPr>
-                        </a:p>
-                      </a:txBody>
-                      <a:tcPr/>
-                    </a:tc>
-                    <a:extLst>
-                      <a:ext uri="{0D108BD9-81ED-4DB2-BD59-A6C34878D82A}">
-                        <a16:rowId xmlns="" xmlns:a16="http://schemas.microsoft.com/office/drawing/2014/main" val="2769751593"/>
-                      </a:ext>
-                    </a:extLst>
-                  </a:tr>
-                </a:tbl>
-              </a:graphicData>
-            </a:graphic>
-          </p:graphicFrame>
-        </mc:Choice>
-        <mc:Fallback xmlns="">
-          <p:graphicFrame>
-            <p:nvGraphicFramePr>
-              <p:cNvPr id="3" name="表格 2"/>
-              <p:cNvGraphicFramePr>
-                <a:graphicFrameLocks noGrp="1"/>
-              </p:cNvGraphicFramePr>
-              <p:nvPr>
-                <p:extLst>
-                  <p:ext uri="{D42A27DB-BD31-4B8C-83A1-F6EECF244321}">
-                    <p14:modId xmlns:p14="http://schemas.microsoft.com/office/powerpoint/2010/main" val="803096228"/>
-                  </p:ext>
-                </p:extLst>
-              </p:nvPr>
-            </p:nvGraphicFramePr>
-            <p:xfrm>
-              <a:off x="395536" y="1334351"/>
-              <a:ext cx="8387808" cy="2286000"/>
-            </p:xfrm>
-            <a:graphic>
-              <a:graphicData uri="http://schemas.openxmlformats.org/drawingml/2006/table">
-                <a:tbl>
-                  <a:tblPr firstRow="1" bandRow="1">
-                    <a:tableStyleId>{21E4AEA4-8DFA-4A89-87EB-49C32662AFE0}</a:tableStyleId>
-                  </a:tblPr>
-                  <a:tblGrid>
-                    <a:gridCol w="3419256">
-                      <a:extLst>
-                        <a:ext uri="{9D8B030D-6E8A-4147-A177-3AD203B41FA5}">
-                          <a16:colId xmlns:a16="http://schemas.microsoft.com/office/drawing/2014/main" val="3351255762"/>
-                        </a:ext>
-                      </a:extLst>
-                    </a:gridCol>
-                    <a:gridCol w="4968552">
-                      <a:extLst>
-                        <a:ext uri="{9D8B030D-6E8A-4147-A177-3AD203B41FA5}">
-                          <a16:colId xmlns:a16="http://schemas.microsoft.com/office/drawing/2014/main" val="2079187866"/>
-                        </a:ext>
-                      </a:extLst>
-                    </a:gridCol>
-                  </a:tblGrid>
-                  <a:tr h="457200">
-                    <a:tc>
-                      <a:txBody>
-                        <a:bodyPr/>
-                        <a:lstStyle/>
-                        <a:p>
-                          <a:pPr algn="ctr"/>
-                          <a:r>
-                            <a:rPr lang="en-US" altLang="zh-CN" sz="2400" dirty="0" smtClean="0">
-                              <a:latin typeface="Times New Roman" panose="02020603050405020304" pitchFamily="18" charset="0"/>
-                              <a:cs typeface="Times New Roman" panose="02020603050405020304" pitchFamily="18" charset="0"/>
-                            </a:rPr>
-                            <a:t>Operations</a:t>
-                          </a:r>
-                          <a:endParaRPr lang="zh-CN" altLang="en-US" sz="2400" dirty="0">
-                            <a:latin typeface="Times New Roman" panose="02020603050405020304" pitchFamily="18" charset="0"/>
-                            <a:cs typeface="Times New Roman" panose="02020603050405020304" pitchFamily="18" charset="0"/>
-                          </a:endParaRPr>
-                        </a:p>
-                      </a:txBody>
-                      <a:tcPr/>
-                    </a:tc>
-                    <a:tc>
-                      <a:txBody>
-                        <a:bodyPr/>
-                        <a:lstStyle/>
-                        <a:p>
-                          <a:pPr algn="ctr"/>
-                          <a:r>
-                            <a:rPr lang="en-US" altLang="zh-CN" sz="2400" dirty="0" smtClean="0">
-                              <a:latin typeface="Times New Roman" panose="02020603050405020304" pitchFamily="18" charset="0"/>
-                              <a:cs typeface="Times New Roman" panose="02020603050405020304" pitchFamily="18" charset="0"/>
-                            </a:rPr>
-                            <a:t>Complexity</a:t>
-                          </a:r>
-                          <a:endParaRPr lang="zh-CN" altLang="en-US" sz="2400" dirty="0">
-                            <a:latin typeface="Times New Roman" panose="02020603050405020304" pitchFamily="18" charset="0"/>
-                            <a:cs typeface="Times New Roman" panose="02020603050405020304" pitchFamily="18" charset="0"/>
-                          </a:endParaRPr>
-                        </a:p>
-                      </a:txBody>
-                      <a:tcPr/>
-                    </a:tc>
-                    <a:extLst>
-                      <a:ext uri="{0D108BD9-81ED-4DB2-BD59-A6C34878D82A}">
-                        <a16:rowId xmlns:a16="http://schemas.microsoft.com/office/drawing/2014/main" val="2264155070"/>
-                      </a:ext>
-                    </a:extLst>
-                  </a:tr>
-                  <a:tr h="457200">
-                    <a:tc>
-                      <a:txBody>
-                        <a:bodyPr/>
-                        <a:lstStyle/>
-                        <a:p>
-                          <a:pPr algn="ctr"/>
-                          <a:r>
-                            <a:rPr lang="en-US" altLang="zh-CN" sz="2400" dirty="0" smtClean="0">
-                              <a:latin typeface="Times New Roman" panose="02020603050405020304" pitchFamily="18" charset="0"/>
-                              <a:cs typeface="Times New Roman" panose="02020603050405020304" pitchFamily="18" charset="0"/>
-                            </a:rPr>
-                            <a:t>Building KD-tree</a:t>
-                          </a:r>
-                          <a:endParaRPr lang="zh-CN" altLang="en-US" sz="2400" dirty="0">
-                            <a:latin typeface="Times New Roman" panose="02020603050405020304" pitchFamily="18" charset="0"/>
-                            <a:cs typeface="Times New Roman" panose="02020603050405020304" pitchFamily="18" charset="0"/>
-                          </a:endParaRPr>
-                        </a:p>
-                      </a:txBody>
-                      <a:tcPr/>
-                    </a:tc>
-                    <a:tc>
-                      <a:txBody>
-                        <a:bodyPr/>
-                        <a:lstStyle/>
-                        <a:p>
-                          <a:endParaRPr lang="zh-CN"/>
-                        </a:p>
-                      </a:txBody>
-                      <a:tcPr>
-                        <a:blipFill>
-                          <a:blip r:embed="rId3"/>
-                          <a:stretch>
-                            <a:fillRect l="-68873" t="-109333" r="-613" b="-332000"/>
-                          </a:stretch>
-                        </a:blipFill>
-                      </a:tcPr>
-                    </a:tc>
-                    <a:extLst>
-                      <a:ext uri="{0D108BD9-81ED-4DB2-BD59-A6C34878D82A}">
-                        <a16:rowId xmlns:a16="http://schemas.microsoft.com/office/drawing/2014/main" val="2370636444"/>
-                      </a:ext>
-                    </a:extLst>
-                  </a:tr>
-                  <a:tr h="457200">
-                    <a:tc>
-                      <a:txBody>
-                        <a:bodyPr/>
-                        <a:lstStyle/>
-                        <a:p>
-                          <a:pPr algn="ctr"/>
-                          <a:r>
-                            <a:rPr lang="en-US" altLang="zh-CN" sz="2400" dirty="0" smtClean="0">
-                              <a:latin typeface="Times New Roman" panose="02020603050405020304" pitchFamily="18" charset="0"/>
-                              <a:cs typeface="Times New Roman" panose="02020603050405020304" pitchFamily="18" charset="0"/>
-                            </a:rPr>
-                            <a:t>K-nearest neighbor search</a:t>
-                          </a:r>
-                          <a:endParaRPr lang="zh-CN" altLang="en-US" sz="2400" dirty="0">
-                            <a:latin typeface="Times New Roman" panose="02020603050405020304" pitchFamily="18" charset="0"/>
-                            <a:cs typeface="Times New Roman" panose="02020603050405020304" pitchFamily="18" charset="0"/>
-                          </a:endParaRPr>
-                        </a:p>
-                      </a:txBody>
-                      <a:tcPr/>
-                    </a:tc>
-                    <a:tc>
-                      <a:txBody>
-                        <a:bodyPr/>
-                        <a:lstStyle/>
-                        <a:p>
-                          <a:endParaRPr lang="zh-CN"/>
-                        </a:p>
-                      </a:txBody>
-                      <a:tcPr>
-                        <a:blipFill>
-                          <a:blip r:embed="rId3"/>
-                          <a:stretch>
-                            <a:fillRect l="-68873" t="-206579" r="-613" b="-227632"/>
-                          </a:stretch>
-                        </a:blipFill>
-                      </a:tcPr>
-                    </a:tc>
-                    <a:extLst>
-                      <a:ext uri="{0D108BD9-81ED-4DB2-BD59-A6C34878D82A}">
-                        <a16:rowId xmlns:a16="http://schemas.microsoft.com/office/drawing/2014/main" val="1232754123"/>
-                      </a:ext>
-                    </a:extLst>
-                  </a:tr>
-                  <a:tr h="457200">
-                    <a:tc>
-                      <a:txBody>
-                        <a:bodyPr/>
-                        <a:lstStyle/>
-                        <a:p>
-                          <a:pPr algn="ctr"/>
-                          <a:r>
-                            <a:rPr lang="en-US" altLang="zh-CN" sz="2400" dirty="0" smtClean="0">
-                              <a:latin typeface="Times New Roman" panose="02020603050405020304" pitchFamily="18" charset="0"/>
-                              <a:cs typeface="Times New Roman" panose="02020603050405020304" pitchFamily="18" charset="0"/>
-                            </a:rPr>
-                            <a:t>RPCA solver</a:t>
-                          </a:r>
-                          <a:endParaRPr lang="zh-CN" altLang="en-US" sz="2400" dirty="0">
-                            <a:latin typeface="Times New Roman" panose="02020603050405020304" pitchFamily="18" charset="0"/>
-                            <a:cs typeface="Times New Roman" panose="02020603050405020304" pitchFamily="18" charset="0"/>
-                          </a:endParaRPr>
-                        </a:p>
-                      </a:txBody>
-                      <a:tcPr/>
-                    </a:tc>
-                    <a:tc>
-                      <a:txBody>
-                        <a:bodyPr/>
-                        <a:lstStyle/>
-                        <a:p>
-                          <a:endParaRPr lang="zh-CN"/>
-                        </a:p>
-                      </a:txBody>
-                      <a:tcPr>
-                        <a:blipFill>
-                          <a:blip r:embed="rId3"/>
-                          <a:stretch>
-                            <a:fillRect l="-68873" t="-310667" r="-613" b="-130667"/>
-                          </a:stretch>
-                        </a:blipFill>
-                      </a:tcPr>
-                    </a:tc>
-                    <a:extLst>
-                      <a:ext uri="{0D108BD9-81ED-4DB2-BD59-A6C34878D82A}">
-                        <a16:rowId xmlns:a16="http://schemas.microsoft.com/office/drawing/2014/main" val="4288196941"/>
-                      </a:ext>
-                    </a:extLst>
-                  </a:tr>
-                  <a:tr h="457200">
-                    <a:tc>
-                      <a:txBody>
-                        <a:bodyPr/>
-                        <a:lstStyle/>
-                        <a:p>
-                          <a:pPr algn="ctr"/>
-                          <a:r>
-                            <a:rPr lang="en-US" altLang="zh-CN" sz="2400" dirty="0" smtClean="0">
-                              <a:latin typeface="Times New Roman" panose="02020603050405020304" pitchFamily="18" charset="0"/>
-                              <a:cs typeface="Times New Roman" panose="02020603050405020304" pitchFamily="18" charset="0"/>
-                            </a:rPr>
-                            <a:t>Total</a:t>
-                          </a:r>
-                          <a:endParaRPr lang="zh-CN" altLang="en-US" sz="2400" dirty="0">
-                            <a:latin typeface="Times New Roman" panose="02020603050405020304" pitchFamily="18" charset="0"/>
-                            <a:cs typeface="Times New Roman" panose="02020603050405020304" pitchFamily="18" charset="0"/>
-                          </a:endParaRPr>
-                        </a:p>
-                      </a:txBody>
-                      <a:tcPr/>
-                    </a:tc>
-                    <a:tc>
-                      <a:txBody>
-                        <a:bodyPr/>
-                        <a:lstStyle/>
-                        <a:p>
-                          <a:endParaRPr lang="zh-CN"/>
-                        </a:p>
-                      </a:txBody>
-                      <a:tcPr>
-                        <a:blipFill>
-                          <a:blip r:embed="rId3"/>
-                          <a:stretch>
-                            <a:fillRect l="-68873" t="-410667" r="-613" b="-30667"/>
-                          </a:stretch>
-                        </a:blipFill>
-                      </a:tcPr>
-                    </a:tc>
-                    <a:extLst>
-                      <a:ext uri="{0D108BD9-81ED-4DB2-BD59-A6C34878D82A}">
-                        <a16:rowId xmlns:a16="http://schemas.microsoft.com/office/drawing/2014/main" val="2769751593"/>
-                      </a:ext>
-                    </a:extLst>
-                  </a:tr>
-                </a:tbl>
-              </a:graphicData>
-            </a:graphic>
-          </p:graphicFrame>
-        </mc:Fallback>
-      </mc:AlternateContent>
-      <p:cxnSp>
-        <p:nvCxnSpPr>
-          <p:cNvPr id="14" name="肘形连接符 13"/>
-          <p:cNvCxnSpPr/>
+      <p:pic>
+        <p:nvPicPr>
+          <p:cNvPr id="3077" name="Picture 5" descr="D:\mondy-report\monday-speech\pipeline.png"/>
+          <p:cNvPicPr>
+            <a:picLocks noChangeAspect="1" noChangeArrowheads="1"/>
+          </p:cNvPicPr>
           <p:nvPr/>
-        </p:nvCxnSpPr>
-        <p:spPr>
-          <a:xfrm rot="5400000">
-            <a:off x="3840146" y="3632125"/>
-            <a:ext cx="600737" cy="577188"/>
-          </a:xfrm>
-          <a:prstGeom prst="bentConnector3">
-            <a:avLst/>
-          </a:prstGeom>
-          <a:ln>
-            <a:solidFill>
-              <a:schemeClr val="tx1"/>
-            </a:solidFill>
-            <a:tailEnd type="triangle"/>
-          </a:ln>
-        </p:spPr>
-        <p:style>
-          <a:lnRef idx="1">
-            <a:schemeClr val="accent1"/>
-          </a:lnRef>
-          <a:fillRef idx="0">
-            <a:schemeClr val="accent1"/>
-          </a:fillRef>
-          <a:effectRef idx="0">
-            <a:schemeClr val="accent1"/>
-          </a:effectRef>
-          <a:fontRef idx="minor">
-            <a:schemeClr val="tx1"/>
-          </a:fontRef>
-        </p:style>
-      </p:cxnSp>
-      <p:sp>
-        <p:nvSpPr>
-          <p:cNvPr id="15" name="文本框 14"/>
-          <p:cNvSpPr txBox="1"/>
-          <p:nvPr/>
-        </p:nvSpPr>
-        <p:spPr>
+        </p:nvPicPr>
+        <p:blipFill>
+          <a:blip r:embed="rId3">
+            <a:extLst>
+              <a:ext uri="{28A0092B-C50C-407E-A947-70E740481C1C}">
+                <a14:useLocalDpi xmlns:a14="http://schemas.microsoft.com/office/drawing/2010/main" val="0"/>
+              </a:ext>
+            </a:extLst>
+          </a:blip>
+          <a:srcRect/>
+          <a:stretch>
+            <a:fillRect/>
+          </a:stretch>
+        </p:blipFill>
+        <p:spPr bwMode="auto">
           <a:xfrm>
-            <a:off x="395536" y="4226085"/>
-            <a:ext cx="5292588" cy="461665"/>
+            <a:off x="-180528" y="1700808"/>
+            <a:ext cx="9520023" cy="3384376"/>
           </a:xfrm>
           <a:prstGeom prst="rect">
             <a:avLst/>
           </a:prstGeom>
           <a:noFill/>
+          <a:extLst>
+            <a:ext uri="{909E8E84-426E-40DD-AFC4-6F175D3DCCD1}">
+              <a14:hiddenFill xmlns:a14="http://schemas.microsoft.com/office/drawing/2010/main">
+                <a:solidFill>
+                  <a:srgbClr val="FFFFFF"/>
+                </a:solidFill>
+              </a14:hiddenFill>
+            </a:ext>
+          </a:extLst>
         </p:spPr>
-        <p:txBody>
-          <a:bodyPr wrap="square" rtlCol="0">
-            <a:spAutoFit/>
-          </a:bodyPr>
-          <a:lstStyle/>
-          <a:p>
-            <a:r>
-              <a:rPr lang="en-US" altLang="zh-CN" sz="2400" dirty="0" smtClean="0">
-                <a:solidFill>
-                  <a:srgbClr val="FF0000"/>
-                </a:solidFill>
-                <a:latin typeface="Times New Roman" panose="02020603050405020304" pitchFamily="18" charset="0"/>
-                <a:cs typeface="Times New Roman" panose="02020603050405020304" pitchFamily="18" charset="0"/>
-              </a:rPr>
-              <a:t>The maximum iteration times of MRPCA</a:t>
-            </a:r>
-            <a:endParaRPr lang="zh-CN" altLang="en-US" sz="2400" dirty="0">
-              <a:solidFill>
-                <a:srgbClr val="FF0000"/>
-              </a:solidFill>
-              <a:latin typeface="Times New Roman" panose="02020603050405020304" pitchFamily="18" charset="0"/>
-              <a:cs typeface="Times New Roman" panose="02020603050405020304" pitchFamily="18" charset="0"/>
-            </a:endParaRPr>
-          </a:p>
-        </p:txBody>
-      </p:sp>
-      <p:cxnSp>
-        <p:nvCxnSpPr>
-          <p:cNvPr id="17" name="肘形连接符 16"/>
-          <p:cNvCxnSpPr/>
-          <p:nvPr/>
-        </p:nvCxnSpPr>
-        <p:spPr>
-          <a:xfrm rot="5400000">
-            <a:off x="5586472" y="3902022"/>
-            <a:ext cx="1067400" cy="504056"/>
-          </a:xfrm>
-          <a:prstGeom prst="bentConnector3">
-            <a:avLst/>
-          </a:prstGeom>
-          <a:ln>
-            <a:solidFill>
-              <a:schemeClr val="tx1"/>
-            </a:solidFill>
-            <a:tailEnd type="triangle"/>
-          </a:ln>
-        </p:spPr>
-        <p:style>
-          <a:lnRef idx="1">
-            <a:schemeClr val="accent1"/>
-          </a:lnRef>
-          <a:fillRef idx="0">
-            <a:schemeClr val="accent1"/>
-          </a:fillRef>
-          <a:effectRef idx="0">
-            <a:schemeClr val="accent1"/>
-          </a:effectRef>
-          <a:fontRef idx="minor">
-            <a:schemeClr val="tx1"/>
-          </a:fontRef>
-        </p:style>
-      </p:cxnSp>
-      <p:sp>
-        <p:nvSpPr>
-          <p:cNvPr id="19" name="文本框 18"/>
-          <p:cNvSpPr txBox="1"/>
-          <p:nvPr/>
-        </p:nvSpPr>
-        <p:spPr>
-          <a:xfrm>
-            <a:off x="2699792" y="4692664"/>
-            <a:ext cx="3672408" cy="461665"/>
-          </a:xfrm>
-          <a:prstGeom prst="rect">
-            <a:avLst/>
-          </a:prstGeom>
-          <a:noFill/>
-        </p:spPr>
-        <p:txBody>
-          <a:bodyPr wrap="square" rtlCol="0">
-            <a:spAutoFit/>
-          </a:bodyPr>
-          <a:lstStyle/>
-          <a:p>
-            <a:r>
-              <a:rPr lang="en-US" altLang="zh-CN" sz="2400" dirty="0" smtClean="0">
-                <a:solidFill>
-                  <a:srgbClr val="FF0000"/>
-                </a:solidFill>
-                <a:latin typeface="Times New Roman" panose="02020603050405020304" pitchFamily="18" charset="0"/>
-                <a:cs typeface="Times New Roman" panose="02020603050405020304" pitchFamily="18" charset="0"/>
-              </a:rPr>
-              <a:t>The size of </a:t>
-            </a:r>
-            <a:r>
-              <a:rPr lang="en-US" altLang="zh-CN" sz="2400" dirty="0" err="1" smtClean="0">
-                <a:solidFill>
-                  <a:srgbClr val="FF0000"/>
-                </a:solidFill>
-                <a:latin typeface="Times New Roman" panose="02020603050405020304" pitchFamily="18" charset="0"/>
-                <a:cs typeface="Times New Roman" panose="02020603050405020304" pitchFamily="18" charset="0"/>
-              </a:rPr>
-              <a:t>neighbourhoods</a:t>
-            </a:r>
-            <a:endParaRPr lang="zh-CN" altLang="en-US" sz="2400" dirty="0">
-              <a:solidFill>
-                <a:srgbClr val="FF0000"/>
-              </a:solidFill>
-              <a:latin typeface="Times New Roman" panose="02020603050405020304" pitchFamily="18" charset="0"/>
-              <a:cs typeface="Times New Roman" panose="02020603050405020304" pitchFamily="18" charset="0"/>
-            </a:endParaRPr>
-          </a:p>
-        </p:txBody>
-      </p:sp>
-      <p:cxnSp>
-        <p:nvCxnSpPr>
-          <p:cNvPr id="20" name="直接箭头连接符 19"/>
-          <p:cNvCxnSpPr/>
-          <p:nvPr/>
-        </p:nvCxnSpPr>
-        <p:spPr>
-          <a:xfrm>
-            <a:off x="7596336" y="3620350"/>
-            <a:ext cx="0" cy="1464834"/>
-          </a:xfrm>
-          <a:prstGeom prst="straightConnector1">
-            <a:avLst/>
-          </a:prstGeom>
-          <a:ln>
-            <a:solidFill>
-              <a:schemeClr val="tx1"/>
-            </a:solidFill>
-            <a:tailEnd type="triangle"/>
-          </a:ln>
-        </p:spPr>
-        <p:style>
-          <a:lnRef idx="1">
-            <a:schemeClr val="accent1"/>
-          </a:lnRef>
-          <a:fillRef idx="0">
-            <a:schemeClr val="accent1"/>
-          </a:fillRef>
-          <a:effectRef idx="0">
-            <a:schemeClr val="accent1"/>
-          </a:effectRef>
-          <a:fontRef idx="minor">
-            <a:schemeClr val="tx1"/>
-          </a:fontRef>
-        </p:style>
-      </p:cxnSp>
-      <p:sp>
-        <p:nvSpPr>
-          <p:cNvPr id="22" name="文本框 21"/>
-          <p:cNvSpPr txBox="1"/>
-          <p:nvPr/>
-        </p:nvSpPr>
-        <p:spPr>
-          <a:xfrm>
-            <a:off x="2843808" y="5127860"/>
-            <a:ext cx="6191564" cy="461665"/>
-          </a:xfrm>
-          <a:prstGeom prst="rect">
-            <a:avLst/>
-          </a:prstGeom>
-          <a:noFill/>
-        </p:spPr>
-        <p:txBody>
-          <a:bodyPr wrap="square" rtlCol="0">
-            <a:spAutoFit/>
-          </a:bodyPr>
-          <a:lstStyle/>
-          <a:p>
-            <a:r>
-              <a:rPr lang="en-US" altLang="zh-CN" sz="2400" dirty="0" smtClean="0">
-                <a:solidFill>
-                  <a:srgbClr val="FF0000"/>
-                </a:solidFill>
-                <a:latin typeface="Times New Roman" panose="02020603050405020304" pitchFamily="18" charset="0"/>
-                <a:cs typeface="Times New Roman" panose="02020603050405020304" pitchFamily="18" charset="0"/>
-              </a:rPr>
-              <a:t>The maximum iteration times of RPCA solver </a:t>
-            </a:r>
-            <a:endParaRPr lang="zh-CN" altLang="en-US" sz="2400" dirty="0">
-              <a:solidFill>
-                <a:srgbClr val="FF0000"/>
-              </a:solidFill>
-              <a:latin typeface="Times New Roman" panose="02020603050405020304" pitchFamily="18" charset="0"/>
-              <a:cs typeface="Times New Roman" panose="02020603050405020304" pitchFamily="18" charset="0"/>
-            </a:endParaRPr>
-          </a:p>
-        </p:txBody>
-      </p:sp>
+      </p:pic>
     </p:spTree>
     <p:extLst>
       <p:ext uri="{BB962C8B-B14F-4D97-AF65-F5344CB8AC3E}">
-        <p14:creationId xmlns:p14="http://schemas.microsoft.com/office/powerpoint/2010/main" val="1452407197"/>
+        <p14:creationId xmlns:p14="http://schemas.microsoft.com/office/powerpoint/2010/main" val="1487721687"/>
       </p:ext>
     </p:extLst>
   </p:cSld>
@@ -17670,7 +16140,7 @@
         </p:nvCxnSpPr>
         <p:spPr>
           <a:xfrm>
-            <a:off x="571472" y="763116"/>
+            <a:off x="571472" y="692696"/>
             <a:ext cx="7786742" cy="1588"/>
           </a:xfrm>
           <a:prstGeom prst="line">
@@ -17701,13 +16171,7 @@
       </p:cxnSp>
       <p:sp>
         <p:nvSpPr>
-          <p:cNvPr id="15" name="标题 3">
-            <a:extLst>
-              <a:ext uri="{FF2B5EF4-FFF2-40B4-BE49-F238E27FC236}">
-                <a16:creationId xmlns="" xmlns:a16="http://schemas.microsoft.com/office/drawing/2014/main" id="{F68BA453-3377-4256-A938-E7CF0F36192B}"/>
-              </a:ext>
-            </a:extLst>
-          </p:cNvPr>
+          <p:cNvPr id="5" name="标题 3"/>
           <p:cNvSpPr txBox="1">
             <a:spLocks/>
           </p:cNvSpPr>
@@ -17716,7 +16180,7 @@
         <p:spPr bwMode="auto">
           <a:xfrm>
             <a:off x="257175" y="142852"/>
-            <a:ext cx="7243783" cy="609600"/>
+            <a:ext cx="9499401" cy="609600"/>
           </a:xfrm>
           <a:prstGeom prst="rect">
             <a:avLst/>
@@ -17737,18 +16201,32 @@
               <a:defRPr/>
             </a:pPr>
             <a:r>
+              <a:rPr lang="en-US" altLang="zh-CN" sz="2800" b="1" i="1" dirty="0" smtClean="0">
+                <a:latin typeface="Calibri" pitchFamily="34" charset="0"/>
+                <a:cs typeface="Calibri" pitchFamily="34" charset="0"/>
+              </a:rPr>
+              <a:t>4.3 Calibrated Vs</a:t>
+            </a:r>
+            <a:r>
               <a:rPr lang="en-US" altLang="zh-CN" sz="2800" b="1" i="1" dirty="0">
                 <a:latin typeface="Calibri" pitchFamily="34" charset="0"/>
                 <a:cs typeface="Calibri" pitchFamily="34" charset="0"/>
               </a:rPr>
-              <a:t>4</a:t>
+              <a:t>.</a:t>
             </a:r>
             <a:r>
               <a:rPr lang="en-US" altLang="zh-CN" sz="2800" b="1" i="1" dirty="0" smtClean="0">
                 <a:latin typeface="Calibri" pitchFamily="34" charset="0"/>
                 <a:cs typeface="Calibri" pitchFamily="34" charset="0"/>
               </a:rPr>
-              <a:t>.  Results —— Handling Sharp Features</a:t>
+              <a:t> </a:t>
+            </a:r>
+            <a:r>
+              <a:rPr lang="en-US" altLang="zh-CN" sz="2800" b="1" i="1" dirty="0" err="1" smtClean="0">
+                <a:latin typeface="Calibri" pitchFamily="34" charset="0"/>
+                <a:cs typeface="Calibri" pitchFamily="34" charset="0"/>
+              </a:rPr>
+              <a:t>Uncalibrated</a:t>
             </a:r>
             <a:endParaRPr lang="zh-CN" altLang="en-US" sz="3200" b="1" kern="0" dirty="0">
               <a:effectLst/>
@@ -17761,31 +16239,72 @@
       </p:sp>
       <p:pic>
         <p:nvPicPr>
-          <p:cNvPr id="2" name="图片 1"/>
+          <p:cNvPr id="4098" name="Picture 2"/>
           <p:cNvPicPr>
-            <a:picLocks noChangeAspect="1"/>
+            <a:picLocks noChangeAspect="1" noChangeArrowheads="1"/>
           </p:cNvPicPr>
           <p:nvPr/>
         </p:nvPicPr>
-        <p:blipFill rotWithShape="1">
-          <a:blip r:embed="rId3"/>
-          <a:srcRect r="19586"/>
-          <a:stretch/>
+        <p:blipFill>
+          <a:blip r:embed="rId3">
+            <a:extLst>
+              <a:ext uri="{28A0092B-C50C-407E-A947-70E740481C1C}">
+                <a14:useLocalDpi xmlns:a14="http://schemas.microsoft.com/office/drawing/2010/main" val="0"/>
+              </a:ext>
+            </a:extLst>
+          </a:blip>
+          <a:srcRect/>
+          <a:stretch>
+            <a:fillRect/>
+          </a:stretch>
         </p:blipFill>
-        <p:spPr>
+        <p:spPr bwMode="auto">
           <a:xfrm>
-            <a:off x="571472" y="1124744"/>
-            <a:ext cx="7632847" cy="4792173"/>
+            <a:off x="411683" y="1124744"/>
+            <a:ext cx="8106320" cy="3465364"/>
           </a:xfrm>
           <a:prstGeom prst="rect">
             <a:avLst/>
           </a:prstGeom>
+          <a:noFill/>
+          <a:ln>
+            <a:noFill/>
+          </a:ln>
+          <a:effectLst/>
+          <a:extLst>
+            <a:ext uri="{909E8E84-426E-40DD-AFC4-6F175D3DCCD1}">
+              <a14:hiddenFill xmlns:a14="http://schemas.microsoft.com/office/drawing/2010/main">
+                <a:solidFill>
+                  <a:schemeClr val="accent1"/>
+                </a:solidFill>
+              </a14:hiddenFill>
+            </a:ext>
+            <a:ext uri="{91240B29-F687-4F45-9708-019B960494DF}">
+              <a14:hiddenLine xmlns:a14="http://schemas.microsoft.com/office/drawing/2010/main" w="9525">
+                <a:solidFill>
+                  <a:schemeClr val="tx1"/>
+                </a:solidFill>
+                <a:miter lim="800000"/>
+                <a:headEnd/>
+                <a:tailEnd/>
+              </a14:hiddenLine>
+            </a:ext>
+            <a:ext uri="{AF507438-7753-43E0-B8FC-AC1667EBCBE1}">
+              <a14:hiddenEffects xmlns:a14="http://schemas.microsoft.com/office/drawing/2010/main">
+                <a:effectLst>
+                  <a:outerShdw dist="35921" dir="2700000" algn="ctr" rotWithShape="0">
+                    <a:schemeClr val="bg2"/>
+                  </a:outerShdw>
+                </a:effectLst>
+              </a14:hiddenEffects>
+            </a:ext>
+          </a:extLst>
         </p:spPr>
       </p:pic>
     </p:spTree>
     <p:extLst>
       <p:ext uri="{BB962C8B-B14F-4D97-AF65-F5344CB8AC3E}">
-        <p14:creationId xmlns:p14="http://schemas.microsoft.com/office/powerpoint/2010/main" val="1358097369"/>
+        <p14:creationId xmlns:p14="http://schemas.microsoft.com/office/powerpoint/2010/main" val="2165254584"/>
       </p:ext>
     </p:extLst>
   </p:cSld>
@@ -17827,7 +16346,7 @@
         </p:nvCxnSpPr>
         <p:spPr>
           <a:xfrm>
-            <a:off x="571472" y="764704"/>
+            <a:off x="571472" y="692696"/>
             <a:ext cx="7786742" cy="1588"/>
           </a:xfrm>
           <a:prstGeom prst="line">
@@ -17858,13 +16377,7 @@
       </p:cxnSp>
       <p:sp>
         <p:nvSpPr>
-          <p:cNvPr id="15" name="标题 3">
-            <a:extLst>
-              <a:ext uri="{FF2B5EF4-FFF2-40B4-BE49-F238E27FC236}">
-                <a16:creationId xmlns="" xmlns:a16="http://schemas.microsoft.com/office/drawing/2014/main" id="{F68BA453-3377-4256-A938-E7CF0F36192B}"/>
-              </a:ext>
-            </a:extLst>
-          </p:cNvPr>
+          <p:cNvPr id="5" name="标题 3"/>
           <p:cNvSpPr txBox="1">
             <a:spLocks/>
           </p:cNvSpPr>
@@ -17873,7 +16386,7 @@
         <p:spPr bwMode="auto">
           <a:xfrm>
             <a:off x="257175" y="142852"/>
-            <a:ext cx="7243783" cy="609600"/>
+            <a:ext cx="9499401" cy="609600"/>
           </a:xfrm>
           <a:prstGeom prst="rect">
             <a:avLst/>
@@ -17894,18 +16407,11 @@
               <a:defRPr/>
             </a:pPr>
             <a:r>
-              <a:rPr lang="en-US" altLang="zh-CN" sz="2800" b="1" i="1" dirty="0">
-                <a:latin typeface="Calibri" pitchFamily="34" charset="0"/>
-                <a:cs typeface="Calibri" pitchFamily="34" charset="0"/>
-              </a:rPr>
-              <a:t>4</a:t>
-            </a:r>
-            <a:r>
               <a:rPr lang="en-US" altLang="zh-CN" sz="2800" b="1" i="1" dirty="0" smtClean="0">
                 <a:latin typeface="Calibri" pitchFamily="34" charset="0"/>
                 <a:cs typeface="Calibri" pitchFamily="34" charset="0"/>
               </a:rPr>
-              <a:t>.  Results —— Handling SFM Model</a:t>
+              <a:t>5 Focal Length Calibration</a:t>
             </a:r>
             <a:endParaRPr lang="zh-CN" altLang="en-US" sz="3200" b="1" kern="0" dirty="0">
               <a:effectLst/>
@@ -17916,33 +16422,10 @@
           </a:p>
         </p:txBody>
       </p:sp>
-      <p:pic>
-        <p:nvPicPr>
-          <p:cNvPr id="2" name="图片 1"/>
-          <p:cNvPicPr>
-            <a:picLocks noChangeAspect="1"/>
-          </p:cNvPicPr>
-          <p:nvPr/>
-        </p:nvPicPr>
-        <p:blipFill rotWithShape="1">
-          <a:blip r:embed="rId3"/>
-          <a:srcRect r="17248"/>
-          <a:stretch/>
-        </p:blipFill>
-        <p:spPr>
-          <a:xfrm>
-            <a:off x="395536" y="1124744"/>
-            <a:ext cx="8192431" cy="4727152"/>
-          </a:xfrm>
-          <a:prstGeom prst="rect">
-            <a:avLst/>
-          </a:prstGeom>
-        </p:spPr>
-      </p:pic>
     </p:spTree>
     <p:extLst>
       <p:ext uri="{BB962C8B-B14F-4D97-AF65-F5344CB8AC3E}">
-        <p14:creationId xmlns:p14="http://schemas.microsoft.com/office/powerpoint/2010/main" val="2051044937"/>
+        <p14:creationId xmlns:p14="http://schemas.microsoft.com/office/powerpoint/2010/main" val="1553050083"/>
       </p:ext>
     </p:extLst>
   </p:cSld>
@@ -18015,13 +16498,7 @@
       </p:cxnSp>
       <p:sp>
         <p:nvSpPr>
-          <p:cNvPr id="15" name="标题 3">
-            <a:extLst>
-              <a:ext uri="{FF2B5EF4-FFF2-40B4-BE49-F238E27FC236}">
-                <a16:creationId xmlns="" xmlns:a16="http://schemas.microsoft.com/office/drawing/2014/main" id="{F68BA453-3377-4256-A938-E7CF0F36192B}"/>
-              </a:ext>
-            </a:extLst>
-          </p:cNvPr>
+          <p:cNvPr id="5" name="标题 3"/>
           <p:cNvSpPr txBox="1">
             <a:spLocks/>
           </p:cNvSpPr>
@@ -18029,8 +16506,8 @@
         </p:nvSpPr>
         <p:spPr bwMode="auto">
           <a:xfrm>
-            <a:off x="257175" y="44624"/>
-            <a:ext cx="7243783" cy="609600"/>
+            <a:off x="257175" y="142852"/>
+            <a:ext cx="9499401" cy="609600"/>
           </a:xfrm>
           <a:prstGeom prst="rect">
             <a:avLst/>
@@ -18051,25 +16528,11 @@
               <a:defRPr/>
             </a:pPr>
             <a:r>
-              <a:rPr lang="en-US" altLang="zh-CN" sz="2800" b="1" i="1" dirty="0">
-                <a:latin typeface="Calibri" pitchFamily="34" charset="0"/>
-                <a:cs typeface="Calibri" pitchFamily="34" charset="0"/>
-              </a:rPr>
-              <a:t>4</a:t>
-            </a:r>
-            <a:r>
               <a:rPr lang="en-US" altLang="zh-CN" sz="2800" b="1" i="1" dirty="0" smtClean="0">
                 <a:latin typeface="Calibri" pitchFamily="34" charset="0"/>
                 <a:cs typeface="Calibri" pitchFamily="34" charset="0"/>
               </a:rPr>
-              <a:t>.  Results ——Error </a:t>
-            </a:r>
-            <a:r>
-              <a:rPr lang="en-US" altLang="zh-CN" sz="3200" b="1" i="1" dirty="0" smtClean="0">
-                <a:latin typeface="Calibri" pitchFamily="34" charset="0"/>
-                <a:cs typeface="Calibri" pitchFamily="34" charset="0"/>
-              </a:rPr>
-              <a:t>Analysis</a:t>
+              <a:t>6 Test for Viewing Graph Optimization</a:t>
             </a:r>
             <a:endParaRPr lang="zh-CN" altLang="en-US" sz="3200" b="1" kern="0" dirty="0">
               <a:effectLst/>
@@ -18082,128 +16545,72 @@
       </p:sp>
       <p:pic>
         <p:nvPicPr>
-          <p:cNvPr id="5" name="图片 4"/>
+          <p:cNvPr id="11" name="Picture 2"/>
           <p:cNvPicPr>
-            <a:picLocks noChangeAspect="1"/>
+            <a:picLocks noChangeAspect="1" noChangeArrowheads="1"/>
           </p:cNvPicPr>
           <p:nvPr/>
         </p:nvPicPr>
         <p:blipFill>
-          <a:blip r:embed="rId3"/>
+          <a:blip r:embed="rId3">
+            <a:extLst>
+              <a:ext uri="{28A0092B-C50C-407E-A947-70E740481C1C}">
+                <a14:useLocalDpi xmlns:a14="http://schemas.microsoft.com/office/drawing/2010/main" val="0"/>
+              </a:ext>
+            </a:extLst>
+          </a:blip>
+          <a:srcRect/>
           <a:stretch>
             <a:fillRect/>
           </a:stretch>
         </p:blipFill>
-        <p:spPr>
+        <p:spPr bwMode="auto">
           <a:xfrm>
-            <a:off x="7258400" y="4976010"/>
-            <a:ext cx="1880688" cy="1868066"/>
+            <a:off x="952419" y="1124744"/>
+            <a:ext cx="7024848" cy="2847305"/>
           </a:xfrm>
           <a:prstGeom prst="rect">
             <a:avLst/>
           </a:prstGeom>
-        </p:spPr>
-      </p:pic>
-      <p:pic>
-        <p:nvPicPr>
-          <p:cNvPr id="10" name="图片 9"/>
-          <p:cNvPicPr>
-            <a:picLocks noChangeAspect="1"/>
-          </p:cNvPicPr>
-          <p:nvPr/>
-        </p:nvPicPr>
-        <p:blipFill>
-          <a:blip r:embed="rId4"/>
-          <a:stretch>
-            <a:fillRect/>
-          </a:stretch>
-        </p:blipFill>
-        <p:spPr>
-          <a:xfrm>
-            <a:off x="153247" y="1017182"/>
-            <a:ext cx="3311159" cy="2372122"/>
-          </a:xfrm>
-          <a:prstGeom prst="rect">
-            <a:avLst/>
-          </a:prstGeom>
-        </p:spPr>
-      </p:pic>
-      <p:pic>
-        <p:nvPicPr>
-          <p:cNvPr id="11" name="图片 10"/>
-          <p:cNvPicPr>
-            <a:picLocks noChangeAspect="1"/>
-          </p:cNvPicPr>
-          <p:nvPr/>
-        </p:nvPicPr>
-        <p:blipFill>
-          <a:blip r:embed="rId5"/>
-          <a:stretch>
-            <a:fillRect/>
-          </a:stretch>
-        </p:blipFill>
-        <p:spPr>
-          <a:xfrm>
-            <a:off x="3752115" y="915743"/>
-            <a:ext cx="3434546" cy="2574999"/>
-          </a:xfrm>
-          <a:prstGeom prst="rect">
-            <a:avLst/>
-          </a:prstGeom>
-        </p:spPr>
-      </p:pic>
-      <p:pic>
-        <p:nvPicPr>
-          <p:cNvPr id="12" name="图片 11"/>
-          <p:cNvPicPr>
-            <a:picLocks noChangeAspect="1"/>
-          </p:cNvPicPr>
-          <p:nvPr/>
-        </p:nvPicPr>
-        <p:blipFill>
-          <a:blip r:embed="rId6"/>
-          <a:stretch>
-            <a:fillRect/>
-          </a:stretch>
-        </p:blipFill>
-        <p:spPr>
-          <a:xfrm>
-            <a:off x="257175" y="3573016"/>
-            <a:ext cx="3348194" cy="2382437"/>
-          </a:xfrm>
-          <a:prstGeom prst="rect">
-            <a:avLst/>
-          </a:prstGeom>
-        </p:spPr>
-      </p:pic>
-      <p:pic>
-        <p:nvPicPr>
-          <p:cNvPr id="13" name="图片 12"/>
-          <p:cNvPicPr>
-            <a:picLocks noChangeAspect="1"/>
-          </p:cNvPicPr>
-          <p:nvPr/>
-        </p:nvPicPr>
-        <p:blipFill>
-          <a:blip r:embed="rId7"/>
-          <a:stretch>
-            <a:fillRect/>
-          </a:stretch>
-        </p:blipFill>
-        <p:spPr>
-          <a:xfrm>
-            <a:off x="3752115" y="3563433"/>
-            <a:ext cx="3434546" cy="2507880"/>
-          </a:xfrm>
-          <a:prstGeom prst="rect">
-            <a:avLst/>
-          </a:prstGeom>
+          <a:noFill/>
+          <a:ln>
+            <a:noFill/>
+          </a:ln>
+          <a:effectLst/>
+          <a:extLst>
+            <a:ext uri="{909E8E84-426E-40DD-AFC4-6F175D3DCCD1}">
+              <a14:hiddenFill xmlns:a14="http://schemas.microsoft.com/office/drawing/2010/main">
+                <a:solidFill>
+                  <a:schemeClr val="accent1"/>
+                </a:solidFill>
+              </a14:hiddenFill>
+            </a:ext>
+            <a:ext uri="{91240B29-F687-4F45-9708-019B960494DF}">
+              <a14:hiddenLine xmlns:a14="http://schemas.microsoft.com/office/drawing/2010/main" w="9525">
+                <a:solidFill>
+                  <a:schemeClr val="tx1"/>
+                </a:solidFill>
+                <a:miter lim="800000"/>
+                <a:headEnd/>
+                <a:tailEnd/>
+              </a14:hiddenLine>
+            </a:ext>
+            <a:ext uri="{AF507438-7753-43E0-B8FC-AC1667EBCBE1}">
+              <a14:hiddenEffects xmlns:a14="http://schemas.microsoft.com/office/drawing/2010/main">
+                <a:effectLst>
+                  <a:outerShdw dist="35921" dir="2700000" algn="ctr" rotWithShape="0">
+                    <a:schemeClr val="bg2"/>
+                  </a:outerShdw>
+                </a:effectLst>
+              </a14:hiddenEffects>
+            </a:ext>
+          </a:extLst>
         </p:spPr>
       </p:pic>
     </p:spTree>
     <p:extLst>
       <p:ext uri="{BB962C8B-B14F-4D97-AF65-F5344CB8AC3E}">
-        <p14:creationId xmlns:p14="http://schemas.microsoft.com/office/powerpoint/2010/main" val="698176326"/>
+        <p14:creationId xmlns:p14="http://schemas.microsoft.com/office/powerpoint/2010/main" val="1401522006"/>
       </p:ext>
     </p:extLst>
   </p:cSld>
@@ -18276,13 +16683,7 @@
       </p:cxnSp>
       <p:sp>
         <p:nvSpPr>
-          <p:cNvPr id="15" name="标题 3">
-            <a:extLst>
-              <a:ext uri="{FF2B5EF4-FFF2-40B4-BE49-F238E27FC236}">
-                <a16:creationId xmlns="" xmlns:a16="http://schemas.microsoft.com/office/drawing/2014/main" id="{F68BA453-3377-4256-A938-E7CF0F36192B}"/>
-              </a:ext>
-            </a:extLst>
-          </p:cNvPr>
+          <p:cNvPr id="5" name="标题 3"/>
           <p:cNvSpPr txBox="1">
             <a:spLocks/>
           </p:cNvSpPr>
@@ -18290,8 +16691,8 @@
         </p:nvSpPr>
         <p:spPr bwMode="auto">
           <a:xfrm>
-            <a:off x="257175" y="44624"/>
-            <a:ext cx="7243783" cy="609600"/>
+            <a:off x="257175" y="142852"/>
+            <a:ext cx="9499401" cy="609600"/>
           </a:xfrm>
           <a:prstGeom prst="rect">
             <a:avLst/>
@@ -18316,14 +16717,28 @@
                 <a:latin typeface="Calibri" pitchFamily="34" charset="0"/>
                 <a:cs typeface="Calibri" pitchFamily="34" charset="0"/>
               </a:rPr>
-              <a:t>5</a:t>
+              <a:t>6</a:t>
             </a:r>
             <a:r>
               <a:rPr lang="en-US" altLang="zh-CN" sz="2800" b="1" i="1" dirty="0" smtClean="0">
                 <a:latin typeface="Calibri" pitchFamily="34" charset="0"/>
                 <a:cs typeface="Calibri" pitchFamily="34" charset="0"/>
               </a:rPr>
-              <a:t>.  Limitations</a:t>
+              <a:t> Results——Test for Focal </a:t>
+            </a:r>
+            <a:r>
+              <a:rPr lang="en-US" altLang="zh-CN" sz="2800" b="1" i="1" dirty="0">
+                <a:latin typeface="Calibri" pitchFamily="34" charset="0"/>
+                <a:cs typeface="Calibri" pitchFamily="34" charset="0"/>
+              </a:rPr>
+              <a:t>L</a:t>
+            </a:r>
+            <a:r>
+              <a:rPr lang="en-US" altLang="zh-CN" sz="2800" b="1" i="1" dirty="0" smtClean="0">
+                <a:latin typeface="Calibri" pitchFamily="34" charset="0"/>
+                <a:cs typeface="Calibri" pitchFamily="34" charset="0"/>
+              </a:rPr>
+              <a:t>ength Calibration</a:t>
             </a:r>
             <a:endParaRPr lang="zh-CN" altLang="en-US" sz="3200" b="1" kern="0" dirty="0">
               <a:effectLst/>
@@ -18334,116 +16749,74 @@
           </a:p>
         </p:txBody>
       </p:sp>
-      <p:sp>
-        <p:nvSpPr>
-          <p:cNvPr id="2" name="文本框 1"/>
-          <p:cNvSpPr txBox="1"/>
+      <p:pic>
+        <p:nvPicPr>
+          <p:cNvPr id="6148" name="Picture 4"/>
+          <p:cNvPicPr>
+            <a:picLocks noChangeAspect="1" noChangeArrowheads="1"/>
+          </p:cNvPicPr>
           <p:nvPr/>
-        </p:nvSpPr>
-        <p:spPr>
+        </p:nvPicPr>
+        <p:blipFill>
+          <a:blip r:embed="rId3">
+            <a:extLst>
+              <a:ext uri="{28A0092B-C50C-407E-A947-70E740481C1C}">
+                <a14:useLocalDpi xmlns:a14="http://schemas.microsoft.com/office/drawing/2010/main" val="0"/>
+              </a:ext>
+            </a:extLst>
+          </a:blip>
+          <a:srcRect/>
+          <a:stretch>
+            <a:fillRect/>
+          </a:stretch>
+        </p:blipFill>
+        <p:spPr bwMode="auto">
           <a:xfrm>
-            <a:off x="755576" y="980728"/>
-            <a:ext cx="7602638" cy="1569660"/>
+            <a:off x="2195736" y="1052736"/>
+            <a:ext cx="3868563" cy="3066854"/>
           </a:xfrm>
           <a:prstGeom prst="rect">
             <a:avLst/>
           </a:prstGeom>
           <a:noFill/>
+          <a:ln>
+            <a:noFill/>
+          </a:ln>
+          <a:effectLst/>
+          <a:extLst>
+            <a:ext uri="{909E8E84-426E-40DD-AFC4-6F175D3DCCD1}">
+              <a14:hiddenFill xmlns:a14="http://schemas.microsoft.com/office/drawing/2010/main">
+                <a:solidFill>
+                  <a:schemeClr val="accent1"/>
+                </a:solidFill>
+              </a14:hiddenFill>
+            </a:ext>
+            <a:ext uri="{91240B29-F687-4F45-9708-019B960494DF}">
+              <a14:hiddenLine xmlns:a14="http://schemas.microsoft.com/office/drawing/2010/main" w="9525">
+                <a:solidFill>
+                  <a:schemeClr val="tx1"/>
+                </a:solidFill>
+                <a:miter lim="800000"/>
+                <a:headEnd/>
+                <a:tailEnd/>
+              </a14:hiddenLine>
+            </a:ext>
+            <a:ext uri="{AF507438-7753-43E0-B8FC-AC1667EBCBE1}">
+              <a14:hiddenEffects xmlns:a14="http://schemas.microsoft.com/office/drawing/2010/main">
+                <a:effectLst>
+                  <a:outerShdw dist="35921" dir="2700000" algn="ctr" rotWithShape="0">
+                    <a:schemeClr val="bg2"/>
+                  </a:outerShdw>
+                </a:effectLst>
+              </a14:hiddenEffects>
+            </a:ext>
+          </a:extLst>
         </p:spPr>
-        <p:txBody>
-          <a:bodyPr wrap="square" rtlCol="0">
-            <a:spAutoFit/>
-          </a:bodyPr>
-          <a:lstStyle/>
-          <a:p>
-            <a:pPr marL="457200" indent="-457200">
-              <a:buAutoNum type="arabicParenBoth"/>
-            </a:pPr>
-            <a:r>
-              <a:rPr lang="en-US" altLang="zh-CN" sz="2400" dirty="0" smtClean="0">
-                <a:latin typeface="Times New Roman" panose="02020603050405020304" pitchFamily="18" charset="0"/>
-                <a:cs typeface="Times New Roman" panose="02020603050405020304" pitchFamily="18" charset="0"/>
-              </a:rPr>
-              <a:t>When facing sharp features and high noise levels, </a:t>
-            </a:r>
-            <a:r>
-              <a:rPr lang="en-US" altLang="zh-CN" sz="2400" b="1" dirty="0" smtClean="0">
-                <a:solidFill>
-                  <a:srgbClr val="FF0000"/>
-                </a:solidFill>
-                <a:latin typeface="Times New Roman" panose="02020603050405020304" pitchFamily="18" charset="0"/>
-                <a:cs typeface="Times New Roman" panose="02020603050405020304" pitchFamily="18" charset="0"/>
-              </a:rPr>
-              <a:t>computation</a:t>
-            </a:r>
-            <a:r>
-              <a:rPr lang="en-US" altLang="zh-CN" sz="2400" dirty="0" smtClean="0">
-                <a:latin typeface="Times New Roman" panose="02020603050405020304" pitchFamily="18" charset="0"/>
-                <a:cs typeface="Times New Roman" panose="02020603050405020304" pitchFamily="18" charset="0"/>
-              </a:rPr>
-              <a:t> of MRPCA will considerably increase due to a larger </a:t>
-            </a:r>
-            <a:r>
-              <a:rPr lang="en-US" altLang="zh-CN" sz="2400" dirty="0" err="1" smtClean="0">
-                <a:latin typeface="Times New Roman" panose="02020603050405020304" pitchFamily="18" charset="0"/>
-                <a:cs typeface="Times New Roman" panose="02020603050405020304" pitchFamily="18" charset="0"/>
-              </a:rPr>
-              <a:t>neighbourhood</a:t>
-            </a:r>
-            <a:r>
-              <a:rPr lang="en-US" altLang="zh-CN" sz="2400" dirty="0" smtClean="0">
-                <a:latin typeface="Times New Roman" panose="02020603050405020304" pitchFamily="18" charset="0"/>
-                <a:cs typeface="Times New Roman" panose="02020603050405020304" pitchFamily="18" charset="0"/>
-              </a:rPr>
-              <a:t>.</a:t>
-            </a:r>
-          </a:p>
-          <a:p>
-            <a:pPr marL="457200" indent="-457200">
-              <a:buAutoNum type="arabicParenBoth"/>
-            </a:pPr>
-            <a:r>
-              <a:rPr lang="en-US" altLang="zh-CN" sz="2400" dirty="0" err="1" smtClean="0">
-                <a:latin typeface="Times New Roman" panose="02020603050405020304" pitchFamily="18" charset="0"/>
-                <a:cs typeface="Times New Roman" panose="02020603050405020304" pitchFamily="18" charset="0"/>
-              </a:rPr>
-              <a:t>Normals</a:t>
-            </a:r>
-            <a:r>
-              <a:rPr lang="en-US" altLang="zh-CN" sz="2400" dirty="0" smtClean="0">
-                <a:latin typeface="Times New Roman" panose="02020603050405020304" pitchFamily="18" charset="0"/>
-                <a:cs typeface="Times New Roman" panose="02020603050405020304" pitchFamily="18" charset="0"/>
-              </a:rPr>
-              <a:t> estimated by RPCA are </a:t>
-            </a:r>
-            <a:r>
-              <a:rPr lang="en-US" altLang="zh-CN" sz="2400" b="1" dirty="0" smtClean="0">
-                <a:solidFill>
-                  <a:srgbClr val="FF0000"/>
-                </a:solidFill>
-                <a:latin typeface="Times New Roman" panose="02020603050405020304" pitchFamily="18" charset="0"/>
-                <a:cs typeface="Times New Roman" panose="02020603050405020304" pitchFamily="18" charset="0"/>
-              </a:rPr>
-              <a:t>not stable</a:t>
-            </a:r>
-            <a:r>
-              <a:rPr lang="en-US" altLang="zh-CN" sz="2400" dirty="0" smtClean="0">
-                <a:latin typeface="Times New Roman" panose="02020603050405020304" pitchFamily="18" charset="0"/>
-                <a:cs typeface="Times New Roman" panose="02020603050405020304" pitchFamily="18" charset="0"/>
-              </a:rPr>
-              <a:t>.</a:t>
-            </a:r>
-            <a:endParaRPr lang="zh-CN" altLang="en-US" sz="2400" dirty="0">
-              <a:latin typeface="Times New Roman" panose="02020603050405020304" pitchFamily="18" charset="0"/>
-              <a:cs typeface="Times New Roman" panose="02020603050405020304" pitchFamily="18" charset="0"/>
-            </a:endParaRPr>
-          </a:p>
-        </p:txBody>
-      </p:sp>
+      </p:pic>
     </p:spTree>
     <p:extLst>
       <p:ext uri="{BB962C8B-B14F-4D97-AF65-F5344CB8AC3E}">
-        <p14:creationId xmlns:p14="http://schemas.microsoft.com/office/powerpoint/2010/main" val="4164946940"/>
+        <p14:creationId xmlns:p14="http://schemas.microsoft.com/office/powerpoint/2010/main" val="1291236854"/>
       </p:ext>
     </p:extLst>
   </p:cSld>
@@ -18485,7 +16858,7 @@
         </p:nvCxnSpPr>
         <p:spPr>
           <a:xfrm>
-            <a:off x="571472" y="857232"/>
+            <a:off x="571472" y="692696"/>
             <a:ext cx="7786742" cy="1588"/>
           </a:xfrm>
           <a:prstGeom prst="line">
@@ -18516,13 +16889,7 @@
       </p:cxnSp>
       <p:sp>
         <p:nvSpPr>
-          <p:cNvPr id="15" name="标题 3">
-            <a:extLst>
-              <a:ext uri="{FF2B5EF4-FFF2-40B4-BE49-F238E27FC236}">
-                <a16:creationId xmlns="" xmlns:a16="http://schemas.microsoft.com/office/drawing/2014/main" id="{F68BA453-3377-4256-A938-E7CF0F36192B}"/>
-              </a:ext>
-            </a:extLst>
-          </p:cNvPr>
+          <p:cNvPr id="5" name="标题 3"/>
           <p:cNvSpPr txBox="1">
             <a:spLocks/>
           </p:cNvSpPr>
@@ -18531,7 +16898,7 @@
         <p:spPr bwMode="auto">
           <a:xfrm>
             <a:off x="257175" y="142852"/>
-            <a:ext cx="7243783" cy="609600"/>
+            <a:ext cx="9499401" cy="609600"/>
           </a:xfrm>
           <a:prstGeom prst="rect">
             <a:avLst/>
@@ -18556,20 +16923,16 @@
                 <a:latin typeface="Calibri" pitchFamily="34" charset="0"/>
                 <a:cs typeface="Calibri" pitchFamily="34" charset="0"/>
               </a:rPr>
-              <a:t>5</a:t>
+              <a:t>6</a:t>
             </a:r>
             <a:r>
               <a:rPr lang="en-US" altLang="zh-CN" sz="2800" b="1" i="1" dirty="0" smtClean="0">
                 <a:latin typeface="Calibri" pitchFamily="34" charset="0"/>
                 <a:cs typeface="Calibri" pitchFamily="34" charset="0"/>
               </a:rPr>
-              <a:t>. </a:t>
-            </a:r>
-            <a:r>
-              <a:rPr lang="en-US" altLang="zh-CN" sz="2800" b="1" i="1" dirty="0"/>
-              <a:t>Conclusion</a:t>
-            </a:r>
-            <a:endParaRPr lang="zh-CN" altLang="en-US" sz="3200" b="1" i="1" kern="0" dirty="0">
+              <a:t> Results—— Test for Proposed Pipeline</a:t>
+            </a:r>
+            <a:endParaRPr lang="zh-CN" altLang="en-US" sz="3200" b="1" kern="0" dirty="0">
               <a:effectLst/>
               <a:latin typeface="Calibri" pitchFamily="34" charset="0"/>
               <a:ea typeface="楷体" pitchFamily="49" charset="-122"/>
@@ -18578,280 +16941,211 @@
           </a:p>
         </p:txBody>
       </p:sp>
-      <p:sp>
-        <p:nvSpPr>
-          <p:cNvPr id="5" name="TextBox 16">
+      <p:pic>
+        <p:nvPicPr>
+          <p:cNvPr id="6146" name="Picture 2"/>
+          <p:cNvPicPr>
+            <a:picLocks noChangeAspect="1" noChangeArrowheads="1"/>
+          </p:cNvPicPr>
+          <p:nvPr/>
+        </p:nvPicPr>
+        <p:blipFill rotWithShape="1">
+          <a:blip r:embed="rId3">
             <a:extLst>
-              <a:ext uri="{FF2B5EF4-FFF2-40B4-BE49-F238E27FC236}">
-                <a16:creationId xmlns="" xmlns:a16="http://schemas.microsoft.com/office/drawing/2014/main" id="{DEDB19A1-0490-463A-9A9E-10132D9DF7E3}"/>
+              <a:ext uri="{28A0092B-C50C-407E-A947-70E740481C1C}">
+                <a14:useLocalDpi xmlns:a14="http://schemas.microsoft.com/office/drawing/2010/main" val="0"/>
               </a:ext>
             </a:extLst>
-          </p:cNvPr>
-          <p:cNvSpPr>
-            <a:spLocks noChangeArrowheads="1"/>
-          </p:cNvSpPr>
-          <p:nvPr/>
-        </p:nvSpPr>
+          </a:blip>
+          <a:srcRect r="38848"/>
+          <a:stretch/>
+        </p:blipFill>
         <p:spPr bwMode="auto">
           <a:xfrm>
-            <a:off x="467544" y="963600"/>
-            <a:ext cx="7890670" cy="5016758"/>
+            <a:off x="755576" y="1124744"/>
+            <a:ext cx="7193607" cy="2000250"/>
           </a:xfrm>
           <a:prstGeom prst="rect">
             <a:avLst/>
           </a:prstGeom>
           <a:noFill/>
-          <a:ln w="9525" cap="flat" cmpd="sng">
+          <a:ln>
             <a:noFill/>
-            <a:miter lim="800000"/>
-            <a:headEnd/>
-            <a:tailEnd/>
           </a:ln>
           <a:effectLst/>
+          <a:extLst>
+            <a:ext uri="{909E8E84-426E-40DD-AFC4-6F175D3DCCD1}">
+              <a14:hiddenFill xmlns:a14="http://schemas.microsoft.com/office/drawing/2010/main">
+                <a:solidFill>
+                  <a:schemeClr val="accent1"/>
+                </a:solidFill>
+              </a14:hiddenFill>
+            </a:ext>
+            <a:ext uri="{91240B29-F687-4F45-9708-019B960494DF}">
+              <a14:hiddenLine xmlns:a14="http://schemas.microsoft.com/office/drawing/2010/main" w="9525">
+                <a:solidFill>
+                  <a:schemeClr val="tx1"/>
+                </a:solidFill>
+                <a:miter lim="800000"/>
+                <a:headEnd/>
+                <a:tailEnd/>
+              </a14:hiddenLine>
+            </a:ext>
+            <a:ext uri="{AF507438-7753-43E0-B8FC-AC1667EBCBE1}">
+              <a14:hiddenEffects xmlns:a14="http://schemas.microsoft.com/office/drawing/2010/main">
+                <a:effectLst>
+                  <a:outerShdw dist="35921" dir="2700000" algn="ctr" rotWithShape="0">
+                    <a:schemeClr val="bg2"/>
+                  </a:outerShdw>
+                </a:effectLst>
+              </a14:hiddenEffects>
+            </a:ext>
+          </a:extLst>
         </p:spPr>
-        <p:txBody>
-          <a:bodyPr wrap="square">
-            <a:spAutoFit/>
-          </a:bodyPr>
-          <a:lstStyle/>
-          <a:p>
-            <a:pPr marL="342900" indent="-342900">
-              <a:lnSpc>
-                <a:spcPct val="200000"/>
-              </a:lnSpc>
-              <a:buFont typeface="Wingdings" panose="05000000000000000000" pitchFamily="2" charset="2"/>
-              <a:buChar char="u"/>
-            </a:pPr>
-            <a:r>
-              <a:rPr lang="en-US" altLang="zh-CN" sz="2000" dirty="0" smtClean="0">
-                <a:latin typeface="Times New Roman" panose="02020603050405020304" pitchFamily="18" charset="0"/>
-                <a:ea typeface="楷体" pitchFamily="49" charset="-122"/>
-                <a:cs typeface="Times New Roman" panose="02020603050405020304" pitchFamily="18" charset="0"/>
-              </a:rPr>
-              <a:t>MRPCA is effective in </a:t>
-            </a:r>
-            <a:r>
-              <a:rPr lang="en-US" altLang="zh-CN" sz="2000" dirty="0" err="1" smtClean="0">
-                <a:latin typeface="Times New Roman" panose="02020603050405020304" pitchFamily="18" charset="0"/>
-                <a:ea typeface="楷体" pitchFamily="49" charset="-122"/>
-                <a:cs typeface="Times New Roman" panose="02020603050405020304" pitchFamily="18" charset="0"/>
-              </a:rPr>
-              <a:t>denoising</a:t>
-            </a:r>
-            <a:r>
-              <a:rPr lang="en-US" altLang="zh-CN" sz="2000" dirty="0" smtClean="0">
-                <a:latin typeface="Times New Roman" panose="02020603050405020304" pitchFamily="18" charset="0"/>
-                <a:ea typeface="楷体" pitchFamily="49" charset="-122"/>
-                <a:cs typeface="Times New Roman" panose="02020603050405020304" pitchFamily="18" charset="0"/>
-              </a:rPr>
-              <a:t> point cloud </a:t>
-            </a:r>
-            <a:r>
-              <a:rPr lang="en-US" altLang="zh-CN" sz="2000" b="1" dirty="0" smtClean="0">
-                <a:solidFill>
-                  <a:srgbClr val="FF0000"/>
-                </a:solidFill>
-                <a:latin typeface="Times New Roman" panose="02020603050405020304" pitchFamily="18" charset="0"/>
-                <a:ea typeface="楷体" pitchFamily="49" charset="-122"/>
-                <a:cs typeface="Times New Roman" panose="02020603050405020304" pitchFamily="18" charset="0"/>
-              </a:rPr>
-              <a:t>with and without sharp feature</a:t>
-            </a:r>
-            <a:r>
-              <a:rPr lang="en-US" altLang="zh-CN" sz="2000" dirty="0" smtClean="0">
-                <a:latin typeface="Times New Roman" panose="02020603050405020304" pitchFamily="18" charset="0"/>
-                <a:ea typeface="楷体" pitchFamily="49" charset="-122"/>
-                <a:cs typeface="Times New Roman" panose="02020603050405020304" pitchFamily="18" charset="0"/>
-              </a:rPr>
-              <a:t>;</a:t>
-            </a:r>
-            <a:r>
-              <a:rPr lang="en-US" altLang="zh-CN" sz="2000" dirty="0" smtClean="0">
-                <a:solidFill>
-                  <a:srgbClr val="FF0000"/>
-                </a:solidFill>
-                <a:latin typeface="Times New Roman" panose="02020603050405020304" pitchFamily="18" charset="0"/>
-                <a:ea typeface="楷体" pitchFamily="49" charset="-122"/>
-                <a:cs typeface="Times New Roman" panose="02020603050405020304" pitchFamily="18" charset="0"/>
-              </a:rPr>
-              <a:t> </a:t>
-            </a:r>
-            <a:endParaRPr lang="en-US" altLang="zh-CN" sz="2000" dirty="0">
-              <a:solidFill>
-                <a:srgbClr val="FF0000"/>
-              </a:solidFill>
-              <a:latin typeface="Times New Roman" panose="02020603050405020304" pitchFamily="18" charset="0"/>
-              <a:ea typeface="楷体" pitchFamily="49" charset="-122"/>
-              <a:cs typeface="Times New Roman" panose="02020603050405020304" pitchFamily="18" charset="0"/>
-            </a:endParaRPr>
-          </a:p>
-          <a:p>
-            <a:pPr marL="342900" indent="-342900">
-              <a:lnSpc>
-                <a:spcPct val="200000"/>
-              </a:lnSpc>
-              <a:buFont typeface="Wingdings" panose="05000000000000000000" pitchFamily="2" charset="2"/>
-              <a:buChar char="u"/>
-            </a:pPr>
-            <a:r>
-              <a:rPr lang="en-US" altLang="zh-CN" sz="2000" dirty="0" smtClean="0">
-                <a:latin typeface="Times New Roman" panose="02020603050405020304" pitchFamily="18" charset="0"/>
-                <a:ea typeface="楷体" pitchFamily="49" charset="-122"/>
-                <a:cs typeface="Times New Roman" panose="02020603050405020304" pitchFamily="18" charset="0"/>
-              </a:rPr>
-              <a:t>MRPCA is </a:t>
-            </a:r>
-            <a:r>
-              <a:rPr lang="en-US" altLang="zh-CN" sz="2000" b="1" dirty="0" smtClean="0">
-                <a:solidFill>
-                  <a:srgbClr val="FF0000"/>
-                </a:solidFill>
-                <a:latin typeface="Times New Roman" panose="02020603050405020304" pitchFamily="18" charset="0"/>
-                <a:ea typeface="楷体" pitchFamily="49" charset="-122"/>
-                <a:cs typeface="Times New Roman" panose="02020603050405020304" pitchFamily="18" charset="0"/>
-              </a:rPr>
-              <a:t>outperform well-known approaches </a:t>
-            </a:r>
-            <a:r>
-              <a:rPr lang="en-US" altLang="zh-CN" sz="2000" dirty="0" smtClean="0">
-                <a:latin typeface="Times New Roman" panose="02020603050405020304" pitchFamily="18" charset="0"/>
-                <a:ea typeface="楷体" pitchFamily="49" charset="-122"/>
-                <a:cs typeface="Times New Roman" panose="02020603050405020304" pitchFamily="18" charset="0"/>
-              </a:rPr>
-              <a:t>such as the bilateral filter, WLOP and AWLOP;</a:t>
-            </a:r>
-            <a:endParaRPr lang="en-US" altLang="zh-CN" sz="2000" baseline="-25000" dirty="0" smtClean="0">
-              <a:solidFill>
-                <a:schemeClr val="accent2">
-                  <a:lumMod val="75000"/>
-                </a:schemeClr>
-              </a:solidFill>
-              <a:latin typeface="Times New Roman" panose="02020603050405020304" pitchFamily="18" charset="0"/>
-              <a:ea typeface="楷体" pitchFamily="49" charset="-122"/>
-              <a:cs typeface="Times New Roman" panose="02020603050405020304" pitchFamily="18" charset="0"/>
-            </a:endParaRPr>
-          </a:p>
-          <a:p>
-            <a:pPr marL="342900" indent="-342900">
-              <a:lnSpc>
-                <a:spcPct val="200000"/>
-              </a:lnSpc>
-              <a:buFont typeface="Wingdings" panose="05000000000000000000" pitchFamily="2" charset="2"/>
-              <a:buChar char="u"/>
-            </a:pPr>
-            <a:r>
-              <a:rPr lang="en-US" altLang="zh-CN" sz="2000" dirty="0" smtClean="0">
-                <a:latin typeface="Times New Roman" panose="02020603050405020304" pitchFamily="18" charset="0"/>
-                <a:ea typeface="楷体" pitchFamily="49" charset="-122"/>
-                <a:cs typeface="Times New Roman" panose="02020603050405020304" pitchFamily="18" charset="0"/>
-              </a:rPr>
-              <a:t>L1-norm worked better than </a:t>
-            </a:r>
-            <a:r>
-              <a:rPr lang="en-US" altLang="zh-CN" sz="2000" b="1" dirty="0" err="1" smtClean="0">
-                <a:solidFill>
-                  <a:srgbClr val="FF0000"/>
-                </a:solidFill>
-                <a:latin typeface="Times New Roman" panose="02020603050405020304" pitchFamily="18" charset="0"/>
-                <a:ea typeface="楷体" pitchFamily="49" charset="-122"/>
-                <a:cs typeface="Times New Roman" panose="02020603050405020304" pitchFamily="18" charset="0"/>
-              </a:rPr>
-              <a:t>Frobenius</a:t>
-            </a:r>
-            <a:r>
-              <a:rPr lang="en-US" altLang="zh-CN" sz="2000" b="1" dirty="0" smtClean="0">
-                <a:solidFill>
-                  <a:srgbClr val="FF0000"/>
-                </a:solidFill>
-                <a:latin typeface="Times New Roman" panose="02020603050405020304" pitchFamily="18" charset="0"/>
-                <a:ea typeface="楷体" pitchFamily="49" charset="-122"/>
-                <a:cs typeface="Times New Roman" panose="02020603050405020304" pitchFamily="18" charset="0"/>
-              </a:rPr>
-              <a:t> norm</a:t>
-            </a:r>
-            <a:r>
-              <a:rPr lang="en-US" altLang="zh-CN" sz="2000" dirty="0" smtClean="0">
-                <a:latin typeface="Times New Roman" panose="02020603050405020304" pitchFamily="18" charset="0"/>
-                <a:ea typeface="楷体" pitchFamily="49" charset="-122"/>
-                <a:cs typeface="Times New Roman" panose="02020603050405020304" pitchFamily="18" charset="0"/>
-              </a:rPr>
-              <a:t>, but </a:t>
-            </a:r>
-            <a:r>
-              <a:rPr lang="en-US" altLang="zh-CN" sz="2000" dirty="0" err="1" smtClean="0">
-                <a:latin typeface="Times New Roman" panose="02020603050405020304" pitchFamily="18" charset="0"/>
-                <a:ea typeface="楷体" pitchFamily="49" charset="-122"/>
-                <a:cs typeface="Times New Roman" panose="02020603050405020304" pitchFamily="18" charset="0"/>
-              </a:rPr>
-              <a:t>Frobenius</a:t>
-            </a:r>
-            <a:r>
-              <a:rPr lang="en-US" altLang="zh-CN" sz="2000" dirty="0" smtClean="0">
-                <a:latin typeface="Times New Roman" panose="02020603050405020304" pitchFamily="18" charset="0"/>
-                <a:ea typeface="楷体" pitchFamily="49" charset="-122"/>
-                <a:cs typeface="Times New Roman" panose="02020603050405020304" pitchFamily="18" charset="0"/>
-              </a:rPr>
-              <a:t> norm is used in this article to decrease computation;</a:t>
-            </a:r>
-          </a:p>
-          <a:p>
-            <a:pPr marL="342900" indent="-342900">
-              <a:lnSpc>
-                <a:spcPct val="200000"/>
-              </a:lnSpc>
-              <a:buFont typeface="Wingdings" panose="05000000000000000000" pitchFamily="2" charset="2"/>
-              <a:buChar char="u"/>
-            </a:pPr>
-            <a:r>
-              <a:rPr lang="en-US" altLang="zh-CN" sz="2000" dirty="0" smtClean="0">
-                <a:latin typeface="Times New Roman" panose="02020603050405020304" pitchFamily="18" charset="0"/>
-                <a:ea typeface="楷体" pitchFamily="49" charset="-122"/>
-                <a:cs typeface="Times New Roman" panose="02020603050405020304" pitchFamily="18" charset="0"/>
-              </a:rPr>
-              <a:t>The </a:t>
-            </a:r>
-            <a:r>
-              <a:rPr lang="en-US" altLang="zh-CN" sz="2000" b="1" dirty="0" err="1" smtClean="0">
-                <a:solidFill>
-                  <a:srgbClr val="FF0000"/>
-                </a:solidFill>
-                <a:latin typeface="Times New Roman" panose="02020603050405020304" pitchFamily="18" charset="0"/>
-                <a:ea typeface="楷体" pitchFamily="49" charset="-122"/>
-                <a:cs typeface="Times New Roman" panose="02020603050405020304" pitchFamily="18" charset="0"/>
-              </a:rPr>
-              <a:t>neighbourhood</a:t>
-            </a:r>
-            <a:r>
-              <a:rPr lang="en-US" altLang="zh-CN" sz="2000" b="1" dirty="0" smtClean="0">
-                <a:solidFill>
-                  <a:srgbClr val="FF0000"/>
-                </a:solidFill>
-                <a:latin typeface="Times New Roman" panose="02020603050405020304" pitchFamily="18" charset="0"/>
-                <a:ea typeface="楷体" pitchFamily="49" charset="-122"/>
-                <a:cs typeface="Times New Roman" panose="02020603050405020304" pitchFamily="18" charset="0"/>
-              </a:rPr>
-              <a:t> size </a:t>
-            </a:r>
-            <a:r>
-              <a:rPr lang="en-US" altLang="zh-CN" sz="2000" dirty="0" smtClean="0">
-                <a:latin typeface="Times New Roman" panose="02020603050405020304" pitchFamily="18" charset="0"/>
-                <a:ea typeface="楷体" pitchFamily="49" charset="-122"/>
-                <a:cs typeface="Times New Roman" panose="02020603050405020304" pitchFamily="18" charset="0"/>
-              </a:rPr>
-              <a:t>is obtained from a function which is relevant to local point density.</a:t>
-            </a:r>
-            <a:endParaRPr lang="en-US" altLang="zh-CN" sz="2000" dirty="0">
-              <a:latin typeface="Times New Roman" panose="02020603050405020304" pitchFamily="18" charset="0"/>
-              <a:ea typeface="楷体" pitchFamily="49" charset="-122"/>
-              <a:cs typeface="Times New Roman" panose="02020603050405020304" pitchFamily="18" charset="0"/>
-            </a:endParaRPr>
-          </a:p>
-        </p:txBody>
-      </p:sp>
+      </p:pic>
+      <p:grpSp>
+        <p:nvGrpSpPr>
+          <p:cNvPr id="2" name="组合 1"/>
+          <p:cNvGrpSpPr/>
+          <p:nvPr/>
+        </p:nvGrpSpPr>
+        <p:grpSpPr>
+          <a:xfrm>
+            <a:off x="755576" y="3501008"/>
+            <a:ext cx="5944022" cy="2000250"/>
+            <a:chOff x="257176" y="3284984"/>
+            <a:chExt cx="5944022" cy="2000250"/>
+          </a:xfrm>
+        </p:grpSpPr>
+        <p:pic>
+          <p:nvPicPr>
+            <p:cNvPr id="7" name="Picture 2"/>
+            <p:cNvPicPr>
+              <a:picLocks noChangeAspect="1" noChangeArrowheads="1"/>
+            </p:cNvPicPr>
+            <p:nvPr/>
+          </p:nvPicPr>
+          <p:blipFill rotWithShape="1">
+            <a:blip r:embed="rId3">
+              <a:extLst>
+                <a:ext uri="{28A0092B-C50C-407E-A947-70E740481C1C}">
+                  <a14:useLocalDpi xmlns:a14="http://schemas.microsoft.com/office/drawing/2010/main" val="0"/>
+                </a:ext>
+              </a:extLst>
+            </a:blip>
+            <a:srcRect r="87854"/>
+            <a:stretch/>
+          </p:blipFill>
+          <p:spPr bwMode="auto">
+            <a:xfrm>
+              <a:off x="257176" y="3284984"/>
+              <a:ext cx="1428750" cy="2000250"/>
+            </a:xfrm>
+            <a:prstGeom prst="rect">
+              <a:avLst/>
+            </a:prstGeom>
+            <a:noFill/>
+            <a:ln>
+              <a:noFill/>
+            </a:ln>
+            <a:effectLst/>
+            <a:extLst>
+              <a:ext uri="{909E8E84-426E-40DD-AFC4-6F175D3DCCD1}">
+                <a14:hiddenFill xmlns:a14="http://schemas.microsoft.com/office/drawing/2010/main">
+                  <a:solidFill>
+                    <a:schemeClr val="accent1"/>
+                  </a:solidFill>
+                </a14:hiddenFill>
+              </a:ext>
+              <a:ext uri="{91240B29-F687-4F45-9708-019B960494DF}">
+                <a14:hiddenLine xmlns:a14="http://schemas.microsoft.com/office/drawing/2010/main" w="9525">
+                  <a:solidFill>
+                    <a:schemeClr val="tx1"/>
+                  </a:solidFill>
+                  <a:miter lim="800000"/>
+                  <a:headEnd/>
+                  <a:tailEnd/>
+                </a14:hiddenLine>
+              </a:ext>
+              <a:ext uri="{AF507438-7753-43E0-B8FC-AC1667EBCBE1}">
+                <a14:hiddenEffects xmlns:a14="http://schemas.microsoft.com/office/drawing/2010/main">
+                  <a:effectLst>
+                    <a:outerShdw dist="35921" dir="2700000" algn="ctr" rotWithShape="0">
+                      <a:schemeClr val="bg2"/>
+                    </a:outerShdw>
+                  </a:effectLst>
+                </a14:hiddenEffects>
+              </a:ext>
+            </a:extLst>
+          </p:spPr>
+        </p:pic>
+        <p:pic>
+          <p:nvPicPr>
+            <p:cNvPr id="9" name="Picture 2"/>
+            <p:cNvPicPr>
+              <a:picLocks noChangeAspect="1" noChangeArrowheads="1"/>
+            </p:cNvPicPr>
+            <p:nvPr/>
+          </p:nvPicPr>
+          <p:blipFill rotWithShape="1">
+            <a:blip r:embed="rId3">
+              <a:extLst>
+                <a:ext uri="{28A0092B-C50C-407E-A947-70E740481C1C}">
+                  <a14:useLocalDpi xmlns:a14="http://schemas.microsoft.com/office/drawing/2010/main" val="0"/>
+                </a:ext>
+              </a:extLst>
+            </a:blip>
+            <a:srcRect l="61616"/>
+            <a:stretch/>
+          </p:blipFill>
+          <p:spPr bwMode="auto">
+            <a:xfrm>
+              <a:off x="1685926" y="3284984"/>
+              <a:ext cx="4515272" cy="2000250"/>
+            </a:xfrm>
+            <a:prstGeom prst="rect">
+              <a:avLst/>
+            </a:prstGeom>
+            <a:noFill/>
+            <a:ln>
+              <a:noFill/>
+            </a:ln>
+            <a:effectLst/>
+            <a:extLst>
+              <a:ext uri="{909E8E84-426E-40DD-AFC4-6F175D3DCCD1}">
+                <a14:hiddenFill xmlns:a14="http://schemas.microsoft.com/office/drawing/2010/main">
+                  <a:solidFill>
+                    <a:schemeClr val="accent1"/>
+                  </a:solidFill>
+                </a14:hiddenFill>
+              </a:ext>
+              <a:ext uri="{91240B29-F687-4F45-9708-019B960494DF}">
+                <a14:hiddenLine xmlns:a14="http://schemas.microsoft.com/office/drawing/2010/main" w="9525">
+                  <a:solidFill>
+                    <a:schemeClr val="tx1"/>
+                  </a:solidFill>
+                  <a:miter lim="800000"/>
+                  <a:headEnd/>
+                  <a:tailEnd/>
+                </a14:hiddenLine>
+              </a:ext>
+              <a:ext uri="{AF507438-7753-43E0-B8FC-AC1667EBCBE1}">
+                <a14:hiddenEffects xmlns:a14="http://schemas.microsoft.com/office/drawing/2010/main">
+                  <a:effectLst>
+                    <a:outerShdw dist="35921" dir="2700000" algn="ctr" rotWithShape="0">
+                      <a:schemeClr val="bg2"/>
+                    </a:outerShdw>
+                  </a:effectLst>
+                </a14:hiddenEffects>
+              </a:ext>
+            </a:extLst>
+          </p:spPr>
+        </p:pic>
+      </p:grpSp>
     </p:spTree>
     <p:extLst>
       <p:ext uri="{BB962C8B-B14F-4D97-AF65-F5344CB8AC3E}">
-        <p14:creationId xmlns:p14="http://schemas.microsoft.com/office/powerpoint/2010/main" val="1774346172"/>
+        <p14:creationId xmlns:p14="http://schemas.microsoft.com/office/powerpoint/2010/main" val="3864150049"/>
       </p:ext>
     </p:extLst>
   </p:cSld>
@@ -18969,87 +17263,6 @@
           </a:p>
         </p:txBody>
       </p:sp>
-      <p:sp>
-        <p:nvSpPr>
-          <p:cNvPr id="9" name="文本框 8"/>
-          <p:cNvSpPr txBox="1"/>
-          <p:nvPr/>
-        </p:nvSpPr>
-        <p:spPr>
-          <a:xfrm>
-            <a:off x="618381" y="4666289"/>
-            <a:ext cx="8104984" cy="1569660"/>
-          </a:xfrm>
-          <a:prstGeom prst="rect">
-            <a:avLst/>
-          </a:prstGeom>
-          <a:noFill/>
-        </p:spPr>
-        <p:txBody>
-          <a:bodyPr wrap="square" rtlCol="0">
-            <a:spAutoFit/>
-          </a:bodyPr>
-          <a:lstStyle/>
-          <a:p>
-            <a:pPr latinLnBrk="1"/>
-            <a:r>
-              <a:rPr lang="en-US" altLang="zh-CN" sz="2400" b="1" dirty="0" smtClean="0">
-                <a:solidFill>
-                  <a:schemeClr val="accent2"/>
-                </a:solidFill>
-                <a:latin typeface="Times New Roman" panose="02020603050405020304" pitchFamily="18" charset="0"/>
-                <a:cs typeface="Times New Roman" panose="02020603050405020304" pitchFamily="18" charset="0"/>
-              </a:rPr>
-              <a:t>Algorithm: </a:t>
-            </a:r>
-            <a:r>
-              <a:rPr lang="en-US" altLang="zh-CN" sz="2400" dirty="0" smtClean="0">
-                <a:latin typeface="Times New Roman" panose="02020603050405020304" pitchFamily="18" charset="0"/>
-                <a:cs typeface="Times New Roman" panose="02020603050405020304" pitchFamily="18" charset="0"/>
-              </a:rPr>
-              <a:t>MRPCA with the full name </a:t>
-            </a:r>
-            <a:r>
-              <a:rPr lang="en-US" altLang="zh-CN" sz="2400" i="1" dirty="0" smtClean="0">
-                <a:latin typeface="Times New Roman" panose="02020603050405020304" pitchFamily="18" charset="0"/>
-                <a:cs typeface="Times New Roman" panose="02020603050405020304" pitchFamily="18" charset="0"/>
-              </a:rPr>
-              <a:t>Moving Robust Principal Component Analysis.</a:t>
-            </a:r>
-          </a:p>
-          <a:p>
-            <a:pPr latinLnBrk="1"/>
-            <a:r>
-              <a:rPr lang="en-US" altLang="zh-CN" sz="2400" b="1" dirty="0">
-                <a:solidFill>
-                  <a:schemeClr val="accent2"/>
-                </a:solidFill>
-                <a:latin typeface="Times New Roman" panose="02020603050405020304" pitchFamily="18" charset="0"/>
-                <a:cs typeface="Times New Roman" panose="02020603050405020304" pitchFamily="18" charset="0"/>
-              </a:rPr>
-              <a:t>Issues: </a:t>
-            </a:r>
-            <a:r>
-              <a:rPr lang="en-US" altLang="zh-CN" sz="2400" dirty="0">
-                <a:latin typeface="Times New Roman" panose="02020603050405020304" pitchFamily="18" charset="0"/>
-                <a:cs typeface="Times New Roman" panose="02020603050405020304" pitchFamily="18" charset="0"/>
-              </a:rPr>
-              <a:t>Points’ Normal Estimation, Outlier Removal, Sharp Feature Preservation</a:t>
-            </a:r>
-            <a:r>
-              <a:rPr lang="en-US" altLang="zh-CN" sz="2400" dirty="0" smtClean="0">
-                <a:latin typeface="Times New Roman" panose="02020603050405020304" pitchFamily="18" charset="0"/>
-                <a:cs typeface="Times New Roman" panose="02020603050405020304" pitchFamily="18" charset="0"/>
-              </a:rPr>
-              <a:t>.</a:t>
-            </a:r>
-            <a:endParaRPr lang="en-US" altLang="zh-CN" sz="2400" dirty="0">
-              <a:latin typeface="Times New Roman" panose="02020603050405020304" pitchFamily="18" charset="0"/>
-              <a:cs typeface="Times New Roman" panose="02020603050405020304" pitchFamily="18" charset="0"/>
-            </a:endParaRPr>
-          </a:p>
-        </p:txBody>
-      </p:sp>
       <p:pic>
         <p:nvPicPr>
           <p:cNvPr id="2" name="Picture 2"/>
@@ -19114,6 +17327,56 @@
           </a:extLst>
         </p:spPr>
       </p:pic>
+      <p:sp>
+        <p:nvSpPr>
+          <p:cNvPr id="3" name="TextBox 2"/>
+          <p:cNvSpPr txBox="1"/>
+          <p:nvPr/>
+        </p:nvSpPr>
+        <p:spPr>
+          <a:xfrm>
+            <a:off x="739426" y="4608443"/>
+            <a:ext cx="8178702" cy="1200329"/>
+          </a:xfrm>
+          <a:prstGeom prst="rect">
+            <a:avLst/>
+          </a:prstGeom>
+          <a:noFill/>
+        </p:spPr>
+        <p:txBody>
+          <a:bodyPr wrap="square" rtlCol="0">
+            <a:spAutoFit/>
+          </a:bodyPr>
+          <a:lstStyle/>
+          <a:p>
+            <a:r>
+              <a:rPr lang="en-US" sz="2400" dirty="0" smtClean="0">
+                <a:latin typeface="Times New Roman" pitchFamily="18" charset="0"/>
+                <a:cs typeface="Times New Roman" pitchFamily="18" charset="0"/>
+              </a:rPr>
+              <a:t>In this paper, a nov</a:t>
+            </a:r>
+            <a:r>
+              <a:rPr lang="en-US" altLang="zh-CN" sz="2400" dirty="0" smtClean="0">
+                <a:latin typeface="Times New Roman" pitchFamily="18" charset="0"/>
+                <a:cs typeface="Times New Roman" pitchFamily="18" charset="0"/>
+              </a:rPr>
+              <a:t>e</a:t>
+            </a:r>
+            <a:r>
+              <a:rPr lang="en-US" sz="2400" dirty="0" smtClean="0">
+                <a:latin typeface="Times New Roman" pitchFamily="18" charset="0"/>
+                <a:cs typeface="Times New Roman" pitchFamily="18" charset="0"/>
+              </a:rPr>
+              <a:t>l pipeline for global SFM has been proposed. Compared to standard global SFM pipeline, it achieved great efficiency and accuracy.</a:t>
+            </a:r>
+            <a:endParaRPr lang="en-US" sz="2400" dirty="0">
+              <a:latin typeface="Times New Roman" pitchFamily="18" charset="0"/>
+              <a:cs typeface="Times New Roman" pitchFamily="18" charset="0"/>
+            </a:endParaRPr>
+          </a:p>
+        </p:txBody>
+      </p:sp>
     </p:spTree>
     <p:extLst>
       <p:ext uri="{BB962C8B-B14F-4D97-AF65-F5344CB8AC3E}">
@@ -19151,6 +17414,396 @@
           <a:chExt cx="0" cy="0"/>
         </a:xfrm>
       </p:grpSpPr>
+      <p:cxnSp>
+        <p:nvCxnSpPr>
+          <p:cNvPr id="8" name="直接连接符 7"/>
+          <p:cNvCxnSpPr/>
+          <p:nvPr/>
+        </p:nvCxnSpPr>
+        <p:spPr>
+          <a:xfrm>
+            <a:off x="571472" y="692696"/>
+            <a:ext cx="7786742" cy="1588"/>
+          </a:xfrm>
+          <a:prstGeom prst="line">
+            <a:avLst/>
+          </a:prstGeom>
+          <a:ln>
+            <a:solidFill>
+              <a:schemeClr val="accent2">
+                <a:lumMod val="75000"/>
+              </a:schemeClr>
+            </a:solidFill>
+          </a:ln>
+        </p:spPr>
+        <p:style>
+          <a:lnRef idx="1">
+            <a:schemeClr val="accent1"/>
+          </a:lnRef>
+          <a:fillRef idx="0">
+            <a:schemeClr val="accent1"/>
+          </a:fillRef>
+          <a:effectRef idx="0">
+            <a:schemeClr val="accent1"/>
+          </a:effectRef>
+          <a:fontRef idx="minor">
+            <a:schemeClr val="tx1"/>
+          </a:fontRef>
+        </p:style>
+      </p:cxnSp>
+      <p:sp>
+        <p:nvSpPr>
+          <p:cNvPr id="5" name="标题 3"/>
+          <p:cNvSpPr txBox="1">
+            <a:spLocks/>
+          </p:cNvSpPr>
+          <p:nvPr/>
+        </p:nvSpPr>
+        <p:spPr bwMode="auto">
+          <a:xfrm>
+            <a:off x="257175" y="142852"/>
+            <a:ext cx="9499401" cy="609600"/>
+          </a:xfrm>
+          <a:prstGeom prst="rect">
+            <a:avLst/>
+          </a:prstGeom>
+          <a:noFill/>
+          <a:ln w="9525">
+            <a:noFill/>
+            <a:miter lim="800000"/>
+            <a:headEnd/>
+            <a:tailEnd/>
+          </a:ln>
+        </p:spPr>
+        <p:txBody>
+          <a:bodyPr anchor="ctr"/>
+          <a:lstStyle/>
+          <a:p>
+            <a:pPr>
+              <a:defRPr/>
+            </a:pPr>
+            <a:r>
+              <a:rPr lang="en-US" altLang="zh-CN" sz="2800" b="1" i="1" dirty="0">
+                <a:latin typeface="Calibri" pitchFamily="34" charset="0"/>
+                <a:cs typeface="Calibri" pitchFamily="34" charset="0"/>
+              </a:rPr>
+              <a:t>6</a:t>
+            </a:r>
+            <a:r>
+              <a:rPr lang="en-US" altLang="zh-CN" sz="2800" b="1" i="1" dirty="0" smtClean="0">
+                <a:latin typeface="Calibri" pitchFamily="34" charset="0"/>
+                <a:cs typeface="Calibri" pitchFamily="34" charset="0"/>
+              </a:rPr>
+              <a:t> Results</a:t>
+            </a:r>
+            <a:endParaRPr lang="zh-CN" altLang="en-US" sz="3200" b="1" kern="0" dirty="0">
+              <a:effectLst/>
+              <a:latin typeface="Calibri" pitchFamily="34" charset="0"/>
+              <a:ea typeface="楷体" pitchFamily="49" charset="-122"/>
+              <a:cs typeface="Calibri" pitchFamily="34" charset="0"/>
+            </a:endParaRPr>
+          </a:p>
+        </p:txBody>
+      </p:sp>
+      <p:pic>
+        <p:nvPicPr>
+          <p:cNvPr id="6147" name="Picture 3"/>
+          <p:cNvPicPr>
+            <a:picLocks noChangeAspect="1" noChangeArrowheads="1"/>
+          </p:cNvPicPr>
+          <p:nvPr/>
+        </p:nvPicPr>
+        <p:blipFill>
+          <a:blip r:embed="rId3">
+            <a:extLst>
+              <a:ext uri="{28A0092B-C50C-407E-A947-70E740481C1C}">
+                <a14:useLocalDpi xmlns:a14="http://schemas.microsoft.com/office/drawing/2010/main" val="0"/>
+              </a:ext>
+            </a:extLst>
+          </a:blip>
+          <a:srcRect/>
+          <a:stretch>
+            <a:fillRect/>
+          </a:stretch>
+        </p:blipFill>
+        <p:spPr bwMode="auto">
+          <a:xfrm>
+            <a:off x="257175" y="1268760"/>
+            <a:ext cx="8686800" cy="3657600"/>
+          </a:xfrm>
+          <a:prstGeom prst="rect">
+            <a:avLst/>
+          </a:prstGeom>
+          <a:noFill/>
+          <a:ln>
+            <a:noFill/>
+          </a:ln>
+          <a:effectLst/>
+          <a:extLst>
+            <a:ext uri="{909E8E84-426E-40DD-AFC4-6F175D3DCCD1}">
+              <a14:hiddenFill xmlns:a14="http://schemas.microsoft.com/office/drawing/2010/main">
+                <a:solidFill>
+                  <a:schemeClr val="accent1"/>
+                </a:solidFill>
+              </a14:hiddenFill>
+            </a:ext>
+            <a:ext uri="{91240B29-F687-4F45-9708-019B960494DF}">
+              <a14:hiddenLine xmlns:a14="http://schemas.microsoft.com/office/drawing/2010/main" w="9525">
+                <a:solidFill>
+                  <a:schemeClr val="tx1"/>
+                </a:solidFill>
+                <a:miter lim="800000"/>
+                <a:headEnd/>
+                <a:tailEnd/>
+              </a14:hiddenLine>
+            </a:ext>
+            <a:ext uri="{AF507438-7753-43E0-B8FC-AC1667EBCBE1}">
+              <a14:hiddenEffects xmlns:a14="http://schemas.microsoft.com/office/drawing/2010/main">
+                <a:effectLst>
+                  <a:outerShdw dist="35921" dir="2700000" algn="ctr" rotWithShape="0">
+                    <a:schemeClr val="bg2"/>
+                  </a:outerShdw>
+                </a:effectLst>
+              </a14:hiddenEffects>
+            </a:ext>
+          </a:extLst>
+        </p:spPr>
+      </p:pic>
+    </p:spTree>
+    <p:extLst>
+      <p:ext uri="{BB962C8B-B14F-4D97-AF65-F5344CB8AC3E}">
+        <p14:creationId xmlns:p14="http://schemas.microsoft.com/office/powerpoint/2010/main" val="1121824884"/>
+      </p:ext>
+    </p:extLst>
+  </p:cSld>
+  <p:clrMapOvr>
+    <a:masterClrMapping/>
+  </p:clrMapOvr>
+  <p:timing>
+    <p:tnLst>
+      <p:par>
+        <p:cTn id="1" dur="indefinite" restart="never" nodeType="tmRoot"/>
+      </p:par>
+    </p:tnLst>
+  </p:timing>
+</p:sld>
+</file>
+
+<file path=ppt/slides/slide21.xml><?xml version="1.0" encoding="utf-8"?>
+<p:sld xmlns:a="http://schemas.openxmlformats.org/drawingml/2006/main" xmlns:r="http://schemas.openxmlformats.org/officeDocument/2006/relationships" xmlns:p="http://schemas.openxmlformats.org/presentationml/2006/main">
+  <p:cSld>
+    <p:spTree>
+      <p:nvGrpSpPr>
+        <p:cNvPr id="1" name=""/>
+        <p:cNvGrpSpPr/>
+        <p:nvPr/>
+      </p:nvGrpSpPr>
+      <p:grpSpPr>
+        <a:xfrm>
+          <a:off x="0" y="0"/>
+          <a:ext cx="0" cy="0"/>
+          <a:chOff x="0" y="0"/>
+          <a:chExt cx="0" cy="0"/>
+        </a:xfrm>
+      </p:grpSpPr>
+      <p:cxnSp>
+        <p:nvCxnSpPr>
+          <p:cNvPr id="8" name="直接连接符 7"/>
+          <p:cNvCxnSpPr/>
+          <p:nvPr/>
+        </p:nvCxnSpPr>
+        <p:spPr>
+          <a:xfrm>
+            <a:off x="571472" y="857232"/>
+            <a:ext cx="7786742" cy="1588"/>
+          </a:xfrm>
+          <a:prstGeom prst="line">
+            <a:avLst/>
+          </a:prstGeom>
+          <a:ln>
+            <a:solidFill>
+              <a:schemeClr val="accent2">
+                <a:lumMod val="75000"/>
+              </a:schemeClr>
+            </a:solidFill>
+          </a:ln>
+        </p:spPr>
+        <p:style>
+          <a:lnRef idx="1">
+            <a:schemeClr val="accent1"/>
+          </a:lnRef>
+          <a:fillRef idx="0">
+            <a:schemeClr val="accent1"/>
+          </a:fillRef>
+          <a:effectRef idx="0">
+            <a:schemeClr val="accent1"/>
+          </a:effectRef>
+          <a:fontRef idx="minor">
+            <a:schemeClr val="tx1"/>
+          </a:fontRef>
+        </p:style>
+      </p:cxnSp>
+      <p:sp>
+        <p:nvSpPr>
+          <p:cNvPr id="15" name="标题 3">
+            <a:extLst>
+              <a:ext uri="{FF2B5EF4-FFF2-40B4-BE49-F238E27FC236}">
+                <a16:creationId xmlns="" xmlns:a16="http://schemas.microsoft.com/office/drawing/2014/main" id="{F68BA453-3377-4256-A938-E7CF0F36192B}"/>
+              </a:ext>
+            </a:extLst>
+          </p:cNvPr>
+          <p:cNvSpPr txBox="1">
+            <a:spLocks/>
+          </p:cNvSpPr>
+          <p:nvPr/>
+        </p:nvSpPr>
+        <p:spPr bwMode="auto">
+          <a:xfrm>
+            <a:off x="257175" y="142852"/>
+            <a:ext cx="7243783" cy="609600"/>
+          </a:xfrm>
+          <a:prstGeom prst="rect">
+            <a:avLst/>
+          </a:prstGeom>
+          <a:noFill/>
+          <a:ln w="9525">
+            <a:noFill/>
+            <a:miter lim="800000"/>
+            <a:headEnd/>
+            <a:tailEnd/>
+          </a:ln>
+        </p:spPr>
+        <p:txBody>
+          <a:bodyPr anchor="ctr"/>
+          <a:lstStyle/>
+          <a:p>
+            <a:pPr>
+              <a:defRPr/>
+            </a:pPr>
+            <a:r>
+              <a:rPr lang="en-US" altLang="zh-CN" sz="2800" b="1" i="1" dirty="0">
+                <a:latin typeface="Calibri" pitchFamily="34" charset="0"/>
+                <a:cs typeface="Calibri" pitchFamily="34" charset="0"/>
+              </a:rPr>
+              <a:t>5</a:t>
+            </a:r>
+            <a:r>
+              <a:rPr lang="en-US" altLang="zh-CN" sz="2800" b="1" i="1" dirty="0" smtClean="0">
+                <a:latin typeface="Calibri" pitchFamily="34" charset="0"/>
+                <a:cs typeface="Calibri" pitchFamily="34" charset="0"/>
+              </a:rPr>
+              <a:t>. </a:t>
+            </a:r>
+            <a:r>
+              <a:rPr lang="en-US" altLang="zh-CN" sz="2800" b="1" i="1" dirty="0"/>
+              <a:t>Conclusion</a:t>
+            </a:r>
+            <a:endParaRPr lang="zh-CN" altLang="en-US" sz="3200" b="1" i="1" kern="0" dirty="0">
+              <a:effectLst/>
+              <a:latin typeface="Calibri" pitchFamily="34" charset="0"/>
+              <a:ea typeface="楷体" pitchFamily="49" charset="-122"/>
+              <a:cs typeface="Calibri" pitchFamily="34" charset="0"/>
+            </a:endParaRPr>
+          </a:p>
+        </p:txBody>
+      </p:sp>
+      <p:sp>
+        <p:nvSpPr>
+          <p:cNvPr id="5" name="TextBox 16">
+            <a:extLst>
+              <a:ext uri="{FF2B5EF4-FFF2-40B4-BE49-F238E27FC236}">
+                <a16:creationId xmlns="" xmlns:a16="http://schemas.microsoft.com/office/drawing/2014/main" id="{DEDB19A1-0490-463A-9A9E-10132D9DF7E3}"/>
+              </a:ext>
+            </a:extLst>
+          </p:cNvPr>
+          <p:cNvSpPr>
+            <a:spLocks noChangeArrowheads="1"/>
+          </p:cNvSpPr>
+          <p:nvPr/>
+        </p:nvSpPr>
+        <p:spPr bwMode="auto">
+          <a:xfrm>
+            <a:off x="467544" y="963600"/>
+            <a:ext cx="7890670" cy="707886"/>
+          </a:xfrm>
+          <a:prstGeom prst="rect">
+            <a:avLst/>
+          </a:prstGeom>
+          <a:noFill/>
+          <a:ln w="9525" cap="flat" cmpd="sng">
+            <a:noFill/>
+            <a:miter lim="800000"/>
+            <a:headEnd/>
+            <a:tailEnd/>
+          </a:ln>
+          <a:effectLst/>
+        </p:spPr>
+        <p:txBody>
+          <a:bodyPr wrap="square">
+            <a:spAutoFit/>
+          </a:bodyPr>
+          <a:lstStyle/>
+          <a:p>
+            <a:pPr marL="342900" indent="-342900">
+              <a:lnSpc>
+                <a:spcPct val="200000"/>
+              </a:lnSpc>
+              <a:buFont typeface="Wingdings" pitchFamily="2" charset="2"/>
+              <a:buChar char="Ø"/>
+            </a:pPr>
+            <a:r>
+              <a:rPr lang="en-US" altLang="zh-CN" sz="2000" dirty="0" err="1" smtClean="0">
+                <a:latin typeface="Times New Roman" panose="02020603050405020304" pitchFamily="18" charset="0"/>
+                <a:ea typeface="楷体" pitchFamily="49" charset="-122"/>
+                <a:cs typeface="Times New Roman" panose="02020603050405020304" pitchFamily="18" charset="0"/>
+              </a:rPr>
+              <a:t>wo</a:t>
+            </a:r>
+            <a:endParaRPr lang="en-US" altLang="zh-CN" sz="2000" dirty="0">
+              <a:latin typeface="Times New Roman" panose="02020603050405020304" pitchFamily="18" charset="0"/>
+              <a:ea typeface="楷体" pitchFamily="49" charset="-122"/>
+              <a:cs typeface="Times New Roman" panose="02020603050405020304" pitchFamily="18" charset="0"/>
+            </a:endParaRPr>
+          </a:p>
+        </p:txBody>
+      </p:sp>
+    </p:spTree>
+    <p:extLst>
+      <p:ext uri="{BB962C8B-B14F-4D97-AF65-F5344CB8AC3E}">
+        <p14:creationId xmlns:p14="http://schemas.microsoft.com/office/powerpoint/2010/main" val="1774346172"/>
+      </p:ext>
+    </p:extLst>
+  </p:cSld>
+  <p:clrMapOvr>
+    <a:masterClrMapping/>
+  </p:clrMapOvr>
+  <p:timing>
+    <p:tnLst>
+      <p:par>
+        <p:cTn id="1" dur="indefinite" restart="never" nodeType="tmRoot"/>
+      </p:par>
+    </p:tnLst>
+  </p:timing>
+</p:sld>
+</file>
+
+<file path=ppt/slides/slide22.xml><?xml version="1.0" encoding="utf-8"?>
+<p:sld xmlns:a="http://schemas.openxmlformats.org/drawingml/2006/main" xmlns:r="http://schemas.openxmlformats.org/officeDocument/2006/relationships" xmlns:p="http://schemas.openxmlformats.org/presentationml/2006/main">
+  <p:cSld>
+    <p:spTree>
+      <p:nvGrpSpPr>
+        <p:cNvPr id="1" name=""/>
+        <p:cNvGrpSpPr/>
+        <p:nvPr/>
+      </p:nvGrpSpPr>
+      <p:grpSpPr>
+        <a:xfrm>
+          <a:off x="0" y="0"/>
+          <a:ext cx="0" cy="0"/>
+          <a:chOff x="0" y="0"/>
+          <a:chExt cx="0" cy="0"/>
+        </a:xfrm>
+      </p:grpSpPr>
       <p:sp>
         <p:nvSpPr>
           <p:cNvPr id="2" name="TextBox 1"/>
@@ -19238,7 +17891,7 @@
 </p:sld>
 </file>
 
-<file path=ppt/slides/slide21.xml><?xml version="1.0" encoding="utf-8"?>
+<file path=ppt/slides/slide23.xml><?xml version="1.0" encoding="utf-8"?>
 <p:sld xmlns:a="http://schemas.openxmlformats.org/drawingml/2006/main" xmlns:r="http://schemas.openxmlformats.org/officeDocument/2006/relationships" xmlns:p="http://schemas.openxmlformats.org/presentationml/2006/main">
   <p:cSld>
     <p:spTree>
@@ -19536,8 +18189,8 @@
         </p:nvSpPr>
         <p:spPr bwMode="auto">
           <a:xfrm>
-            <a:off x="611560" y="857836"/>
-            <a:ext cx="8352928" cy="2308324"/>
+            <a:off x="389877" y="868231"/>
+            <a:ext cx="8352928" cy="4062651"/>
           </a:xfrm>
           <a:prstGeom prst="rect">
             <a:avLst/>
@@ -19563,7 +18216,7 @@
               </a:lnSpc>
             </a:pPr>
             <a:r>
-              <a:rPr lang="en-US" altLang="zh-CN" sz="2400" b="1" dirty="0" smtClean="0">
+              <a:rPr lang="en-US" altLang="zh-CN" sz="2800" b="1" i="1" dirty="0" smtClean="0">
                 <a:solidFill>
                   <a:schemeClr val="accent2"/>
                 </a:solidFill>
@@ -19645,6 +18298,93 @@
               <a:buFont typeface="Wingdings" panose="05000000000000000000" pitchFamily="2" charset="2"/>
               <a:buChar char="Ø"/>
             </a:pPr>
+            <a:r>
+              <a:rPr lang="en-US" altLang="zh-CN" sz="2400" dirty="0" smtClean="0">
+                <a:latin typeface="Times New Roman" panose="02020603050405020304" pitchFamily="18" charset="0"/>
+                <a:ea typeface="楷体" pitchFamily="49" charset="-122"/>
+                <a:cs typeface="Times New Roman" panose="02020603050405020304" pitchFamily="18" charset="0"/>
+              </a:rPr>
+              <a:t>It provide a new method for calibrating cameras from </a:t>
+            </a:r>
+            <a:r>
+              <a:rPr lang="en-US" altLang="zh-CN" sz="2400" b="1" dirty="0" smtClean="0">
+                <a:solidFill>
+                  <a:srgbClr val="FF0000"/>
+                </a:solidFill>
+                <a:latin typeface="Times New Roman" panose="02020603050405020304" pitchFamily="18" charset="0"/>
+                <a:ea typeface="楷体" pitchFamily="49" charset="-122"/>
+                <a:cs typeface="Times New Roman" panose="02020603050405020304" pitchFamily="18" charset="0"/>
+              </a:rPr>
+              <a:t>a set of</a:t>
+            </a:r>
+            <a:r>
+              <a:rPr lang="en-US" altLang="zh-CN" sz="2400" dirty="0" smtClean="0">
+                <a:latin typeface="Times New Roman" panose="02020603050405020304" pitchFamily="18" charset="0"/>
+                <a:ea typeface="楷体" pitchFamily="49" charset="-122"/>
+                <a:cs typeface="Times New Roman" panose="02020603050405020304" pitchFamily="18" charset="0"/>
+              </a:rPr>
+              <a:t> fundamental matrices.</a:t>
+            </a:r>
+            <a:endParaRPr lang="en-US" altLang="zh-CN" sz="2400" dirty="0" smtClean="0">
+              <a:latin typeface="Times New Roman" panose="02020603050405020304" pitchFamily="18" charset="0"/>
+              <a:ea typeface="楷体" pitchFamily="49" charset="-122"/>
+              <a:cs typeface="Times New Roman" panose="02020603050405020304" pitchFamily="18" charset="0"/>
+            </a:endParaRPr>
+          </a:p>
+          <a:p>
+            <a:pPr marL="800100" lvl="1" indent="-342900">
+              <a:lnSpc>
+                <a:spcPct val="150000"/>
+              </a:lnSpc>
+              <a:buFont typeface="Wingdings" panose="05000000000000000000" pitchFamily="2" charset="2"/>
+              <a:buChar char="Ø"/>
+            </a:pPr>
+            <a:r>
+              <a:rPr lang="en-US" altLang="zh-CN" sz="2400" dirty="0" smtClean="0">
+                <a:latin typeface="Times New Roman" panose="02020603050405020304" pitchFamily="18" charset="0"/>
+                <a:ea typeface="楷体" pitchFamily="49" charset="-122"/>
+                <a:cs typeface="Times New Roman" panose="02020603050405020304" pitchFamily="18" charset="0"/>
+              </a:rPr>
+              <a:t>The pipeline proposed in this paper achieves </a:t>
+            </a:r>
+            <a:r>
+              <a:rPr lang="en-US" altLang="zh-CN" sz="2400" b="1" dirty="0" smtClean="0">
+                <a:solidFill>
+                  <a:srgbClr val="FF0000"/>
+                </a:solidFill>
+                <a:latin typeface="Times New Roman" panose="02020603050405020304" pitchFamily="18" charset="0"/>
+                <a:ea typeface="楷体" pitchFamily="49" charset="-122"/>
+                <a:cs typeface="Times New Roman" panose="02020603050405020304" pitchFamily="18" charset="0"/>
+              </a:rPr>
+              <a:t>greater efficiency</a:t>
+            </a:r>
+            <a:r>
+              <a:rPr lang="en-US" altLang="zh-CN" sz="2400" dirty="0" smtClean="0">
+                <a:latin typeface="Times New Roman" panose="02020603050405020304" pitchFamily="18" charset="0"/>
+                <a:ea typeface="楷体" pitchFamily="49" charset="-122"/>
+                <a:cs typeface="Times New Roman" panose="02020603050405020304" pitchFamily="18" charset="0"/>
+              </a:rPr>
+              <a:t> and </a:t>
+            </a:r>
+            <a:r>
+              <a:rPr lang="en-US" altLang="zh-CN" sz="2400" b="1" dirty="0" smtClean="0">
+                <a:solidFill>
+                  <a:srgbClr val="FF0000"/>
+                </a:solidFill>
+                <a:latin typeface="Times New Roman" panose="02020603050405020304" pitchFamily="18" charset="0"/>
+                <a:ea typeface="楷体" pitchFamily="49" charset="-122"/>
+                <a:cs typeface="Times New Roman" panose="02020603050405020304" pitchFamily="18" charset="0"/>
+              </a:rPr>
+              <a:t>comparable accuracy</a:t>
+            </a:r>
+            <a:r>
+              <a:rPr lang="en-US" altLang="zh-CN" sz="2400" dirty="0" smtClean="0">
+                <a:latin typeface="Times New Roman" panose="02020603050405020304" pitchFamily="18" charset="0"/>
+                <a:ea typeface="楷体" pitchFamily="49" charset="-122"/>
+                <a:cs typeface="Times New Roman" panose="02020603050405020304" pitchFamily="18" charset="0"/>
+              </a:rPr>
+              <a:t> to the other methods.</a:t>
+            </a:r>
             <a:endParaRPr lang="en-US" altLang="zh-CN" sz="2400" dirty="0">
               <a:latin typeface="Times New Roman" panose="02020603050405020304" pitchFamily="18" charset="0"/>
               <a:ea typeface="楷体" pitchFamily="49" charset="-122"/>
@@ -19770,7 +18510,14 @@
                 <a:latin typeface="Calibri" pitchFamily="34" charset="0"/>
                 <a:cs typeface="Calibri" pitchFamily="34" charset="0"/>
               </a:rPr>
-              <a:t>. Sufficient Condition for Consistency</a:t>
+              <a:t>. </a:t>
+            </a:r>
+            <a:r>
+              <a:rPr lang="en-US" altLang="zh-CN" sz="2800" b="1" i="1" dirty="0" smtClean="0">
+                <a:latin typeface="Calibri" pitchFamily="34" charset="0"/>
+                <a:cs typeface="Calibri" pitchFamily="34" charset="0"/>
+              </a:rPr>
+              <a:t>Basic Theories</a:t>
             </a:r>
             <a:endParaRPr lang="zh-CN" altLang="en-US" sz="3200" b="1" kern="0" dirty="0">
               <a:effectLst/>
@@ -19955,14 +18702,14 @@
                 <a:latin typeface="Calibri" pitchFamily="34" charset="0"/>
                 <a:cs typeface="Calibri" pitchFamily="34" charset="0"/>
               </a:rPr>
-              <a:t>2</a:t>
+              <a:t>3</a:t>
             </a:r>
             <a:r>
               <a:rPr lang="en-US" altLang="zh-CN" sz="2800" b="1" i="1" dirty="0" smtClean="0">
                 <a:latin typeface="Calibri" pitchFamily="34" charset="0"/>
                 <a:cs typeface="Calibri" pitchFamily="34" charset="0"/>
               </a:rPr>
-              <a:t>. Sufficient Condition for Consistency</a:t>
+              <a:t>. Create a Consistent  Viewing Graph</a:t>
             </a:r>
             <a:endParaRPr lang="zh-CN" altLang="en-US" sz="3200" b="1" kern="0" dirty="0">
               <a:effectLst/>
@@ -19996,7 +18743,7 @@
         </p:blipFill>
         <p:spPr bwMode="auto">
           <a:xfrm>
-            <a:off x="1405879" y="1052736"/>
+            <a:off x="1547664" y="1388420"/>
             <a:ext cx="5953053" cy="2952328"/>
           </a:xfrm>
           <a:prstGeom prst="rect">
@@ -20037,6 +18784,264 @@
           </a:extLst>
         </p:spPr>
       </p:pic>
+      <p:sp>
+        <p:nvSpPr>
+          <p:cNvPr id="6" name="矩形 5"/>
+          <p:cNvSpPr/>
+          <p:nvPr/>
+        </p:nvSpPr>
+        <p:spPr>
+          <a:xfrm>
+            <a:off x="526433" y="791043"/>
+            <a:ext cx="2805576" cy="523220"/>
+          </a:xfrm>
+          <a:prstGeom prst="rect">
+            <a:avLst/>
+          </a:prstGeom>
+        </p:spPr>
+        <p:txBody>
+          <a:bodyPr wrap="none">
+            <a:spAutoFit/>
+          </a:bodyPr>
+          <a:lstStyle/>
+          <a:p>
+            <a:r>
+              <a:rPr lang="en-US" altLang="zh-CN" sz="2800" b="1" i="1" dirty="0" smtClean="0">
+                <a:solidFill>
+                  <a:schemeClr val="accent2"/>
+                </a:solidFill>
+                <a:latin typeface="Times New Roman" pitchFamily="18" charset="0"/>
+                <a:cs typeface="Times New Roman" pitchFamily="18" charset="0"/>
+              </a:rPr>
+              <a:t>Loop Consistency</a:t>
+            </a:r>
+            <a:endParaRPr lang="en-US" sz="2800" dirty="0">
+              <a:solidFill>
+                <a:schemeClr val="accent2"/>
+              </a:solidFill>
+              <a:latin typeface="Times New Roman" pitchFamily="18" charset="0"/>
+              <a:cs typeface="Times New Roman" pitchFamily="18" charset="0"/>
+            </a:endParaRPr>
+          </a:p>
+        </p:txBody>
+      </p:sp>
+      <p:pic>
+        <p:nvPicPr>
+          <p:cNvPr id="9218" name="Picture 2"/>
+          <p:cNvPicPr>
+            <a:picLocks noChangeAspect="1" noChangeArrowheads="1"/>
+          </p:cNvPicPr>
+          <p:nvPr/>
+        </p:nvPicPr>
+        <p:blipFill>
+          <a:blip r:embed="rId4">
+            <a:extLst>
+              <a:ext uri="{28A0092B-C50C-407E-A947-70E740481C1C}">
+                <a14:useLocalDpi xmlns:a14="http://schemas.microsoft.com/office/drawing/2010/main" val="0"/>
+              </a:ext>
+            </a:extLst>
+          </a:blip>
+          <a:srcRect/>
+          <a:stretch>
+            <a:fillRect/>
+          </a:stretch>
+        </p:blipFill>
+        <p:spPr bwMode="auto">
+          <a:xfrm>
+            <a:off x="3332009" y="5141455"/>
+            <a:ext cx="3578479" cy="527972"/>
+          </a:xfrm>
+          <a:prstGeom prst="rect">
+            <a:avLst/>
+          </a:prstGeom>
+          <a:noFill/>
+          <a:ln>
+            <a:noFill/>
+          </a:ln>
+          <a:effectLst/>
+          <a:extLst>
+            <a:ext uri="{909E8E84-426E-40DD-AFC4-6F175D3DCCD1}">
+              <a14:hiddenFill xmlns:a14="http://schemas.microsoft.com/office/drawing/2010/main">
+                <a:solidFill>
+                  <a:schemeClr val="accent1"/>
+                </a:solidFill>
+              </a14:hiddenFill>
+            </a:ext>
+            <a:ext uri="{91240B29-F687-4F45-9708-019B960494DF}">
+              <a14:hiddenLine xmlns:a14="http://schemas.microsoft.com/office/drawing/2010/main" w="9525">
+                <a:solidFill>
+                  <a:schemeClr val="tx1"/>
+                </a:solidFill>
+                <a:miter lim="800000"/>
+                <a:headEnd/>
+                <a:tailEnd/>
+              </a14:hiddenLine>
+            </a:ext>
+            <a:ext uri="{AF507438-7753-43E0-B8FC-AC1667EBCBE1}">
+              <a14:hiddenEffects xmlns:a14="http://schemas.microsoft.com/office/drawing/2010/main">
+                <a:effectLst>
+                  <a:outerShdw dist="35921" dir="2700000" algn="ctr" rotWithShape="0">
+                    <a:schemeClr val="bg2"/>
+                  </a:outerShdw>
+                </a:effectLst>
+              </a14:hiddenEffects>
+            </a:ext>
+          </a:extLst>
+        </p:spPr>
+      </p:pic>
+      <p:sp>
+        <p:nvSpPr>
+          <p:cNvPr id="2" name="TextBox 1"/>
+          <p:cNvSpPr txBox="1"/>
+          <p:nvPr/>
+        </p:nvSpPr>
+        <p:spPr>
+          <a:xfrm>
+            <a:off x="362538" y="4509120"/>
+            <a:ext cx="3777414" cy="461665"/>
+          </a:xfrm>
+          <a:prstGeom prst="rect">
+            <a:avLst/>
+          </a:prstGeom>
+          <a:noFill/>
+        </p:spPr>
+        <p:txBody>
+          <a:bodyPr wrap="square" rtlCol="0">
+            <a:spAutoFit/>
+          </a:bodyPr>
+          <a:lstStyle/>
+          <a:p>
+            <a:r>
+              <a:rPr lang="en-US" sz="2400" b="1" dirty="0" err="1" smtClean="0">
+                <a:latin typeface="Times New Roman" pitchFamily="18" charset="0"/>
+                <a:cs typeface="Times New Roman" pitchFamily="18" charset="0"/>
+              </a:rPr>
+              <a:t>Epipolar</a:t>
+            </a:r>
+            <a:r>
+              <a:rPr lang="en-US" sz="2400" b="1" dirty="0" smtClean="0">
+                <a:latin typeface="Times New Roman" pitchFamily="18" charset="0"/>
+                <a:cs typeface="Times New Roman" pitchFamily="18" charset="0"/>
+              </a:rPr>
+              <a:t> point Transfer:</a:t>
+            </a:r>
+            <a:endParaRPr lang="en-US" sz="2400" b="1" dirty="0">
+              <a:latin typeface="Times New Roman" pitchFamily="18" charset="0"/>
+              <a:cs typeface="Times New Roman" pitchFamily="18" charset="0"/>
+            </a:endParaRPr>
+          </a:p>
+        </p:txBody>
+      </p:sp>
+      <p:pic>
+        <p:nvPicPr>
+          <p:cNvPr id="9219" name="Picture 3"/>
+          <p:cNvPicPr>
+            <a:picLocks noChangeAspect="1" noChangeArrowheads="1"/>
+          </p:cNvPicPr>
+          <p:nvPr/>
+        </p:nvPicPr>
+        <p:blipFill>
+          <a:blip r:embed="rId5">
+            <a:clrChange>
+              <a:clrFrom>
+                <a:srgbClr val="FFFFFF"/>
+              </a:clrFrom>
+              <a:clrTo>
+                <a:srgbClr val="FFFFFF">
+                  <a:alpha val="0"/>
+                </a:srgbClr>
+              </a:clrTo>
+            </a:clrChange>
+            <a:extLst>
+              <a:ext uri="{28A0092B-C50C-407E-A947-70E740481C1C}">
+                <a14:useLocalDpi xmlns:a14="http://schemas.microsoft.com/office/drawing/2010/main" val="0"/>
+              </a:ext>
+            </a:extLst>
+          </a:blip>
+          <a:srcRect/>
+          <a:stretch>
+            <a:fillRect/>
+          </a:stretch>
+        </p:blipFill>
+        <p:spPr bwMode="auto">
+          <a:xfrm>
+            <a:off x="3429584" y="5911281"/>
+            <a:ext cx="3197643" cy="622762"/>
+          </a:xfrm>
+          <a:prstGeom prst="rect">
+            <a:avLst/>
+          </a:prstGeom>
+          <a:noFill/>
+          <a:ln>
+            <a:noFill/>
+          </a:ln>
+          <a:effectLst/>
+          <a:extLst>
+            <a:ext uri="{909E8E84-426E-40DD-AFC4-6F175D3DCCD1}">
+              <a14:hiddenFill xmlns:a14="http://schemas.microsoft.com/office/drawing/2010/main">
+                <a:solidFill>
+                  <a:schemeClr val="accent1"/>
+                </a:solidFill>
+              </a14:hiddenFill>
+            </a:ext>
+            <a:ext uri="{91240B29-F687-4F45-9708-019B960494DF}">
+              <a14:hiddenLine xmlns:a14="http://schemas.microsoft.com/office/drawing/2010/main" w="9525">
+                <a:solidFill>
+                  <a:schemeClr val="tx1"/>
+                </a:solidFill>
+                <a:miter lim="800000"/>
+                <a:headEnd/>
+                <a:tailEnd/>
+              </a14:hiddenLine>
+            </a:ext>
+            <a:ext uri="{AF507438-7753-43E0-B8FC-AC1667EBCBE1}">
+              <a14:hiddenEffects xmlns:a14="http://schemas.microsoft.com/office/drawing/2010/main">
+                <a:effectLst>
+                  <a:outerShdw dist="35921" dir="2700000" algn="ctr" rotWithShape="0">
+                    <a:schemeClr val="bg2"/>
+                  </a:outerShdw>
+                </a:effectLst>
+              </a14:hiddenEffects>
+            </a:ext>
+          </a:extLst>
+        </p:spPr>
+      </p:pic>
+      <p:sp>
+        <p:nvSpPr>
+          <p:cNvPr id="9" name="TextBox 8"/>
+          <p:cNvSpPr txBox="1"/>
+          <p:nvPr/>
+        </p:nvSpPr>
+        <p:spPr>
+          <a:xfrm>
+            <a:off x="362538" y="5449616"/>
+            <a:ext cx="3777414" cy="461665"/>
+          </a:xfrm>
+          <a:prstGeom prst="rect">
+            <a:avLst/>
+          </a:prstGeom>
+          <a:noFill/>
+        </p:spPr>
+        <p:txBody>
+          <a:bodyPr wrap="square" rtlCol="0">
+            <a:spAutoFit/>
+          </a:bodyPr>
+          <a:lstStyle/>
+          <a:p>
+            <a:r>
+              <a:rPr lang="en-US" sz="2400" b="1" dirty="0" smtClean="0">
+                <a:latin typeface="Times New Roman" pitchFamily="18" charset="0"/>
+                <a:cs typeface="Times New Roman" pitchFamily="18" charset="0"/>
+              </a:rPr>
+              <a:t>Cost Function:</a:t>
+            </a:r>
+            <a:endParaRPr lang="en-US" sz="2400" b="1" dirty="0">
+              <a:latin typeface="Times New Roman" pitchFamily="18" charset="0"/>
+              <a:cs typeface="Times New Roman" pitchFamily="18" charset="0"/>
+            </a:endParaRPr>
+          </a:p>
+        </p:txBody>
+      </p:sp>
     </p:spTree>
     <p:extLst>
       <p:ext uri="{BB962C8B-B14F-4D97-AF65-F5344CB8AC3E}">
@@ -20154,21 +19159,7 @@
                 <a:latin typeface="Calibri" pitchFamily="34" charset="0"/>
                 <a:cs typeface="Calibri" pitchFamily="34" charset="0"/>
               </a:rPr>
-              <a:t>. Numerical </a:t>
-            </a:r>
-            <a:r>
-              <a:rPr lang="en-US" altLang="zh-CN" sz="2800" b="1" i="1" dirty="0">
-                <a:latin typeface="Calibri" pitchFamily="34" charset="0"/>
-                <a:cs typeface="Calibri" pitchFamily="34" charset="0"/>
-              </a:rPr>
-              <a:t>I</a:t>
-            </a:r>
-            <a:r>
-              <a:rPr lang="en-US" altLang="zh-CN" sz="2800" b="1" i="1" dirty="0" smtClean="0">
-                <a:latin typeface="Calibri" pitchFamily="34" charset="0"/>
-                <a:cs typeface="Calibri" pitchFamily="34" charset="0"/>
-              </a:rPr>
-              <a:t>nstabilities</a:t>
+              <a:t>. Create a Consistent  Viewing Graph</a:t>
             </a:r>
             <a:endParaRPr lang="zh-CN" altLang="en-US" sz="3200" b="1" kern="0" dirty="0">
               <a:effectLst/>
@@ -20181,207 +19172,113 @@
       </p:sp>
       <p:sp>
         <p:nvSpPr>
-          <p:cNvPr id="2" name="TextBox 1"/>
-          <p:cNvSpPr txBox="1"/>
+          <p:cNvPr id="6" name="矩形 5"/>
+          <p:cNvSpPr/>
           <p:nvPr/>
         </p:nvSpPr>
         <p:spPr>
           <a:xfrm>
-            <a:off x="565544" y="980728"/>
-            <a:ext cx="7746654" cy="3785652"/>
+            <a:off x="526433" y="791043"/>
+            <a:ext cx="5049780" cy="523220"/>
+          </a:xfrm>
+          <a:prstGeom prst="rect">
+            <a:avLst/>
+          </a:prstGeom>
+        </p:spPr>
+        <p:txBody>
+          <a:bodyPr wrap="none">
+            <a:spAutoFit/>
+          </a:bodyPr>
+          <a:lstStyle/>
+          <a:p>
+            <a:r>
+              <a:rPr lang="en-US" altLang="zh-CN" sz="2800" b="1" i="1" dirty="0" smtClean="0">
+                <a:solidFill>
+                  <a:schemeClr val="accent2"/>
+                </a:solidFill>
+                <a:latin typeface="Times New Roman" pitchFamily="18" charset="0"/>
+                <a:cs typeface="Times New Roman" pitchFamily="18" charset="0"/>
+              </a:rPr>
+              <a:t>Updating Fundamental Matrices</a:t>
+            </a:r>
+            <a:endParaRPr lang="en-US" sz="2800" dirty="0">
+              <a:solidFill>
+                <a:schemeClr val="accent2"/>
+              </a:solidFill>
+              <a:latin typeface="Times New Roman" pitchFamily="18" charset="0"/>
+              <a:cs typeface="Times New Roman" pitchFamily="18" charset="0"/>
+            </a:endParaRPr>
+          </a:p>
+        </p:txBody>
+      </p:sp>
+      <p:pic>
+        <p:nvPicPr>
+          <p:cNvPr id="10242" name="Picture 2"/>
+          <p:cNvPicPr>
+            <a:picLocks noChangeAspect="1" noChangeArrowheads="1"/>
+          </p:cNvPicPr>
+          <p:nvPr/>
+        </p:nvPicPr>
+        <p:blipFill>
+          <a:blip r:embed="rId3">
+            <a:extLst>
+              <a:ext uri="{28A0092B-C50C-407E-A947-70E740481C1C}">
+                <a14:useLocalDpi xmlns:a14="http://schemas.microsoft.com/office/drawing/2010/main" val="0"/>
+              </a:ext>
+            </a:extLst>
+          </a:blip>
+          <a:srcRect/>
+          <a:stretch>
+            <a:fillRect/>
+          </a:stretch>
+        </p:blipFill>
+        <p:spPr bwMode="auto">
+          <a:xfrm>
+            <a:off x="2754276" y="2026242"/>
+            <a:ext cx="2483320" cy="2058463"/>
           </a:xfrm>
           <a:prstGeom prst="rect">
             <a:avLst/>
           </a:prstGeom>
           <a:noFill/>
+          <a:ln>
+            <a:noFill/>
+          </a:ln>
+          <a:effectLst/>
+          <a:extLst>
+            <a:ext uri="{909E8E84-426E-40DD-AFC4-6F175D3DCCD1}">
+              <a14:hiddenFill xmlns:a14="http://schemas.microsoft.com/office/drawing/2010/main">
+                <a:solidFill>
+                  <a:schemeClr val="accent1"/>
+                </a:solidFill>
+              </a14:hiddenFill>
+            </a:ext>
+            <a:ext uri="{91240B29-F687-4F45-9708-019B960494DF}">
+              <a14:hiddenLine xmlns:a14="http://schemas.microsoft.com/office/drawing/2010/main" w="9525">
+                <a:solidFill>
+                  <a:schemeClr val="tx1"/>
+                </a:solidFill>
+                <a:miter lim="800000"/>
+                <a:headEnd/>
+                <a:tailEnd/>
+              </a14:hiddenLine>
+            </a:ext>
+            <a:ext uri="{AF507438-7753-43E0-B8FC-AC1667EBCBE1}">
+              <a14:hiddenEffects xmlns:a14="http://schemas.microsoft.com/office/drawing/2010/main">
+                <a:effectLst>
+                  <a:outerShdw dist="35921" dir="2700000" algn="ctr" rotWithShape="0">
+                    <a:schemeClr val="bg2"/>
+                  </a:outerShdw>
+                </a:effectLst>
+              </a14:hiddenEffects>
+            </a:ext>
+          </a:extLst>
         </p:spPr>
-        <p:txBody>
-          <a:bodyPr wrap="square" rtlCol="0">
-            <a:spAutoFit/>
-          </a:bodyPr>
-          <a:lstStyle/>
-          <a:p>
-            <a:r>
-              <a:rPr lang="en-US" altLang="zh-CN" sz="2000" b="1" dirty="0" smtClean="0">
-                <a:latin typeface="Times New Roman" pitchFamily="18" charset="0"/>
-                <a:cs typeface="Times New Roman" pitchFamily="18" charset="0"/>
-              </a:rPr>
-              <a:t>Condition 1</a:t>
-            </a:r>
-          </a:p>
-          <a:p>
-            <a:pPr lvl="1"/>
-            <a:r>
-              <a:rPr lang="en-US" altLang="zh-CN" sz="2000" dirty="0" smtClean="0">
-                <a:latin typeface="Times New Roman" pitchFamily="18" charset="0"/>
-                <a:cs typeface="Times New Roman" pitchFamily="18" charset="0"/>
-              </a:rPr>
-              <a:t>The transfer point lies on the trifocal plane of the image </a:t>
-            </a:r>
-            <a:r>
-              <a:rPr lang="en-US" altLang="zh-CN" sz="2000" i="1" dirty="0" err="1" smtClean="0">
-                <a:latin typeface="Times New Roman" pitchFamily="18" charset="0"/>
-                <a:cs typeface="Times New Roman" pitchFamily="18" charset="0"/>
-              </a:rPr>
-              <a:t>i</a:t>
-            </a:r>
-            <a:r>
-              <a:rPr lang="en-US" altLang="zh-CN" sz="2000" dirty="0" smtClean="0">
-                <a:latin typeface="Times New Roman" pitchFamily="18" charset="0"/>
-                <a:cs typeface="Times New Roman" pitchFamily="18" charset="0"/>
-              </a:rPr>
-              <a:t>, </a:t>
-            </a:r>
-            <a:r>
-              <a:rPr lang="en-US" altLang="zh-CN" sz="2000" i="1" dirty="0" smtClean="0">
-                <a:latin typeface="Times New Roman" pitchFamily="18" charset="0"/>
-                <a:cs typeface="Times New Roman" pitchFamily="18" charset="0"/>
-              </a:rPr>
-              <a:t>j</a:t>
-            </a:r>
-            <a:r>
-              <a:rPr lang="en-US" altLang="zh-CN" sz="2000" dirty="0" smtClean="0">
-                <a:latin typeface="Times New Roman" pitchFamily="18" charset="0"/>
-                <a:cs typeface="Times New Roman" pitchFamily="18" charset="0"/>
-              </a:rPr>
-              <a:t> and </a:t>
-            </a:r>
-            <a:r>
-              <a:rPr lang="en-US" altLang="zh-CN" sz="2000" i="1" dirty="0" smtClean="0">
-                <a:latin typeface="Times New Roman" pitchFamily="18" charset="0"/>
-                <a:cs typeface="Times New Roman" pitchFamily="18" charset="0"/>
-              </a:rPr>
-              <a:t>k</a:t>
-            </a:r>
-            <a:r>
-              <a:rPr lang="en-US" altLang="zh-CN" sz="2000" dirty="0" smtClean="0">
-                <a:latin typeface="Times New Roman" pitchFamily="18" charset="0"/>
-                <a:cs typeface="Times New Roman" pitchFamily="18" charset="0"/>
-              </a:rPr>
-              <a:t>.</a:t>
-            </a:r>
-          </a:p>
-          <a:p>
-            <a:r>
-              <a:rPr lang="en-US" altLang="zh-CN" sz="2000" b="1" dirty="0" smtClean="0">
-                <a:latin typeface="Times New Roman" pitchFamily="18" charset="0"/>
-                <a:cs typeface="Times New Roman" pitchFamily="18" charset="0"/>
-              </a:rPr>
-              <a:t>Solution</a:t>
-            </a:r>
-          </a:p>
-          <a:p>
-            <a:pPr marL="914400" lvl="1" indent="-457200">
-              <a:buFont typeface="+mj-lt"/>
-              <a:buAutoNum type="alphaLcParenR"/>
-            </a:pPr>
-            <a:r>
-              <a:rPr lang="en-US" altLang="zh-CN" sz="2000" dirty="0" smtClean="0">
-                <a:latin typeface="Times New Roman" pitchFamily="18" charset="0"/>
-                <a:cs typeface="Times New Roman" pitchFamily="18" charset="0"/>
-              </a:rPr>
-              <a:t>Do not consider points where the two transfer lines are nearly parallel or the transfer lines lay near the </a:t>
-            </a:r>
-            <a:r>
-              <a:rPr lang="en-US" altLang="zh-CN" sz="2000" dirty="0" err="1" smtClean="0">
-                <a:latin typeface="Times New Roman" pitchFamily="18" charset="0"/>
-                <a:cs typeface="Times New Roman" pitchFamily="18" charset="0"/>
-              </a:rPr>
-              <a:t>epipole</a:t>
-            </a:r>
-            <a:r>
-              <a:rPr lang="en-US" altLang="zh-CN" sz="2000" dirty="0" smtClean="0">
-                <a:latin typeface="Times New Roman" pitchFamily="18" charset="0"/>
-                <a:cs typeface="Times New Roman" pitchFamily="18" charset="0"/>
-              </a:rPr>
-              <a:t>.</a:t>
-            </a:r>
-          </a:p>
-          <a:p>
-            <a:pPr marL="914400" lvl="1" indent="-457200">
-              <a:buFont typeface="+mj-lt"/>
-              <a:buAutoNum type="alphaLcParenR"/>
-            </a:pPr>
-            <a:r>
-              <a:rPr lang="en-US" altLang="zh-CN" sz="2000" dirty="0" smtClean="0">
-                <a:latin typeface="Times New Roman" pitchFamily="18" charset="0"/>
-                <a:cs typeface="Times New Roman" pitchFamily="18" charset="0"/>
-              </a:rPr>
-              <a:t>The latter scenario can be checked by examining the norm of the transfer line.</a:t>
-            </a:r>
-          </a:p>
-          <a:p>
-            <a:endParaRPr lang="en-US" altLang="zh-CN" sz="2000" dirty="0" smtClean="0">
-              <a:latin typeface="Times New Roman" pitchFamily="18" charset="0"/>
-              <a:cs typeface="Times New Roman" pitchFamily="18" charset="0"/>
-            </a:endParaRPr>
-          </a:p>
-          <a:p>
-            <a:r>
-              <a:rPr lang="en-US" altLang="zh-CN" sz="2000" b="1" dirty="0" smtClean="0">
-                <a:latin typeface="Times New Roman" pitchFamily="18" charset="0"/>
-                <a:cs typeface="Times New Roman" pitchFamily="18" charset="0"/>
-              </a:rPr>
-              <a:t>Condition 2</a:t>
-            </a:r>
-          </a:p>
-          <a:p>
-            <a:pPr lvl="1"/>
-            <a:r>
-              <a:rPr lang="en-US" altLang="zh-CN" sz="2000" dirty="0" smtClean="0">
-                <a:latin typeface="Times New Roman" pitchFamily="18" charset="0"/>
-                <a:cs typeface="Times New Roman" pitchFamily="18" charset="0"/>
-              </a:rPr>
-              <a:t>The tree camera centers are collinear.</a:t>
-            </a:r>
-            <a:endParaRPr lang="en-US" altLang="zh-CN" sz="2000" dirty="0">
-              <a:latin typeface="Times New Roman" pitchFamily="18" charset="0"/>
-              <a:cs typeface="Times New Roman" pitchFamily="18" charset="0"/>
-            </a:endParaRPr>
-          </a:p>
-          <a:p>
-            <a:r>
-              <a:rPr lang="en-US" altLang="zh-CN" sz="2000" b="1" dirty="0" smtClean="0">
-                <a:latin typeface="Times New Roman" pitchFamily="18" charset="0"/>
-                <a:cs typeface="Times New Roman" pitchFamily="18" charset="0"/>
-              </a:rPr>
-              <a:t>Solution</a:t>
-            </a:r>
-          </a:p>
-          <a:p>
-            <a:pPr lvl="1"/>
-            <a:r>
-              <a:rPr lang="en-US" altLang="zh-CN" sz="2000" dirty="0" smtClean="0">
-                <a:latin typeface="Times New Roman" pitchFamily="18" charset="0"/>
-                <a:cs typeface="Times New Roman" pitchFamily="18" charset="0"/>
-              </a:rPr>
-              <a:t>Remove collinear triplets where the </a:t>
-            </a:r>
-            <a:r>
-              <a:rPr lang="en-US" altLang="zh-CN" sz="2000" dirty="0" err="1" smtClean="0">
-                <a:latin typeface="Times New Roman" pitchFamily="18" charset="0"/>
-                <a:cs typeface="Times New Roman" pitchFamily="18" charset="0"/>
-              </a:rPr>
-              <a:t>epipoles</a:t>
-            </a:r>
-            <a:r>
-              <a:rPr lang="en-US" altLang="zh-CN" sz="2000" dirty="0" smtClean="0">
-                <a:latin typeface="Times New Roman" pitchFamily="18" charset="0"/>
-                <a:cs typeface="Times New Roman" pitchFamily="18" charset="0"/>
-              </a:rPr>
-              <a:t> are equal.</a:t>
-            </a:r>
-            <a:endParaRPr lang="zh-CN" altLang="en-US" sz="2000" dirty="0">
-              <a:latin typeface="Times New Roman" pitchFamily="18" charset="0"/>
-              <a:cs typeface="Times New Roman" pitchFamily="18" charset="0"/>
-            </a:endParaRPr>
-          </a:p>
-        </p:txBody>
-      </p:sp>
+      </p:pic>
     </p:spTree>
     <p:extLst>
       <p:ext uri="{BB962C8B-B14F-4D97-AF65-F5344CB8AC3E}">
-        <p14:creationId xmlns:p14="http://schemas.microsoft.com/office/powerpoint/2010/main" val="1794193869"/>
+        <p14:creationId xmlns:p14="http://schemas.microsoft.com/office/powerpoint/2010/main" val="3485229984"/>
       </p:ext>
     </p:extLst>
   </p:cSld>
@@ -20484,11 +19381,18 @@
               <a:defRPr/>
             </a:pPr>
             <a:r>
+              <a:rPr lang="en-US" altLang="zh-CN" sz="2800" b="1" i="1" dirty="0">
+                <a:latin typeface="Calibri" pitchFamily="34" charset="0"/>
+                <a:cs typeface="Calibri" pitchFamily="34" charset="0"/>
+              </a:rPr>
+              <a:t>3</a:t>
+            </a:r>
+            <a:r>
               <a:rPr lang="en-US" altLang="zh-CN" sz="2800" b="1" i="1" dirty="0" smtClean="0">
                 <a:latin typeface="Calibri" pitchFamily="34" charset="0"/>
                 <a:cs typeface="Calibri" pitchFamily="34" charset="0"/>
               </a:rPr>
-              <a:t>4.1 Viewing Graph Optimization</a:t>
+              <a:t>. Create a Consistent  Viewing Graph</a:t>
             </a:r>
             <a:endParaRPr lang="zh-CN" altLang="en-US" sz="3200" b="1" kern="0" dirty="0">
               <a:effectLst/>
@@ -20501,77 +19405,48 @@
       </p:sp>
       <p:sp>
         <p:nvSpPr>
-          <p:cNvPr id="2" name="TextBox 1"/>
-          <p:cNvSpPr txBox="1"/>
+          <p:cNvPr id="6" name="矩形 5"/>
+          <p:cNvSpPr/>
           <p:nvPr/>
         </p:nvSpPr>
         <p:spPr>
           <a:xfrm>
-            <a:off x="565544" y="980728"/>
-            <a:ext cx="7746654" cy="1015663"/>
+            <a:off x="526433" y="791043"/>
+            <a:ext cx="3704860" cy="523220"/>
           </a:xfrm>
           <a:prstGeom prst="rect">
             <a:avLst/>
           </a:prstGeom>
-          <a:noFill/>
         </p:spPr>
         <p:txBody>
-          <a:bodyPr wrap="square" rtlCol="0">
+          <a:bodyPr wrap="none">
             <a:spAutoFit/>
           </a:bodyPr>
           <a:lstStyle/>
           <a:p>
             <a:r>
-              <a:rPr lang="en-US" altLang="zh-CN" sz="2000" b="1" dirty="0" smtClean="0">
+              <a:rPr lang="en-US" altLang="zh-CN" sz="2800" b="1" i="1" dirty="0" smtClean="0">
+                <a:solidFill>
+                  <a:schemeClr val="accent2"/>
+                </a:solidFill>
                 <a:latin typeface="Times New Roman" pitchFamily="18" charset="0"/>
                 <a:cs typeface="Times New Roman" pitchFamily="18" charset="0"/>
               </a:rPr>
-              <a:t>Target </a:t>
-            </a:r>
-          </a:p>
-          <a:p>
-            <a:pPr lvl="1"/>
-            <a:r>
-              <a:rPr lang="en-US" altLang="zh-CN" sz="2000" dirty="0" smtClean="0">
-                <a:latin typeface="Times New Roman" pitchFamily="18" charset="0"/>
-                <a:cs typeface="Times New Roman" pitchFamily="18" charset="0"/>
-              </a:rPr>
-              <a:t>Find </a:t>
-            </a:r>
-            <a:r>
-              <a:rPr lang="en-US" altLang="zh-CN" sz="2000" dirty="0">
-                <a:latin typeface="Times New Roman" pitchFamily="18" charset="0"/>
-                <a:cs typeface="Times New Roman" pitchFamily="18" charset="0"/>
-              </a:rPr>
-              <a:t>a minimal set of edges </a:t>
-            </a:r>
-            <a:r>
-              <a:rPr lang="en-US" altLang="zh-CN" sz="2000" dirty="0" smtClean="0">
-                <a:latin typeface="Times New Roman" pitchFamily="18" charset="0"/>
-                <a:cs typeface="Times New Roman" pitchFamily="18" charset="0"/>
-              </a:rPr>
-              <a:t>that provide </a:t>
-            </a:r>
-            <a:r>
-              <a:rPr lang="en-US" altLang="zh-CN" sz="2000" dirty="0">
-                <a:latin typeface="Times New Roman" pitchFamily="18" charset="0"/>
-                <a:cs typeface="Times New Roman" pitchFamily="18" charset="0"/>
-              </a:rPr>
-              <a:t>sufficient coverage over all views in the </a:t>
-            </a:r>
-            <a:r>
-              <a:rPr lang="en-US" altLang="zh-CN" sz="2000" dirty="0" smtClean="0">
-                <a:latin typeface="Times New Roman" pitchFamily="18" charset="0"/>
-                <a:cs typeface="Times New Roman" pitchFamily="18" charset="0"/>
-              </a:rPr>
-              <a:t>viewing graph.</a:t>
-            </a:r>
+              <a:t>Nonlinear Optimization</a:t>
+            </a:r>
+            <a:endParaRPr lang="en-US" sz="2800" dirty="0">
+              <a:solidFill>
+                <a:schemeClr val="accent2"/>
+              </a:solidFill>
+              <a:latin typeface="Times New Roman" pitchFamily="18" charset="0"/>
+              <a:cs typeface="Times New Roman" pitchFamily="18" charset="0"/>
+            </a:endParaRPr>
           </a:p>
         </p:txBody>
       </p:sp>
       <p:pic>
         <p:nvPicPr>
-          <p:cNvPr id="5122" name="Picture 2"/>
+          <p:cNvPr id="11266" name="Picture 2"/>
           <p:cNvPicPr>
             <a:picLocks noChangeAspect="1" noChangeArrowheads="1"/>
           </p:cNvPicPr>
@@ -20592,8 +19467,8 @@
         </p:blipFill>
         <p:spPr bwMode="auto">
           <a:xfrm>
-            <a:off x="1187624" y="4005064"/>
-            <a:ext cx="6829425" cy="1928813"/>
+            <a:off x="647700" y="1988840"/>
+            <a:ext cx="7848600" cy="1009650"/>
           </a:xfrm>
           <a:prstGeom prst="rect">
             <a:avLst/>
@@ -20636,7 +19511,7 @@
     </p:spTree>
     <p:extLst>
       <p:ext uri="{BB962C8B-B14F-4D97-AF65-F5344CB8AC3E}">
-        <p14:creationId xmlns:p14="http://schemas.microsoft.com/office/powerpoint/2010/main" val="281686862"/>
+        <p14:creationId xmlns:p14="http://schemas.microsoft.com/office/powerpoint/2010/main" val="1452300686"/>
       </p:ext>
     </p:extLst>
   </p:cSld>
@@ -20709,7 +19584,247 @@
       </p:cxnSp>
       <p:sp>
         <p:nvSpPr>
-          <p:cNvPr id="5" name="标题 3"/>
+          <p:cNvPr id="2" name="TextBox 1"/>
+          <p:cNvSpPr txBox="1"/>
+          <p:nvPr/>
+        </p:nvSpPr>
+        <p:spPr>
+          <a:xfrm>
+            <a:off x="571472" y="1412776"/>
+            <a:ext cx="7746654" cy="3785652"/>
+          </a:xfrm>
+          <a:prstGeom prst="rect">
+            <a:avLst/>
+          </a:prstGeom>
+          <a:noFill/>
+        </p:spPr>
+        <p:txBody>
+          <a:bodyPr wrap="square" rtlCol="0">
+            <a:spAutoFit/>
+          </a:bodyPr>
+          <a:lstStyle/>
+          <a:p>
+            <a:r>
+              <a:rPr lang="en-US" altLang="zh-CN" sz="2000" b="1" dirty="0" smtClean="0">
+                <a:latin typeface="Times New Roman" pitchFamily="18" charset="0"/>
+                <a:cs typeface="Times New Roman" pitchFamily="18" charset="0"/>
+              </a:rPr>
+              <a:t>Condition 1</a:t>
+            </a:r>
+          </a:p>
+          <a:p>
+            <a:pPr lvl="1"/>
+            <a:r>
+              <a:rPr lang="en-US" altLang="zh-CN" sz="2000" dirty="0" smtClean="0">
+                <a:latin typeface="Times New Roman" pitchFamily="18" charset="0"/>
+                <a:cs typeface="Times New Roman" pitchFamily="18" charset="0"/>
+              </a:rPr>
+              <a:t>The transfer point lies on the trifocal plane of the image </a:t>
+            </a:r>
+            <a:r>
+              <a:rPr lang="en-US" altLang="zh-CN" sz="2000" i="1" dirty="0" err="1" smtClean="0">
+                <a:latin typeface="Times New Roman" pitchFamily="18" charset="0"/>
+                <a:cs typeface="Times New Roman" pitchFamily="18" charset="0"/>
+              </a:rPr>
+              <a:t>i</a:t>
+            </a:r>
+            <a:r>
+              <a:rPr lang="en-US" altLang="zh-CN" sz="2000" dirty="0" smtClean="0">
+                <a:latin typeface="Times New Roman" pitchFamily="18" charset="0"/>
+                <a:cs typeface="Times New Roman" pitchFamily="18" charset="0"/>
+              </a:rPr>
+              <a:t>, </a:t>
+            </a:r>
+            <a:r>
+              <a:rPr lang="en-US" altLang="zh-CN" sz="2000" i="1" dirty="0" smtClean="0">
+                <a:latin typeface="Times New Roman" pitchFamily="18" charset="0"/>
+                <a:cs typeface="Times New Roman" pitchFamily="18" charset="0"/>
+              </a:rPr>
+              <a:t>j</a:t>
+            </a:r>
+            <a:r>
+              <a:rPr lang="en-US" altLang="zh-CN" sz="2000" dirty="0" smtClean="0">
+                <a:latin typeface="Times New Roman" pitchFamily="18" charset="0"/>
+                <a:cs typeface="Times New Roman" pitchFamily="18" charset="0"/>
+              </a:rPr>
+              <a:t> and </a:t>
+            </a:r>
+            <a:r>
+              <a:rPr lang="en-US" altLang="zh-CN" sz="2000" i="1" dirty="0" smtClean="0">
+                <a:latin typeface="Times New Roman" pitchFamily="18" charset="0"/>
+                <a:cs typeface="Times New Roman" pitchFamily="18" charset="0"/>
+              </a:rPr>
+              <a:t>k</a:t>
+            </a:r>
+            <a:r>
+              <a:rPr lang="en-US" altLang="zh-CN" sz="2000" dirty="0" smtClean="0">
+                <a:latin typeface="Times New Roman" pitchFamily="18" charset="0"/>
+                <a:cs typeface="Times New Roman" pitchFamily="18" charset="0"/>
+              </a:rPr>
+              <a:t>.</a:t>
+            </a:r>
+          </a:p>
+          <a:p>
+            <a:r>
+              <a:rPr lang="en-US" altLang="zh-CN" sz="2000" b="1" dirty="0" smtClean="0">
+                <a:latin typeface="Times New Roman" pitchFamily="18" charset="0"/>
+                <a:cs typeface="Times New Roman" pitchFamily="18" charset="0"/>
+              </a:rPr>
+              <a:t>Solution</a:t>
+            </a:r>
+          </a:p>
+          <a:p>
+            <a:pPr marL="914400" lvl="1" indent="-457200">
+              <a:buFont typeface="+mj-lt"/>
+              <a:buAutoNum type="alphaLcParenR"/>
+            </a:pPr>
+            <a:r>
+              <a:rPr lang="en-US" altLang="zh-CN" sz="2000" dirty="0" smtClean="0">
+                <a:latin typeface="Times New Roman" pitchFamily="18" charset="0"/>
+                <a:cs typeface="Times New Roman" pitchFamily="18" charset="0"/>
+              </a:rPr>
+              <a:t>Do not consider points where the two transfer lines are nearly parallel or the transfer lines lay near the </a:t>
+            </a:r>
+            <a:r>
+              <a:rPr lang="en-US" altLang="zh-CN" sz="2000" dirty="0" err="1" smtClean="0">
+                <a:latin typeface="Times New Roman" pitchFamily="18" charset="0"/>
+                <a:cs typeface="Times New Roman" pitchFamily="18" charset="0"/>
+              </a:rPr>
+              <a:t>epipole</a:t>
+            </a:r>
+            <a:r>
+              <a:rPr lang="en-US" altLang="zh-CN" sz="2000" dirty="0" smtClean="0">
+                <a:latin typeface="Times New Roman" pitchFamily="18" charset="0"/>
+                <a:cs typeface="Times New Roman" pitchFamily="18" charset="0"/>
+              </a:rPr>
+              <a:t>.</a:t>
+            </a:r>
+          </a:p>
+          <a:p>
+            <a:pPr marL="914400" lvl="1" indent="-457200">
+              <a:buFont typeface="+mj-lt"/>
+              <a:buAutoNum type="alphaLcParenR"/>
+            </a:pPr>
+            <a:r>
+              <a:rPr lang="en-US" altLang="zh-CN" sz="2000" dirty="0" smtClean="0">
+                <a:latin typeface="Times New Roman" pitchFamily="18" charset="0"/>
+                <a:cs typeface="Times New Roman" pitchFamily="18" charset="0"/>
+              </a:rPr>
+              <a:t>The latter scenario can be checked by examining the norm of the transfer line.</a:t>
+            </a:r>
+          </a:p>
+          <a:p>
+            <a:endParaRPr lang="en-US" altLang="zh-CN" sz="2000" dirty="0" smtClean="0">
+              <a:latin typeface="Times New Roman" pitchFamily="18" charset="0"/>
+              <a:cs typeface="Times New Roman" pitchFamily="18" charset="0"/>
+            </a:endParaRPr>
+          </a:p>
+          <a:p>
+            <a:r>
+              <a:rPr lang="en-US" altLang="zh-CN" sz="2000" b="1" dirty="0" smtClean="0">
+                <a:latin typeface="Times New Roman" pitchFamily="18" charset="0"/>
+                <a:cs typeface="Times New Roman" pitchFamily="18" charset="0"/>
+              </a:rPr>
+              <a:t>Condition 2</a:t>
+            </a:r>
+          </a:p>
+          <a:p>
+            <a:pPr lvl="1"/>
+            <a:r>
+              <a:rPr lang="en-US" altLang="zh-CN" sz="2000" dirty="0" smtClean="0">
+                <a:latin typeface="Times New Roman" pitchFamily="18" charset="0"/>
+                <a:cs typeface="Times New Roman" pitchFamily="18" charset="0"/>
+              </a:rPr>
+              <a:t>The tree camera centers are collinear.</a:t>
+            </a:r>
+            <a:endParaRPr lang="en-US" altLang="zh-CN" sz="2000" dirty="0">
+              <a:latin typeface="Times New Roman" pitchFamily="18" charset="0"/>
+              <a:cs typeface="Times New Roman" pitchFamily="18" charset="0"/>
+            </a:endParaRPr>
+          </a:p>
+          <a:p>
+            <a:r>
+              <a:rPr lang="en-US" altLang="zh-CN" sz="2000" b="1" dirty="0" smtClean="0">
+                <a:latin typeface="Times New Roman" pitchFamily="18" charset="0"/>
+                <a:cs typeface="Times New Roman" pitchFamily="18" charset="0"/>
+              </a:rPr>
+              <a:t>Solution</a:t>
+            </a:r>
+          </a:p>
+          <a:p>
+            <a:pPr lvl="1"/>
+            <a:r>
+              <a:rPr lang="en-US" altLang="zh-CN" sz="2000" dirty="0" smtClean="0">
+                <a:latin typeface="Times New Roman" pitchFamily="18" charset="0"/>
+                <a:cs typeface="Times New Roman" pitchFamily="18" charset="0"/>
+              </a:rPr>
+              <a:t>Remove collinear triplets where the </a:t>
+            </a:r>
+            <a:r>
+              <a:rPr lang="en-US" altLang="zh-CN" sz="2000" dirty="0" err="1" smtClean="0">
+                <a:latin typeface="Times New Roman" pitchFamily="18" charset="0"/>
+                <a:cs typeface="Times New Roman" pitchFamily="18" charset="0"/>
+              </a:rPr>
+              <a:t>epipoles</a:t>
+            </a:r>
+            <a:r>
+              <a:rPr lang="en-US" altLang="zh-CN" sz="2000" dirty="0" smtClean="0">
+                <a:latin typeface="Times New Roman" pitchFamily="18" charset="0"/>
+                <a:cs typeface="Times New Roman" pitchFamily="18" charset="0"/>
+              </a:rPr>
+              <a:t> are equal.</a:t>
+            </a:r>
+            <a:endParaRPr lang="zh-CN" altLang="en-US" sz="2000" dirty="0">
+              <a:latin typeface="Times New Roman" pitchFamily="18" charset="0"/>
+              <a:cs typeface="Times New Roman" pitchFamily="18" charset="0"/>
+            </a:endParaRPr>
+          </a:p>
+        </p:txBody>
+      </p:sp>
+      <p:sp>
+        <p:nvSpPr>
+          <p:cNvPr id="6" name="矩形 5"/>
+          <p:cNvSpPr/>
+          <p:nvPr/>
+        </p:nvSpPr>
+        <p:spPr>
+          <a:xfrm>
+            <a:off x="526433" y="791043"/>
+            <a:ext cx="3704860" cy="523220"/>
+          </a:xfrm>
+          <a:prstGeom prst="rect">
+            <a:avLst/>
+          </a:prstGeom>
+        </p:spPr>
+        <p:txBody>
+          <a:bodyPr wrap="none">
+            <a:spAutoFit/>
+          </a:bodyPr>
+          <a:lstStyle/>
+          <a:p>
+            <a:r>
+              <a:rPr lang="en-US" altLang="zh-CN" sz="2800" b="1" i="1" dirty="0" smtClean="0">
+                <a:solidFill>
+                  <a:schemeClr val="accent2"/>
+                </a:solidFill>
+                <a:latin typeface="Times New Roman" pitchFamily="18" charset="0"/>
+                <a:cs typeface="Times New Roman" pitchFamily="18" charset="0"/>
+              </a:rPr>
+              <a:t>Nonlinear Optimization</a:t>
+            </a:r>
+            <a:endParaRPr lang="en-US" sz="2800" dirty="0">
+              <a:solidFill>
+                <a:schemeClr val="accent2"/>
+              </a:solidFill>
+              <a:latin typeface="Times New Roman" pitchFamily="18" charset="0"/>
+              <a:cs typeface="Times New Roman" pitchFamily="18" charset="0"/>
+            </a:endParaRPr>
+          </a:p>
+        </p:txBody>
+      </p:sp>
+      <p:sp>
+        <p:nvSpPr>
+          <p:cNvPr id="7" name="标题 3"/>
           <p:cNvSpPr txBox="1">
             <a:spLocks/>
           </p:cNvSpPr>
@@ -20743,14 +19858,14 @@
                 <a:latin typeface="Calibri" pitchFamily="34" charset="0"/>
                 <a:cs typeface="Calibri" pitchFamily="34" charset="0"/>
               </a:rPr>
-              <a:t>2.  </a:t>
+              <a:t>3</a:t>
             </a:r>
             <a:r>
               <a:rPr lang="en-US" altLang="zh-CN" sz="2800" b="1" i="1" dirty="0" smtClean="0">
                 <a:latin typeface="Calibri" pitchFamily="34" charset="0"/>
                 <a:cs typeface="Calibri" pitchFamily="34" charset="0"/>
               </a:rPr>
-              <a:t>RPCA ( Robust Principal Component Analysis)</a:t>
+              <a:t>. Create a Consistent  Viewing Graph</a:t>
             </a:r>
             <a:endParaRPr lang="zh-CN" altLang="en-US" sz="3200" b="1" kern="0" dirty="0">
               <a:effectLst/>
@@ -20761,178 +19876,10 @@
           </a:p>
         </p:txBody>
       </p:sp>
-      <p:pic>
-        <p:nvPicPr>
-          <p:cNvPr id="2" name="图片 1"/>
-          <p:cNvPicPr>
-            <a:picLocks noChangeAspect="1"/>
-          </p:cNvPicPr>
-          <p:nvPr/>
-        </p:nvPicPr>
-        <p:blipFill>
-          <a:blip r:embed="rId3"/>
-          <a:stretch>
-            <a:fillRect/>
-          </a:stretch>
-        </p:blipFill>
-        <p:spPr>
-          <a:xfrm>
-            <a:off x="204891" y="1990837"/>
-            <a:ext cx="4158572" cy="3204462"/>
-          </a:xfrm>
-          <a:prstGeom prst="rect">
-            <a:avLst/>
-          </a:prstGeom>
-        </p:spPr>
-      </p:pic>
-      <p:pic>
-        <p:nvPicPr>
-          <p:cNvPr id="3" name="图片 2"/>
-          <p:cNvPicPr>
-            <a:picLocks noChangeAspect="1"/>
-          </p:cNvPicPr>
-          <p:nvPr/>
-        </p:nvPicPr>
-        <p:blipFill>
-          <a:blip r:embed="rId4"/>
-          <a:stretch>
-            <a:fillRect/>
-          </a:stretch>
-        </p:blipFill>
-        <p:spPr>
-          <a:xfrm>
-            <a:off x="4572000" y="1900880"/>
-            <a:ext cx="4227582" cy="3384376"/>
-          </a:xfrm>
-          <a:prstGeom prst="rect">
-            <a:avLst/>
-          </a:prstGeom>
-        </p:spPr>
-      </p:pic>
-      <p:sp>
-        <p:nvSpPr>
-          <p:cNvPr id="4" name="文本框 3"/>
-          <p:cNvSpPr txBox="1"/>
-          <p:nvPr/>
-        </p:nvSpPr>
-        <p:spPr>
-          <a:xfrm>
-            <a:off x="395536" y="866189"/>
-            <a:ext cx="7672936" cy="830997"/>
-          </a:xfrm>
-          <a:prstGeom prst="rect">
-            <a:avLst/>
-          </a:prstGeom>
-          <a:noFill/>
-        </p:spPr>
-        <p:txBody>
-          <a:bodyPr wrap="square" rtlCol="0">
-            <a:spAutoFit/>
-          </a:bodyPr>
-          <a:lstStyle/>
-          <a:p>
-            <a:r>
-              <a:rPr lang="en-US" altLang="zh-CN" sz="2400" b="1" dirty="0" smtClean="0">
-                <a:solidFill>
-                  <a:schemeClr val="accent2"/>
-                </a:solidFill>
-                <a:latin typeface="Times New Roman" panose="02020603050405020304" pitchFamily="18" charset="0"/>
-                <a:cs typeface="Times New Roman" panose="02020603050405020304" pitchFamily="18" charset="0"/>
-              </a:rPr>
-              <a:t>Why this paper is based on RPCA rather than PCA?</a:t>
-            </a:r>
-          </a:p>
-          <a:p>
-            <a:r>
-              <a:rPr lang="en-US" altLang="zh-CN" sz="2400" dirty="0" smtClean="0">
-                <a:latin typeface="Times New Roman" panose="02020603050405020304" pitchFamily="18" charset="0"/>
-                <a:cs typeface="Times New Roman" panose="02020603050405020304" pitchFamily="18" charset="0"/>
-              </a:rPr>
-              <a:t>Compared to PCA, RPCA is more robust when facing outlier. </a:t>
-            </a:r>
-            <a:endParaRPr lang="zh-CN" altLang="en-US" sz="2400" dirty="0">
-              <a:latin typeface="Times New Roman" panose="02020603050405020304" pitchFamily="18" charset="0"/>
-              <a:cs typeface="Times New Roman" panose="02020603050405020304" pitchFamily="18" charset="0"/>
-            </a:endParaRPr>
-          </a:p>
-        </p:txBody>
-      </p:sp>
-      <p:sp>
-        <p:nvSpPr>
-          <p:cNvPr id="6" name="文本框 5"/>
-          <p:cNvSpPr txBox="1"/>
-          <p:nvPr/>
-        </p:nvSpPr>
-        <p:spPr>
-          <a:xfrm>
-            <a:off x="1450455" y="5280360"/>
-            <a:ext cx="1667444" cy="369332"/>
-          </a:xfrm>
-          <a:prstGeom prst="rect">
-            <a:avLst/>
-          </a:prstGeom>
-          <a:noFill/>
-        </p:spPr>
-        <p:txBody>
-          <a:bodyPr wrap="none" rtlCol="0">
-            <a:spAutoFit/>
-          </a:bodyPr>
-          <a:lstStyle/>
-          <a:p>
-            <a:r>
-              <a:rPr lang="en-US" altLang="zh-CN" dirty="0" smtClean="0">
-                <a:latin typeface="Times New Roman" panose="02020603050405020304" pitchFamily="18" charset="0"/>
-                <a:cs typeface="Times New Roman" panose="02020603050405020304" pitchFamily="18" charset="0"/>
-              </a:rPr>
-              <a:t>Without Outlier</a:t>
-            </a:r>
-            <a:endParaRPr lang="zh-CN" altLang="en-US" dirty="0">
-              <a:latin typeface="Times New Roman" panose="02020603050405020304" pitchFamily="18" charset="0"/>
-              <a:cs typeface="Times New Roman" panose="02020603050405020304" pitchFamily="18" charset="0"/>
-            </a:endParaRPr>
-          </a:p>
-        </p:txBody>
-      </p:sp>
-      <p:sp>
-        <p:nvSpPr>
-          <p:cNvPr id="9" name="文本框 8"/>
-          <p:cNvSpPr txBox="1"/>
-          <p:nvPr/>
-        </p:nvSpPr>
-        <p:spPr>
-          <a:xfrm>
-            <a:off x="5940152" y="5285256"/>
-            <a:ext cx="1940981" cy="369332"/>
-          </a:xfrm>
-          <a:prstGeom prst="rect">
-            <a:avLst/>
-          </a:prstGeom>
-          <a:noFill/>
-        </p:spPr>
-        <p:txBody>
-          <a:bodyPr wrap="none" rtlCol="0">
-            <a:spAutoFit/>
-          </a:bodyPr>
-          <a:lstStyle/>
-          <a:p>
-            <a:r>
-              <a:rPr lang="en-US" altLang="zh-CN" dirty="0" smtClean="0">
-                <a:latin typeface="Times New Roman" panose="02020603050405020304" pitchFamily="18" charset="0"/>
-                <a:cs typeface="Times New Roman" panose="02020603050405020304" pitchFamily="18" charset="0"/>
-              </a:rPr>
-              <a:t>With Three Outlier</a:t>
-            </a:r>
-            <a:endParaRPr lang="zh-CN" altLang="en-US" dirty="0">
-              <a:latin typeface="Times New Roman" panose="02020603050405020304" pitchFamily="18" charset="0"/>
-              <a:cs typeface="Times New Roman" panose="02020603050405020304" pitchFamily="18" charset="0"/>
-            </a:endParaRPr>
-          </a:p>
-        </p:txBody>
-      </p:sp>
     </p:spTree>
     <p:extLst>
       <p:ext uri="{BB962C8B-B14F-4D97-AF65-F5344CB8AC3E}">
-        <p14:creationId xmlns:p14="http://schemas.microsoft.com/office/powerpoint/2010/main" val="1231027825"/>
+        <p14:creationId xmlns:p14="http://schemas.microsoft.com/office/powerpoint/2010/main" val="1794193869"/>
       </p:ext>
     </p:extLst>
   </p:cSld>
@@ -21014,7 +19961,7 @@
         <p:spPr bwMode="auto">
           <a:xfrm>
             <a:off x="257175" y="142852"/>
-            <a:ext cx="7243783" cy="609600"/>
+            <a:ext cx="8491289" cy="609600"/>
           </a:xfrm>
           <a:prstGeom prst="rect">
             <a:avLst/>
@@ -21035,18 +19982,11 @@
               <a:defRPr/>
             </a:pPr>
             <a:r>
-              <a:rPr lang="en-US" altLang="zh-CN" sz="2800" b="1" i="1" dirty="0">
-                <a:latin typeface="Calibri" pitchFamily="34" charset="0"/>
-                <a:cs typeface="Calibri" pitchFamily="34" charset="0"/>
-              </a:rPr>
-              <a:t>2.  </a:t>
-            </a:r>
-            <a:r>
               <a:rPr lang="en-US" altLang="zh-CN" sz="2800" b="1" i="1" dirty="0" smtClean="0">
                 <a:latin typeface="Calibri" pitchFamily="34" charset="0"/>
                 <a:cs typeface="Calibri" pitchFamily="34" charset="0"/>
               </a:rPr>
-              <a:t>RPCA</a:t>
+              <a:t>4.1 Viewing Graph Optimization</a:t>
             </a:r>
             <a:endParaRPr lang="zh-CN" altLang="en-US" sz="3200" b="1" kern="0" dirty="0">
               <a:effectLst/>
@@ -21057,64 +19997,16 @@
           </a:p>
         </p:txBody>
       </p:sp>
-      <p:pic>
-        <p:nvPicPr>
-          <p:cNvPr id="2" name="图片 1"/>
-          <p:cNvPicPr>
-            <a:picLocks noChangeAspect="1"/>
-          </p:cNvPicPr>
+      <p:sp>
+        <p:nvSpPr>
+          <p:cNvPr id="2" name="TextBox 1"/>
+          <p:cNvSpPr txBox="1"/>
           <p:nvPr/>
-        </p:nvPicPr>
-        <p:blipFill>
-          <a:blip r:embed="rId3"/>
-          <a:stretch>
-            <a:fillRect/>
-          </a:stretch>
-        </p:blipFill>
+        </p:nvSpPr>
         <p:spPr>
           <a:xfrm>
-            <a:off x="1572837" y="3396069"/>
-            <a:ext cx="5784010" cy="923197"/>
-          </a:xfrm>
-          <a:prstGeom prst="rect">
-            <a:avLst/>
-          </a:prstGeom>
-        </p:spPr>
-      </p:pic>
-      <p:pic>
-        <p:nvPicPr>
-          <p:cNvPr id="4" name="图片 3"/>
-          <p:cNvPicPr>
-            <a:picLocks noChangeAspect="1"/>
-          </p:cNvPicPr>
-          <p:nvPr/>
-        </p:nvPicPr>
-        <p:blipFill>
-          <a:blip r:embed="rId4"/>
-          <a:stretch>
-            <a:fillRect/>
-          </a:stretch>
-        </p:blipFill>
-        <p:spPr>
-          <a:xfrm>
-            <a:off x="2146122" y="4382993"/>
-            <a:ext cx="2232248" cy="312069"/>
-          </a:xfrm>
-          <a:prstGeom prst="rect">
-            <a:avLst/>
-          </a:prstGeom>
-        </p:spPr>
-      </p:pic>
-      <p:sp>
-        <p:nvSpPr>
-          <p:cNvPr id="12" name="文本框 11"/>
-          <p:cNvSpPr txBox="1"/>
-          <p:nvPr/>
-        </p:nvSpPr>
-        <p:spPr>
-          <a:xfrm>
-            <a:off x="1043608" y="4293096"/>
-            <a:ext cx="1157689" cy="461665"/>
+            <a:off x="565544" y="980728"/>
+            <a:ext cx="7746654" cy="1938992"/>
           </a:xfrm>
           <a:prstGeom prst="rect">
             <a:avLst/>
@@ -21122,784 +20014,87 @@
           <a:noFill/>
         </p:spPr>
         <p:txBody>
-          <a:bodyPr wrap="none" rtlCol="0">
-            <a:spAutoFit/>
-          </a:bodyPr>
-          <a:lstStyle/>
-          <a:p>
-            <a:r>
-              <a:rPr lang="en-US" altLang="zh-CN" sz="2400" dirty="0" smtClean="0">
-                <a:latin typeface="Times New Roman" panose="02020603050405020304" pitchFamily="18" charset="0"/>
-                <a:cs typeface="Times New Roman" panose="02020603050405020304" pitchFamily="18" charset="0"/>
-              </a:rPr>
-              <a:t>Where, </a:t>
-            </a:r>
-            <a:endParaRPr lang="zh-CN" altLang="en-US" sz="2400" dirty="0">
-              <a:latin typeface="Times New Roman" panose="02020603050405020304" pitchFamily="18" charset="0"/>
-              <a:cs typeface="Times New Roman" panose="02020603050405020304" pitchFamily="18" charset="0"/>
-            </a:endParaRPr>
-          </a:p>
-        </p:txBody>
-      </p:sp>
-      <mc:AlternateContent xmlns:mc="http://schemas.openxmlformats.org/markup-compatibility/2006" xmlns:a14="http://schemas.microsoft.com/office/drawing/2010/main">
-        <mc:Choice Requires="a14">
-          <p:sp>
-            <p:nvSpPr>
-              <p:cNvPr id="6" name="文本框 5"/>
-              <p:cNvSpPr txBox="1"/>
-              <p:nvPr/>
-            </p:nvSpPr>
-            <p:spPr>
-              <a:xfrm>
-                <a:off x="1979712" y="2411596"/>
-                <a:ext cx="6106736" cy="369332"/>
-              </a:xfrm>
-              <a:prstGeom prst="rect">
-                <a:avLst/>
-              </a:prstGeom>
-              <a:noFill/>
-            </p:spPr>
-            <p:txBody>
-              <a:bodyPr wrap="none" lIns="0" tIns="0" rIns="0" bIns="0" rtlCol="0">
-                <a:spAutoFit/>
-              </a:bodyPr>
-              <a:lstStyle/>
-              <a:p>
-                <a:pPr/>
-                <a14:m>
-                  <m:oMathPara xmlns:m="http://schemas.openxmlformats.org/officeDocument/2006/math">
-                    <m:oMathParaPr>
-                      <m:jc m:val="centerGroup"/>
-                    </m:oMathParaPr>
-                    <m:oMath xmlns:m="http://schemas.openxmlformats.org/officeDocument/2006/math">
-                      <m:sSub>
-                        <m:sSubPr>
-                          <m:ctrlPr>
-                            <a:rPr lang="en-US" altLang="zh-CN" sz="2400" i="1" smtClean="0">
-                              <a:latin typeface="Cambria Math"/>
-                            </a:rPr>
-                          </m:ctrlPr>
-                        </m:sSubPr>
-                        <m:e>
-                          <m:r>
-                            <a:rPr lang="en-US" altLang="zh-CN" sz="2400" b="0" i="1" smtClean="0">
-                              <a:latin typeface="Cambria Math" panose="02040503050406030204" pitchFamily="18" charset="0"/>
-                            </a:rPr>
-                            <m:t>𝑥</m:t>
-                          </m:r>
-                        </m:e>
-                        <m:sub>
-                          <m:r>
-                            <a:rPr lang="en-US" altLang="zh-CN" sz="2400" b="0" i="1" smtClean="0">
-                              <a:latin typeface="Cambria Math" panose="02040503050406030204" pitchFamily="18" charset="0"/>
-                            </a:rPr>
-                            <m:t>𝑖</m:t>
-                          </m:r>
-                        </m:sub>
-                      </m:sSub>
-                      <m:r>
-                        <a:rPr lang="en-US" altLang="zh-CN" sz="2400" b="0" i="1" smtClean="0">
-                          <a:latin typeface="Cambria Math" panose="02040503050406030204" pitchFamily="18" charset="0"/>
-                        </a:rPr>
-                        <m:t>=</m:t>
-                      </m:r>
-                      <m:sSub>
-                        <m:sSubPr>
-                          <m:ctrlPr>
-                            <a:rPr lang="en-US" altLang="zh-CN" sz="2400" b="0" i="1" smtClean="0">
-                              <a:latin typeface="Cambria Math"/>
-                            </a:rPr>
-                          </m:ctrlPr>
-                        </m:sSubPr>
-                        <m:e>
-                          <m:r>
-                            <a:rPr lang="en-US" altLang="zh-CN" sz="2400" b="0" i="1" smtClean="0">
-                              <a:latin typeface="Cambria Math" panose="02040503050406030204" pitchFamily="18" charset="0"/>
-                            </a:rPr>
-                            <m:t>𝑦</m:t>
-                          </m:r>
-                        </m:e>
-                        <m:sub>
-                          <m:r>
-                            <a:rPr lang="en-US" altLang="zh-CN" sz="2400" b="0" i="1" smtClean="0">
-                              <a:latin typeface="Cambria Math" panose="02040503050406030204" pitchFamily="18" charset="0"/>
-                            </a:rPr>
-                            <m:t>𝑖</m:t>
-                          </m:r>
-                        </m:sub>
-                      </m:sSub>
-                      <m:r>
-                        <a:rPr lang="en-US" altLang="zh-CN" sz="2400" b="0" i="1" smtClean="0">
-                          <a:latin typeface="Cambria Math" panose="02040503050406030204" pitchFamily="18" charset="0"/>
-                        </a:rPr>
-                        <m:t>+</m:t>
-                      </m:r>
-                      <m:sSub>
-                        <m:sSubPr>
-                          <m:ctrlPr>
-                            <a:rPr lang="en-US" altLang="zh-CN" sz="2400" b="0" i="1" smtClean="0">
-                              <a:latin typeface="Cambria Math"/>
-                            </a:rPr>
-                          </m:ctrlPr>
-                        </m:sSubPr>
-                        <m:e>
-                          <m:r>
-                            <a:rPr lang="en-US" altLang="zh-CN" sz="2400" b="0" i="1" smtClean="0">
-                              <a:latin typeface="Cambria Math" panose="02040503050406030204" pitchFamily="18" charset="0"/>
-                            </a:rPr>
-                            <m:t>𝑜</m:t>
-                          </m:r>
-                        </m:e>
-                        <m:sub>
-                          <m:r>
-                            <a:rPr lang="en-US" altLang="zh-CN" sz="2400" b="0" i="1" smtClean="0">
-                              <a:latin typeface="Cambria Math" panose="02040503050406030204" pitchFamily="18" charset="0"/>
-                            </a:rPr>
-                            <m:t>𝑖</m:t>
-                          </m:r>
-                        </m:sub>
-                      </m:sSub>
-                      <m:r>
-                        <a:rPr lang="en-US" altLang="zh-CN" sz="2400" b="0" i="1" smtClean="0">
-                          <a:latin typeface="Cambria Math" panose="02040503050406030204" pitchFamily="18" charset="0"/>
-                        </a:rPr>
-                        <m:t>=</m:t>
-                      </m:r>
-                      <m:r>
-                        <a:rPr lang="en-US" altLang="zh-CN" sz="2400" b="0" i="1" smtClean="0">
-                          <a:latin typeface="Cambria Math" panose="02040503050406030204" pitchFamily="18" charset="0"/>
-                        </a:rPr>
-                        <m:t>𝑚</m:t>
-                      </m:r>
-                      <m:r>
-                        <a:rPr lang="en-US" altLang="zh-CN" sz="2400" b="0" i="1" smtClean="0">
-                          <a:latin typeface="Cambria Math" panose="02040503050406030204" pitchFamily="18" charset="0"/>
-                        </a:rPr>
-                        <m:t>+</m:t>
-                      </m:r>
-                      <m:r>
-                        <a:rPr lang="en-US" altLang="zh-CN" sz="2400" b="0" i="1" smtClean="0">
-                          <a:latin typeface="Cambria Math" panose="02040503050406030204" pitchFamily="18" charset="0"/>
-                        </a:rPr>
-                        <m:t>𝑈</m:t>
-                      </m:r>
-                      <m:sSub>
-                        <m:sSubPr>
-                          <m:ctrlPr>
-                            <a:rPr lang="en-US" altLang="zh-CN" sz="2400" b="0" i="1" smtClean="0">
-                              <a:latin typeface="Cambria Math"/>
-                            </a:rPr>
-                          </m:ctrlPr>
-                        </m:sSubPr>
-                        <m:e>
-                          <m:r>
-                            <a:rPr lang="en-US" altLang="zh-CN" sz="2400" b="0" i="1" smtClean="0">
-                              <a:latin typeface="Cambria Math" panose="02040503050406030204" pitchFamily="18" charset="0"/>
-                            </a:rPr>
-                            <m:t>𝑠</m:t>
-                          </m:r>
-                        </m:e>
-                        <m:sub>
-                          <m:r>
-                            <a:rPr lang="en-US" altLang="zh-CN" sz="2400" b="0" i="1" smtClean="0">
-                              <a:latin typeface="Cambria Math" panose="02040503050406030204" pitchFamily="18" charset="0"/>
-                            </a:rPr>
-                            <m:t>𝑖</m:t>
-                          </m:r>
-                        </m:sub>
-                      </m:sSub>
-                      <m:r>
-                        <a:rPr lang="en-US" altLang="zh-CN" sz="2400" b="0" i="1" smtClean="0">
-                          <a:latin typeface="Cambria Math" panose="02040503050406030204" pitchFamily="18" charset="0"/>
-                        </a:rPr>
-                        <m:t>+</m:t>
-                      </m:r>
-                      <m:sSub>
-                        <m:sSubPr>
-                          <m:ctrlPr>
-                            <a:rPr lang="en-US" altLang="zh-CN" sz="2400" b="0" i="1" smtClean="0">
-                              <a:latin typeface="Cambria Math"/>
-                            </a:rPr>
-                          </m:ctrlPr>
-                        </m:sSubPr>
-                        <m:e>
-                          <m:r>
-                            <a:rPr lang="en-US" altLang="zh-CN" sz="2400" b="0" i="1" smtClean="0">
-                              <a:latin typeface="Cambria Math" panose="02040503050406030204" pitchFamily="18" charset="0"/>
-                            </a:rPr>
-                            <m:t>𝑒</m:t>
-                          </m:r>
-                        </m:e>
-                        <m:sub>
-                          <m:r>
-                            <a:rPr lang="en-US" altLang="zh-CN" sz="2400" b="0" i="1" smtClean="0">
-                              <a:latin typeface="Cambria Math" panose="02040503050406030204" pitchFamily="18" charset="0"/>
-                            </a:rPr>
-                            <m:t>𝑖</m:t>
-                          </m:r>
-                        </m:sub>
-                      </m:sSub>
-                      <m:r>
-                        <a:rPr lang="en-US" altLang="zh-CN" sz="2400" b="0" i="1" smtClean="0">
-                          <a:latin typeface="Cambria Math" panose="02040503050406030204" pitchFamily="18" charset="0"/>
-                        </a:rPr>
-                        <m:t>+</m:t>
-                      </m:r>
-                      <m:sSub>
-                        <m:sSubPr>
-                          <m:ctrlPr>
-                            <a:rPr lang="en-US" altLang="zh-CN" sz="2400" b="0" i="1" smtClean="0">
-                              <a:latin typeface="Cambria Math"/>
-                            </a:rPr>
-                          </m:ctrlPr>
-                        </m:sSubPr>
-                        <m:e>
-                          <m:r>
-                            <a:rPr lang="en-US" altLang="zh-CN" sz="2400" b="0" i="1" smtClean="0">
-                              <a:latin typeface="Cambria Math" panose="02040503050406030204" pitchFamily="18" charset="0"/>
-                            </a:rPr>
-                            <m:t>𝑜</m:t>
-                          </m:r>
-                        </m:e>
-                        <m:sub>
-                          <m:r>
-                            <a:rPr lang="en-US" altLang="zh-CN" sz="2400" b="0" i="1" smtClean="0">
-                              <a:latin typeface="Cambria Math" panose="02040503050406030204" pitchFamily="18" charset="0"/>
-                            </a:rPr>
-                            <m:t>𝑖</m:t>
-                          </m:r>
-                        </m:sub>
-                      </m:sSub>
-                      <m:r>
-                        <a:rPr lang="en-US" altLang="zh-CN" sz="2400" b="0" i="1" smtClean="0">
-                          <a:latin typeface="Cambria Math" panose="02040503050406030204" pitchFamily="18" charset="0"/>
-                        </a:rPr>
-                        <m:t>     </m:t>
-                      </m:r>
-                      <m:r>
-                        <a:rPr lang="en-US" altLang="zh-CN" sz="2400" b="0" i="1" smtClean="0">
-                          <a:latin typeface="Cambria Math" panose="02040503050406030204" pitchFamily="18" charset="0"/>
-                        </a:rPr>
-                        <m:t>𝑖</m:t>
-                      </m:r>
-                      <m:r>
-                        <a:rPr lang="en-US" altLang="zh-CN" sz="2400" b="0" i="1" smtClean="0">
-                          <a:latin typeface="Cambria Math" panose="02040503050406030204" pitchFamily="18" charset="0"/>
-                        </a:rPr>
-                        <m:t>=1,⋯,</m:t>
-                      </m:r>
-                      <m:r>
-                        <a:rPr lang="en-US" altLang="zh-CN" sz="2400" b="0" i="1" smtClean="0">
-                          <a:latin typeface="Cambria Math" panose="02040503050406030204" pitchFamily="18" charset="0"/>
-                          <a:ea typeface="Cambria Math" panose="02040503050406030204" pitchFamily="18" charset="0"/>
-                        </a:rPr>
-                        <m:t>𝑁</m:t>
-                      </m:r>
-                    </m:oMath>
-                  </m:oMathPara>
-                </a14:m>
-                <a:endParaRPr lang="zh-CN" altLang="en-US" sz="2400" dirty="0"/>
-              </a:p>
-            </p:txBody>
-          </p:sp>
-        </mc:Choice>
-        <mc:Fallback xmlns="">
-          <p:sp>
-            <p:nvSpPr>
-              <p:cNvPr id="6" name="文本框 5"/>
-              <p:cNvSpPr txBox="1">
-                <a:spLocks noRot="1" noChangeAspect="1" noMove="1" noResize="1" noEditPoints="1" noAdjustHandles="1" noChangeArrowheads="1" noChangeShapeType="1" noTextEdit="1"/>
-              </p:cNvSpPr>
-              <p:nvPr/>
-            </p:nvSpPr>
-            <p:spPr>
-              <a:xfrm>
-                <a:off x="1979712" y="2411596"/>
-                <a:ext cx="6106736" cy="369332"/>
-              </a:xfrm>
-              <a:prstGeom prst="rect">
-                <a:avLst/>
-              </a:prstGeom>
-              <a:blipFill>
-                <a:blip r:embed="rId5"/>
-                <a:stretch>
-                  <a:fillRect l="-299" r="-499" b="-26667"/>
-                </a:stretch>
-              </a:blipFill>
-            </p:spPr>
-            <p:txBody>
-              <a:bodyPr/>
-              <a:lstStyle/>
-              <a:p>
-                <a:r>
-                  <a:rPr lang="zh-CN" altLang="en-US">
-                    <a:noFill/>
-                  </a:rPr>
-                  <a:t> </a:t>
-                </a:r>
-              </a:p>
-            </p:txBody>
-          </p:sp>
-        </mc:Fallback>
-      </mc:AlternateContent>
-      <p:sp>
-        <p:nvSpPr>
-          <p:cNvPr id="7" name="文本框 6"/>
-          <p:cNvSpPr txBox="1"/>
-          <p:nvPr/>
-        </p:nvSpPr>
-        <p:spPr>
-          <a:xfrm>
-            <a:off x="683569" y="830317"/>
-            <a:ext cx="7674645" cy="5632311"/>
-          </a:xfrm>
-          <a:prstGeom prst="rect">
-            <a:avLst/>
-          </a:prstGeom>
-          <a:noFill/>
-        </p:spPr>
-        <p:txBody>
           <a:bodyPr wrap="square" rtlCol="0">
             <a:spAutoFit/>
           </a:bodyPr>
           <a:lstStyle/>
           <a:p>
             <a:r>
-              <a:rPr lang="en-US" altLang="zh-CN" sz="2400" b="1" dirty="0" smtClean="0">
-                <a:solidFill>
-                  <a:schemeClr val="accent2"/>
-                </a:solidFill>
-                <a:latin typeface="Times New Roman" panose="02020603050405020304" pitchFamily="18" charset="0"/>
-                <a:cs typeface="Times New Roman" panose="02020603050405020304" pitchFamily="18" charset="0"/>
+              <a:rPr lang="en-US" altLang="zh-CN" sz="2000" b="1" dirty="0" smtClean="0">
+                <a:latin typeface="Times New Roman" pitchFamily="18" charset="0"/>
+                <a:cs typeface="Times New Roman" pitchFamily="18" charset="0"/>
               </a:rPr>
-              <a:t>Assumption:</a:t>
-            </a:r>
-          </a:p>
-          <a:p>
-            <a:pPr indent="457200"/>
-            <a:r>
-              <a:rPr lang="en-US" altLang="zh-CN" sz="2400" dirty="0" smtClean="0">
-                <a:latin typeface="Times New Roman" panose="02020603050405020304" pitchFamily="18" charset="0"/>
-                <a:cs typeface="Times New Roman" panose="02020603050405020304" pitchFamily="18" charset="0"/>
+              <a:t>Target </a:t>
+            </a:r>
+          </a:p>
+          <a:p>
+            <a:pPr lvl="1"/>
+            <a:r>
+              <a:rPr lang="en-US" altLang="zh-CN" sz="2000" dirty="0" smtClean="0">
+                <a:latin typeface="Times New Roman" pitchFamily="18" charset="0"/>
+                <a:cs typeface="Times New Roman" pitchFamily="18" charset="0"/>
               </a:rPr>
-              <a:t>Suppose that it is a linear problem, so a linear model estimation model can be used.</a:t>
-            </a:r>
-          </a:p>
-          <a:p>
-            <a:r>
-              <a:rPr lang="en-US" altLang="zh-CN" sz="2400" b="1" dirty="0" smtClean="0">
-                <a:solidFill>
-                  <a:schemeClr val="accent2"/>
-                </a:solidFill>
-                <a:latin typeface="Times New Roman" panose="02020603050405020304" pitchFamily="18" charset="0"/>
-                <a:cs typeface="Times New Roman" panose="02020603050405020304" pitchFamily="18" charset="0"/>
+              <a:t>Find </a:t>
+            </a:r>
+            <a:r>
+              <a:rPr lang="en-US" altLang="zh-CN" sz="2000" dirty="0">
+                <a:latin typeface="Times New Roman" pitchFamily="18" charset="0"/>
+                <a:cs typeface="Times New Roman" pitchFamily="18" charset="0"/>
               </a:rPr>
-              <a:t>Outlier-aware Factor Analysis Model:</a:t>
-            </a:r>
-            <a:endParaRPr lang="en-US" altLang="zh-CN" sz="2400" b="1" dirty="0">
-              <a:solidFill>
-                <a:schemeClr val="accent2"/>
-              </a:solidFill>
-              <a:latin typeface="Times New Roman" panose="02020603050405020304" pitchFamily="18" charset="0"/>
-              <a:cs typeface="Times New Roman" panose="02020603050405020304" pitchFamily="18" charset="0"/>
+              <a:t>a minimal set of edges </a:t>
+            </a:r>
+            <a:r>
+              <a:rPr lang="en-US" altLang="zh-CN" sz="2000" dirty="0" smtClean="0">
+                <a:latin typeface="Times New Roman" pitchFamily="18" charset="0"/>
+                <a:cs typeface="Times New Roman" pitchFamily="18" charset="0"/>
+              </a:rPr>
+              <a:t>that provide </a:t>
+            </a:r>
+            <a:r>
+              <a:rPr lang="en-US" altLang="zh-CN" sz="2000" dirty="0">
+                <a:latin typeface="Times New Roman" pitchFamily="18" charset="0"/>
+                <a:cs typeface="Times New Roman" pitchFamily="18" charset="0"/>
+              </a:rPr>
+              <a:t>sufficient coverage over all views in the </a:t>
+            </a:r>
+            <a:r>
+              <a:rPr lang="en-US" altLang="zh-CN" sz="2000" dirty="0" smtClean="0">
+                <a:latin typeface="Times New Roman" pitchFamily="18" charset="0"/>
+                <a:cs typeface="Times New Roman" pitchFamily="18" charset="0"/>
+              </a:rPr>
+              <a:t>viewing graph.</a:t>
+            </a:r>
+            <a:endParaRPr lang="en-US" altLang="zh-CN" sz="2000" dirty="0">
+              <a:latin typeface="Times New Roman" pitchFamily="18" charset="0"/>
+              <a:cs typeface="Times New Roman" pitchFamily="18" charset="0"/>
             </a:endParaRPr>
           </a:p>
           <a:p>
-            <a:endParaRPr lang="en-US" altLang="zh-CN" sz="2400" b="1" dirty="0" smtClean="0">
-              <a:solidFill>
-                <a:schemeClr val="accent2"/>
-              </a:solidFill>
-              <a:latin typeface="Times New Roman" panose="02020603050405020304" pitchFamily="18" charset="0"/>
-              <a:cs typeface="Times New Roman" panose="02020603050405020304" pitchFamily="18" charset="0"/>
+            <a:pPr lvl="1"/>
+            <a:endParaRPr lang="en-US" altLang="zh-CN" sz="2000" dirty="0" smtClean="0">
+              <a:latin typeface="Times New Roman" pitchFamily="18" charset="0"/>
+              <a:cs typeface="Times New Roman" pitchFamily="18" charset="0"/>
             </a:endParaRPr>
           </a:p>
           <a:p>
-            <a:endParaRPr lang="en-US" altLang="zh-CN" sz="2400" b="1" dirty="0">
-              <a:solidFill>
-                <a:schemeClr val="accent2"/>
-              </a:solidFill>
-              <a:latin typeface="Times New Roman" panose="02020603050405020304" pitchFamily="18" charset="0"/>
-              <a:cs typeface="Times New Roman" panose="02020603050405020304" pitchFamily="18" charset="0"/>
+            <a:pPr lvl="1"/>
+            <a:endParaRPr lang="en-US" altLang="zh-CN" sz="2000" dirty="0">
+              <a:latin typeface="Times New Roman" pitchFamily="18" charset="0"/>
+              <a:cs typeface="Times New Roman" pitchFamily="18" charset="0"/>
             </a:endParaRPr>
           </a:p>
           <a:p>
-            <a:r>
-              <a:rPr lang="en-US" altLang="zh-CN" sz="2400" b="1" dirty="0" smtClean="0">
-                <a:solidFill>
-                  <a:schemeClr val="accent2"/>
-                </a:solidFill>
-                <a:latin typeface="Times New Roman" panose="02020603050405020304" pitchFamily="18" charset="0"/>
-                <a:cs typeface="Times New Roman" panose="02020603050405020304" pitchFamily="18" charset="0"/>
-              </a:rPr>
-              <a:t>Objective Function:</a:t>
-            </a:r>
-            <a:endParaRPr lang="en-US" altLang="zh-CN" sz="2400" b="1" dirty="0">
-              <a:solidFill>
-                <a:schemeClr val="accent2"/>
-              </a:solidFill>
-              <a:latin typeface="Times New Roman" panose="02020603050405020304" pitchFamily="18" charset="0"/>
-              <a:cs typeface="Times New Roman" panose="02020603050405020304" pitchFamily="18" charset="0"/>
+            <a:endParaRPr lang="en-US" altLang="zh-CN" sz="2000" dirty="0" smtClean="0">
+              <a:latin typeface="Times New Roman" pitchFamily="18" charset="0"/>
+              <a:cs typeface="Times New Roman" pitchFamily="18" charset="0"/>
             </a:endParaRPr>
           </a:p>
-          <a:p>
-            <a:endParaRPr lang="en-US" altLang="zh-CN" sz="2400" b="1" dirty="0" smtClean="0">
-              <a:solidFill>
-                <a:schemeClr val="accent2"/>
-              </a:solidFill>
-              <a:latin typeface="Times New Roman" panose="02020603050405020304" pitchFamily="18" charset="0"/>
-              <a:cs typeface="Times New Roman" panose="02020603050405020304" pitchFamily="18" charset="0"/>
-            </a:endParaRPr>
-          </a:p>
-          <a:p>
-            <a:endParaRPr lang="en-US" altLang="zh-CN" sz="2400" b="1" dirty="0">
-              <a:solidFill>
-                <a:schemeClr val="accent2"/>
-              </a:solidFill>
-              <a:latin typeface="Times New Roman" panose="02020603050405020304" pitchFamily="18" charset="0"/>
-              <a:cs typeface="Times New Roman" panose="02020603050405020304" pitchFamily="18" charset="0"/>
-            </a:endParaRPr>
-          </a:p>
-          <a:p>
-            <a:endParaRPr lang="en-US" altLang="zh-CN" sz="2400" b="1" dirty="0" smtClean="0">
-              <a:solidFill>
-                <a:schemeClr val="accent2"/>
-              </a:solidFill>
-              <a:latin typeface="Times New Roman" panose="02020603050405020304" pitchFamily="18" charset="0"/>
-              <a:cs typeface="Times New Roman" panose="02020603050405020304" pitchFamily="18" charset="0"/>
-            </a:endParaRPr>
-          </a:p>
-          <a:p>
-            <a:endParaRPr lang="en-US" altLang="zh-CN" sz="2400" b="1" dirty="0">
-              <a:solidFill>
-                <a:schemeClr val="accent2"/>
-              </a:solidFill>
-              <a:latin typeface="Times New Roman" panose="02020603050405020304" pitchFamily="18" charset="0"/>
-              <a:cs typeface="Times New Roman" panose="02020603050405020304" pitchFamily="18" charset="0"/>
-            </a:endParaRPr>
-          </a:p>
-          <a:p>
-            <a:r>
-              <a:rPr lang="en-US" altLang="zh-CN" sz="2400" b="1" dirty="0" smtClean="0">
-                <a:solidFill>
-                  <a:schemeClr val="accent2"/>
-                </a:solidFill>
-                <a:latin typeface="Times New Roman" panose="02020603050405020304" pitchFamily="18" charset="0"/>
-                <a:cs typeface="Times New Roman" panose="02020603050405020304" pitchFamily="18" charset="0"/>
-              </a:rPr>
-              <a:t>Applications:</a:t>
-            </a:r>
-            <a:endParaRPr lang="en-US" altLang="zh-CN" sz="2400" b="1" dirty="0">
-              <a:solidFill>
-                <a:schemeClr val="accent2"/>
-              </a:solidFill>
-              <a:latin typeface="Times New Roman" panose="02020603050405020304" pitchFamily="18" charset="0"/>
-              <a:cs typeface="Times New Roman" panose="02020603050405020304" pitchFamily="18" charset="0"/>
-            </a:endParaRPr>
-          </a:p>
-          <a:p>
-            <a:pPr marL="342900" indent="-342900">
-              <a:buFont typeface="Wingdings" panose="05000000000000000000" pitchFamily="2" charset="2"/>
-              <a:buChar char="Ø"/>
-            </a:pPr>
-            <a:r>
-              <a:rPr lang="en-US" altLang="zh-CN" sz="2400" dirty="0" smtClean="0">
-                <a:latin typeface="Times New Roman" panose="02020603050405020304" pitchFamily="18" charset="0"/>
-                <a:cs typeface="Times New Roman" panose="02020603050405020304" pitchFamily="18" charset="0"/>
-              </a:rPr>
-              <a:t>Outlier-sparsity Control </a:t>
-            </a:r>
-          </a:p>
-          <a:p>
-            <a:pPr marL="342900" indent="-342900">
-              <a:buFont typeface="Wingdings" panose="05000000000000000000" pitchFamily="2" charset="2"/>
-              <a:buChar char="Ø"/>
-            </a:pPr>
-            <a:r>
-              <a:rPr lang="en-US" altLang="zh-CN" sz="2400" dirty="0" smtClean="0">
-                <a:latin typeface="Times New Roman" panose="02020603050405020304" pitchFamily="18" charset="0"/>
-                <a:cs typeface="Times New Roman" panose="02020603050405020304" pitchFamily="18" charset="0"/>
-              </a:rPr>
-              <a:t>Online Robust Subspace Estimation</a:t>
-            </a:r>
-          </a:p>
-          <a:p>
-            <a:pPr marL="342900" indent="-342900">
-              <a:buFont typeface="Wingdings" panose="05000000000000000000" pitchFamily="2" charset="2"/>
-              <a:buChar char="Ø"/>
-            </a:pPr>
-            <a:r>
-              <a:rPr lang="en-US" altLang="zh-CN" sz="2400" dirty="0" smtClean="0">
-                <a:latin typeface="Times New Roman" panose="02020603050405020304" pitchFamily="18" charset="0"/>
-                <a:cs typeface="Times New Roman" panose="02020603050405020304" pitchFamily="18" charset="0"/>
-              </a:rPr>
-              <a:t>Robust </a:t>
-            </a:r>
-            <a:r>
-              <a:rPr lang="en-US" altLang="zh-CN" sz="2400" dirty="0">
-                <a:latin typeface="Times New Roman" panose="02020603050405020304" pitchFamily="18" charset="0"/>
-                <a:cs typeface="Times New Roman" panose="02020603050405020304" pitchFamily="18" charset="0"/>
-              </a:rPr>
-              <a:t>S</a:t>
-            </a:r>
-            <a:r>
-              <a:rPr lang="en-US" altLang="zh-CN" sz="2400" dirty="0" smtClean="0">
-                <a:latin typeface="Times New Roman" panose="02020603050405020304" pitchFamily="18" charset="0"/>
-                <a:cs typeface="Times New Roman" panose="02020603050405020304" pitchFamily="18" charset="0"/>
-              </a:rPr>
-              <a:t>pectral Clustering</a:t>
-            </a:r>
-          </a:p>
-        </p:txBody>
-      </p:sp>
-      <p:sp>
-        <p:nvSpPr>
-          <p:cNvPr id="3" name="椭圆 2"/>
-          <p:cNvSpPr/>
-          <p:nvPr/>
-        </p:nvSpPr>
-        <p:spPr>
-          <a:xfrm>
-            <a:off x="6566799" y="3396069"/>
-            <a:ext cx="768623" cy="504056"/>
-          </a:xfrm>
-          <a:prstGeom prst="ellipse">
-            <a:avLst/>
-          </a:prstGeom>
-          <a:noFill/>
-          <a:ln>
-            <a:solidFill>
-              <a:srgbClr val="FF0000"/>
-            </a:solidFill>
-          </a:ln>
-        </p:spPr>
-        <p:style>
-          <a:lnRef idx="2">
-            <a:schemeClr val="accent1">
-              <a:shade val="50000"/>
-            </a:schemeClr>
-          </a:lnRef>
-          <a:fillRef idx="1">
-            <a:schemeClr val="accent1"/>
-          </a:fillRef>
-          <a:effectRef idx="0">
-            <a:schemeClr val="accent1"/>
-          </a:effectRef>
-          <a:fontRef idx="minor">
-            <a:schemeClr val="lt1"/>
-          </a:fontRef>
-        </p:style>
-        <p:txBody>
-          <a:bodyPr lIns="18000" tIns="18000" rIns="18000" bIns="18000" rtlCol="0" anchor="ctr">
-            <a:noAutofit/>
-          </a:bodyPr>
-          <a:lstStyle/>
-          <a:p>
-            <a:pPr algn="ctr"/>
-            <a:endParaRPr lang="zh-CN" altLang="en-US" sz="1400" b="1" dirty="0" smtClean="0">
-              <a:solidFill>
-                <a:srgbClr val="336699"/>
-              </a:solidFill>
-              <a:latin typeface="楷体" pitchFamily="49" charset="-122"/>
-              <a:ea typeface="楷体" pitchFamily="49" charset="-122"/>
-              <a:cs typeface="MoolBoran" pitchFamily="34" charset="0"/>
-            </a:endParaRPr>
-          </a:p>
-        </p:txBody>
-      </p:sp>
-      <p:cxnSp>
-        <p:nvCxnSpPr>
-          <p:cNvPr id="10" name="直接箭头连接符 9"/>
-          <p:cNvCxnSpPr>
-            <a:stCxn id="3" idx="4"/>
-          </p:cNvCxnSpPr>
-          <p:nvPr/>
-        </p:nvCxnSpPr>
-        <p:spPr>
-          <a:xfrm flipH="1">
-            <a:off x="6951110" y="3900125"/>
-            <a:ext cx="1" cy="482868"/>
-          </a:xfrm>
-          <a:prstGeom prst="straightConnector1">
-            <a:avLst/>
-          </a:prstGeom>
-          <a:ln>
-            <a:solidFill>
-              <a:srgbClr val="FF0000"/>
-            </a:solidFill>
-            <a:tailEnd type="triangle"/>
-          </a:ln>
-        </p:spPr>
-        <p:style>
-          <a:lnRef idx="1">
-            <a:schemeClr val="accent1"/>
-          </a:lnRef>
-          <a:fillRef idx="0">
-            <a:schemeClr val="accent1"/>
-          </a:fillRef>
-          <a:effectRef idx="0">
-            <a:schemeClr val="accent1"/>
-          </a:effectRef>
-          <a:fontRef idx="minor">
-            <a:schemeClr val="tx1"/>
-          </a:fontRef>
-        </p:style>
-      </p:cxnSp>
-      <mc:AlternateContent xmlns:mc="http://schemas.openxmlformats.org/markup-compatibility/2006" xmlns:a14="http://schemas.microsoft.com/office/drawing/2010/main">
-        <mc:Choice Requires="a14">
-          <p:sp>
-            <p:nvSpPr>
-              <p:cNvPr id="11" name="文本框 10"/>
-              <p:cNvSpPr txBox="1"/>
-              <p:nvPr/>
-            </p:nvSpPr>
-            <p:spPr>
-              <a:xfrm>
-                <a:off x="5330930" y="4349349"/>
-                <a:ext cx="3240360" cy="830997"/>
-              </a:xfrm>
-              <a:prstGeom prst="rect">
-                <a:avLst/>
-              </a:prstGeom>
-              <a:noFill/>
-            </p:spPr>
-            <p:txBody>
-              <a:bodyPr wrap="square" rtlCol="0">
-                <a:spAutoFit/>
-              </a:bodyPr>
-              <a:lstStyle/>
-              <a:p>
-                <a:r>
-                  <a:rPr lang="en-US" altLang="zh-CN" sz="2400" dirty="0" smtClean="0">
-                    <a:solidFill>
-                      <a:srgbClr val="FF0000"/>
-                    </a:solidFill>
-                    <a:latin typeface="Times New Roman" panose="02020603050405020304" pitchFamily="18" charset="0"/>
-                    <a:cs typeface="Times New Roman" panose="02020603050405020304" pitchFamily="18" charset="0"/>
-                  </a:rPr>
-                  <a:t>The closest convex approximation of </a:t>
-                </a:r>
-                <a14:m>
-                  <m:oMath xmlns:m="http://schemas.openxmlformats.org/officeDocument/2006/math">
-                    <m:d>
-                      <m:dPr>
-                        <m:begChr m:val="‖"/>
-                        <m:endChr m:val="‖"/>
-                        <m:ctrlPr>
-                          <a:rPr lang="en-US" altLang="zh-CN" sz="2400" i="1" smtClean="0">
-                            <a:solidFill>
-                              <a:srgbClr val="FF0000"/>
-                            </a:solidFill>
-                            <a:latin typeface="Cambria Math"/>
-                            <a:cs typeface="Times New Roman" panose="02020603050405020304" pitchFamily="18" charset="0"/>
-                          </a:rPr>
-                        </m:ctrlPr>
-                      </m:dPr>
-                      <m:e>
-                        <m:sSub>
-                          <m:sSubPr>
-                            <m:ctrlPr>
-                              <a:rPr lang="en-US" altLang="zh-CN" sz="2400" i="1" smtClean="0">
-                                <a:solidFill>
-                                  <a:srgbClr val="FF0000"/>
-                                </a:solidFill>
-                                <a:latin typeface="Cambria Math"/>
-                                <a:cs typeface="Times New Roman" panose="02020603050405020304" pitchFamily="18" charset="0"/>
-                              </a:rPr>
-                            </m:ctrlPr>
-                          </m:sSubPr>
-                          <m:e>
-                            <m:r>
-                              <a:rPr lang="en-US" altLang="zh-CN" sz="2400" b="0" i="1" smtClean="0">
-                                <a:solidFill>
-                                  <a:srgbClr val="FF0000"/>
-                                </a:solidFill>
-                                <a:latin typeface="Cambria Math" panose="02040503050406030204" pitchFamily="18" charset="0"/>
-                                <a:cs typeface="Times New Roman" panose="02020603050405020304" pitchFamily="18" charset="0"/>
-                              </a:rPr>
-                              <m:t>𝑂</m:t>
-                            </m:r>
-                          </m:e>
-                          <m:sub>
-                            <m:r>
-                              <a:rPr lang="en-US" altLang="zh-CN" sz="2400" b="0" i="1" smtClean="0">
-                                <a:solidFill>
-                                  <a:srgbClr val="FF0000"/>
-                                </a:solidFill>
-                                <a:latin typeface="Cambria Math" panose="02040503050406030204" pitchFamily="18" charset="0"/>
-                                <a:cs typeface="Times New Roman" panose="02020603050405020304" pitchFamily="18" charset="0"/>
-                              </a:rPr>
-                              <m:t>2</m:t>
-                            </m:r>
-                          </m:sub>
-                        </m:sSub>
-                      </m:e>
-                    </m:d>
-                  </m:oMath>
-                </a14:m>
-                <a:r>
-                  <a:rPr lang="en-US" altLang="zh-CN" sz="2400" dirty="0" smtClean="0">
-                    <a:solidFill>
-                      <a:srgbClr val="FF0000"/>
-                    </a:solidFill>
-                    <a:latin typeface="Times New Roman" panose="02020603050405020304" pitchFamily="18" charset="0"/>
-                    <a:cs typeface="Times New Roman" panose="02020603050405020304" pitchFamily="18" charset="0"/>
-                  </a:rPr>
-                  <a:t> </a:t>
-                </a:r>
-                <a:endParaRPr lang="zh-CN" altLang="en-US" sz="2400" dirty="0">
-                  <a:solidFill>
-                    <a:srgbClr val="FF0000"/>
-                  </a:solidFill>
-                  <a:latin typeface="Times New Roman" panose="02020603050405020304" pitchFamily="18" charset="0"/>
-                  <a:cs typeface="Times New Roman" panose="02020603050405020304" pitchFamily="18" charset="0"/>
-                </a:endParaRPr>
-              </a:p>
-            </p:txBody>
-          </p:sp>
-        </mc:Choice>
-        <mc:Fallback xmlns="">
-          <p:sp>
-            <p:nvSpPr>
-              <p:cNvPr id="11" name="文本框 10"/>
-              <p:cNvSpPr txBox="1">
-                <a:spLocks noRot="1" noChangeAspect="1" noMove="1" noResize="1" noEditPoints="1" noAdjustHandles="1" noChangeArrowheads="1" noChangeShapeType="1" noTextEdit="1"/>
-              </p:cNvSpPr>
-              <p:nvPr/>
-            </p:nvSpPr>
-            <p:spPr>
-              <a:xfrm>
-                <a:off x="5330930" y="4349349"/>
-                <a:ext cx="3240360" cy="830997"/>
-              </a:xfrm>
-              <a:prstGeom prst="rect">
-                <a:avLst/>
-              </a:prstGeom>
-              <a:blipFill>
-                <a:blip r:embed="rId6"/>
-                <a:stretch>
-                  <a:fillRect l="-2820" t="-5839" b="-15328"/>
-                </a:stretch>
-              </a:blipFill>
-            </p:spPr>
-            <p:txBody>
-              <a:bodyPr/>
-              <a:lstStyle/>
-              <a:p>
-                <a:r>
-                  <a:rPr lang="zh-CN" altLang="en-US">
-                    <a:noFill/>
-                  </a:rPr>
-                  <a:t> </a:t>
-                </a:r>
-              </a:p>
-            </p:txBody>
-          </p:sp>
-        </mc:Fallback>
-      </mc:AlternateContent>
+        </p:txBody>
+      </p:sp>
     </p:spTree>
     <p:extLst>
       <p:ext uri="{BB962C8B-B14F-4D97-AF65-F5344CB8AC3E}">
-        <p14:creationId xmlns:p14="http://schemas.microsoft.com/office/powerpoint/2010/main" val="642789510"/>
+        <p14:creationId xmlns:p14="http://schemas.microsoft.com/office/powerpoint/2010/main" val="1435217000"/>
       </p:ext>
     </p:extLst>
   </p:cSld>

--- a/2019.03.25 ICCV 2015, Optimizing the Viewing Graph for Structure-from-Motion.pptx
+++ b/2019.03.25 ICCV 2015, Optimizing the Viewing Graph for Structure-from-Motion.pptx
@@ -6,35 +6,36 @@
     <p:sldMasterId id="2147483660" r:id="rId3"/>
   </p:sldMasterIdLst>
   <p:notesMasterIdLst>
-    <p:notesMasterId r:id="rId27"/>
+    <p:notesMasterId r:id="rId28"/>
   </p:notesMasterIdLst>
   <p:handoutMasterIdLst>
-    <p:handoutMasterId r:id="rId28"/>
+    <p:handoutMasterId r:id="rId29"/>
   </p:handoutMasterIdLst>
   <p:sldIdLst>
     <p:sldId id="256" r:id="rId4"/>
     <p:sldId id="386" r:id="rId5"/>
-    <p:sldId id="366" r:id="rId6"/>
-    <p:sldId id="374" r:id="rId7"/>
-    <p:sldId id="389" r:id="rId8"/>
-    <p:sldId id="407" r:id="rId9"/>
-    <p:sldId id="408" r:id="rId10"/>
-    <p:sldId id="391" r:id="rId11"/>
-    <p:sldId id="393" r:id="rId12"/>
-    <p:sldId id="394" r:id="rId13"/>
-    <p:sldId id="395" r:id="rId14"/>
-    <p:sldId id="396" r:id="rId15"/>
-    <p:sldId id="397" r:id="rId16"/>
-    <p:sldId id="399" r:id="rId17"/>
-    <p:sldId id="401" r:id="rId18"/>
-    <p:sldId id="402" r:id="rId19"/>
-    <p:sldId id="406" r:id="rId20"/>
-    <p:sldId id="403" r:id="rId21"/>
-    <p:sldId id="405" r:id="rId22"/>
-    <p:sldId id="404" r:id="rId23"/>
-    <p:sldId id="353" r:id="rId24"/>
-    <p:sldId id="317" r:id="rId25"/>
-    <p:sldId id="390" r:id="rId26"/>
+    <p:sldId id="409" r:id="rId6"/>
+    <p:sldId id="366" r:id="rId7"/>
+    <p:sldId id="374" r:id="rId8"/>
+    <p:sldId id="389" r:id="rId9"/>
+    <p:sldId id="407" r:id="rId10"/>
+    <p:sldId id="408" r:id="rId11"/>
+    <p:sldId id="391" r:id="rId12"/>
+    <p:sldId id="393" r:id="rId13"/>
+    <p:sldId id="394" r:id="rId14"/>
+    <p:sldId id="395" r:id="rId15"/>
+    <p:sldId id="396" r:id="rId16"/>
+    <p:sldId id="397" r:id="rId17"/>
+    <p:sldId id="399" r:id="rId18"/>
+    <p:sldId id="401" r:id="rId19"/>
+    <p:sldId id="402" r:id="rId20"/>
+    <p:sldId id="406" r:id="rId21"/>
+    <p:sldId id="403" r:id="rId22"/>
+    <p:sldId id="405" r:id="rId23"/>
+    <p:sldId id="404" r:id="rId24"/>
+    <p:sldId id="353" r:id="rId25"/>
+    <p:sldId id="317" r:id="rId26"/>
+    <p:sldId id="390" r:id="rId27"/>
   </p:sldIdLst>
   <p:sldSz cx="9144000" cy="6858000" type="screen4x3"/>
   <p:notesSz cx="6858000" cy="9144000"/>
@@ -135,7 +136,7 @@
   </p:defaultTextStyle>
   <p:extLst>
     <p:ext uri="{EFAFB233-063F-42B5-8137-9DF3F51BA10A}">
-      <p15:sldGuideLst xmlns="" xmlns:p15="http://schemas.microsoft.com/office/powerpoint/2012/main">
+      <p15:sldGuideLst xmlns:p15="http://schemas.microsoft.com/office/powerpoint/2012/main" xmlns="">
         <p15:guide id="1" orient="horz" pos="2160">
           <p15:clr>
             <a:srgbClr val="A4A3A4"/>
@@ -149,7 +150,7 @@
       </p15:sldGuideLst>
     </p:ext>
     <p:ext uri="{2D200454-40CA-4A62-9FC3-DE9A4176ACB9}">
-      <p15:notesGuideLst xmlns="" xmlns:p15="http://schemas.microsoft.com/office/powerpoint/2012/main">
+      <p15:notesGuideLst xmlns:p15="http://schemas.microsoft.com/office/powerpoint/2012/main" xmlns="">
         <p15:guide id="1" orient="horz" pos="2880">
           <p15:clr>
             <a:srgbClr val="A4A3A4"/>
@@ -249,7 +250,7 @@
             <a:fld id="{0E4FF8FC-8473-4DFD-87CC-D576DA80B410}" type="datetimeFigureOut">
               <a:rPr lang="en-US" smtClean="0"/>
               <a:pPr/>
-              <a:t>5/25/2019</a:t>
+              <a:t>5/26/2019</a:t>
             </a:fld>
             <a:endParaRPr lang="en-US"/>
           </a:p>
@@ -416,7 +417,7 @@
             <a:fld id="{DBCEF50B-A2CD-498B-9049-5AC52B436F32}" type="datetimeFigureOut">
               <a:rPr lang="zh-CN" altLang="en-US" smtClean="0"/>
               <a:pPr/>
-              <a:t>2019/5/25</a:t>
+              <a:t>2019/5/26</a:t>
             </a:fld>
             <a:endParaRPr lang="zh-CN" altLang="en-US"/>
           </a:p>
@@ -835,7 +836,7 @@
             <a:fld id="{3CBEB2FA-5051-4E61-825C-FAC231D30695}" type="slidenum">
               <a:rPr lang="zh-CN" altLang="en-US" smtClean="0"/>
               <a:pPr/>
-              <a:t>12</a:t>
+              <a:t>13</a:t>
             </a:fld>
             <a:endParaRPr lang="zh-CN" altLang="en-US"/>
           </a:p>
@@ -920,7 +921,7 @@
             <a:fld id="{3CBEB2FA-5051-4E61-825C-FAC231D30695}" type="slidenum">
               <a:rPr lang="zh-CN" altLang="en-US" smtClean="0"/>
               <a:pPr/>
-              <a:t>13</a:t>
+              <a:t>14</a:t>
             </a:fld>
             <a:endParaRPr lang="zh-CN" altLang="en-US"/>
           </a:p>
@@ -1005,7 +1006,7 @@
             <a:fld id="{3CBEB2FA-5051-4E61-825C-FAC231D30695}" type="slidenum">
               <a:rPr lang="zh-CN" altLang="en-US" smtClean="0"/>
               <a:pPr/>
-              <a:t>14</a:t>
+              <a:t>15</a:t>
             </a:fld>
             <a:endParaRPr lang="zh-CN" altLang="en-US"/>
           </a:p>
@@ -1090,7 +1091,7 @@
             <a:fld id="{3CBEB2FA-5051-4E61-825C-FAC231D30695}" type="slidenum">
               <a:rPr lang="zh-CN" altLang="en-US" smtClean="0"/>
               <a:pPr/>
-              <a:t>15</a:t>
+              <a:t>16</a:t>
             </a:fld>
             <a:endParaRPr lang="zh-CN" altLang="en-US"/>
           </a:p>
@@ -1175,7 +1176,7 @@
             <a:fld id="{3CBEB2FA-5051-4E61-825C-FAC231D30695}" type="slidenum">
               <a:rPr lang="zh-CN" altLang="en-US" smtClean="0"/>
               <a:pPr/>
-              <a:t>16</a:t>
+              <a:t>17</a:t>
             </a:fld>
             <a:endParaRPr lang="zh-CN" altLang="en-US"/>
           </a:p>
@@ -1260,7 +1261,7 @@
             <a:fld id="{3CBEB2FA-5051-4E61-825C-FAC231D30695}" type="slidenum">
               <a:rPr lang="zh-CN" altLang="en-US" smtClean="0"/>
               <a:pPr/>
-              <a:t>17</a:t>
+              <a:t>18</a:t>
             </a:fld>
             <a:endParaRPr lang="zh-CN" altLang="en-US"/>
           </a:p>
@@ -1345,7 +1346,7 @@
             <a:fld id="{3CBEB2FA-5051-4E61-825C-FAC231D30695}" type="slidenum">
               <a:rPr lang="zh-CN" altLang="en-US" smtClean="0"/>
               <a:pPr/>
-              <a:t>18</a:t>
+              <a:t>19</a:t>
             </a:fld>
             <a:endParaRPr lang="zh-CN" altLang="en-US"/>
           </a:p>
@@ -1430,7 +1431,7 @@
             <a:fld id="{3CBEB2FA-5051-4E61-825C-FAC231D30695}" type="slidenum">
               <a:rPr lang="zh-CN" altLang="en-US" smtClean="0"/>
               <a:pPr/>
-              <a:t>19</a:t>
+              <a:t>20</a:t>
             </a:fld>
             <a:endParaRPr lang="zh-CN" altLang="en-US"/>
           </a:p>
@@ -1515,7 +1516,7 @@
             <a:fld id="{3CBEB2FA-5051-4E61-825C-FAC231D30695}" type="slidenum">
               <a:rPr lang="zh-CN" altLang="en-US" smtClean="0"/>
               <a:pPr/>
-              <a:t>20</a:t>
+              <a:t>21</a:t>
             </a:fld>
             <a:endParaRPr lang="zh-CN" altLang="en-US"/>
           </a:p>
@@ -1600,7 +1601,7 @@
             <a:fld id="{3CBEB2FA-5051-4E61-825C-FAC231D30695}" type="slidenum">
               <a:rPr lang="zh-CN" altLang="en-US" smtClean="0"/>
               <a:pPr/>
-              <a:t>21</a:t>
+              <a:t>22</a:t>
             </a:fld>
             <a:endParaRPr lang="zh-CN" altLang="en-US"/>
           </a:p>
@@ -1685,7 +1686,7 @@
             <a:fld id="{3CBEB2FA-5051-4E61-825C-FAC231D30695}" type="slidenum">
               <a:rPr lang="zh-CN" altLang="en-US" smtClean="0"/>
               <a:pPr/>
-              <a:t>4</a:t>
+              <a:t>5</a:t>
             </a:fld>
             <a:endParaRPr lang="zh-CN" altLang="en-US"/>
           </a:p>
@@ -1770,7 +1771,7 @@
             <a:fld id="{3CBEB2FA-5051-4E61-825C-FAC231D30695}" type="slidenum">
               <a:rPr lang="zh-CN" altLang="en-US" smtClean="0"/>
               <a:pPr/>
-              <a:t>5</a:t>
+              <a:t>6</a:t>
             </a:fld>
             <a:endParaRPr lang="zh-CN" altLang="en-US"/>
           </a:p>
@@ -1855,7 +1856,7 @@
             <a:fld id="{3CBEB2FA-5051-4E61-825C-FAC231D30695}" type="slidenum">
               <a:rPr lang="zh-CN" altLang="en-US" smtClean="0"/>
               <a:pPr/>
-              <a:t>6</a:t>
+              <a:t>7</a:t>
             </a:fld>
             <a:endParaRPr lang="zh-CN" altLang="en-US"/>
           </a:p>
@@ -1940,7 +1941,7 @@
             <a:fld id="{3CBEB2FA-5051-4E61-825C-FAC231D30695}" type="slidenum">
               <a:rPr lang="zh-CN" altLang="en-US" smtClean="0"/>
               <a:pPr/>
-              <a:t>7</a:t>
+              <a:t>8</a:t>
             </a:fld>
             <a:endParaRPr lang="zh-CN" altLang="en-US"/>
           </a:p>
@@ -2025,7 +2026,7 @@
             <a:fld id="{3CBEB2FA-5051-4E61-825C-FAC231D30695}" type="slidenum">
               <a:rPr lang="zh-CN" altLang="en-US" smtClean="0"/>
               <a:pPr/>
-              <a:t>8</a:t>
+              <a:t>9</a:t>
             </a:fld>
             <a:endParaRPr lang="zh-CN" altLang="en-US"/>
           </a:p>
@@ -2110,7 +2111,7 @@
             <a:fld id="{3CBEB2FA-5051-4E61-825C-FAC231D30695}" type="slidenum">
               <a:rPr lang="zh-CN" altLang="en-US" smtClean="0"/>
               <a:pPr/>
-              <a:t>9</a:t>
+              <a:t>10</a:t>
             </a:fld>
             <a:endParaRPr lang="zh-CN" altLang="en-US"/>
           </a:p>
@@ -2195,7 +2196,7 @@
             <a:fld id="{3CBEB2FA-5051-4E61-825C-FAC231D30695}" type="slidenum">
               <a:rPr lang="zh-CN" altLang="en-US" smtClean="0"/>
               <a:pPr/>
-              <a:t>10</a:t>
+              <a:t>11</a:t>
             </a:fld>
             <a:endParaRPr lang="zh-CN" altLang="en-US"/>
           </a:p>
@@ -2280,7 +2281,7 @@
             <a:fld id="{3CBEB2FA-5051-4E61-825C-FAC231D30695}" type="slidenum">
               <a:rPr lang="zh-CN" altLang="en-US" smtClean="0"/>
               <a:pPr/>
-              <a:t>11</a:t>
+              <a:t>12</a:t>
             </a:fld>
             <a:endParaRPr lang="zh-CN" altLang="en-US"/>
           </a:p>
@@ -7497,7 +7498,7 @@
             <a:fld id="{11188646-8CEC-4AE4-B1E7-ADF9D885FD96}" type="datetimeFigureOut">
               <a:rPr lang="en-US" smtClean="0"/>
               <a:pPr/>
-              <a:t>5/25/2019</a:t>
+              <a:t>5/26/2019</a:t>
             </a:fld>
             <a:endParaRPr lang="en-US"/>
           </a:p>
@@ -7664,7 +7665,7 @@
             <a:fld id="{11188646-8CEC-4AE4-B1E7-ADF9D885FD96}" type="datetimeFigureOut">
               <a:rPr lang="en-US" smtClean="0"/>
               <a:pPr/>
-              <a:t>5/25/2019</a:t>
+              <a:t>5/26/2019</a:t>
             </a:fld>
             <a:endParaRPr lang="en-US"/>
           </a:p>
@@ -7841,7 +7842,7 @@
             <a:fld id="{11188646-8CEC-4AE4-B1E7-ADF9D885FD96}" type="datetimeFigureOut">
               <a:rPr lang="en-US" smtClean="0"/>
               <a:pPr/>
-              <a:t>5/25/2019</a:t>
+              <a:t>5/26/2019</a:t>
             </a:fld>
             <a:endParaRPr lang="en-US"/>
           </a:p>
@@ -8078,7 +8079,7 @@
             <a:fld id="{16FF2618-C234-4528-BB60-72360CB0937F}" type="datetimeFigureOut">
               <a:rPr lang="en-US" smtClean="0"/>
               <a:pPr/>
-              <a:t>5/25/2019</a:t>
+              <a:t>5/26/2019</a:t>
             </a:fld>
             <a:endParaRPr lang="en-US"/>
           </a:p>
@@ -8243,7 +8244,7 @@
             <a:fld id="{16FF2618-C234-4528-BB60-72360CB0937F}" type="datetimeFigureOut">
               <a:rPr lang="en-US" smtClean="0"/>
               <a:pPr/>
-              <a:t>5/25/2019</a:t>
+              <a:t>5/26/2019</a:t>
             </a:fld>
             <a:endParaRPr lang="en-US"/>
           </a:p>
@@ -8485,7 +8486,7 @@
             <a:fld id="{16FF2618-C234-4528-BB60-72360CB0937F}" type="datetimeFigureOut">
               <a:rPr lang="en-US" smtClean="0"/>
               <a:pPr/>
-              <a:t>5/25/2019</a:t>
+              <a:t>5/26/2019</a:t>
             </a:fld>
             <a:endParaRPr lang="en-US"/>
           </a:p>
@@ -8767,7 +8768,7 @@
             <a:fld id="{16FF2618-C234-4528-BB60-72360CB0937F}" type="datetimeFigureOut">
               <a:rPr lang="en-US" smtClean="0"/>
               <a:pPr/>
-              <a:t>5/25/2019</a:t>
+              <a:t>5/26/2019</a:t>
             </a:fld>
             <a:endParaRPr lang="en-US"/>
           </a:p>
@@ -9183,7 +9184,7 @@
             <a:fld id="{16FF2618-C234-4528-BB60-72360CB0937F}" type="datetimeFigureOut">
               <a:rPr lang="en-US" smtClean="0"/>
               <a:pPr/>
-              <a:t>5/25/2019</a:t>
+              <a:t>5/26/2019</a:t>
             </a:fld>
             <a:endParaRPr lang="en-US"/>
           </a:p>
@@ -9297,7 +9298,7 @@
             <a:fld id="{16FF2618-C234-4528-BB60-72360CB0937F}" type="datetimeFigureOut">
               <a:rPr lang="en-US" smtClean="0"/>
               <a:pPr/>
-              <a:t>5/25/2019</a:t>
+              <a:t>5/26/2019</a:t>
             </a:fld>
             <a:endParaRPr lang="en-US"/>
           </a:p>
@@ -9389,7 +9390,7 @@
             <a:fld id="{16FF2618-C234-4528-BB60-72360CB0937F}" type="datetimeFigureOut">
               <a:rPr lang="en-US" smtClean="0"/>
               <a:pPr/>
-              <a:t>5/25/2019</a:t>
+              <a:t>5/26/2019</a:t>
             </a:fld>
             <a:endParaRPr lang="en-US"/>
           </a:p>
@@ -9661,7 +9662,7 @@
             <a:fld id="{16FF2618-C234-4528-BB60-72360CB0937F}" type="datetimeFigureOut">
               <a:rPr lang="en-US" smtClean="0"/>
               <a:pPr/>
-              <a:t>5/25/2019</a:t>
+              <a:t>5/26/2019</a:t>
             </a:fld>
             <a:endParaRPr lang="en-US"/>
           </a:p>
@@ -9828,7 +9829,7 @@
             <a:fld id="{11188646-8CEC-4AE4-B1E7-ADF9D885FD96}" type="datetimeFigureOut">
               <a:rPr lang="en-US" smtClean="0"/>
               <a:pPr/>
-              <a:t>5/25/2019</a:t>
+              <a:t>5/26/2019</a:t>
             </a:fld>
             <a:endParaRPr lang="en-US"/>
           </a:p>
@@ -10077,7 +10078,7 @@
             <a:fld id="{16FF2618-C234-4528-BB60-72360CB0937F}" type="datetimeFigureOut">
               <a:rPr lang="en-US" smtClean="0"/>
               <a:pPr/>
-              <a:t>5/25/2019</a:t>
+              <a:t>5/26/2019</a:t>
             </a:fld>
             <a:endParaRPr lang="en-US"/>
           </a:p>
@@ -10242,7 +10243,7 @@
             <a:fld id="{16FF2618-C234-4528-BB60-72360CB0937F}" type="datetimeFigureOut">
               <a:rPr lang="en-US" smtClean="0"/>
               <a:pPr/>
-              <a:t>5/25/2019</a:t>
+              <a:t>5/26/2019</a:t>
             </a:fld>
             <a:endParaRPr lang="en-US"/>
           </a:p>
@@ -10417,7 +10418,7 @@
             <a:fld id="{16FF2618-C234-4528-BB60-72360CB0937F}" type="datetimeFigureOut">
               <a:rPr lang="en-US" smtClean="0"/>
               <a:pPr/>
-              <a:t>5/25/2019</a:t>
+              <a:t>5/26/2019</a:t>
             </a:fld>
             <a:endParaRPr lang="en-US"/>
           </a:p>
@@ -10660,7 +10661,7 @@
             <a:fld id="{11188646-8CEC-4AE4-B1E7-ADF9D885FD96}" type="datetimeFigureOut">
               <a:rPr lang="en-US" smtClean="0"/>
               <a:pPr/>
-              <a:t>5/25/2019</a:t>
+              <a:t>5/26/2019</a:t>
             </a:fld>
             <a:endParaRPr lang="en-US"/>
           </a:p>
@@ -10945,7 +10946,7 @@
             <a:fld id="{11188646-8CEC-4AE4-B1E7-ADF9D885FD96}" type="datetimeFigureOut">
               <a:rPr lang="en-US" smtClean="0"/>
               <a:pPr/>
-              <a:t>5/25/2019</a:t>
+              <a:t>5/26/2019</a:t>
             </a:fld>
             <a:endParaRPr lang="en-US"/>
           </a:p>
@@ -11364,7 +11365,7 @@
             <a:fld id="{11188646-8CEC-4AE4-B1E7-ADF9D885FD96}" type="datetimeFigureOut">
               <a:rPr lang="en-US" smtClean="0"/>
               <a:pPr/>
-              <a:t>5/25/2019</a:t>
+              <a:t>5/26/2019</a:t>
             </a:fld>
             <a:endParaRPr lang="en-US"/>
           </a:p>
@@ -11479,7 +11480,7 @@
             <a:fld id="{11188646-8CEC-4AE4-B1E7-ADF9D885FD96}" type="datetimeFigureOut">
               <a:rPr lang="en-US" smtClean="0"/>
               <a:pPr/>
-              <a:t>5/25/2019</a:t>
+              <a:t>5/26/2019</a:t>
             </a:fld>
             <a:endParaRPr lang="en-US"/>
           </a:p>
@@ -11571,7 +11572,7 @@
             <a:fld id="{11188646-8CEC-4AE4-B1E7-ADF9D885FD96}" type="datetimeFigureOut">
               <a:rPr lang="en-US" smtClean="0"/>
               <a:pPr/>
-              <a:t>5/25/2019</a:t>
+              <a:t>5/26/2019</a:t>
             </a:fld>
             <a:endParaRPr lang="en-US"/>
           </a:p>
@@ -11845,7 +11846,7 @@
             <a:fld id="{11188646-8CEC-4AE4-B1E7-ADF9D885FD96}" type="datetimeFigureOut">
               <a:rPr lang="en-US" smtClean="0"/>
               <a:pPr/>
-              <a:t>5/25/2019</a:t>
+              <a:t>5/26/2019</a:t>
             </a:fld>
             <a:endParaRPr lang="en-US"/>
           </a:p>
@@ -12099,7 +12100,7 @@
             <a:fld id="{11188646-8CEC-4AE4-B1E7-ADF9D885FD96}" type="datetimeFigureOut">
               <a:rPr lang="en-US" smtClean="0"/>
               <a:pPr/>
-              <a:t>5/25/2019</a:t>
+              <a:t>5/26/2019</a:t>
             </a:fld>
             <a:endParaRPr lang="en-US"/>
           </a:p>
@@ -13738,7 +13739,7 @@
             <a:fld id="{11188646-8CEC-4AE4-B1E7-ADF9D885FD96}" type="datetimeFigureOut">
               <a:rPr lang="en-US" smtClean="0"/>
               <a:pPr/>
-              <a:t>5/25/2019</a:t>
+              <a:t>5/26/2019</a:t>
             </a:fld>
             <a:endParaRPr lang="en-US"/>
           </a:p>
@@ -14258,7 +14259,7 @@
             <a:fld id="{16FF2618-C234-4528-BB60-72360CB0937F}" type="datetimeFigureOut">
               <a:rPr lang="en-US" smtClean="0"/>
               <a:pPr/>
-              <a:t>5/25/2019</a:t>
+              <a:t>5/26/2019</a:t>
             </a:fld>
             <a:endParaRPr lang="en-US"/>
           </a:p>
@@ -14932,14 +14933,222 @@
                 <a:latin typeface="Calibri" pitchFamily="34" charset="0"/>
                 <a:cs typeface="Calibri" pitchFamily="34" charset="0"/>
               </a:rPr>
-              <a:t>4.1 Viewing Graph </a:t>
-            </a:r>
+              <a:t>4.1 Viewing Graph Optimization</a:t>
+            </a:r>
+            <a:endParaRPr lang="zh-CN" altLang="en-US" sz="3200" b="1" kern="0" dirty="0">
+              <a:effectLst/>
+              <a:latin typeface="Calibri" pitchFamily="34" charset="0"/>
+              <a:ea typeface="楷体" pitchFamily="49" charset="-122"/>
+              <a:cs typeface="Calibri" pitchFamily="34" charset="0"/>
+            </a:endParaRPr>
+          </a:p>
+        </p:txBody>
+      </p:sp>
+      <p:sp>
+        <p:nvSpPr>
+          <p:cNvPr id="2" name="TextBox 1"/>
+          <p:cNvSpPr txBox="1"/>
+          <p:nvPr/>
+        </p:nvSpPr>
+        <p:spPr>
+          <a:xfrm>
+            <a:off x="565544" y="980728"/>
+            <a:ext cx="7746654" cy="1938992"/>
+          </a:xfrm>
+          <a:prstGeom prst="rect">
+            <a:avLst/>
+          </a:prstGeom>
+          <a:noFill/>
+        </p:spPr>
+        <p:txBody>
+          <a:bodyPr wrap="square" rtlCol="0">
+            <a:spAutoFit/>
+          </a:bodyPr>
+          <a:lstStyle/>
+          <a:p>
+            <a:r>
+              <a:rPr lang="en-US" altLang="zh-CN" sz="2000" b="1" dirty="0" smtClean="0">
+                <a:latin typeface="Times New Roman" pitchFamily="18" charset="0"/>
+                <a:cs typeface="Times New Roman" pitchFamily="18" charset="0"/>
+              </a:rPr>
+              <a:t>Target </a:t>
+            </a:r>
+          </a:p>
+          <a:p>
+            <a:pPr lvl="1"/>
+            <a:r>
+              <a:rPr lang="en-US" altLang="zh-CN" sz="2000" dirty="0" smtClean="0">
+                <a:latin typeface="Times New Roman" pitchFamily="18" charset="0"/>
+                <a:cs typeface="Times New Roman" pitchFamily="18" charset="0"/>
+              </a:rPr>
+              <a:t>Find </a:t>
+            </a:r>
+            <a:r>
+              <a:rPr lang="en-US" altLang="zh-CN" sz="2000" dirty="0">
+                <a:latin typeface="Times New Roman" pitchFamily="18" charset="0"/>
+                <a:cs typeface="Times New Roman" pitchFamily="18" charset="0"/>
+              </a:rPr>
+              <a:t>a minimal set of edges </a:t>
+            </a:r>
+            <a:r>
+              <a:rPr lang="en-US" altLang="zh-CN" sz="2000" dirty="0" smtClean="0">
+                <a:latin typeface="Times New Roman" pitchFamily="18" charset="0"/>
+                <a:cs typeface="Times New Roman" pitchFamily="18" charset="0"/>
+              </a:rPr>
+              <a:t>that provide </a:t>
+            </a:r>
+            <a:r>
+              <a:rPr lang="en-US" altLang="zh-CN" sz="2000" dirty="0">
+                <a:latin typeface="Times New Roman" pitchFamily="18" charset="0"/>
+                <a:cs typeface="Times New Roman" pitchFamily="18" charset="0"/>
+              </a:rPr>
+              <a:t>sufficient coverage over all views in the </a:t>
+            </a:r>
+            <a:r>
+              <a:rPr lang="en-US" altLang="zh-CN" sz="2000" dirty="0" smtClean="0">
+                <a:latin typeface="Times New Roman" pitchFamily="18" charset="0"/>
+                <a:cs typeface="Times New Roman" pitchFamily="18" charset="0"/>
+              </a:rPr>
+              <a:t>viewing graph.</a:t>
+            </a:r>
+            <a:endParaRPr lang="en-US" altLang="zh-CN" sz="2000" dirty="0">
+              <a:latin typeface="Times New Roman" pitchFamily="18" charset="0"/>
+              <a:cs typeface="Times New Roman" pitchFamily="18" charset="0"/>
+            </a:endParaRPr>
+          </a:p>
+          <a:p>
+            <a:pPr lvl="1"/>
+            <a:endParaRPr lang="en-US" altLang="zh-CN" sz="2000" dirty="0" smtClean="0">
+              <a:latin typeface="Times New Roman" pitchFamily="18" charset="0"/>
+              <a:cs typeface="Times New Roman" pitchFamily="18" charset="0"/>
+            </a:endParaRPr>
+          </a:p>
+          <a:p>
+            <a:pPr lvl="1"/>
+            <a:endParaRPr lang="en-US" altLang="zh-CN" sz="2000" dirty="0">
+              <a:latin typeface="Times New Roman" pitchFamily="18" charset="0"/>
+              <a:cs typeface="Times New Roman" pitchFamily="18" charset="0"/>
+            </a:endParaRPr>
+          </a:p>
+          <a:p>
+            <a:endParaRPr lang="en-US" altLang="zh-CN" sz="2000" dirty="0" smtClean="0">
+              <a:latin typeface="Times New Roman" pitchFamily="18" charset="0"/>
+              <a:cs typeface="Times New Roman" pitchFamily="18" charset="0"/>
+            </a:endParaRPr>
+          </a:p>
+        </p:txBody>
+      </p:sp>
+    </p:spTree>
+    <p:extLst>
+      <p:ext uri="{BB962C8B-B14F-4D97-AF65-F5344CB8AC3E}">
+        <p14:creationId xmlns:p14="http://schemas.microsoft.com/office/powerpoint/2010/main" val="1435217000"/>
+      </p:ext>
+    </p:extLst>
+  </p:cSld>
+  <p:clrMapOvr>
+    <a:masterClrMapping/>
+  </p:clrMapOvr>
+  <p:timing>
+    <p:tnLst>
+      <p:par>
+        <p:cTn id="1" dur="indefinite" restart="never" nodeType="tmRoot"/>
+      </p:par>
+    </p:tnLst>
+  </p:timing>
+</p:sld>
+</file>
+
+<file path=ppt/slides/slide11.xml><?xml version="1.0" encoding="utf-8"?>
+<p:sld xmlns:a="http://schemas.openxmlformats.org/drawingml/2006/main" xmlns:r="http://schemas.openxmlformats.org/officeDocument/2006/relationships" xmlns:p="http://schemas.openxmlformats.org/presentationml/2006/main">
+  <p:cSld>
+    <p:spTree>
+      <p:nvGrpSpPr>
+        <p:cNvPr id="1" name=""/>
+        <p:cNvGrpSpPr/>
+        <p:nvPr/>
+      </p:nvGrpSpPr>
+      <p:grpSpPr>
+        <a:xfrm>
+          <a:off x="0" y="0"/>
+          <a:ext cx="0" cy="0"/>
+          <a:chOff x="0" y="0"/>
+          <a:chExt cx="0" cy="0"/>
+        </a:xfrm>
+      </p:grpSpPr>
+      <p:cxnSp>
+        <p:nvCxnSpPr>
+          <p:cNvPr id="8" name="直接连接符 7"/>
+          <p:cNvCxnSpPr/>
+          <p:nvPr/>
+        </p:nvCxnSpPr>
+        <p:spPr>
+          <a:xfrm>
+            <a:off x="571472" y="692696"/>
+            <a:ext cx="7786742" cy="1588"/>
+          </a:xfrm>
+          <a:prstGeom prst="line">
+            <a:avLst/>
+          </a:prstGeom>
+          <a:ln>
+            <a:solidFill>
+              <a:schemeClr val="accent2">
+                <a:lumMod val="75000"/>
+              </a:schemeClr>
+            </a:solidFill>
+          </a:ln>
+        </p:spPr>
+        <p:style>
+          <a:lnRef idx="1">
+            <a:schemeClr val="accent1"/>
+          </a:lnRef>
+          <a:fillRef idx="0">
+            <a:schemeClr val="accent1"/>
+          </a:fillRef>
+          <a:effectRef idx="0">
+            <a:schemeClr val="accent1"/>
+          </a:effectRef>
+          <a:fontRef idx="minor">
+            <a:schemeClr val="tx1"/>
+          </a:fontRef>
+        </p:style>
+      </p:cxnSp>
+      <p:sp>
+        <p:nvSpPr>
+          <p:cNvPr id="5" name="标题 3"/>
+          <p:cNvSpPr txBox="1">
+            <a:spLocks/>
+          </p:cNvSpPr>
+          <p:nvPr/>
+        </p:nvSpPr>
+        <p:spPr bwMode="auto">
+          <a:xfrm>
+            <a:off x="257175" y="142852"/>
+            <a:ext cx="8491289" cy="609600"/>
+          </a:xfrm>
+          <a:prstGeom prst="rect">
+            <a:avLst/>
+          </a:prstGeom>
+          <a:noFill/>
+          <a:ln w="9525">
+            <a:noFill/>
+            <a:miter lim="800000"/>
+            <a:headEnd/>
+            <a:tailEnd/>
+          </a:ln>
+        </p:spPr>
+        <p:txBody>
+          <a:bodyPr anchor="ctr"/>
+          <a:lstStyle/>
+          <a:p>
+            <a:pPr>
+              <a:defRPr/>
+            </a:pPr>
             <a:r>
               <a:rPr lang="en-US" altLang="zh-CN" sz="2800" b="1" i="1" dirty="0" smtClean="0">
                 <a:latin typeface="Calibri" pitchFamily="34" charset="0"/>
                 <a:cs typeface="Calibri" pitchFamily="34" charset="0"/>
               </a:rPr>
-              <a:t>Optimization</a:t>
+              <a:t>4.1 Viewing Graph Optimization</a:t>
             </a:r>
             <a:endParaRPr lang="zh-CN" altLang="en-US" sz="3200" b="1" kern="0" dirty="0">
               <a:effectLst/>
@@ -15255,7 +15464,7 @@
 </p:sld>
 </file>
 
-<file path=ppt/slides/slide11.xml><?xml version="1.0" encoding="utf-8"?>
+<file path=ppt/slides/slide12.xml><?xml version="1.0" encoding="utf-8"?>
 <p:sld xmlns:a="http://schemas.openxmlformats.org/drawingml/2006/main" xmlns:r="http://schemas.openxmlformats.org/officeDocument/2006/relationships" xmlns:p="http://schemas.openxmlformats.org/presentationml/2006/main">
   <p:cSld>
     <p:spTree>
@@ -15345,14 +15554,7 @@
                 <a:latin typeface="Calibri" pitchFamily="34" charset="0"/>
                 <a:cs typeface="Calibri" pitchFamily="34" charset="0"/>
               </a:rPr>
-              <a:t>4.1 Viewing Graph </a:t>
-            </a:r>
-            <a:r>
-              <a:rPr lang="en-US" altLang="zh-CN" sz="2800" b="1" i="1" dirty="0" smtClean="0">
-                <a:latin typeface="Calibri" pitchFamily="34" charset="0"/>
-                <a:cs typeface="Calibri" pitchFamily="34" charset="0"/>
-              </a:rPr>
-              <a:t>Optimization</a:t>
+              <a:t>4.1 Viewing Graph Optimization</a:t>
             </a:r>
             <a:endParaRPr lang="zh-CN" altLang="en-US" sz="3200" b="1" kern="0" dirty="0">
               <a:effectLst/>
@@ -15475,7 +15677,7 @@
 </p:sld>
 </file>
 
-<file path=ppt/slides/slide12.xml><?xml version="1.0" encoding="utf-8"?>
+<file path=ppt/slides/slide13.xml><?xml version="1.0" encoding="utf-8"?>
 <p:sld xmlns:a="http://schemas.openxmlformats.org/drawingml/2006/main" xmlns:r="http://schemas.openxmlformats.org/officeDocument/2006/relationships" xmlns:p="http://schemas.openxmlformats.org/presentationml/2006/main">
   <p:cSld>
     <p:spTree>
@@ -15678,7 +15880,7 @@
 </p:sld>
 </file>
 
-<file path=ppt/slides/slide13.xml><?xml version="1.0" encoding="utf-8"?>
+<file path=ppt/slides/slide14.xml><?xml version="1.0" encoding="utf-8"?>
 <p:sld xmlns:a="http://schemas.openxmlformats.org/drawingml/2006/main" xmlns:r="http://schemas.openxmlformats.org/officeDocument/2006/relationships" xmlns:p="http://schemas.openxmlformats.org/presentationml/2006/main">
   <p:cSld>
     <p:spTree>
@@ -15953,7 +16155,7 @@
 </p:sld>
 </file>
 
-<file path=ppt/slides/slide14.xml><?xml version="1.0" encoding="utf-8"?>
+<file path=ppt/slides/slide15.xml><?xml version="1.0" encoding="utf-8"?>
 <p:sld xmlns:a="http://schemas.openxmlformats.org/drawingml/2006/main" xmlns:r="http://schemas.openxmlformats.org/officeDocument/2006/relationships" xmlns:p="http://schemas.openxmlformats.org/presentationml/2006/main">
   <p:cSld>
     <p:spTree>
@@ -16115,7 +16317,7 @@
 </p:sld>
 </file>
 
-<file path=ppt/slides/slide15.xml><?xml version="1.0" encoding="utf-8"?>
+<file path=ppt/slides/slide16.xml><?xml version="1.0" encoding="utf-8"?>
 <p:sld xmlns:a="http://schemas.openxmlformats.org/drawingml/2006/main" xmlns:r="http://schemas.openxmlformats.org/officeDocument/2006/relationships" xmlns:p="http://schemas.openxmlformats.org/presentationml/2006/main">
   <p:cSld>
     <p:spTree>
@@ -16321,7 +16523,7 @@
 </p:sld>
 </file>
 
-<file path=ppt/slides/slide16.xml><?xml version="1.0" encoding="utf-8"?>
+<file path=ppt/slides/slide17.xml><?xml version="1.0" encoding="utf-8"?>
 <p:sld xmlns:a="http://schemas.openxmlformats.org/drawingml/2006/main" xmlns:r="http://schemas.openxmlformats.org/officeDocument/2006/relationships" xmlns:p="http://schemas.openxmlformats.org/presentationml/2006/main">
   <p:cSld>
     <p:spTree>
@@ -16442,7 +16644,7 @@
 </p:sld>
 </file>
 
-<file path=ppt/slides/slide17.xml><?xml version="1.0" encoding="utf-8"?>
+<file path=ppt/slides/slide18.xml><?xml version="1.0" encoding="utf-8"?>
 <p:sld xmlns:a="http://schemas.openxmlformats.org/drawingml/2006/main" xmlns:r="http://schemas.openxmlformats.org/officeDocument/2006/relationships" xmlns:p="http://schemas.openxmlformats.org/presentationml/2006/main">
   <p:cSld>
     <p:spTree>
@@ -16627,7 +16829,7 @@
 </p:sld>
 </file>
 
-<file path=ppt/slides/slide18.xml><?xml version="1.0" encoding="utf-8"?>
+<file path=ppt/slides/slide19.xml><?xml version="1.0" encoding="utf-8"?>
 <p:sld xmlns:a="http://schemas.openxmlformats.org/drawingml/2006/main" xmlns:r="http://schemas.openxmlformats.org/officeDocument/2006/relationships" xmlns:p="http://schemas.openxmlformats.org/presentationml/2006/main">
   <p:cSld>
     <p:spTree>
@@ -16833,7 +17035,242 @@
 </p:sld>
 </file>
 
-<file path=ppt/slides/slide19.xml><?xml version="1.0" encoding="utf-8"?>
+<file path=ppt/slides/slide2.xml><?xml version="1.0" encoding="utf-8"?>
+<p:sld xmlns:a="http://schemas.openxmlformats.org/drawingml/2006/main" xmlns:r="http://schemas.openxmlformats.org/officeDocument/2006/relationships" xmlns:p="http://schemas.openxmlformats.org/presentationml/2006/main">
+  <p:cSld>
+    <p:spTree>
+      <p:nvGrpSpPr>
+        <p:cNvPr id="1" name=""/>
+        <p:cNvGrpSpPr/>
+        <p:nvPr/>
+      </p:nvGrpSpPr>
+      <p:grpSpPr>
+        <a:xfrm>
+          <a:off x="0" y="0"/>
+          <a:ext cx="0" cy="0"/>
+          <a:chOff x="0" y="0"/>
+          <a:chExt cx="0" cy="0"/>
+        </a:xfrm>
+      </p:grpSpPr>
+      <p:cxnSp>
+        <p:nvCxnSpPr>
+          <p:cNvPr id="12" name="直接连接符 11"/>
+          <p:cNvCxnSpPr/>
+          <p:nvPr/>
+        </p:nvCxnSpPr>
+        <p:spPr>
+          <a:xfrm>
+            <a:off x="785786" y="857232"/>
+            <a:ext cx="7786742" cy="1588"/>
+          </a:xfrm>
+          <a:prstGeom prst="line">
+            <a:avLst/>
+          </a:prstGeom>
+          <a:ln>
+            <a:solidFill>
+              <a:schemeClr val="accent2">
+                <a:lumMod val="75000"/>
+              </a:schemeClr>
+            </a:solidFill>
+          </a:ln>
+        </p:spPr>
+        <p:style>
+          <a:lnRef idx="1">
+            <a:schemeClr val="accent1"/>
+          </a:lnRef>
+          <a:fillRef idx="0">
+            <a:schemeClr val="accent1"/>
+          </a:fillRef>
+          <a:effectRef idx="0">
+            <a:schemeClr val="accent1"/>
+          </a:effectRef>
+          <a:fontRef idx="minor">
+            <a:schemeClr val="tx1"/>
+          </a:fontRef>
+        </p:style>
+      </p:cxnSp>
+      <p:sp>
+        <p:nvSpPr>
+          <p:cNvPr id="13" name="标题 3"/>
+          <p:cNvSpPr txBox="1">
+            <a:spLocks/>
+          </p:cNvSpPr>
+          <p:nvPr/>
+        </p:nvSpPr>
+        <p:spPr bwMode="auto">
+          <a:xfrm>
+            <a:off x="362269" y="132025"/>
+            <a:ext cx="7243783" cy="609600"/>
+          </a:xfrm>
+          <a:prstGeom prst="rect">
+            <a:avLst/>
+          </a:prstGeom>
+          <a:noFill/>
+          <a:ln w="9525">
+            <a:noFill/>
+            <a:miter lim="800000"/>
+            <a:headEnd/>
+            <a:tailEnd/>
+          </a:ln>
+        </p:spPr>
+        <p:txBody>
+          <a:bodyPr anchor="ctr"/>
+          <a:lstStyle/>
+          <a:p>
+            <a:pPr>
+              <a:defRPr/>
+            </a:pPr>
+            <a:r>
+              <a:rPr lang="en-US" altLang="zh-CN" sz="2800" b="1" i="1" dirty="0">
+                <a:latin typeface="Calibri" pitchFamily="34" charset="0"/>
+                <a:cs typeface="Calibri" pitchFamily="34" charset="0"/>
+              </a:rPr>
+              <a:t>1.  Introduction</a:t>
+            </a:r>
+            <a:endParaRPr lang="zh-CN" altLang="en-US" sz="3200" b="1" kern="0" dirty="0">
+              <a:effectLst/>
+              <a:latin typeface="Calibri" pitchFamily="34" charset="0"/>
+              <a:ea typeface="楷体" pitchFamily="49" charset="-122"/>
+              <a:cs typeface="Calibri" pitchFamily="34" charset="0"/>
+            </a:endParaRPr>
+          </a:p>
+        </p:txBody>
+      </p:sp>
+      <p:pic>
+        <p:nvPicPr>
+          <p:cNvPr id="2" name="Picture 2"/>
+          <p:cNvPicPr>
+            <a:picLocks noChangeAspect="1" noChangeArrowheads="1"/>
+          </p:cNvPicPr>
+          <p:nvPr/>
+        </p:nvPicPr>
+        <p:blipFill>
+          <a:blip r:embed="rId2">
+            <a:extLst>
+              <a:ext uri="{28A0092B-C50C-407E-A947-70E740481C1C}">
+                <a14:useLocalDpi xmlns:a14="http://schemas.microsoft.com/office/drawing/2010/main" val="0"/>
+              </a:ext>
+            </a:extLst>
+          </a:blip>
+          <a:srcRect/>
+          <a:stretch>
+            <a:fillRect/>
+          </a:stretch>
+        </p:blipFill>
+        <p:spPr bwMode="auto">
+          <a:xfrm>
+            <a:off x="2627784" y="908720"/>
+            <a:ext cx="3795713" cy="3690937"/>
+          </a:xfrm>
+          <a:prstGeom prst="rect">
+            <a:avLst/>
+          </a:prstGeom>
+          <a:noFill/>
+          <a:ln>
+            <a:noFill/>
+          </a:ln>
+          <a:effectLst/>
+          <a:extLst>
+            <a:ext uri="{909E8E84-426E-40DD-AFC4-6F175D3DCCD1}">
+              <a14:hiddenFill xmlns:a14="http://schemas.microsoft.com/office/drawing/2010/main">
+                <a:solidFill>
+                  <a:schemeClr val="accent1"/>
+                </a:solidFill>
+              </a14:hiddenFill>
+            </a:ext>
+            <a:ext uri="{91240B29-F687-4F45-9708-019B960494DF}">
+              <a14:hiddenLine xmlns:a14="http://schemas.microsoft.com/office/drawing/2010/main" w="9525">
+                <a:solidFill>
+                  <a:schemeClr val="tx1"/>
+                </a:solidFill>
+                <a:miter lim="800000"/>
+                <a:headEnd/>
+                <a:tailEnd/>
+              </a14:hiddenLine>
+            </a:ext>
+            <a:ext uri="{AF507438-7753-43E0-B8FC-AC1667EBCBE1}">
+              <a14:hiddenEffects xmlns:a14="http://schemas.microsoft.com/office/drawing/2010/main">
+                <a:effectLst>
+                  <a:outerShdw dist="35921" dir="2700000" algn="ctr" rotWithShape="0">
+                    <a:schemeClr val="bg2"/>
+                  </a:outerShdw>
+                </a:effectLst>
+              </a14:hiddenEffects>
+            </a:ext>
+          </a:extLst>
+        </p:spPr>
+      </p:pic>
+      <p:sp>
+        <p:nvSpPr>
+          <p:cNvPr id="3" name="TextBox 2"/>
+          <p:cNvSpPr txBox="1"/>
+          <p:nvPr/>
+        </p:nvSpPr>
+        <p:spPr>
+          <a:xfrm>
+            <a:off x="683568" y="4653136"/>
+            <a:ext cx="8178702" cy="1200329"/>
+          </a:xfrm>
+          <a:prstGeom prst="rect">
+            <a:avLst/>
+          </a:prstGeom>
+          <a:noFill/>
+        </p:spPr>
+        <p:txBody>
+          <a:bodyPr wrap="square" rtlCol="0">
+            <a:spAutoFit/>
+          </a:bodyPr>
+          <a:lstStyle/>
+          <a:p>
+            <a:r>
+              <a:rPr lang="en-US" altLang="zh-CN" sz="2400" dirty="0" smtClean="0">
+                <a:latin typeface="Times New Roman" pitchFamily="18" charset="0"/>
+                <a:cs typeface="Times New Roman" pitchFamily="18" charset="0"/>
+              </a:rPr>
+              <a:t>A novel optimization that improves the quality of the relative geometries by enforcing loop consistency constraints with the </a:t>
+            </a:r>
+            <a:r>
+              <a:rPr lang="en-US" altLang="zh-CN" sz="2400" dirty="0" err="1" smtClean="0">
+                <a:latin typeface="Times New Roman" pitchFamily="18" charset="0"/>
+                <a:cs typeface="Times New Roman" pitchFamily="18" charset="0"/>
+              </a:rPr>
+              <a:t>epipolar</a:t>
+            </a:r>
+            <a:r>
+              <a:rPr lang="en-US" altLang="zh-CN" sz="2400" dirty="0" smtClean="0">
+                <a:latin typeface="Times New Roman" pitchFamily="18" charset="0"/>
+                <a:cs typeface="Times New Roman" pitchFamily="18" charset="0"/>
+              </a:rPr>
+              <a:t> point transfer.</a:t>
+            </a:r>
+            <a:endParaRPr lang="en-US" sz="2400" dirty="0">
+              <a:latin typeface="Times New Roman" pitchFamily="18" charset="0"/>
+              <a:cs typeface="Times New Roman" pitchFamily="18" charset="0"/>
+            </a:endParaRPr>
+          </a:p>
+        </p:txBody>
+      </p:sp>
+    </p:spTree>
+    <p:extLst>
+      <p:ext uri="{BB962C8B-B14F-4D97-AF65-F5344CB8AC3E}">
+        <p14:creationId xmlns:p14="http://schemas.microsoft.com/office/powerpoint/2010/main" val="1309278673"/>
+      </p:ext>
+    </p:extLst>
+  </p:cSld>
+  <p:clrMapOvr>
+    <a:masterClrMapping/>
+  </p:clrMapOvr>
+  <p:timing>
+    <p:tnLst>
+      <p:par>
+        <p:cTn id="1" dur="indefinite" restart="never" nodeType="tmRoot"/>
+      </p:par>
+    </p:tnLst>
+  </p:timing>
+</p:sld>
+</file>
+
+<file path=ppt/slides/slide20.xml><?xml version="1.0" encoding="utf-8"?>
 <p:sld xmlns:a="http://schemas.openxmlformats.org/drawingml/2006/main" xmlns:r="http://schemas.openxmlformats.org/officeDocument/2006/relationships" xmlns:p="http://schemas.openxmlformats.org/presentationml/2006/main">
   <p:cSld>
     <p:spTree>
@@ -17162,242 +17599,7 @@
 </p:sld>
 </file>
 
-<file path=ppt/slides/slide2.xml><?xml version="1.0" encoding="utf-8"?>
-<p:sld xmlns:a="http://schemas.openxmlformats.org/drawingml/2006/main" xmlns:r="http://schemas.openxmlformats.org/officeDocument/2006/relationships" xmlns:p="http://schemas.openxmlformats.org/presentationml/2006/main">
-  <p:cSld>
-    <p:spTree>
-      <p:nvGrpSpPr>
-        <p:cNvPr id="1" name=""/>
-        <p:cNvGrpSpPr/>
-        <p:nvPr/>
-      </p:nvGrpSpPr>
-      <p:grpSpPr>
-        <a:xfrm>
-          <a:off x="0" y="0"/>
-          <a:ext cx="0" cy="0"/>
-          <a:chOff x="0" y="0"/>
-          <a:chExt cx="0" cy="0"/>
-        </a:xfrm>
-      </p:grpSpPr>
-      <p:cxnSp>
-        <p:nvCxnSpPr>
-          <p:cNvPr id="12" name="直接连接符 11"/>
-          <p:cNvCxnSpPr/>
-          <p:nvPr/>
-        </p:nvCxnSpPr>
-        <p:spPr>
-          <a:xfrm>
-            <a:off x="785786" y="857232"/>
-            <a:ext cx="7786742" cy="1588"/>
-          </a:xfrm>
-          <a:prstGeom prst="line">
-            <a:avLst/>
-          </a:prstGeom>
-          <a:ln>
-            <a:solidFill>
-              <a:schemeClr val="accent2">
-                <a:lumMod val="75000"/>
-              </a:schemeClr>
-            </a:solidFill>
-          </a:ln>
-        </p:spPr>
-        <p:style>
-          <a:lnRef idx="1">
-            <a:schemeClr val="accent1"/>
-          </a:lnRef>
-          <a:fillRef idx="0">
-            <a:schemeClr val="accent1"/>
-          </a:fillRef>
-          <a:effectRef idx="0">
-            <a:schemeClr val="accent1"/>
-          </a:effectRef>
-          <a:fontRef idx="minor">
-            <a:schemeClr val="tx1"/>
-          </a:fontRef>
-        </p:style>
-      </p:cxnSp>
-      <p:sp>
-        <p:nvSpPr>
-          <p:cNvPr id="13" name="标题 3"/>
-          <p:cNvSpPr txBox="1">
-            <a:spLocks/>
-          </p:cNvSpPr>
-          <p:nvPr/>
-        </p:nvSpPr>
-        <p:spPr bwMode="auto">
-          <a:xfrm>
-            <a:off x="362269" y="132025"/>
-            <a:ext cx="7243783" cy="609600"/>
-          </a:xfrm>
-          <a:prstGeom prst="rect">
-            <a:avLst/>
-          </a:prstGeom>
-          <a:noFill/>
-          <a:ln w="9525">
-            <a:noFill/>
-            <a:miter lim="800000"/>
-            <a:headEnd/>
-            <a:tailEnd/>
-          </a:ln>
-        </p:spPr>
-        <p:txBody>
-          <a:bodyPr anchor="ctr"/>
-          <a:lstStyle/>
-          <a:p>
-            <a:pPr>
-              <a:defRPr/>
-            </a:pPr>
-            <a:r>
-              <a:rPr lang="en-US" altLang="zh-CN" sz="2800" b="1" i="1" dirty="0">
-                <a:latin typeface="Calibri" pitchFamily="34" charset="0"/>
-                <a:cs typeface="Calibri" pitchFamily="34" charset="0"/>
-              </a:rPr>
-              <a:t>1.  Introduction</a:t>
-            </a:r>
-            <a:endParaRPr lang="zh-CN" altLang="en-US" sz="3200" b="1" kern="0" dirty="0">
-              <a:effectLst/>
-              <a:latin typeface="Calibri" pitchFamily="34" charset="0"/>
-              <a:ea typeface="楷体" pitchFamily="49" charset="-122"/>
-              <a:cs typeface="Calibri" pitchFamily="34" charset="0"/>
-            </a:endParaRPr>
-          </a:p>
-        </p:txBody>
-      </p:sp>
-      <p:pic>
-        <p:nvPicPr>
-          <p:cNvPr id="2" name="Picture 2"/>
-          <p:cNvPicPr>
-            <a:picLocks noChangeAspect="1" noChangeArrowheads="1"/>
-          </p:cNvPicPr>
-          <p:nvPr/>
-        </p:nvPicPr>
-        <p:blipFill>
-          <a:blip r:embed="rId2">
-            <a:extLst>
-              <a:ext uri="{28A0092B-C50C-407E-A947-70E740481C1C}">
-                <a14:useLocalDpi xmlns:a14="http://schemas.microsoft.com/office/drawing/2010/main" val="0"/>
-              </a:ext>
-            </a:extLst>
-          </a:blip>
-          <a:srcRect/>
-          <a:stretch>
-            <a:fillRect/>
-          </a:stretch>
-        </p:blipFill>
-        <p:spPr bwMode="auto">
-          <a:xfrm>
-            <a:off x="2627784" y="908720"/>
-            <a:ext cx="3795713" cy="3690937"/>
-          </a:xfrm>
-          <a:prstGeom prst="rect">
-            <a:avLst/>
-          </a:prstGeom>
-          <a:noFill/>
-          <a:ln>
-            <a:noFill/>
-          </a:ln>
-          <a:effectLst/>
-          <a:extLst>
-            <a:ext uri="{909E8E84-426E-40DD-AFC4-6F175D3DCCD1}">
-              <a14:hiddenFill xmlns:a14="http://schemas.microsoft.com/office/drawing/2010/main">
-                <a:solidFill>
-                  <a:schemeClr val="accent1"/>
-                </a:solidFill>
-              </a14:hiddenFill>
-            </a:ext>
-            <a:ext uri="{91240B29-F687-4F45-9708-019B960494DF}">
-              <a14:hiddenLine xmlns:a14="http://schemas.microsoft.com/office/drawing/2010/main" w="9525">
-                <a:solidFill>
-                  <a:schemeClr val="tx1"/>
-                </a:solidFill>
-                <a:miter lim="800000"/>
-                <a:headEnd/>
-                <a:tailEnd/>
-              </a14:hiddenLine>
-            </a:ext>
-            <a:ext uri="{AF507438-7753-43E0-B8FC-AC1667EBCBE1}">
-              <a14:hiddenEffects xmlns:a14="http://schemas.microsoft.com/office/drawing/2010/main">
-                <a:effectLst>
-                  <a:outerShdw dist="35921" dir="2700000" algn="ctr" rotWithShape="0">
-                    <a:schemeClr val="bg2"/>
-                  </a:outerShdw>
-                </a:effectLst>
-              </a14:hiddenEffects>
-            </a:ext>
-          </a:extLst>
-        </p:spPr>
-      </p:pic>
-      <p:sp>
-        <p:nvSpPr>
-          <p:cNvPr id="3" name="TextBox 2"/>
-          <p:cNvSpPr txBox="1"/>
-          <p:nvPr/>
-        </p:nvSpPr>
-        <p:spPr>
-          <a:xfrm>
-            <a:off x="739426" y="4608443"/>
-            <a:ext cx="8178702" cy="1200329"/>
-          </a:xfrm>
-          <a:prstGeom prst="rect">
-            <a:avLst/>
-          </a:prstGeom>
-          <a:noFill/>
-        </p:spPr>
-        <p:txBody>
-          <a:bodyPr wrap="square" rtlCol="0">
-            <a:spAutoFit/>
-          </a:bodyPr>
-          <a:lstStyle/>
-          <a:p>
-            <a:r>
-              <a:rPr lang="en-US" sz="2400" dirty="0" smtClean="0">
-                <a:latin typeface="Times New Roman" pitchFamily="18" charset="0"/>
-                <a:cs typeface="Times New Roman" pitchFamily="18" charset="0"/>
-              </a:rPr>
-              <a:t>In this paper, a nov</a:t>
-            </a:r>
-            <a:r>
-              <a:rPr lang="en-US" altLang="zh-CN" sz="2400" dirty="0" smtClean="0">
-                <a:latin typeface="Times New Roman" pitchFamily="18" charset="0"/>
-                <a:cs typeface="Times New Roman" pitchFamily="18" charset="0"/>
-              </a:rPr>
-              <a:t>e</a:t>
-            </a:r>
-            <a:r>
-              <a:rPr lang="en-US" sz="2400" dirty="0" smtClean="0">
-                <a:latin typeface="Times New Roman" pitchFamily="18" charset="0"/>
-                <a:cs typeface="Times New Roman" pitchFamily="18" charset="0"/>
-              </a:rPr>
-              <a:t>l pipeline for global SFM has been proposed. Compared to standard global SFM pipeline, it achieved great efficiency and accuracy.</a:t>
-            </a:r>
-            <a:endParaRPr lang="en-US" sz="2400" dirty="0">
-              <a:latin typeface="Times New Roman" pitchFamily="18" charset="0"/>
-              <a:cs typeface="Times New Roman" pitchFamily="18" charset="0"/>
-            </a:endParaRPr>
-          </a:p>
-        </p:txBody>
-      </p:sp>
-    </p:spTree>
-    <p:extLst>
-      <p:ext uri="{BB962C8B-B14F-4D97-AF65-F5344CB8AC3E}">
-        <p14:creationId xmlns:p14="http://schemas.microsoft.com/office/powerpoint/2010/main" val="1309278673"/>
-      </p:ext>
-    </p:extLst>
-  </p:cSld>
-  <p:clrMapOvr>
-    <a:masterClrMapping/>
-  </p:clrMapOvr>
-  <p:timing>
-    <p:tnLst>
-      <p:par>
-        <p:cTn id="1" dur="indefinite" restart="never" nodeType="tmRoot"/>
-      </p:par>
-    </p:tnLst>
-  </p:timing>
-</p:sld>
-</file>
-
-<file path=ppt/slides/slide20.xml><?xml version="1.0" encoding="utf-8"?>
+<file path=ppt/slides/slide21.xml><?xml version="1.0" encoding="utf-8"?>
 <p:sld xmlns:a="http://schemas.openxmlformats.org/drawingml/2006/main" xmlns:r="http://schemas.openxmlformats.org/officeDocument/2006/relationships" xmlns:p="http://schemas.openxmlformats.org/presentationml/2006/main">
   <p:cSld>
     <p:spTree>
@@ -17589,7 +17791,7 @@
 </p:sld>
 </file>
 
-<file path=ppt/slides/slide21.xml><?xml version="1.0" encoding="utf-8"?>
+<file path=ppt/slides/slide22.xml><?xml version="1.0" encoding="utf-8"?>
 <p:sld xmlns:a="http://schemas.openxmlformats.org/drawingml/2006/main" xmlns:r="http://schemas.openxmlformats.org/officeDocument/2006/relationships" xmlns:p="http://schemas.openxmlformats.org/presentationml/2006/main">
   <p:cSld>
     <p:spTree>
@@ -17648,7 +17850,7 @@
           <p:cNvPr id="15" name="标题 3">
             <a:extLst>
               <a:ext uri="{FF2B5EF4-FFF2-40B4-BE49-F238E27FC236}">
-                <a16:creationId xmlns="" xmlns:a16="http://schemas.microsoft.com/office/drawing/2014/main" id="{F68BA453-3377-4256-A938-E7CF0F36192B}"/>
+                <a16:creationId xmlns:a16="http://schemas.microsoft.com/office/drawing/2014/main" xmlns="" id="{F68BA453-3377-4256-A938-E7CF0F36192B}"/>
               </a:ext>
             </a:extLst>
           </p:cNvPr>
@@ -17712,7 +17914,7 @@
           <p:cNvPr id="5" name="TextBox 16">
             <a:extLst>
               <a:ext uri="{FF2B5EF4-FFF2-40B4-BE49-F238E27FC236}">
-                <a16:creationId xmlns="" xmlns:a16="http://schemas.microsoft.com/office/drawing/2014/main" id="{DEDB19A1-0490-463A-9A9E-10132D9DF7E3}"/>
+                <a16:creationId xmlns:a16="http://schemas.microsoft.com/office/drawing/2014/main" xmlns="" id="{DEDB19A1-0490-463A-9A9E-10132D9DF7E3}"/>
               </a:ext>
             </a:extLst>
           </p:cNvPr>
@@ -17787,7 +17989,7 @@
 </p:sld>
 </file>
 
-<file path=ppt/slides/slide22.xml><?xml version="1.0" encoding="utf-8"?>
+<file path=ppt/slides/slide23.xml><?xml version="1.0" encoding="utf-8"?>
 <p:sld xmlns:a="http://schemas.openxmlformats.org/drawingml/2006/main" xmlns:r="http://schemas.openxmlformats.org/officeDocument/2006/relationships" xmlns:p="http://schemas.openxmlformats.org/presentationml/2006/main">
   <p:cSld>
     <p:spTree>
@@ -17813,7 +18015,7 @@
         <p:spPr>
           <a:xfrm>
             <a:off x="611560" y="980728"/>
-            <a:ext cx="7056784" cy="923330"/>
+            <a:ext cx="7056784" cy="1200329"/>
           </a:xfrm>
           <a:prstGeom prst="rect">
             <a:avLst/>
@@ -17874,7 +18076,23 @@
                 <a:latin typeface="Times New Roman" pitchFamily="18" charset="0"/>
                 <a:cs typeface="Times New Roman" pitchFamily="18" charset="0"/>
               </a:rPr>
-              <a:t>Q3: What is the norm of transfer line?</a:t>
+              <a:t>Q3: What is the norm of transfer line</a:t>
+            </a:r>
+            <a:r>
+              <a:rPr lang="en-US" altLang="zh-CN" dirty="0" smtClean="0">
+                <a:latin typeface="Times New Roman" pitchFamily="18" charset="0"/>
+                <a:cs typeface="Times New Roman" pitchFamily="18" charset="0"/>
+              </a:rPr>
+              <a:t>?</a:t>
+            </a:r>
+          </a:p>
+          <a:p>
+            <a:r>
+              <a:rPr lang="en-US" altLang="zh-CN" dirty="0" smtClean="0">
+                <a:latin typeface="Times New Roman" pitchFamily="18" charset="0"/>
+                <a:cs typeface="Times New Roman" pitchFamily="18" charset="0"/>
+              </a:rPr>
+              <a:t>Q4: How to get fundamental matrix?</a:t>
             </a:r>
             <a:endParaRPr lang="zh-CN" altLang="en-US" dirty="0">
               <a:latin typeface="Times New Roman" pitchFamily="18" charset="0"/>
@@ -17891,7 +18109,7 @@
 </p:sld>
 </file>
 
-<file path=ppt/slides/slide23.xml><?xml version="1.0" encoding="utf-8"?>
+<file path=ppt/slides/slide24.xml><?xml version="1.0" encoding="utf-8"?>
 <p:sld xmlns:a="http://schemas.openxmlformats.org/drawingml/2006/main" xmlns:r="http://schemas.openxmlformats.org/officeDocument/2006/relationships" xmlns:p="http://schemas.openxmlformats.org/presentationml/2006/main">
   <p:cSld>
     <p:spTree>
@@ -18173,230 +18391,668 @@
           </a:p>
         </p:txBody>
       </p:sp>
-      <p:sp>
-        <p:nvSpPr>
-          <p:cNvPr id="7" name="TextBox 16">
-            <a:extLst>
-              <a:ext uri="{FF2B5EF4-FFF2-40B4-BE49-F238E27FC236}">
-                <a16:creationId xmlns="" xmlns:a16="http://schemas.microsoft.com/office/drawing/2014/main" id="{0ECBC174-8EE7-4D48-B168-91CFF26277BE}"/>
-              </a:ext>
-            </a:extLst>
-          </p:cNvPr>
-          <p:cNvSpPr>
-            <a:spLocks noChangeArrowheads="1"/>
-          </p:cNvSpPr>
-          <p:nvPr/>
-        </p:nvSpPr>
-        <p:spPr bwMode="auto">
-          <a:xfrm>
-            <a:off x="389877" y="868231"/>
-            <a:ext cx="8352928" cy="4062651"/>
-          </a:xfrm>
-          <a:prstGeom prst="rect">
-            <a:avLst/>
-          </a:prstGeom>
-          <a:noFill/>
-          <a:ln w="9525" cap="flat" cmpd="sng">
-            <a:noFill/>
-            <a:miter lim="800000"/>
-            <a:headEnd/>
-            <a:tailEnd/>
-          </a:ln>
-          <a:effectLst/>
-        </p:spPr>
-        <p:txBody>
-          <a:bodyPr wrap="square">
-            <a:spAutoFit/>
-          </a:bodyPr>
-          <a:lstStyle/>
-          <a:p>
-            <a:pPr>
-              <a:lnSpc>
-                <a:spcPct val="150000"/>
-              </a:lnSpc>
-            </a:pPr>
-            <a:r>
-              <a:rPr lang="en-US" altLang="zh-CN" sz="2800" b="1" i="1" dirty="0" smtClean="0">
+      <mc:AlternateContent xmlns:mc="http://schemas.openxmlformats.org/markup-compatibility/2006">
+        <mc:Choice xmlns:a14="http://schemas.microsoft.com/office/drawing/2010/main" Requires="a14">
+          <p:sp>
+            <p:nvSpPr>
+              <p:cNvPr id="4" name="TextBox 3"/>
+              <p:cNvSpPr txBox="1"/>
+              <p:nvPr/>
+            </p:nvSpPr>
+            <p:spPr>
+              <a:xfrm>
+                <a:off x="107503" y="1340768"/>
+                <a:ext cx="4248473" cy="4001095"/>
+              </a:xfrm>
+              <a:prstGeom prst="rect">
+                <a:avLst/>
+              </a:prstGeom>
+              <a:noFill/>
+              <a:ln>
                 <a:solidFill>
-                  <a:schemeClr val="accent2"/>
+                  <a:schemeClr val="tx1"/>
                 </a:solidFill>
-                <a:latin typeface="Times New Roman" panose="02020603050405020304" pitchFamily="18" charset="0"/>
-                <a:ea typeface="楷体" pitchFamily="49" charset="-122"/>
-                <a:cs typeface="Times New Roman" panose="02020603050405020304" pitchFamily="18" charset="0"/>
-              </a:rPr>
-              <a:t>Contributions:</a:t>
-            </a:r>
-          </a:p>
-          <a:p>
-            <a:pPr marL="800100" lvl="1" indent="-342900">
-              <a:lnSpc>
-                <a:spcPct val="150000"/>
-              </a:lnSpc>
-              <a:buFont typeface="Wingdings" panose="05000000000000000000" pitchFamily="2" charset="2"/>
-              <a:buChar char="Ø"/>
-            </a:pPr>
-            <a:r>
-              <a:rPr lang="en-US" altLang="zh-CN" sz="2400" dirty="0" smtClean="0">
-                <a:latin typeface="Times New Roman" panose="02020603050405020304" pitchFamily="18" charset="0"/>
-                <a:ea typeface="楷体" pitchFamily="49" charset="-122"/>
-                <a:cs typeface="Times New Roman" panose="02020603050405020304" pitchFamily="18" charset="0"/>
-              </a:rPr>
-              <a:t>It is the first </a:t>
-            </a:r>
-            <a:r>
-              <a:rPr lang="en-US" altLang="zh-CN" sz="2400" b="1" dirty="0" smtClean="0">
+              </a:ln>
+            </p:spPr>
+            <p:txBody>
+              <a:bodyPr wrap="square" rtlCol="0">
+                <a:spAutoFit/>
+              </a:bodyPr>
+              <a:lstStyle/>
+              <a:p>
+                <a:r>
+                  <a:rPr lang="en-US" altLang="zh-CN" sz="2400" b="1" dirty="0" smtClean="0">
+                    <a:latin typeface="Times New Roman" pitchFamily="18" charset="0"/>
+                    <a:cs typeface="Times New Roman" pitchFamily="18" charset="0"/>
+                  </a:rPr>
+                  <a:t>Standard Global SFM Pipeline</a:t>
+                </a:r>
+              </a:p>
+              <a:p>
+                <a:r>
+                  <a:rPr lang="en-US" altLang="zh-CN" sz="2000" dirty="0" smtClean="0">
+                    <a:latin typeface="Times New Roman" pitchFamily="18" charset="0"/>
+                    <a:cs typeface="Times New Roman" pitchFamily="18" charset="0"/>
+                  </a:rPr>
+                  <a:t>(Input:</a:t>
+                </a:r>
+                <a14:m>
+                  <m:oMath xmlns:m="http://schemas.openxmlformats.org/officeDocument/2006/math">
+                    <m:r>
+                      <a:rPr lang="en-US" altLang="zh-CN" sz="2000" b="0" i="1" smtClean="0">
+                        <a:latin typeface="Cambria Math"/>
+                        <a:cs typeface="Times New Roman" pitchFamily="18" charset="0"/>
+                      </a:rPr>
+                      <m:t>𝑔</m:t>
+                    </m:r>
+                    <m:r>
+                      <a:rPr lang="en-US" altLang="zh-CN" sz="2000" b="0" i="1" smtClean="0">
+                        <a:latin typeface="Cambria Math"/>
+                        <a:cs typeface="Times New Roman" pitchFamily="18" charset="0"/>
+                      </a:rPr>
+                      <m:t>={</m:t>
+                    </m:r>
+                    <m:r>
+                      <a:rPr lang="en-US" altLang="zh-CN" sz="2000" b="0" i="1" smtClean="0">
+                        <a:latin typeface="Cambria Math"/>
+                        <a:cs typeface="Times New Roman" pitchFamily="18" charset="0"/>
+                      </a:rPr>
+                      <m:t>𝑣</m:t>
+                    </m:r>
+                    <m:r>
+                      <a:rPr lang="en-US" altLang="zh-CN" sz="2000" b="0" i="1" smtClean="0">
+                        <a:latin typeface="Cambria Math"/>
+                        <a:cs typeface="Times New Roman" pitchFamily="18" charset="0"/>
+                      </a:rPr>
+                      <m:t>,</m:t>
+                    </m:r>
+                    <m:r>
+                      <a:rPr lang="zh-CN" altLang="en-US" sz="2000" b="0" i="1" smtClean="0">
+                        <a:latin typeface="Cambria Math"/>
+                        <a:cs typeface="Times New Roman" pitchFamily="18" charset="0"/>
+                      </a:rPr>
+                      <m:t>𝜀</m:t>
+                    </m:r>
+                    <m:r>
+                      <a:rPr lang="en-US" altLang="zh-CN" sz="2000" b="0" i="1" smtClean="0">
+                        <a:latin typeface="Cambria Math"/>
+                        <a:cs typeface="Times New Roman" pitchFamily="18" charset="0"/>
+                      </a:rPr>
+                      <m:t>}</m:t>
+                    </m:r>
+                  </m:oMath>
+                </a14:m>
+                <a:r>
+                  <a:rPr lang="en-US" altLang="zh-CN" sz="2000" dirty="0" smtClean="0">
+                    <a:latin typeface="Times New Roman" pitchFamily="18" charset="0"/>
+                    <a:cs typeface="Times New Roman" pitchFamily="18" charset="0"/>
+                  </a:rPr>
+                  <a:t>, focal length)</a:t>
+                </a:r>
+              </a:p>
+              <a:p>
+                <a:pPr marL="914400" lvl="1" indent="-457200">
+                  <a:lnSpc>
+                    <a:spcPct val="150000"/>
+                  </a:lnSpc>
+                  <a:buFont typeface="+mj-lt"/>
+                  <a:buAutoNum type="alphaLcParenR"/>
+                </a:pPr>
+                <a:r>
+                  <a:rPr lang="en-US" altLang="zh-CN" sz="2000" dirty="0" smtClean="0">
+                    <a:latin typeface="Times New Roman" pitchFamily="18" charset="0"/>
+                    <a:cs typeface="Times New Roman" pitchFamily="18" charset="0"/>
+                  </a:rPr>
+                  <a:t>Filter </a:t>
+                </a:r>
+                <a14:m>
+                  <m:oMath xmlns:m="http://schemas.openxmlformats.org/officeDocument/2006/math">
+                    <m:r>
+                      <a:rPr lang="en-US" altLang="zh-CN" sz="2000" b="0" i="1" smtClean="0">
+                        <a:latin typeface="Cambria Math"/>
+                        <a:cs typeface="Times New Roman" pitchFamily="18" charset="0"/>
+                      </a:rPr>
+                      <m:t>𝑔</m:t>
+                    </m:r>
+                  </m:oMath>
+                </a14:m>
+                <a:r>
+                  <a:rPr lang="zh-CN" altLang="en-US" sz="2000" dirty="0" smtClean="0">
+                    <a:latin typeface="Times New Roman" pitchFamily="18" charset="0"/>
+                    <a:cs typeface="Times New Roman" pitchFamily="18" charset="0"/>
+                  </a:rPr>
+                  <a:t> </a:t>
+                </a:r>
+                <a:r>
+                  <a:rPr lang="en-US" altLang="zh-CN" sz="2000" dirty="0" smtClean="0">
+                    <a:latin typeface="Times New Roman" pitchFamily="18" charset="0"/>
+                    <a:cs typeface="Times New Roman" pitchFamily="18" charset="0"/>
+                  </a:rPr>
+                  <a:t>from loop constraint;</a:t>
+                </a:r>
+              </a:p>
+              <a:p>
+                <a:pPr marL="914400" lvl="1" indent="-457200">
+                  <a:lnSpc>
+                    <a:spcPct val="150000"/>
+                  </a:lnSpc>
+                  <a:buFont typeface="+mj-lt"/>
+                  <a:buAutoNum type="alphaLcParenR"/>
+                </a:pPr>
+                <a:r>
+                  <a:rPr lang="en-US" altLang="zh-CN" sz="2000" dirty="0" smtClean="0">
+                    <a:latin typeface="Times New Roman" pitchFamily="18" charset="0"/>
+                    <a:cs typeface="Times New Roman" pitchFamily="18" charset="0"/>
+                  </a:rPr>
+                  <a:t>Robust orientation estimation;</a:t>
+                </a:r>
+              </a:p>
+              <a:p>
+                <a:pPr marL="914400" lvl="1" indent="-457200">
+                  <a:lnSpc>
+                    <a:spcPct val="150000"/>
+                  </a:lnSpc>
+                  <a:buFont typeface="+mj-lt"/>
+                  <a:buAutoNum type="alphaLcParenR"/>
+                </a:pPr>
+                <a:r>
+                  <a:rPr lang="en-US" altLang="zh-CN" sz="2000" dirty="0" smtClean="0">
+                    <a:solidFill>
+                      <a:srgbClr val="FF0000"/>
+                    </a:solidFill>
+                    <a:latin typeface="Times New Roman" pitchFamily="18" charset="0"/>
+                    <a:cs typeface="Times New Roman" pitchFamily="18" charset="0"/>
+                  </a:rPr>
+                  <a:t>Filter relative poses</a:t>
+                </a:r>
+                <a:r>
+                  <a:rPr lang="en-US" altLang="zh-CN" sz="2000" dirty="0" smtClean="0">
+                    <a:latin typeface="Times New Roman" pitchFamily="18" charset="0"/>
+                    <a:cs typeface="Times New Roman" pitchFamily="18" charset="0"/>
+                  </a:rPr>
+                  <a:t>;</a:t>
+                </a:r>
+              </a:p>
+              <a:p>
+                <a:pPr marL="914400" lvl="1" indent="-457200">
+                  <a:lnSpc>
+                    <a:spcPct val="150000"/>
+                  </a:lnSpc>
+                  <a:buFont typeface="+mj-lt"/>
+                  <a:buAutoNum type="alphaLcParenR"/>
+                </a:pPr>
+                <a:r>
+                  <a:rPr lang="en-US" altLang="zh-CN" sz="2000" dirty="0" smtClean="0">
+                    <a:latin typeface="Times New Roman" pitchFamily="18" charset="0"/>
+                    <a:cs typeface="Times New Roman" pitchFamily="18" charset="0"/>
+                  </a:rPr>
+                  <a:t>Robust position Estimation;</a:t>
+                </a:r>
+              </a:p>
+              <a:p>
+                <a:pPr marL="914400" lvl="1" indent="-457200">
+                  <a:lnSpc>
+                    <a:spcPct val="150000"/>
+                  </a:lnSpc>
+                  <a:buFont typeface="+mj-lt"/>
+                  <a:buAutoNum type="alphaLcParenR"/>
+                </a:pPr>
+                <a:r>
+                  <a:rPr lang="en-US" altLang="zh-CN" sz="2000" dirty="0" smtClean="0">
+                    <a:latin typeface="Times New Roman" pitchFamily="18" charset="0"/>
+                    <a:cs typeface="Times New Roman" pitchFamily="18" charset="0"/>
+                  </a:rPr>
+                  <a:t>Triangulate 3D point;</a:t>
+                </a:r>
+              </a:p>
+              <a:p>
+                <a:pPr marL="914400" lvl="1" indent="-457200">
+                  <a:lnSpc>
+                    <a:spcPct val="150000"/>
+                  </a:lnSpc>
+                  <a:buFont typeface="+mj-lt"/>
+                  <a:buAutoNum type="alphaLcParenR"/>
+                </a:pPr>
+                <a:r>
+                  <a:rPr lang="en-US" altLang="zh-CN" sz="2000" dirty="0" smtClean="0">
+                    <a:latin typeface="Times New Roman" pitchFamily="18" charset="0"/>
+                    <a:cs typeface="Times New Roman" pitchFamily="18" charset="0"/>
+                  </a:rPr>
+                  <a:t>Bundle Adjustment.</a:t>
+                </a:r>
+              </a:p>
+              <a:p>
+                <a:pPr marL="914400" lvl="1" indent="-457200">
+                  <a:lnSpc>
+                    <a:spcPct val="150000"/>
+                  </a:lnSpc>
+                  <a:buFont typeface="+mj-lt"/>
+                  <a:buAutoNum type="alphaLcParenR"/>
+                </a:pPr>
+                <a:endParaRPr lang="en-US" altLang="zh-CN" sz="2000" dirty="0" smtClean="0">
+                  <a:latin typeface="Times New Roman" pitchFamily="18" charset="0"/>
+                  <a:cs typeface="Times New Roman" pitchFamily="18" charset="0"/>
+                </a:endParaRPr>
+              </a:p>
+            </p:txBody>
+          </p:sp>
+        </mc:Choice>
+        <mc:Fallback>
+          <p:sp>
+            <p:nvSpPr>
+              <p:cNvPr id="4" name="TextBox 3"/>
+              <p:cNvSpPr txBox="1">
+                <a:spLocks noRot="1" noChangeAspect="1" noMove="1" noResize="1" noEditPoints="1" noAdjustHandles="1" noChangeArrowheads="1" noChangeShapeType="1" noTextEdit="1"/>
+              </p:cNvSpPr>
+              <p:nvPr/>
+            </p:nvSpPr>
+            <p:spPr>
+              <a:xfrm>
+                <a:off x="107503" y="1340768"/>
+                <a:ext cx="4248473" cy="4001095"/>
+              </a:xfrm>
+              <a:prstGeom prst="rect">
+                <a:avLst/>
+              </a:prstGeom>
+              <a:blipFill rotWithShape="1">
+                <a:blip r:embed="rId2"/>
+                <a:stretch>
+                  <a:fillRect l="-2146" t="-1064" r="-715"/>
+                </a:stretch>
+              </a:blipFill>
+              <a:ln>
                 <a:solidFill>
-                  <a:srgbClr val="FF0000"/>
+                  <a:schemeClr val="tx1"/>
                 </a:solidFill>
-                <a:latin typeface="Times New Roman" panose="02020603050405020304" pitchFamily="18" charset="0"/>
-                <a:ea typeface="楷体" pitchFamily="49" charset="-122"/>
-                <a:cs typeface="Times New Roman" panose="02020603050405020304" pitchFamily="18" charset="0"/>
-              </a:rPr>
-              <a:t>global SFM</a:t>
-            </a:r>
-            <a:r>
-              <a:rPr lang="en-US" altLang="zh-CN" sz="2400" dirty="0" smtClean="0">
-                <a:latin typeface="Times New Roman" panose="02020603050405020304" pitchFamily="18" charset="0"/>
-                <a:ea typeface="楷体" pitchFamily="49" charset="-122"/>
-                <a:cs typeface="Times New Roman" panose="02020603050405020304" pitchFamily="18" charset="0"/>
-              </a:rPr>
-              <a:t> pipeline capable of handling </a:t>
-            </a:r>
-            <a:r>
-              <a:rPr lang="en-US" altLang="zh-CN" sz="2400" b="1" dirty="0" err="1" smtClean="0">
+              </a:ln>
+            </p:spPr>
+            <p:txBody>
+              <a:bodyPr/>
+              <a:lstStyle/>
+              <a:p>
+                <a:r>
+                  <a:rPr lang="zh-CN" altLang="en-US">
+                    <a:noFill/>
+                  </a:rPr>
+                  <a:t> </a:t>
+                </a:r>
+              </a:p>
+            </p:txBody>
+          </p:sp>
+        </mc:Fallback>
+      </mc:AlternateContent>
+      <mc:AlternateContent xmlns:mc="http://schemas.openxmlformats.org/markup-compatibility/2006">
+        <mc:Choice xmlns:a14="http://schemas.microsoft.com/office/drawing/2010/main" Requires="a14">
+          <p:sp>
+            <p:nvSpPr>
+              <p:cNvPr id="7" name="TextBox 6"/>
+              <p:cNvSpPr txBox="1"/>
+              <p:nvPr/>
+            </p:nvSpPr>
+            <p:spPr>
+              <a:xfrm>
+                <a:off x="4427983" y="1340769"/>
+                <a:ext cx="4536505" cy="4001095"/>
+              </a:xfrm>
+              <a:prstGeom prst="rect">
+                <a:avLst/>
+              </a:prstGeom>
+              <a:noFill/>
+              <a:ln>
                 <a:solidFill>
-                  <a:srgbClr val="FF0000"/>
+                  <a:schemeClr val="tx1"/>
                 </a:solidFill>
-                <a:latin typeface="Times New Roman" panose="02020603050405020304" pitchFamily="18" charset="0"/>
-                <a:ea typeface="楷体" pitchFamily="49" charset="-122"/>
-                <a:cs typeface="Times New Roman" panose="02020603050405020304" pitchFamily="18" charset="0"/>
-              </a:rPr>
-              <a:t>uncalibrated</a:t>
-            </a:r>
-            <a:r>
-              <a:rPr lang="en-US" altLang="zh-CN" sz="2400" dirty="0" smtClean="0">
-                <a:latin typeface="Times New Roman" panose="02020603050405020304" pitchFamily="18" charset="0"/>
-                <a:ea typeface="楷体" pitchFamily="49" charset="-122"/>
-                <a:cs typeface="Times New Roman" panose="02020603050405020304" pitchFamily="18" charset="0"/>
-              </a:rPr>
-              <a:t> image sets</a:t>
-            </a:r>
-            <a:r>
-              <a:rPr lang="en-US" altLang="zh-CN" sz="2400" dirty="0" smtClean="0">
-                <a:latin typeface="Times New Roman" panose="02020603050405020304" pitchFamily="18" charset="0"/>
-                <a:ea typeface="楷体" pitchFamily="49" charset="-122"/>
-                <a:cs typeface="Times New Roman" panose="02020603050405020304" pitchFamily="18" charset="0"/>
-              </a:rPr>
-              <a:t>;</a:t>
-            </a:r>
-          </a:p>
-          <a:p>
-            <a:pPr marL="800100" lvl="1" indent="-342900">
-              <a:lnSpc>
-                <a:spcPct val="150000"/>
-              </a:lnSpc>
-              <a:buFont typeface="Wingdings" panose="05000000000000000000" pitchFamily="2" charset="2"/>
-              <a:buChar char="Ø"/>
-            </a:pPr>
-            <a:r>
-              <a:rPr lang="en-US" altLang="zh-CN" sz="2400" dirty="0" smtClean="0">
-                <a:latin typeface="Times New Roman" panose="02020603050405020304" pitchFamily="18" charset="0"/>
-                <a:ea typeface="楷体" pitchFamily="49" charset="-122"/>
-                <a:cs typeface="Times New Roman" panose="02020603050405020304" pitchFamily="18" charset="0"/>
-              </a:rPr>
-              <a:t>It provide a new method for calibrating cameras from </a:t>
-            </a:r>
-            <a:r>
-              <a:rPr lang="en-US" altLang="zh-CN" sz="2400" b="1" dirty="0" smtClean="0">
+              </a:ln>
+            </p:spPr>
+            <p:txBody>
+              <a:bodyPr wrap="square" rtlCol="0">
+                <a:spAutoFit/>
+              </a:bodyPr>
+              <a:lstStyle/>
+              <a:p>
+                <a:r>
+                  <a:rPr lang="en-US" altLang="zh-CN" sz="2400" b="1" dirty="0" smtClean="0">
+                    <a:latin typeface="Times New Roman" pitchFamily="18" charset="0"/>
+                    <a:cs typeface="Times New Roman" pitchFamily="18" charset="0"/>
+                  </a:rPr>
+                  <a:t>This Paper’ Global SFM Pipeline</a:t>
+                </a:r>
+              </a:p>
+              <a:p>
+                <a:r>
+                  <a:rPr lang="en-US" altLang="zh-CN" sz="2000" dirty="0" smtClean="0">
+                    <a:latin typeface="Times New Roman" pitchFamily="18" charset="0"/>
+                    <a:cs typeface="Times New Roman" pitchFamily="18" charset="0"/>
+                  </a:rPr>
+                  <a:t>(Input:</a:t>
+                </a:r>
+                <a14:m>
+                  <m:oMath xmlns:m="http://schemas.openxmlformats.org/officeDocument/2006/math">
+                    <m:r>
+                      <a:rPr lang="en-US" altLang="zh-CN" sz="2000" b="0" i="1" smtClean="0">
+                        <a:latin typeface="Cambria Math"/>
+                        <a:cs typeface="Times New Roman" pitchFamily="18" charset="0"/>
+                      </a:rPr>
+                      <m:t>𝑔</m:t>
+                    </m:r>
+                    <m:r>
+                      <a:rPr lang="en-US" altLang="zh-CN" sz="2000" b="0" i="1" smtClean="0">
+                        <a:latin typeface="Cambria Math"/>
+                        <a:cs typeface="Times New Roman" pitchFamily="18" charset="0"/>
+                      </a:rPr>
+                      <m:t>={</m:t>
+                    </m:r>
+                    <m:r>
+                      <a:rPr lang="en-US" altLang="zh-CN" sz="2000" b="0" i="1" smtClean="0">
+                        <a:latin typeface="Cambria Math"/>
+                        <a:cs typeface="Times New Roman" pitchFamily="18" charset="0"/>
+                      </a:rPr>
+                      <m:t>𝑣</m:t>
+                    </m:r>
+                    <m:r>
+                      <a:rPr lang="en-US" altLang="zh-CN" sz="2000" b="0" i="1" smtClean="0">
+                        <a:latin typeface="Cambria Math"/>
+                        <a:cs typeface="Times New Roman" pitchFamily="18" charset="0"/>
+                      </a:rPr>
+                      <m:t>,</m:t>
+                    </m:r>
+                    <m:r>
+                      <a:rPr lang="zh-CN" altLang="en-US" sz="2000" b="0" i="1" smtClean="0">
+                        <a:latin typeface="Cambria Math"/>
+                        <a:cs typeface="Times New Roman" pitchFamily="18" charset="0"/>
+                      </a:rPr>
+                      <m:t>𝜀</m:t>
+                    </m:r>
+                    <m:r>
+                      <a:rPr lang="en-US" altLang="zh-CN" sz="2000" b="0" i="1" smtClean="0">
+                        <a:latin typeface="Cambria Math"/>
+                        <a:cs typeface="Times New Roman" pitchFamily="18" charset="0"/>
+                      </a:rPr>
+                      <m:t>}</m:t>
+                    </m:r>
+                  </m:oMath>
+                </a14:m>
+                <a:r>
+                  <a:rPr lang="en-US" altLang="zh-CN" sz="2000" dirty="0" smtClean="0">
+                    <a:latin typeface="Times New Roman" pitchFamily="18" charset="0"/>
+                    <a:cs typeface="Times New Roman" pitchFamily="18" charset="0"/>
+                  </a:rPr>
+                  <a:t>)</a:t>
+                </a:r>
+              </a:p>
+              <a:p>
+                <a:pPr marL="914400" lvl="1" indent="-457200">
+                  <a:lnSpc>
+                    <a:spcPct val="150000"/>
+                  </a:lnSpc>
+                  <a:buFont typeface="+mj-lt"/>
+                  <a:buAutoNum type="alphaLcParenR"/>
+                </a:pPr>
+                <a:r>
+                  <a:rPr lang="en-US" altLang="zh-CN" sz="2000" dirty="0" smtClean="0">
+                    <a:solidFill>
+                      <a:srgbClr val="FF0000"/>
+                    </a:solidFill>
+                    <a:latin typeface="Times New Roman" pitchFamily="18" charset="0"/>
+                    <a:cs typeface="Times New Roman" pitchFamily="18" charset="0"/>
+                  </a:rPr>
+                  <a:t>Choose </a:t>
+                </a:r>
+                <a:r>
+                  <a:rPr lang="en-US" altLang="zh-CN" sz="2000" dirty="0" err="1" smtClean="0">
+                    <a:solidFill>
+                      <a:srgbClr val="FF0000"/>
+                    </a:solidFill>
+                    <a:latin typeface="Times New Roman" pitchFamily="18" charset="0"/>
+                    <a:cs typeface="Times New Roman" pitchFamily="18" charset="0"/>
+                  </a:rPr>
+                  <a:t>subgraph</a:t>
+                </a:r>
+                <a:r>
+                  <a:rPr lang="en-US" altLang="zh-CN" sz="2000" dirty="0" smtClean="0">
+                    <a:solidFill>
+                      <a:srgbClr val="FF0000"/>
+                    </a:solidFill>
+                    <a:latin typeface="Times New Roman" pitchFamily="18" charset="0"/>
+                    <a:cs typeface="Times New Roman" pitchFamily="18" charset="0"/>
+                  </a:rPr>
+                  <a:t> </a:t>
+                </a:r>
+                <a14:m>
+                  <m:oMath xmlns:m="http://schemas.openxmlformats.org/officeDocument/2006/math">
+                    <m:sSup>
+                      <m:sSupPr>
+                        <m:ctrlPr>
+                          <a:rPr lang="en-US" altLang="zh-CN" sz="2000" b="0" i="1" smtClean="0">
+                            <a:solidFill>
+                              <a:srgbClr val="FF0000"/>
+                            </a:solidFill>
+                            <a:latin typeface="Cambria Math"/>
+                            <a:cs typeface="Times New Roman" pitchFamily="18" charset="0"/>
+                          </a:rPr>
+                        </m:ctrlPr>
+                      </m:sSupPr>
+                      <m:e>
+                        <m:r>
+                          <a:rPr lang="en-US" altLang="zh-CN" sz="2000" b="0" i="1" smtClean="0">
+                            <a:solidFill>
+                              <a:srgbClr val="FF0000"/>
+                            </a:solidFill>
+                            <a:latin typeface="Cambria Math"/>
+                            <a:cs typeface="Times New Roman" pitchFamily="18" charset="0"/>
+                          </a:rPr>
+                          <m:t>𝑔</m:t>
+                        </m:r>
+                      </m:e>
+                      <m:sup>
+                        <m:r>
+                          <a:rPr lang="en-US" altLang="zh-CN" sz="2000" b="0" i="1" smtClean="0">
+                            <a:solidFill>
+                              <a:srgbClr val="FF0000"/>
+                            </a:solidFill>
+                            <a:latin typeface="Cambria Math"/>
+                            <a:cs typeface="Times New Roman" pitchFamily="18" charset="0"/>
+                          </a:rPr>
+                          <m:t>′</m:t>
+                        </m:r>
+                      </m:sup>
+                    </m:sSup>
+                  </m:oMath>
+                </a14:m>
+                <a:r>
+                  <a:rPr lang="en-US" altLang="zh-CN" sz="2000" dirty="0" smtClean="0">
+                    <a:latin typeface="Times New Roman" pitchFamily="18" charset="0"/>
+                    <a:cs typeface="Times New Roman" pitchFamily="18" charset="0"/>
+                  </a:rPr>
+                  <a:t>;</a:t>
+                </a:r>
+              </a:p>
+              <a:p>
+                <a:pPr marL="914400" lvl="1" indent="-457200">
+                  <a:lnSpc>
+                    <a:spcPct val="150000"/>
+                  </a:lnSpc>
+                  <a:buFont typeface="+mj-lt"/>
+                  <a:buAutoNum type="alphaLcParenR"/>
+                </a:pPr>
+                <a:r>
+                  <a:rPr lang="en-US" altLang="zh-CN" sz="2000" dirty="0" smtClean="0">
+                    <a:latin typeface="Times New Roman" pitchFamily="18" charset="0"/>
+                    <a:cs typeface="Times New Roman" pitchFamily="18" charset="0"/>
+                  </a:rPr>
+                  <a:t>Optimize the </a:t>
+                </a:r>
+                <a14:m>
+                  <m:oMath xmlns:m="http://schemas.openxmlformats.org/officeDocument/2006/math">
+                    <m:sSup>
+                      <m:sSupPr>
+                        <m:ctrlPr>
+                          <a:rPr lang="en-US" altLang="zh-CN" sz="2000" i="1">
+                            <a:latin typeface="Cambria Math"/>
+                            <a:cs typeface="Times New Roman" pitchFamily="18" charset="0"/>
+                          </a:rPr>
+                        </m:ctrlPr>
+                      </m:sSupPr>
+                      <m:e>
+                        <m:r>
+                          <a:rPr lang="en-US" altLang="zh-CN" sz="2000" i="1">
+                            <a:latin typeface="Cambria Math"/>
+                            <a:cs typeface="Times New Roman" pitchFamily="18" charset="0"/>
+                          </a:rPr>
+                          <m:t>𝑔</m:t>
+                        </m:r>
+                      </m:e>
+                      <m:sup>
+                        <m:r>
+                          <a:rPr lang="en-US" altLang="zh-CN" sz="2000" i="1">
+                            <a:latin typeface="Cambria Math"/>
+                            <a:cs typeface="Times New Roman" pitchFamily="18" charset="0"/>
+                          </a:rPr>
+                          <m:t>′</m:t>
+                        </m:r>
+                      </m:sup>
+                    </m:sSup>
+                  </m:oMath>
+                </a14:m>
+                <a:r>
+                  <a:rPr lang="en-US" altLang="zh-CN" sz="2000" dirty="0" smtClean="0">
+                    <a:latin typeface="Times New Roman" pitchFamily="18" charset="0"/>
+                    <a:cs typeface="Times New Roman" pitchFamily="18" charset="0"/>
+                  </a:rPr>
+                  <a:t> for consistency;</a:t>
+                </a:r>
+              </a:p>
+              <a:p>
+                <a:pPr marL="914400" lvl="1" indent="-457200">
+                  <a:lnSpc>
+                    <a:spcPct val="150000"/>
+                  </a:lnSpc>
+                  <a:buFont typeface="+mj-lt"/>
+                  <a:buAutoNum type="alphaLcParenR"/>
+                </a:pPr>
+                <a:r>
+                  <a:rPr lang="en-US" altLang="zh-CN" sz="2000" dirty="0" smtClean="0">
+                    <a:latin typeface="Times New Roman" pitchFamily="18" charset="0"/>
+                    <a:cs typeface="Times New Roman" pitchFamily="18" charset="0"/>
+                  </a:rPr>
+                  <a:t>Calibrate cameras (optional);</a:t>
+                </a:r>
+              </a:p>
+              <a:p>
+                <a:pPr marL="914400" lvl="1" indent="-457200">
+                  <a:lnSpc>
+                    <a:spcPct val="150000"/>
+                  </a:lnSpc>
+                  <a:buFont typeface="+mj-lt"/>
+                  <a:buAutoNum type="alphaLcParenR"/>
+                </a:pPr>
+                <a:r>
+                  <a:rPr lang="en-US" altLang="zh-CN" sz="2000" dirty="0" smtClean="0">
+                    <a:latin typeface="Times New Roman" pitchFamily="18" charset="0"/>
+                    <a:cs typeface="Times New Roman" pitchFamily="18" charset="0"/>
+                  </a:rPr>
+                  <a:t>Estimate camera orientation;</a:t>
+                </a:r>
+              </a:p>
+              <a:p>
+                <a:pPr marL="914400" lvl="1" indent="-457200">
+                  <a:lnSpc>
+                    <a:spcPct val="150000"/>
+                  </a:lnSpc>
+                  <a:buFont typeface="+mj-lt"/>
+                  <a:buAutoNum type="alphaLcParenR"/>
+                </a:pPr>
+                <a:r>
+                  <a:rPr lang="en-US" altLang="zh-CN" sz="2000" dirty="0" smtClean="0">
+                    <a:latin typeface="Times New Roman" pitchFamily="18" charset="0"/>
+                    <a:cs typeface="Times New Roman" pitchFamily="18" charset="0"/>
+                  </a:rPr>
+                  <a:t>Estimate camera positions;</a:t>
+                </a:r>
+              </a:p>
+              <a:p>
+                <a:pPr marL="914400" lvl="1" indent="-457200">
+                  <a:lnSpc>
+                    <a:spcPct val="150000"/>
+                  </a:lnSpc>
+                  <a:buFont typeface="+mj-lt"/>
+                  <a:buAutoNum type="alphaLcParenR"/>
+                </a:pPr>
+                <a:r>
+                  <a:rPr lang="en-US" altLang="zh-CN" sz="2000" dirty="0" smtClean="0">
+                    <a:latin typeface="Times New Roman" pitchFamily="18" charset="0"/>
+                    <a:cs typeface="Times New Roman" pitchFamily="18" charset="0"/>
+                  </a:rPr>
+                  <a:t>Triangulate 3D point;</a:t>
+                </a:r>
+              </a:p>
+              <a:p>
+                <a:pPr marL="914400" lvl="1" indent="-457200">
+                  <a:lnSpc>
+                    <a:spcPct val="150000"/>
+                  </a:lnSpc>
+                  <a:buFont typeface="+mj-lt"/>
+                  <a:buAutoNum type="alphaLcParenR"/>
+                </a:pPr>
+                <a:r>
+                  <a:rPr lang="en-US" altLang="zh-CN" sz="2000" dirty="0" smtClean="0">
+                    <a:latin typeface="Times New Roman" pitchFamily="18" charset="0"/>
+                    <a:cs typeface="Times New Roman" pitchFamily="18" charset="0"/>
+                  </a:rPr>
+                  <a:t>Bundle Adjustment.</a:t>
+                </a:r>
+              </a:p>
+            </p:txBody>
+          </p:sp>
+        </mc:Choice>
+        <mc:Fallback>
+          <p:sp>
+            <p:nvSpPr>
+              <p:cNvPr id="7" name="TextBox 6"/>
+              <p:cNvSpPr txBox="1">
+                <a:spLocks noRot="1" noChangeAspect="1" noMove="1" noResize="1" noEditPoints="1" noAdjustHandles="1" noChangeArrowheads="1" noChangeShapeType="1" noTextEdit="1"/>
+              </p:cNvSpPr>
+              <p:nvPr/>
+            </p:nvSpPr>
+            <p:spPr>
+              <a:xfrm>
+                <a:off x="4427983" y="1340769"/>
+                <a:ext cx="4536505" cy="4001095"/>
+              </a:xfrm>
+              <a:prstGeom prst="rect">
+                <a:avLst/>
+              </a:prstGeom>
+              <a:blipFill rotWithShape="1">
+                <a:blip r:embed="rId3"/>
+                <a:stretch>
+                  <a:fillRect l="-1874" t="-1064" r="-937" b="-304"/>
+                </a:stretch>
+              </a:blipFill>
+              <a:ln>
                 <a:solidFill>
-                  <a:srgbClr val="FF0000"/>
+                  <a:schemeClr val="tx1"/>
                 </a:solidFill>
-                <a:latin typeface="Times New Roman" panose="02020603050405020304" pitchFamily="18" charset="0"/>
-                <a:ea typeface="楷体" pitchFamily="49" charset="-122"/>
-                <a:cs typeface="Times New Roman" panose="02020603050405020304" pitchFamily="18" charset="0"/>
-              </a:rPr>
-              <a:t>a set of</a:t>
-            </a:r>
-            <a:r>
-              <a:rPr lang="en-US" altLang="zh-CN" sz="2400" dirty="0" smtClean="0">
-                <a:latin typeface="Times New Roman" panose="02020603050405020304" pitchFamily="18" charset="0"/>
-                <a:ea typeface="楷体" pitchFamily="49" charset="-122"/>
-                <a:cs typeface="Times New Roman" panose="02020603050405020304" pitchFamily="18" charset="0"/>
-              </a:rPr>
-              <a:t> fundamental matrices.</a:t>
-            </a:r>
-            <a:endParaRPr lang="en-US" altLang="zh-CN" sz="2400" dirty="0" smtClean="0">
-              <a:latin typeface="Times New Roman" panose="02020603050405020304" pitchFamily="18" charset="0"/>
-              <a:ea typeface="楷体" pitchFamily="49" charset="-122"/>
-              <a:cs typeface="Times New Roman" panose="02020603050405020304" pitchFamily="18" charset="0"/>
-            </a:endParaRPr>
-          </a:p>
-          <a:p>
-            <a:pPr marL="800100" lvl="1" indent="-342900">
-              <a:lnSpc>
-                <a:spcPct val="150000"/>
-              </a:lnSpc>
-              <a:buFont typeface="Wingdings" panose="05000000000000000000" pitchFamily="2" charset="2"/>
-              <a:buChar char="Ø"/>
-            </a:pPr>
-            <a:r>
-              <a:rPr lang="en-US" altLang="zh-CN" sz="2400" dirty="0" smtClean="0">
-                <a:latin typeface="Times New Roman" panose="02020603050405020304" pitchFamily="18" charset="0"/>
-                <a:ea typeface="楷体" pitchFamily="49" charset="-122"/>
-                <a:cs typeface="Times New Roman" panose="02020603050405020304" pitchFamily="18" charset="0"/>
-              </a:rPr>
-              <a:t>The pipeline proposed in this paper achieves </a:t>
-            </a:r>
-            <a:r>
-              <a:rPr lang="en-US" altLang="zh-CN" sz="2400" b="1" dirty="0" smtClean="0">
-                <a:solidFill>
-                  <a:srgbClr val="FF0000"/>
-                </a:solidFill>
-                <a:latin typeface="Times New Roman" panose="02020603050405020304" pitchFamily="18" charset="0"/>
-                <a:ea typeface="楷体" pitchFamily="49" charset="-122"/>
-                <a:cs typeface="Times New Roman" panose="02020603050405020304" pitchFamily="18" charset="0"/>
-              </a:rPr>
-              <a:t>greater efficiency</a:t>
-            </a:r>
-            <a:r>
-              <a:rPr lang="en-US" altLang="zh-CN" sz="2400" dirty="0" smtClean="0">
-                <a:latin typeface="Times New Roman" panose="02020603050405020304" pitchFamily="18" charset="0"/>
-                <a:ea typeface="楷体" pitchFamily="49" charset="-122"/>
-                <a:cs typeface="Times New Roman" panose="02020603050405020304" pitchFamily="18" charset="0"/>
-              </a:rPr>
-              <a:t> and </a:t>
-            </a:r>
-            <a:r>
-              <a:rPr lang="en-US" altLang="zh-CN" sz="2400" b="1" dirty="0" smtClean="0">
-                <a:solidFill>
-                  <a:srgbClr val="FF0000"/>
-                </a:solidFill>
-                <a:latin typeface="Times New Roman" panose="02020603050405020304" pitchFamily="18" charset="0"/>
-                <a:ea typeface="楷体" pitchFamily="49" charset="-122"/>
-                <a:cs typeface="Times New Roman" panose="02020603050405020304" pitchFamily="18" charset="0"/>
-              </a:rPr>
-              <a:t>comparable accuracy</a:t>
-            </a:r>
-            <a:r>
-              <a:rPr lang="en-US" altLang="zh-CN" sz="2400" dirty="0" smtClean="0">
-                <a:latin typeface="Times New Roman" panose="02020603050405020304" pitchFamily="18" charset="0"/>
-                <a:ea typeface="楷体" pitchFamily="49" charset="-122"/>
-                <a:cs typeface="Times New Roman" panose="02020603050405020304" pitchFamily="18" charset="0"/>
-              </a:rPr>
-              <a:t> to the other methods.</a:t>
-            </a:r>
-            <a:endParaRPr lang="en-US" altLang="zh-CN" sz="2400" dirty="0">
-              <a:latin typeface="Times New Roman" panose="02020603050405020304" pitchFamily="18" charset="0"/>
-              <a:ea typeface="楷体" pitchFamily="49" charset="-122"/>
-              <a:cs typeface="Times New Roman" panose="02020603050405020304" pitchFamily="18" charset="0"/>
-            </a:endParaRPr>
-          </a:p>
-        </p:txBody>
-      </p:sp>
+              </a:ln>
+            </p:spPr>
+            <p:txBody>
+              <a:bodyPr/>
+              <a:lstStyle/>
+              <a:p>
+                <a:r>
+                  <a:rPr lang="zh-CN" altLang="en-US">
+                    <a:noFill/>
+                  </a:rPr>
+                  <a:t> </a:t>
+                </a:r>
+              </a:p>
+            </p:txBody>
+          </p:sp>
+        </mc:Fallback>
+      </mc:AlternateContent>
     </p:spTree>
     <p:extLst>
       <p:ext uri="{BB962C8B-B14F-4D97-AF65-F5344CB8AC3E}">
-        <p14:creationId xmlns:p14="http://schemas.microsoft.com/office/powerpoint/2010/main" val="3500568046"/>
+        <p14:creationId xmlns:p14="http://schemas.microsoft.com/office/powerpoint/2010/main" val="4125955323"/>
       </p:ext>
     </p:extLst>
   </p:cSld>
@@ -18432,13 +19088,13 @@
       </p:grpSpPr>
       <p:cxnSp>
         <p:nvCxnSpPr>
-          <p:cNvPr id="8" name="直接连接符 7"/>
+          <p:cNvPr id="12" name="直接连接符 11"/>
           <p:cNvCxnSpPr/>
           <p:nvPr/>
         </p:nvCxnSpPr>
         <p:spPr>
           <a:xfrm>
-            <a:off x="571472" y="692696"/>
+            <a:off x="785786" y="857232"/>
             <a:ext cx="7786742" cy="1588"/>
           </a:xfrm>
           <a:prstGeom prst="line">
@@ -18469,7 +19125,7 @@
       </p:cxnSp>
       <p:sp>
         <p:nvSpPr>
-          <p:cNvPr id="5" name="标题 3"/>
+          <p:cNvPr id="13" name="标题 3"/>
           <p:cNvSpPr txBox="1">
             <a:spLocks/>
           </p:cNvSpPr>
@@ -18477,8 +19133,8 @@
         </p:nvSpPr>
         <p:spPr bwMode="auto">
           <a:xfrm>
-            <a:off x="257175" y="142852"/>
-            <a:ext cx="8491289" cy="609600"/>
+            <a:off x="362269" y="132025"/>
+            <a:ext cx="7243783" cy="609600"/>
           </a:xfrm>
           <a:prstGeom prst="rect">
             <a:avLst/>
@@ -18503,21 +19159,7 @@
                 <a:latin typeface="Calibri" pitchFamily="34" charset="0"/>
                 <a:cs typeface="Calibri" pitchFamily="34" charset="0"/>
               </a:rPr>
-              <a:t>2</a:t>
-            </a:r>
-            <a:r>
-              <a:rPr lang="en-US" altLang="zh-CN" sz="2800" b="1" i="1" dirty="0" smtClean="0">
-                <a:latin typeface="Calibri" pitchFamily="34" charset="0"/>
-                <a:cs typeface="Calibri" pitchFamily="34" charset="0"/>
-              </a:rPr>
-              <a:t>. </a:t>
-            </a:r>
-            <a:r>
-              <a:rPr lang="en-US" altLang="zh-CN" sz="2800" b="1" i="1" dirty="0" smtClean="0">
-                <a:latin typeface="Calibri" pitchFamily="34" charset="0"/>
-                <a:cs typeface="Calibri" pitchFamily="34" charset="0"/>
-              </a:rPr>
-              <a:t>Basic Theories</a:t>
+              <a:t>1.  Introduction</a:t>
             </a:r>
             <a:endParaRPr lang="zh-CN" altLang="en-US" sz="3200" b="1" kern="0" dirty="0">
               <a:effectLst/>
@@ -18528,74 +19170,217 @@
           </a:p>
         </p:txBody>
       </p:sp>
-      <p:pic>
-        <p:nvPicPr>
-          <p:cNvPr id="10" name="Picture 2"/>
-          <p:cNvPicPr>
-            <a:picLocks noChangeAspect="1" noChangeArrowheads="1"/>
-          </p:cNvPicPr>
-          <p:nvPr/>
-        </p:nvPicPr>
-        <p:blipFill>
-          <a:blip r:embed="rId3">
+      <p:sp>
+        <p:nvSpPr>
+          <p:cNvPr id="7" name="TextBox 16">
             <a:extLst>
-              <a:ext uri="{28A0092B-C50C-407E-A947-70E740481C1C}">
-                <a14:useLocalDpi xmlns:a14="http://schemas.microsoft.com/office/drawing/2010/main" val="0"/>
+              <a:ext uri="{FF2B5EF4-FFF2-40B4-BE49-F238E27FC236}">
+                <a16:creationId xmlns:a16="http://schemas.microsoft.com/office/drawing/2014/main" xmlns="" id="{0ECBC174-8EE7-4D48-B168-91CFF26277BE}"/>
               </a:ext>
             </a:extLst>
-          </a:blip>
-          <a:srcRect/>
-          <a:stretch>
-            <a:fillRect/>
-          </a:stretch>
-        </p:blipFill>
+          </p:cNvPr>
+          <p:cNvSpPr>
+            <a:spLocks noChangeArrowheads="1"/>
+          </p:cNvSpPr>
+          <p:nvPr/>
+        </p:nvSpPr>
         <p:spPr bwMode="auto">
           <a:xfrm>
-            <a:off x="827584" y="882847"/>
-            <a:ext cx="7110413" cy="2552700"/>
+            <a:off x="389877" y="868231"/>
+            <a:ext cx="8352928" cy="4062651"/>
           </a:xfrm>
           <a:prstGeom prst="rect">
             <a:avLst/>
           </a:prstGeom>
           <a:noFill/>
-          <a:ln>
+          <a:ln w="9525" cap="flat" cmpd="sng">
             <a:noFill/>
+            <a:miter lim="800000"/>
+            <a:headEnd/>
+            <a:tailEnd/>
           </a:ln>
           <a:effectLst/>
-          <a:extLst>
-            <a:ext uri="{909E8E84-426E-40DD-AFC4-6F175D3DCCD1}">
-              <a14:hiddenFill xmlns:a14="http://schemas.microsoft.com/office/drawing/2010/main">
+        </p:spPr>
+        <p:txBody>
+          <a:bodyPr wrap="square">
+            <a:spAutoFit/>
+          </a:bodyPr>
+          <a:lstStyle/>
+          <a:p>
+            <a:pPr>
+              <a:lnSpc>
+                <a:spcPct val="150000"/>
+              </a:lnSpc>
+            </a:pPr>
+            <a:r>
+              <a:rPr lang="en-US" altLang="zh-CN" sz="2800" b="1" i="1" dirty="0" smtClean="0">
                 <a:solidFill>
-                  <a:schemeClr val="accent1"/>
+                  <a:schemeClr val="accent2"/>
                 </a:solidFill>
-              </a14:hiddenFill>
-            </a:ext>
-            <a:ext uri="{91240B29-F687-4F45-9708-019B960494DF}">
-              <a14:hiddenLine xmlns:a14="http://schemas.microsoft.com/office/drawing/2010/main" w="9525">
+                <a:latin typeface="Times New Roman" panose="02020603050405020304" pitchFamily="18" charset="0"/>
+                <a:ea typeface="楷体" pitchFamily="49" charset="-122"/>
+                <a:cs typeface="Times New Roman" panose="02020603050405020304" pitchFamily="18" charset="0"/>
+              </a:rPr>
+              <a:t>Contributions:</a:t>
+            </a:r>
+          </a:p>
+          <a:p>
+            <a:pPr marL="800100" lvl="1" indent="-342900">
+              <a:lnSpc>
+                <a:spcPct val="150000"/>
+              </a:lnSpc>
+              <a:buFont typeface="Wingdings" panose="05000000000000000000" pitchFamily="2" charset="2"/>
+              <a:buChar char="Ø"/>
+            </a:pPr>
+            <a:r>
+              <a:rPr lang="en-US" altLang="zh-CN" sz="2400" dirty="0" smtClean="0">
+                <a:latin typeface="Times New Roman" panose="02020603050405020304" pitchFamily="18" charset="0"/>
+                <a:ea typeface="楷体" pitchFamily="49" charset="-122"/>
+                <a:cs typeface="Times New Roman" panose="02020603050405020304" pitchFamily="18" charset="0"/>
+              </a:rPr>
+              <a:t>It is the first </a:t>
+            </a:r>
+            <a:r>
+              <a:rPr lang="en-US" altLang="zh-CN" sz="2400" b="1" dirty="0" smtClean="0">
                 <a:solidFill>
-                  <a:schemeClr val="tx1"/>
+                  <a:srgbClr val="FF0000"/>
                 </a:solidFill>
-                <a:miter lim="800000"/>
-                <a:headEnd/>
-                <a:tailEnd/>
-              </a14:hiddenLine>
-            </a:ext>
-            <a:ext uri="{AF507438-7753-43E0-B8FC-AC1667EBCBE1}">
-              <a14:hiddenEffects xmlns:a14="http://schemas.microsoft.com/office/drawing/2010/main">
-                <a:effectLst>
-                  <a:outerShdw dist="35921" dir="2700000" algn="ctr" rotWithShape="0">
-                    <a:schemeClr val="bg2"/>
-                  </a:outerShdw>
-                </a:effectLst>
-              </a14:hiddenEffects>
-            </a:ext>
-          </a:extLst>
-        </p:spPr>
-      </p:pic>
+                <a:latin typeface="Times New Roman" panose="02020603050405020304" pitchFamily="18" charset="0"/>
+                <a:ea typeface="楷体" pitchFamily="49" charset="-122"/>
+                <a:cs typeface="Times New Roman" panose="02020603050405020304" pitchFamily="18" charset="0"/>
+              </a:rPr>
+              <a:t>global SFM</a:t>
+            </a:r>
+            <a:r>
+              <a:rPr lang="en-US" altLang="zh-CN" sz="2400" dirty="0" smtClean="0">
+                <a:latin typeface="Times New Roman" panose="02020603050405020304" pitchFamily="18" charset="0"/>
+                <a:ea typeface="楷体" pitchFamily="49" charset="-122"/>
+                <a:cs typeface="Times New Roman" panose="02020603050405020304" pitchFamily="18" charset="0"/>
+              </a:rPr>
+              <a:t> pipeline capable of handling </a:t>
+            </a:r>
+            <a:r>
+              <a:rPr lang="en-US" altLang="zh-CN" sz="2400" b="1" dirty="0" err="1" smtClean="0">
+                <a:solidFill>
+                  <a:srgbClr val="FF0000"/>
+                </a:solidFill>
+                <a:latin typeface="Times New Roman" panose="02020603050405020304" pitchFamily="18" charset="0"/>
+                <a:ea typeface="楷体" pitchFamily="49" charset="-122"/>
+                <a:cs typeface="Times New Roman" panose="02020603050405020304" pitchFamily="18" charset="0"/>
+              </a:rPr>
+              <a:t>uncalibrated</a:t>
+            </a:r>
+            <a:r>
+              <a:rPr lang="en-US" altLang="zh-CN" sz="2400" dirty="0" smtClean="0">
+                <a:latin typeface="Times New Roman" panose="02020603050405020304" pitchFamily="18" charset="0"/>
+                <a:ea typeface="楷体" pitchFamily="49" charset="-122"/>
+                <a:cs typeface="Times New Roman" panose="02020603050405020304" pitchFamily="18" charset="0"/>
+              </a:rPr>
+              <a:t> image sets;</a:t>
+            </a:r>
+          </a:p>
+          <a:p>
+            <a:pPr marL="800100" lvl="1" indent="-342900">
+              <a:lnSpc>
+                <a:spcPct val="150000"/>
+              </a:lnSpc>
+              <a:buFont typeface="Wingdings" panose="05000000000000000000" pitchFamily="2" charset="2"/>
+              <a:buChar char="Ø"/>
+            </a:pPr>
+            <a:r>
+              <a:rPr lang="en-US" altLang="zh-CN" sz="2400" dirty="0" smtClean="0">
+                <a:latin typeface="Times New Roman" panose="02020603050405020304" pitchFamily="18" charset="0"/>
+                <a:ea typeface="楷体" pitchFamily="49" charset="-122"/>
+                <a:cs typeface="Times New Roman" panose="02020603050405020304" pitchFamily="18" charset="0"/>
+              </a:rPr>
+              <a:t>It provide a new method for calibrating cameras from </a:t>
+            </a:r>
+            <a:r>
+              <a:rPr lang="en-US" altLang="zh-CN" sz="2400" b="1" dirty="0" smtClean="0">
+                <a:solidFill>
+                  <a:srgbClr val="FF0000"/>
+                </a:solidFill>
+                <a:latin typeface="Times New Roman" panose="02020603050405020304" pitchFamily="18" charset="0"/>
+                <a:ea typeface="楷体" pitchFamily="49" charset="-122"/>
+                <a:cs typeface="Times New Roman" panose="02020603050405020304" pitchFamily="18" charset="0"/>
+              </a:rPr>
+              <a:t>a set of</a:t>
+            </a:r>
+            <a:r>
+              <a:rPr lang="en-US" altLang="zh-CN" sz="2400" dirty="0" smtClean="0">
+                <a:latin typeface="Times New Roman" panose="02020603050405020304" pitchFamily="18" charset="0"/>
+                <a:ea typeface="楷体" pitchFamily="49" charset="-122"/>
+                <a:cs typeface="Times New Roman" panose="02020603050405020304" pitchFamily="18" charset="0"/>
+              </a:rPr>
+              <a:t> fundamental matrices.</a:t>
+            </a:r>
+          </a:p>
+          <a:p>
+            <a:pPr marL="800100" lvl="1" indent="-342900">
+              <a:lnSpc>
+                <a:spcPct val="150000"/>
+              </a:lnSpc>
+              <a:buFont typeface="Wingdings" panose="05000000000000000000" pitchFamily="2" charset="2"/>
+              <a:buChar char="Ø"/>
+            </a:pPr>
+            <a:r>
+              <a:rPr lang="en-US" altLang="zh-CN" sz="2400" dirty="0" smtClean="0">
+                <a:latin typeface="Times New Roman" panose="02020603050405020304" pitchFamily="18" charset="0"/>
+                <a:ea typeface="楷体" pitchFamily="49" charset="-122"/>
+                <a:cs typeface="Times New Roman" panose="02020603050405020304" pitchFamily="18" charset="0"/>
+              </a:rPr>
+              <a:t>The pipeline proposed in this paper achieves </a:t>
+            </a:r>
+            <a:r>
+              <a:rPr lang="en-US" altLang="zh-CN" sz="2400" b="1" dirty="0" smtClean="0">
+                <a:solidFill>
+                  <a:srgbClr val="FF0000"/>
+                </a:solidFill>
+                <a:latin typeface="Times New Roman" panose="02020603050405020304" pitchFamily="18" charset="0"/>
+                <a:ea typeface="楷体" pitchFamily="49" charset="-122"/>
+                <a:cs typeface="Times New Roman" panose="02020603050405020304" pitchFamily="18" charset="0"/>
+              </a:rPr>
+              <a:t>greater efficiency</a:t>
+            </a:r>
+            <a:r>
+              <a:rPr lang="en-US" altLang="zh-CN" sz="2400" dirty="0" smtClean="0">
+                <a:latin typeface="Times New Roman" panose="02020603050405020304" pitchFamily="18" charset="0"/>
+                <a:ea typeface="楷体" pitchFamily="49" charset="-122"/>
+                <a:cs typeface="Times New Roman" panose="02020603050405020304" pitchFamily="18" charset="0"/>
+              </a:rPr>
+              <a:t> and </a:t>
+            </a:r>
+            <a:r>
+              <a:rPr lang="en-US" altLang="zh-CN" sz="2400" b="1" dirty="0" smtClean="0">
+                <a:solidFill>
+                  <a:srgbClr val="FF0000"/>
+                </a:solidFill>
+                <a:latin typeface="Times New Roman" panose="02020603050405020304" pitchFamily="18" charset="0"/>
+                <a:ea typeface="楷体" pitchFamily="49" charset="-122"/>
+                <a:cs typeface="Times New Roman" panose="02020603050405020304" pitchFamily="18" charset="0"/>
+              </a:rPr>
+              <a:t>comparable accuracy</a:t>
+            </a:r>
+            <a:r>
+              <a:rPr lang="en-US" altLang="zh-CN" sz="2400" dirty="0" smtClean="0">
+                <a:latin typeface="Times New Roman" panose="02020603050405020304" pitchFamily="18" charset="0"/>
+                <a:ea typeface="楷体" pitchFamily="49" charset="-122"/>
+                <a:cs typeface="Times New Roman" panose="02020603050405020304" pitchFamily="18" charset="0"/>
+              </a:rPr>
+              <a:t> to the other methods.</a:t>
+            </a:r>
+            <a:endParaRPr lang="en-US" altLang="zh-CN" sz="2400" dirty="0">
+              <a:latin typeface="Times New Roman" panose="02020603050405020304" pitchFamily="18" charset="0"/>
+              <a:ea typeface="楷体" pitchFamily="49" charset="-122"/>
+              <a:cs typeface="Times New Roman" panose="02020603050405020304" pitchFamily="18" charset="0"/>
+            </a:endParaRPr>
+          </a:p>
+        </p:txBody>
+      </p:sp>
     </p:spTree>
     <p:extLst>
       <p:ext uri="{BB962C8B-B14F-4D97-AF65-F5344CB8AC3E}">
-        <p14:creationId xmlns:p14="http://schemas.microsoft.com/office/powerpoint/2010/main" val="4283735323"/>
+        <p14:creationId xmlns:p14="http://schemas.microsoft.com/office/powerpoint/2010/main" val="3500568046"/>
       </p:ext>
     </p:extLst>
   </p:cSld>
@@ -18702,14 +19487,21 @@
                 <a:latin typeface="Calibri" pitchFamily="34" charset="0"/>
                 <a:cs typeface="Calibri" pitchFamily="34" charset="0"/>
               </a:rPr>
-              <a:t>3</a:t>
+              <a:t>2</a:t>
             </a:r>
             <a:r>
               <a:rPr lang="en-US" altLang="zh-CN" sz="2800" b="1" i="1" dirty="0" smtClean="0">
                 <a:latin typeface="Calibri" pitchFamily="34" charset="0"/>
                 <a:cs typeface="Calibri" pitchFamily="34" charset="0"/>
               </a:rPr>
-              <a:t>. Create a Consistent  Viewing Graph</a:t>
+              <a:t>. </a:t>
+            </a:r>
+            <a:r>
+              <a:rPr lang="en-US" altLang="zh-CN" sz="2800" b="1" i="1" dirty="0" smtClean="0">
+                <a:latin typeface="Calibri" pitchFamily="34" charset="0"/>
+                <a:cs typeface="Calibri" pitchFamily="34" charset="0"/>
+              </a:rPr>
+              <a:t>Definition</a:t>
             </a:r>
             <a:endParaRPr lang="zh-CN" altLang="en-US" sz="3200" b="1" kern="0" dirty="0">
               <a:effectLst/>
@@ -18722,7 +19514,7 @@
       </p:sp>
       <p:pic>
         <p:nvPicPr>
-          <p:cNvPr id="4098" name="Picture 2"/>
+          <p:cNvPr id="1026" name="Picture 2"/>
           <p:cNvPicPr>
             <a:picLocks noChangeAspect="1" noChangeArrowheads="1"/>
           </p:cNvPicPr>
@@ -18743,8 +19535,8 @@
         </p:blipFill>
         <p:spPr bwMode="auto">
           <a:xfrm>
-            <a:off x="1547664" y="1388420"/>
-            <a:ext cx="5953053" cy="2952328"/>
+            <a:off x="899592" y="980728"/>
+            <a:ext cx="6696744" cy="3246177"/>
           </a:xfrm>
           <a:prstGeom prst="rect">
             <a:avLst/>
@@ -18784,268 +19576,10 @@
           </a:extLst>
         </p:spPr>
       </p:pic>
-      <p:sp>
-        <p:nvSpPr>
-          <p:cNvPr id="6" name="矩形 5"/>
-          <p:cNvSpPr/>
-          <p:nvPr/>
-        </p:nvSpPr>
-        <p:spPr>
-          <a:xfrm>
-            <a:off x="526433" y="791043"/>
-            <a:ext cx="2805576" cy="523220"/>
-          </a:xfrm>
-          <a:prstGeom prst="rect">
-            <a:avLst/>
-          </a:prstGeom>
-        </p:spPr>
-        <p:txBody>
-          <a:bodyPr wrap="none">
-            <a:spAutoFit/>
-          </a:bodyPr>
-          <a:lstStyle/>
-          <a:p>
-            <a:r>
-              <a:rPr lang="en-US" altLang="zh-CN" sz="2800" b="1" i="1" dirty="0" smtClean="0">
-                <a:solidFill>
-                  <a:schemeClr val="accent2"/>
-                </a:solidFill>
-                <a:latin typeface="Times New Roman" pitchFamily="18" charset="0"/>
-                <a:cs typeface="Times New Roman" pitchFamily="18" charset="0"/>
-              </a:rPr>
-              <a:t>Loop Consistency</a:t>
-            </a:r>
-            <a:endParaRPr lang="en-US" sz="2800" dirty="0">
-              <a:solidFill>
-                <a:schemeClr val="accent2"/>
-              </a:solidFill>
-              <a:latin typeface="Times New Roman" pitchFamily="18" charset="0"/>
-              <a:cs typeface="Times New Roman" pitchFamily="18" charset="0"/>
-            </a:endParaRPr>
-          </a:p>
-        </p:txBody>
-      </p:sp>
-      <p:pic>
-        <p:nvPicPr>
-          <p:cNvPr id="9218" name="Picture 2"/>
-          <p:cNvPicPr>
-            <a:picLocks noChangeAspect="1" noChangeArrowheads="1"/>
-          </p:cNvPicPr>
-          <p:nvPr/>
-        </p:nvPicPr>
-        <p:blipFill>
-          <a:blip r:embed="rId4">
-            <a:extLst>
-              <a:ext uri="{28A0092B-C50C-407E-A947-70E740481C1C}">
-                <a14:useLocalDpi xmlns:a14="http://schemas.microsoft.com/office/drawing/2010/main" val="0"/>
-              </a:ext>
-            </a:extLst>
-          </a:blip>
-          <a:srcRect/>
-          <a:stretch>
-            <a:fillRect/>
-          </a:stretch>
-        </p:blipFill>
-        <p:spPr bwMode="auto">
-          <a:xfrm>
-            <a:off x="3332009" y="5141455"/>
-            <a:ext cx="3578479" cy="527972"/>
-          </a:xfrm>
-          <a:prstGeom prst="rect">
-            <a:avLst/>
-          </a:prstGeom>
-          <a:noFill/>
-          <a:ln>
-            <a:noFill/>
-          </a:ln>
-          <a:effectLst/>
-          <a:extLst>
-            <a:ext uri="{909E8E84-426E-40DD-AFC4-6F175D3DCCD1}">
-              <a14:hiddenFill xmlns:a14="http://schemas.microsoft.com/office/drawing/2010/main">
-                <a:solidFill>
-                  <a:schemeClr val="accent1"/>
-                </a:solidFill>
-              </a14:hiddenFill>
-            </a:ext>
-            <a:ext uri="{91240B29-F687-4F45-9708-019B960494DF}">
-              <a14:hiddenLine xmlns:a14="http://schemas.microsoft.com/office/drawing/2010/main" w="9525">
-                <a:solidFill>
-                  <a:schemeClr val="tx1"/>
-                </a:solidFill>
-                <a:miter lim="800000"/>
-                <a:headEnd/>
-                <a:tailEnd/>
-              </a14:hiddenLine>
-            </a:ext>
-            <a:ext uri="{AF507438-7753-43E0-B8FC-AC1667EBCBE1}">
-              <a14:hiddenEffects xmlns:a14="http://schemas.microsoft.com/office/drawing/2010/main">
-                <a:effectLst>
-                  <a:outerShdw dist="35921" dir="2700000" algn="ctr" rotWithShape="0">
-                    <a:schemeClr val="bg2"/>
-                  </a:outerShdw>
-                </a:effectLst>
-              </a14:hiddenEffects>
-            </a:ext>
-          </a:extLst>
-        </p:spPr>
-      </p:pic>
-      <p:sp>
-        <p:nvSpPr>
-          <p:cNvPr id="2" name="TextBox 1"/>
-          <p:cNvSpPr txBox="1"/>
-          <p:nvPr/>
-        </p:nvSpPr>
-        <p:spPr>
-          <a:xfrm>
-            <a:off x="362538" y="4509120"/>
-            <a:ext cx="3777414" cy="461665"/>
-          </a:xfrm>
-          <a:prstGeom prst="rect">
-            <a:avLst/>
-          </a:prstGeom>
-          <a:noFill/>
-        </p:spPr>
-        <p:txBody>
-          <a:bodyPr wrap="square" rtlCol="0">
-            <a:spAutoFit/>
-          </a:bodyPr>
-          <a:lstStyle/>
-          <a:p>
-            <a:r>
-              <a:rPr lang="en-US" sz="2400" b="1" dirty="0" err="1" smtClean="0">
-                <a:latin typeface="Times New Roman" pitchFamily="18" charset="0"/>
-                <a:cs typeface="Times New Roman" pitchFamily="18" charset="0"/>
-              </a:rPr>
-              <a:t>Epipolar</a:t>
-            </a:r>
-            <a:r>
-              <a:rPr lang="en-US" sz="2400" b="1" dirty="0" smtClean="0">
-                <a:latin typeface="Times New Roman" pitchFamily="18" charset="0"/>
-                <a:cs typeface="Times New Roman" pitchFamily="18" charset="0"/>
-              </a:rPr>
-              <a:t> point Transfer:</a:t>
-            </a:r>
-            <a:endParaRPr lang="en-US" sz="2400" b="1" dirty="0">
-              <a:latin typeface="Times New Roman" pitchFamily="18" charset="0"/>
-              <a:cs typeface="Times New Roman" pitchFamily="18" charset="0"/>
-            </a:endParaRPr>
-          </a:p>
-        </p:txBody>
-      </p:sp>
-      <p:pic>
-        <p:nvPicPr>
-          <p:cNvPr id="9219" name="Picture 3"/>
-          <p:cNvPicPr>
-            <a:picLocks noChangeAspect="1" noChangeArrowheads="1"/>
-          </p:cNvPicPr>
-          <p:nvPr/>
-        </p:nvPicPr>
-        <p:blipFill>
-          <a:blip r:embed="rId5">
-            <a:clrChange>
-              <a:clrFrom>
-                <a:srgbClr val="FFFFFF"/>
-              </a:clrFrom>
-              <a:clrTo>
-                <a:srgbClr val="FFFFFF">
-                  <a:alpha val="0"/>
-                </a:srgbClr>
-              </a:clrTo>
-            </a:clrChange>
-            <a:extLst>
-              <a:ext uri="{28A0092B-C50C-407E-A947-70E740481C1C}">
-                <a14:useLocalDpi xmlns:a14="http://schemas.microsoft.com/office/drawing/2010/main" val="0"/>
-              </a:ext>
-            </a:extLst>
-          </a:blip>
-          <a:srcRect/>
-          <a:stretch>
-            <a:fillRect/>
-          </a:stretch>
-        </p:blipFill>
-        <p:spPr bwMode="auto">
-          <a:xfrm>
-            <a:off x="3429584" y="5911281"/>
-            <a:ext cx="3197643" cy="622762"/>
-          </a:xfrm>
-          <a:prstGeom prst="rect">
-            <a:avLst/>
-          </a:prstGeom>
-          <a:noFill/>
-          <a:ln>
-            <a:noFill/>
-          </a:ln>
-          <a:effectLst/>
-          <a:extLst>
-            <a:ext uri="{909E8E84-426E-40DD-AFC4-6F175D3DCCD1}">
-              <a14:hiddenFill xmlns:a14="http://schemas.microsoft.com/office/drawing/2010/main">
-                <a:solidFill>
-                  <a:schemeClr val="accent1"/>
-                </a:solidFill>
-              </a14:hiddenFill>
-            </a:ext>
-            <a:ext uri="{91240B29-F687-4F45-9708-019B960494DF}">
-              <a14:hiddenLine xmlns:a14="http://schemas.microsoft.com/office/drawing/2010/main" w="9525">
-                <a:solidFill>
-                  <a:schemeClr val="tx1"/>
-                </a:solidFill>
-                <a:miter lim="800000"/>
-                <a:headEnd/>
-                <a:tailEnd/>
-              </a14:hiddenLine>
-            </a:ext>
-            <a:ext uri="{AF507438-7753-43E0-B8FC-AC1667EBCBE1}">
-              <a14:hiddenEffects xmlns:a14="http://schemas.microsoft.com/office/drawing/2010/main">
-                <a:effectLst>
-                  <a:outerShdw dist="35921" dir="2700000" algn="ctr" rotWithShape="0">
-                    <a:schemeClr val="bg2"/>
-                  </a:outerShdw>
-                </a:effectLst>
-              </a14:hiddenEffects>
-            </a:ext>
-          </a:extLst>
-        </p:spPr>
-      </p:pic>
-      <p:sp>
-        <p:nvSpPr>
-          <p:cNvPr id="9" name="TextBox 8"/>
-          <p:cNvSpPr txBox="1"/>
-          <p:nvPr/>
-        </p:nvSpPr>
-        <p:spPr>
-          <a:xfrm>
-            <a:off x="362538" y="5449616"/>
-            <a:ext cx="3777414" cy="461665"/>
-          </a:xfrm>
-          <a:prstGeom prst="rect">
-            <a:avLst/>
-          </a:prstGeom>
-          <a:noFill/>
-        </p:spPr>
-        <p:txBody>
-          <a:bodyPr wrap="square" rtlCol="0">
-            <a:spAutoFit/>
-          </a:bodyPr>
-          <a:lstStyle/>
-          <a:p>
-            <a:r>
-              <a:rPr lang="en-US" sz="2400" b="1" dirty="0" smtClean="0">
-                <a:latin typeface="Times New Roman" pitchFamily="18" charset="0"/>
-                <a:cs typeface="Times New Roman" pitchFamily="18" charset="0"/>
-              </a:rPr>
-              <a:t>Cost Function:</a:t>
-            </a:r>
-            <a:endParaRPr lang="en-US" sz="2400" b="1" dirty="0">
-              <a:latin typeface="Times New Roman" pitchFamily="18" charset="0"/>
-              <a:cs typeface="Times New Roman" pitchFamily="18" charset="0"/>
-            </a:endParaRPr>
-          </a:p>
-        </p:txBody>
-      </p:sp>
     </p:spTree>
     <p:extLst>
       <p:ext uri="{BB962C8B-B14F-4D97-AF65-F5344CB8AC3E}">
-        <p14:creationId xmlns:p14="http://schemas.microsoft.com/office/powerpoint/2010/main" val="549282132"/>
+        <p14:creationId xmlns:p14="http://schemas.microsoft.com/office/powerpoint/2010/main" val="4283735323"/>
       </p:ext>
     </p:extLst>
   </p:cSld>
@@ -19170,50 +19704,9 @@
           </a:p>
         </p:txBody>
       </p:sp>
-      <p:sp>
-        <p:nvSpPr>
-          <p:cNvPr id="6" name="矩形 5"/>
-          <p:cNvSpPr/>
-          <p:nvPr/>
-        </p:nvSpPr>
-        <p:spPr>
-          <a:xfrm>
-            <a:off x="526433" y="791043"/>
-            <a:ext cx="5049780" cy="523220"/>
-          </a:xfrm>
-          <a:prstGeom prst="rect">
-            <a:avLst/>
-          </a:prstGeom>
-        </p:spPr>
-        <p:txBody>
-          <a:bodyPr wrap="none">
-            <a:spAutoFit/>
-          </a:bodyPr>
-          <a:lstStyle/>
-          <a:p>
-            <a:r>
-              <a:rPr lang="en-US" altLang="zh-CN" sz="2800" b="1" i="1" dirty="0" smtClean="0">
-                <a:solidFill>
-                  <a:schemeClr val="accent2"/>
-                </a:solidFill>
-                <a:latin typeface="Times New Roman" pitchFamily="18" charset="0"/>
-                <a:cs typeface="Times New Roman" pitchFamily="18" charset="0"/>
-              </a:rPr>
-              <a:t>Updating Fundamental Matrices</a:t>
-            </a:r>
-            <a:endParaRPr lang="en-US" sz="2800" dirty="0">
-              <a:solidFill>
-                <a:schemeClr val="accent2"/>
-              </a:solidFill>
-              <a:latin typeface="Times New Roman" pitchFamily="18" charset="0"/>
-              <a:cs typeface="Times New Roman" pitchFamily="18" charset="0"/>
-            </a:endParaRPr>
-          </a:p>
-        </p:txBody>
-      </p:sp>
       <p:pic>
         <p:nvPicPr>
-          <p:cNvPr id="10242" name="Picture 2"/>
+          <p:cNvPr id="4098" name="Picture 2"/>
           <p:cNvPicPr>
             <a:picLocks noChangeAspect="1" noChangeArrowheads="1"/>
           </p:cNvPicPr>
@@ -19234,8 +19727,8 @@
         </p:blipFill>
         <p:spPr bwMode="auto">
           <a:xfrm>
-            <a:off x="2754276" y="2026242"/>
-            <a:ext cx="2483320" cy="2058463"/>
+            <a:off x="1960111" y="1484784"/>
+            <a:ext cx="5085416" cy="2522036"/>
           </a:xfrm>
           <a:prstGeom prst="rect">
             <a:avLst/>
@@ -19275,6 +19768,992 @@
           </a:extLst>
         </p:spPr>
       </p:pic>
+      <p:sp>
+        <p:nvSpPr>
+          <p:cNvPr id="6" name="矩形 5"/>
+          <p:cNvSpPr/>
+          <p:nvPr/>
+        </p:nvSpPr>
+        <p:spPr>
+          <a:xfrm>
+            <a:off x="526433" y="791043"/>
+            <a:ext cx="2805576" cy="523220"/>
+          </a:xfrm>
+          <a:prstGeom prst="rect">
+            <a:avLst/>
+          </a:prstGeom>
+        </p:spPr>
+        <p:txBody>
+          <a:bodyPr wrap="none">
+            <a:spAutoFit/>
+          </a:bodyPr>
+          <a:lstStyle/>
+          <a:p>
+            <a:r>
+              <a:rPr lang="en-US" altLang="zh-CN" sz="2800" b="1" i="1" dirty="0" smtClean="0">
+                <a:solidFill>
+                  <a:schemeClr val="accent2"/>
+                </a:solidFill>
+                <a:latin typeface="Times New Roman" pitchFamily="18" charset="0"/>
+                <a:cs typeface="Times New Roman" pitchFamily="18" charset="0"/>
+              </a:rPr>
+              <a:t>Loop Consistency</a:t>
+            </a:r>
+            <a:endParaRPr lang="en-US" sz="2800" dirty="0">
+              <a:solidFill>
+                <a:schemeClr val="accent2"/>
+              </a:solidFill>
+              <a:latin typeface="Times New Roman" pitchFamily="18" charset="0"/>
+              <a:cs typeface="Times New Roman" pitchFamily="18" charset="0"/>
+            </a:endParaRPr>
+          </a:p>
+        </p:txBody>
+      </p:sp>
+      <p:pic>
+        <p:nvPicPr>
+          <p:cNvPr id="9218" name="Picture 2"/>
+          <p:cNvPicPr>
+            <a:picLocks noChangeAspect="1" noChangeArrowheads="1"/>
+          </p:cNvPicPr>
+          <p:nvPr/>
+        </p:nvPicPr>
+        <p:blipFill>
+          <a:blip r:embed="rId4">
+            <a:extLst>
+              <a:ext uri="{28A0092B-C50C-407E-A947-70E740481C1C}">
+                <a14:useLocalDpi xmlns:a14="http://schemas.microsoft.com/office/drawing/2010/main" val="0"/>
+              </a:ext>
+            </a:extLst>
+          </a:blip>
+          <a:srcRect/>
+          <a:stretch>
+            <a:fillRect/>
+          </a:stretch>
+        </p:blipFill>
+        <p:spPr bwMode="auto">
+          <a:xfrm>
+            <a:off x="3203848" y="5011555"/>
+            <a:ext cx="3320908" cy="489970"/>
+          </a:xfrm>
+          <a:prstGeom prst="rect">
+            <a:avLst/>
+          </a:prstGeom>
+          <a:noFill/>
+          <a:ln>
+            <a:noFill/>
+          </a:ln>
+          <a:effectLst/>
+          <a:extLst>
+            <a:ext uri="{909E8E84-426E-40DD-AFC4-6F175D3DCCD1}">
+              <a14:hiddenFill xmlns:a14="http://schemas.microsoft.com/office/drawing/2010/main">
+                <a:solidFill>
+                  <a:schemeClr val="accent1"/>
+                </a:solidFill>
+              </a14:hiddenFill>
+            </a:ext>
+            <a:ext uri="{91240B29-F687-4F45-9708-019B960494DF}">
+              <a14:hiddenLine xmlns:a14="http://schemas.microsoft.com/office/drawing/2010/main" w="9525">
+                <a:solidFill>
+                  <a:schemeClr val="tx1"/>
+                </a:solidFill>
+                <a:miter lim="800000"/>
+                <a:headEnd/>
+                <a:tailEnd/>
+              </a14:hiddenLine>
+            </a:ext>
+            <a:ext uri="{AF507438-7753-43E0-B8FC-AC1667EBCBE1}">
+              <a14:hiddenEffects xmlns:a14="http://schemas.microsoft.com/office/drawing/2010/main">
+                <a:effectLst>
+                  <a:outerShdw dist="35921" dir="2700000" algn="ctr" rotWithShape="0">
+                    <a:schemeClr val="bg2"/>
+                  </a:outerShdw>
+                </a:effectLst>
+              </a14:hiddenEffects>
+            </a:ext>
+          </a:extLst>
+        </p:spPr>
+      </p:pic>
+      <p:sp>
+        <p:nvSpPr>
+          <p:cNvPr id="2" name="TextBox 1"/>
+          <p:cNvSpPr txBox="1"/>
+          <p:nvPr/>
+        </p:nvSpPr>
+        <p:spPr>
+          <a:xfrm>
+            <a:off x="362538" y="4509120"/>
+            <a:ext cx="3777414" cy="461665"/>
+          </a:xfrm>
+          <a:prstGeom prst="rect">
+            <a:avLst/>
+          </a:prstGeom>
+          <a:noFill/>
+        </p:spPr>
+        <p:txBody>
+          <a:bodyPr wrap="square" rtlCol="0">
+            <a:spAutoFit/>
+          </a:bodyPr>
+          <a:lstStyle/>
+          <a:p>
+            <a:r>
+              <a:rPr lang="en-US" sz="2400" b="1" dirty="0" err="1" smtClean="0">
+                <a:latin typeface="Times New Roman" pitchFamily="18" charset="0"/>
+                <a:cs typeface="Times New Roman" pitchFamily="18" charset="0"/>
+              </a:rPr>
+              <a:t>Epipolar</a:t>
+            </a:r>
+            <a:r>
+              <a:rPr lang="en-US" sz="2400" b="1" dirty="0" smtClean="0">
+                <a:latin typeface="Times New Roman" pitchFamily="18" charset="0"/>
+                <a:cs typeface="Times New Roman" pitchFamily="18" charset="0"/>
+              </a:rPr>
+              <a:t> point Transfer:</a:t>
+            </a:r>
+            <a:endParaRPr lang="en-US" sz="2400" b="1" dirty="0">
+              <a:latin typeface="Times New Roman" pitchFamily="18" charset="0"/>
+              <a:cs typeface="Times New Roman" pitchFamily="18" charset="0"/>
+            </a:endParaRPr>
+          </a:p>
+        </p:txBody>
+      </p:sp>
+      <p:pic>
+        <p:nvPicPr>
+          <p:cNvPr id="9219" name="Picture 3"/>
+          <p:cNvPicPr>
+            <a:picLocks noChangeAspect="1" noChangeArrowheads="1"/>
+          </p:cNvPicPr>
+          <p:nvPr/>
+        </p:nvPicPr>
+        <p:blipFill>
+          <a:blip r:embed="rId5">
+            <a:clrChange>
+              <a:clrFrom>
+                <a:srgbClr val="FFFFFF"/>
+              </a:clrFrom>
+              <a:clrTo>
+                <a:srgbClr val="FFFFFF">
+                  <a:alpha val="0"/>
+                </a:srgbClr>
+              </a:clrTo>
+            </a:clrChange>
+            <a:extLst>
+              <a:ext uri="{28A0092B-C50C-407E-A947-70E740481C1C}">
+                <a14:useLocalDpi xmlns:a14="http://schemas.microsoft.com/office/drawing/2010/main" val="0"/>
+              </a:ext>
+            </a:extLst>
+          </a:blip>
+          <a:srcRect/>
+          <a:stretch>
+            <a:fillRect/>
+          </a:stretch>
+        </p:blipFill>
+        <p:spPr bwMode="auto">
+          <a:xfrm>
+            <a:off x="3203849" y="5912915"/>
+            <a:ext cx="2880320" cy="560961"/>
+          </a:xfrm>
+          <a:prstGeom prst="rect">
+            <a:avLst/>
+          </a:prstGeom>
+          <a:noFill/>
+          <a:ln>
+            <a:noFill/>
+          </a:ln>
+          <a:effectLst/>
+          <a:extLst>
+            <a:ext uri="{909E8E84-426E-40DD-AFC4-6F175D3DCCD1}">
+              <a14:hiddenFill xmlns:a14="http://schemas.microsoft.com/office/drawing/2010/main">
+                <a:solidFill>
+                  <a:schemeClr val="accent1"/>
+                </a:solidFill>
+              </a14:hiddenFill>
+            </a:ext>
+            <a:ext uri="{91240B29-F687-4F45-9708-019B960494DF}">
+              <a14:hiddenLine xmlns:a14="http://schemas.microsoft.com/office/drawing/2010/main" w="9525">
+                <a:solidFill>
+                  <a:schemeClr val="tx1"/>
+                </a:solidFill>
+                <a:miter lim="800000"/>
+                <a:headEnd/>
+                <a:tailEnd/>
+              </a14:hiddenLine>
+            </a:ext>
+            <a:ext uri="{AF507438-7753-43E0-B8FC-AC1667EBCBE1}">
+              <a14:hiddenEffects xmlns:a14="http://schemas.microsoft.com/office/drawing/2010/main">
+                <a:effectLst>
+                  <a:outerShdw dist="35921" dir="2700000" algn="ctr" rotWithShape="0">
+                    <a:schemeClr val="bg2"/>
+                  </a:outerShdw>
+                </a:effectLst>
+              </a14:hiddenEffects>
+            </a:ext>
+          </a:extLst>
+        </p:spPr>
+      </p:pic>
+      <p:sp>
+        <p:nvSpPr>
+          <p:cNvPr id="9" name="TextBox 8"/>
+          <p:cNvSpPr txBox="1"/>
+          <p:nvPr/>
+        </p:nvSpPr>
+        <p:spPr>
+          <a:xfrm>
+            <a:off x="362538" y="5449616"/>
+            <a:ext cx="3777414" cy="461665"/>
+          </a:xfrm>
+          <a:prstGeom prst="rect">
+            <a:avLst/>
+          </a:prstGeom>
+          <a:noFill/>
+        </p:spPr>
+        <p:txBody>
+          <a:bodyPr wrap="square" rtlCol="0">
+            <a:spAutoFit/>
+          </a:bodyPr>
+          <a:lstStyle/>
+          <a:p>
+            <a:r>
+              <a:rPr lang="en-US" sz="2400" b="1" dirty="0" smtClean="0">
+                <a:latin typeface="Times New Roman" pitchFamily="18" charset="0"/>
+                <a:cs typeface="Times New Roman" pitchFamily="18" charset="0"/>
+              </a:rPr>
+              <a:t>Cost Function:</a:t>
+            </a:r>
+            <a:endParaRPr lang="en-US" sz="2400" b="1" dirty="0">
+              <a:latin typeface="Times New Roman" pitchFamily="18" charset="0"/>
+              <a:cs typeface="Times New Roman" pitchFamily="18" charset="0"/>
+            </a:endParaRPr>
+          </a:p>
+        </p:txBody>
+      </p:sp>
+    </p:spTree>
+    <p:extLst>
+      <p:ext uri="{BB962C8B-B14F-4D97-AF65-F5344CB8AC3E}">
+        <p14:creationId xmlns:p14="http://schemas.microsoft.com/office/powerpoint/2010/main" val="549282132"/>
+      </p:ext>
+    </p:extLst>
+  </p:cSld>
+  <p:clrMapOvr>
+    <a:masterClrMapping/>
+  </p:clrMapOvr>
+  <p:timing>
+    <p:tnLst>
+      <p:par>
+        <p:cTn id="1" dur="indefinite" restart="never" nodeType="tmRoot"/>
+      </p:par>
+    </p:tnLst>
+  </p:timing>
+</p:sld>
+</file>
+
+<file path=ppt/slides/slide7.xml><?xml version="1.0" encoding="utf-8"?>
+<p:sld xmlns:a="http://schemas.openxmlformats.org/drawingml/2006/main" xmlns:r="http://schemas.openxmlformats.org/officeDocument/2006/relationships" xmlns:p="http://schemas.openxmlformats.org/presentationml/2006/main">
+  <p:cSld>
+    <p:spTree>
+      <p:nvGrpSpPr>
+        <p:cNvPr id="1" name=""/>
+        <p:cNvGrpSpPr/>
+        <p:nvPr/>
+      </p:nvGrpSpPr>
+      <p:grpSpPr>
+        <a:xfrm>
+          <a:off x="0" y="0"/>
+          <a:ext cx="0" cy="0"/>
+          <a:chOff x="0" y="0"/>
+          <a:chExt cx="0" cy="0"/>
+        </a:xfrm>
+      </p:grpSpPr>
+      <p:cxnSp>
+        <p:nvCxnSpPr>
+          <p:cNvPr id="8" name="直接连接符 7"/>
+          <p:cNvCxnSpPr/>
+          <p:nvPr/>
+        </p:nvCxnSpPr>
+        <p:spPr>
+          <a:xfrm>
+            <a:off x="571472" y="692696"/>
+            <a:ext cx="7786742" cy="1588"/>
+          </a:xfrm>
+          <a:prstGeom prst="line">
+            <a:avLst/>
+          </a:prstGeom>
+          <a:ln>
+            <a:solidFill>
+              <a:schemeClr val="accent2">
+                <a:lumMod val="75000"/>
+              </a:schemeClr>
+            </a:solidFill>
+          </a:ln>
+        </p:spPr>
+        <p:style>
+          <a:lnRef idx="1">
+            <a:schemeClr val="accent1"/>
+          </a:lnRef>
+          <a:fillRef idx="0">
+            <a:schemeClr val="accent1"/>
+          </a:fillRef>
+          <a:effectRef idx="0">
+            <a:schemeClr val="accent1"/>
+          </a:effectRef>
+          <a:fontRef idx="minor">
+            <a:schemeClr val="tx1"/>
+          </a:fontRef>
+        </p:style>
+      </p:cxnSp>
+      <p:sp>
+        <p:nvSpPr>
+          <p:cNvPr id="5" name="标题 3"/>
+          <p:cNvSpPr txBox="1">
+            <a:spLocks/>
+          </p:cNvSpPr>
+          <p:nvPr/>
+        </p:nvSpPr>
+        <p:spPr bwMode="auto">
+          <a:xfrm>
+            <a:off x="257175" y="142852"/>
+            <a:ext cx="8491289" cy="609600"/>
+          </a:xfrm>
+          <a:prstGeom prst="rect">
+            <a:avLst/>
+          </a:prstGeom>
+          <a:noFill/>
+          <a:ln w="9525">
+            <a:noFill/>
+            <a:miter lim="800000"/>
+            <a:headEnd/>
+            <a:tailEnd/>
+          </a:ln>
+        </p:spPr>
+        <p:txBody>
+          <a:bodyPr anchor="ctr"/>
+          <a:lstStyle/>
+          <a:p>
+            <a:pPr>
+              <a:defRPr/>
+            </a:pPr>
+            <a:r>
+              <a:rPr lang="en-US" altLang="zh-CN" sz="2800" b="1" i="1" dirty="0">
+                <a:latin typeface="Calibri" pitchFamily="34" charset="0"/>
+                <a:cs typeface="Calibri" pitchFamily="34" charset="0"/>
+              </a:rPr>
+              <a:t>3</a:t>
+            </a:r>
+            <a:r>
+              <a:rPr lang="en-US" altLang="zh-CN" sz="2800" b="1" i="1" dirty="0" smtClean="0">
+                <a:latin typeface="Calibri" pitchFamily="34" charset="0"/>
+                <a:cs typeface="Calibri" pitchFamily="34" charset="0"/>
+              </a:rPr>
+              <a:t>. Create a Consistent  Viewing Graph</a:t>
+            </a:r>
+            <a:endParaRPr lang="zh-CN" altLang="en-US" sz="3200" b="1" kern="0" dirty="0">
+              <a:effectLst/>
+              <a:latin typeface="Calibri" pitchFamily="34" charset="0"/>
+              <a:ea typeface="楷体" pitchFamily="49" charset="-122"/>
+              <a:cs typeface="Calibri" pitchFamily="34" charset="0"/>
+            </a:endParaRPr>
+          </a:p>
+        </p:txBody>
+      </p:sp>
+      <p:sp>
+        <p:nvSpPr>
+          <p:cNvPr id="6" name="矩形 5"/>
+          <p:cNvSpPr/>
+          <p:nvPr/>
+        </p:nvSpPr>
+        <p:spPr>
+          <a:xfrm>
+            <a:off x="526433" y="791043"/>
+            <a:ext cx="4629794" cy="523220"/>
+          </a:xfrm>
+          <a:prstGeom prst="rect">
+            <a:avLst/>
+          </a:prstGeom>
+        </p:spPr>
+        <p:txBody>
+          <a:bodyPr wrap="none">
+            <a:spAutoFit/>
+          </a:bodyPr>
+          <a:lstStyle/>
+          <a:p>
+            <a:r>
+              <a:rPr lang="en-US" altLang="zh-CN" sz="2800" b="1" i="1" dirty="0" smtClean="0">
+                <a:solidFill>
+                  <a:schemeClr val="accent2"/>
+                </a:solidFill>
+                <a:latin typeface="Times New Roman" pitchFamily="18" charset="0"/>
+                <a:cs typeface="Times New Roman" pitchFamily="18" charset="0"/>
+              </a:rPr>
+              <a:t>Adjust </a:t>
+            </a:r>
+            <a:r>
+              <a:rPr lang="en-US" altLang="zh-CN" sz="2800" b="1" i="1" dirty="0" smtClean="0">
+                <a:solidFill>
+                  <a:schemeClr val="accent2"/>
+                </a:solidFill>
+                <a:latin typeface="Times New Roman" pitchFamily="18" charset="0"/>
+                <a:cs typeface="Times New Roman" pitchFamily="18" charset="0"/>
+              </a:rPr>
+              <a:t>Fundamental Matrices</a:t>
+            </a:r>
+            <a:endParaRPr lang="en-US" sz="2800" dirty="0">
+              <a:solidFill>
+                <a:schemeClr val="accent2"/>
+              </a:solidFill>
+              <a:latin typeface="Times New Roman" pitchFamily="18" charset="0"/>
+              <a:cs typeface="Times New Roman" pitchFamily="18" charset="0"/>
+            </a:endParaRPr>
+          </a:p>
+        </p:txBody>
+      </p:sp>
+      <p:pic>
+        <p:nvPicPr>
+          <p:cNvPr id="10242" name="Picture 2"/>
+          <p:cNvPicPr>
+            <a:picLocks noChangeAspect="1" noChangeArrowheads="1"/>
+          </p:cNvPicPr>
+          <p:nvPr/>
+        </p:nvPicPr>
+        <p:blipFill>
+          <a:blip r:embed="rId3" cstate="print">
+            <a:extLst>
+              <a:ext uri="{28A0092B-C50C-407E-A947-70E740481C1C}">
+                <a14:useLocalDpi xmlns:a14="http://schemas.microsoft.com/office/drawing/2010/main" val="0"/>
+              </a:ext>
+            </a:extLst>
+          </a:blip>
+          <a:srcRect/>
+          <a:stretch>
+            <a:fillRect/>
+          </a:stretch>
+        </p:blipFill>
+        <p:spPr bwMode="auto">
+          <a:xfrm>
+            <a:off x="3689890" y="2636912"/>
+            <a:ext cx="1244250" cy="1031379"/>
+          </a:xfrm>
+          <a:prstGeom prst="rect">
+            <a:avLst/>
+          </a:prstGeom>
+          <a:noFill/>
+          <a:ln>
+            <a:noFill/>
+          </a:ln>
+          <a:effectLst/>
+          <a:extLst>
+            <a:ext uri="{909E8E84-426E-40DD-AFC4-6F175D3DCCD1}">
+              <a14:hiddenFill xmlns:a14="http://schemas.microsoft.com/office/drawing/2010/main">
+                <a:solidFill>
+                  <a:schemeClr val="accent1"/>
+                </a:solidFill>
+              </a14:hiddenFill>
+            </a:ext>
+            <a:ext uri="{91240B29-F687-4F45-9708-019B960494DF}">
+              <a14:hiddenLine xmlns:a14="http://schemas.microsoft.com/office/drawing/2010/main" w="9525">
+                <a:solidFill>
+                  <a:schemeClr val="tx1"/>
+                </a:solidFill>
+                <a:miter lim="800000"/>
+                <a:headEnd/>
+                <a:tailEnd/>
+              </a14:hiddenLine>
+            </a:ext>
+            <a:ext uri="{AF507438-7753-43E0-B8FC-AC1667EBCBE1}">
+              <a14:hiddenEffects xmlns:a14="http://schemas.microsoft.com/office/drawing/2010/main">
+                <a:effectLst>
+                  <a:outerShdw dist="35921" dir="2700000" algn="ctr" rotWithShape="0">
+                    <a:schemeClr val="bg2"/>
+                  </a:outerShdw>
+                </a:effectLst>
+              </a14:hiddenEffects>
+            </a:ext>
+          </a:extLst>
+        </p:spPr>
+      </p:pic>
+      <p:pic>
+        <p:nvPicPr>
+          <p:cNvPr id="2051" name="Picture 3"/>
+          <p:cNvPicPr>
+            <a:picLocks noChangeAspect="1" noChangeArrowheads="1"/>
+          </p:cNvPicPr>
+          <p:nvPr/>
+        </p:nvPicPr>
+        <p:blipFill>
+          <a:blip r:embed="rId4">
+            <a:extLst>
+              <a:ext uri="{28A0092B-C50C-407E-A947-70E740481C1C}">
+                <a14:useLocalDpi xmlns:a14="http://schemas.microsoft.com/office/drawing/2010/main" val="0"/>
+              </a:ext>
+            </a:extLst>
+          </a:blip>
+          <a:srcRect/>
+          <a:stretch>
+            <a:fillRect/>
+          </a:stretch>
+        </p:blipFill>
+        <p:spPr bwMode="auto">
+          <a:xfrm>
+            <a:off x="3707904" y="1801237"/>
+            <a:ext cx="1300948" cy="301544"/>
+          </a:xfrm>
+          <a:prstGeom prst="rect">
+            <a:avLst/>
+          </a:prstGeom>
+          <a:noFill/>
+          <a:ln>
+            <a:noFill/>
+          </a:ln>
+          <a:effectLst/>
+          <a:extLst>
+            <a:ext uri="{909E8E84-426E-40DD-AFC4-6F175D3DCCD1}">
+              <a14:hiddenFill xmlns:a14="http://schemas.microsoft.com/office/drawing/2010/main">
+                <a:solidFill>
+                  <a:schemeClr val="accent1"/>
+                </a:solidFill>
+              </a14:hiddenFill>
+            </a:ext>
+            <a:ext uri="{91240B29-F687-4F45-9708-019B960494DF}">
+              <a14:hiddenLine xmlns:a14="http://schemas.microsoft.com/office/drawing/2010/main" w="9525">
+                <a:solidFill>
+                  <a:schemeClr val="tx1"/>
+                </a:solidFill>
+                <a:miter lim="800000"/>
+                <a:headEnd/>
+                <a:tailEnd/>
+              </a14:hiddenLine>
+            </a:ext>
+            <a:ext uri="{AF507438-7753-43E0-B8FC-AC1667EBCBE1}">
+              <a14:hiddenEffects xmlns:a14="http://schemas.microsoft.com/office/drawing/2010/main">
+                <a:effectLst>
+                  <a:outerShdw dist="35921" dir="2700000" algn="ctr" rotWithShape="0">
+                    <a:schemeClr val="bg2"/>
+                  </a:outerShdw>
+                </a:effectLst>
+              </a14:hiddenEffects>
+            </a:ext>
+          </a:extLst>
+        </p:spPr>
+      </p:pic>
+      <p:sp>
+        <p:nvSpPr>
+          <p:cNvPr id="2" name="TextBox 1"/>
+          <p:cNvSpPr txBox="1"/>
+          <p:nvPr/>
+        </p:nvSpPr>
+        <p:spPr>
+          <a:xfrm>
+            <a:off x="899592" y="1268760"/>
+            <a:ext cx="3672408" cy="400110"/>
+          </a:xfrm>
+          <a:prstGeom prst="rect">
+            <a:avLst/>
+          </a:prstGeom>
+          <a:noFill/>
+        </p:spPr>
+        <p:txBody>
+          <a:bodyPr wrap="square" rtlCol="0">
+            <a:spAutoFit/>
+          </a:bodyPr>
+          <a:lstStyle/>
+          <a:p>
+            <a:r>
+              <a:rPr lang="en-US" altLang="zh-CN" sz="2000" dirty="0" smtClean="0">
+                <a:latin typeface="Times New Roman" pitchFamily="18" charset="0"/>
+                <a:cs typeface="Times New Roman" pitchFamily="18" charset="0"/>
+              </a:rPr>
+              <a:t>SVD for fundamental </a:t>
+            </a:r>
+            <a:r>
+              <a:rPr lang="en-US" altLang="zh-CN" sz="2000" dirty="0">
+                <a:latin typeface="Times New Roman" pitchFamily="18" charset="0"/>
+                <a:cs typeface="Times New Roman" pitchFamily="18" charset="0"/>
+              </a:rPr>
+              <a:t>m</a:t>
+            </a:r>
+            <a:r>
+              <a:rPr lang="en-US" altLang="zh-CN" sz="2000" dirty="0" smtClean="0">
+                <a:latin typeface="Times New Roman" pitchFamily="18" charset="0"/>
+                <a:cs typeface="Times New Roman" pitchFamily="18" charset="0"/>
+              </a:rPr>
+              <a:t>atrix</a:t>
+            </a:r>
+            <a:r>
+              <a:rPr lang="en-US" altLang="zh-CN" sz="2000" dirty="0">
+                <a:latin typeface="Times New Roman" pitchFamily="18" charset="0"/>
+                <a:cs typeface="Times New Roman" pitchFamily="18" charset="0"/>
+              </a:rPr>
+              <a:t>:</a:t>
+            </a:r>
+            <a:endParaRPr lang="zh-CN" altLang="en-US" sz="2000" dirty="0">
+              <a:latin typeface="Times New Roman" pitchFamily="18" charset="0"/>
+              <a:cs typeface="Times New Roman" pitchFamily="18" charset="0"/>
+            </a:endParaRPr>
+          </a:p>
+        </p:txBody>
+      </p:sp>
+      <p:sp>
+        <p:nvSpPr>
+          <p:cNvPr id="9" name="矩形 8"/>
+          <p:cNvSpPr/>
+          <p:nvPr/>
+        </p:nvSpPr>
+        <p:spPr>
+          <a:xfrm>
+            <a:off x="487322" y="3501008"/>
+            <a:ext cx="3704860" cy="523220"/>
+          </a:xfrm>
+          <a:prstGeom prst="rect">
+            <a:avLst/>
+          </a:prstGeom>
+        </p:spPr>
+        <p:txBody>
+          <a:bodyPr wrap="none">
+            <a:spAutoFit/>
+          </a:bodyPr>
+          <a:lstStyle/>
+          <a:p>
+            <a:r>
+              <a:rPr lang="en-US" altLang="zh-CN" sz="2800" b="1" i="1" dirty="0" smtClean="0">
+                <a:solidFill>
+                  <a:schemeClr val="accent2"/>
+                </a:solidFill>
+                <a:latin typeface="Times New Roman" pitchFamily="18" charset="0"/>
+                <a:cs typeface="Times New Roman" pitchFamily="18" charset="0"/>
+              </a:rPr>
+              <a:t>Nonlinear Optimization</a:t>
+            </a:r>
+            <a:endParaRPr lang="en-US" sz="2800" dirty="0">
+              <a:solidFill>
+                <a:schemeClr val="accent2"/>
+              </a:solidFill>
+              <a:latin typeface="Times New Roman" pitchFamily="18" charset="0"/>
+              <a:cs typeface="Times New Roman" pitchFamily="18" charset="0"/>
+            </a:endParaRPr>
+          </a:p>
+        </p:txBody>
+      </p:sp>
+      <p:pic>
+        <p:nvPicPr>
+          <p:cNvPr id="10" name="Picture 2"/>
+          <p:cNvPicPr>
+            <a:picLocks noChangeAspect="1" noChangeArrowheads="1"/>
+          </p:cNvPicPr>
+          <p:nvPr/>
+        </p:nvPicPr>
+        <p:blipFill>
+          <a:blip r:embed="rId5">
+            <a:extLst>
+              <a:ext uri="{28A0092B-C50C-407E-A947-70E740481C1C}">
+                <a14:useLocalDpi xmlns:a14="http://schemas.microsoft.com/office/drawing/2010/main" val="0"/>
+              </a:ext>
+            </a:extLst>
+          </a:blip>
+          <a:srcRect/>
+          <a:stretch>
+            <a:fillRect/>
+          </a:stretch>
+        </p:blipFill>
+        <p:spPr bwMode="auto">
+          <a:xfrm>
+            <a:off x="2339752" y="4797152"/>
+            <a:ext cx="4765946" cy="613095"/>
+          </a:xfrm>
+          <a:prstGeom prst="rect">
+            <a:avLst/>
+          </a:prstGeom>
+          <a:noFill/>
+          <a:ln>
+            <a:noFill/>
+          </a:ln>
+          <a:effectLst/>
+          <a:extLst>
+            <a:ext uri="{909E8E84-426E-40DD-AFC4-6F175D3DCCD1}">
+              <a14:hiddenFill xmlns:a14="http://schemas.microsoft.com/office/drawing/2010/main">
+                <a:solidFill>
+                  <a:schemeClr val="accent1"/>
+                </a:solidFill>
+              </a14:hiddenFill>
+            </a:ext>
+            <a:ext uri="{91240B29-F687-4F45-9708-019B960494DF}">
+              <a14:hiddenLine xmlns:a14="http://schemas.microsoft.com/office/drawing/2010/main" w="9525">
+                <a:solidFill>
+                  <a:schemeClr val="tx1"/>
+                </a:solidFill>
+                <a:miter lim="800000"/>
+                <a:headEnd/>
+                <a:tailEnd/>
+              </a14:hiddenLine>
+            </a:ext>
+            <a:ext uri="{AF507438-7753-43E0-B8FC-AC1667EBCBE1}">
+              <a14:hiddenEffects xmlns:a14="http://schemas.microsoft.com/office/drawing/2010/main">
+                <a:effectLst>
+                  <a:outerShdw dist="35921" dir="2700000" algn="ctr" rotWithShape="0">
+                    <a:schemeClr val="bg2"/>
+                  </a:outerShdw>
+                </a:effectLst>
+              </a14:hiddenEffects>
+            </a:ext>
+          </a:extLst>
+        </p:spPr>
+      </p:pic>
+      <p:sp>
+        <p:nvSpPr>
+          <p:cNvPr id="11" name="TextBox 10"/>
+          <p:cNvSpPr txBox="1"/>
+          <p:nvPr/>
+        </p:nvSpPr>
+        <p:spPr>
+          <a:xfrm>
+            <a:off x="899592" y="2132856"/>
+            <a:ext cx="3672408" cy="400110"/>
+          </a:xfrm>
+          <a:prstGeom prst="rect">
+            <a:avLst/>
+          </a:prstGeom>
+          <a:noFill/>
+        </p:spPr>
+        <p:txBody>
+          <a:bodyPr wrap="square" rtlCol="0">
+            <a:spAutoFit/>
+          </a:bodyPr>
+          <a:lstStyle/>
+          <a:p>
+            <a:r>
+              <a:rPr lang="en-US" altLang="zh-CN" sz="2000" dirty="0" smtClean="0">
+                <a:latin typeface="Times New Roman" pitchFamily="18" charset="0"/>
+                <a:cs typeface="Times New Roman" pitchFamily="18" charset="0"/>
+              </a:rPr>
+              <a:t>Define adjustment parameters:</a:t>
+            </a:r>
+            <a:endParaRPr lang="zh-CN" altLang="en-US" sz="2000" dirty="0">
+              <a:latin typeface="Times New Roman" pitchFamily="18" charset="0"/>
+              <a:cs typeface="Times New Roman" pitchFamily="18" charset="0"/>
+            </a:endParaRPr>
+          </a:p>
+        </p:txBody>
+      </p:sp>
+      <p:sp>
+        <p:nvSpPr>
+          <p:cNvPr id="12" name="TextBox 11"/>
+          <p:cNvSpPr txBox="1"/>
+          <p:nvPr/>
+        </p:nvSpPr>
+        <p:spPr>
+          <a:xfrm>
+            <a:off x="899592" y="4149080"/>
+            <a:ext cx="7776864" cy="400110"/>
+          </a:xfrm>
+          <a:prstGeom prst="rect">
+            <a:avLst/>
+          </a:prstGeom>
+          <a:noFill/>
+        </p:spPr>
+        <p:txBody>
+          <a:bodyPr wrap="square" rtlCol="0">
+            <a:spAutoFit/>
+          </a:bodyPr>
+          <a:lstStyle/>
+          <a:p>
+            <a:r>
+              <a:rPr lang="en-US" altLang="zh-CN" sz="2000" dirty="0" smtClean="0">
+                <a:latin typeface="Times New Roman" pitchFamily="18" charset="0"/>
+                <a:cs typeface="Times New Roman" pitchFamily="18" charset="0"/>
+              </a:rPr>
+              <a:t>Define new objective function by considering loop consistency constraint:</a:t>
+            </a:r>
+            <a:endParaRPr lang="zh-CN" altLang="en-US" sz="2000" dirty="0">
+              <a:latin typeface="Times New Roman" pitchFamily="18" charset="0"/>
+              <a:cs typeface="Times New Roman" pitchFamily="18" charset="0"/>
+            </a:endParaRPr>
+          </a:p>
+        </p:txBody>
+      </p:sp>
+      <mc:AlternateContent xmlns:mc="http://schemas.openxmlformats.org/markup-compatibility/2006">
+        <mc:Choice xmlns:a14="http://schemas.microsoft.com/office/drawing/2010/main" Requires="a14">
+          <p:sp>
+            <p:nvSpPr>
+              <p:cNvPr id="3" name="矩形 2"/>
+              <p:cNvSpPr/>
+              <p:nvPr/>
+            </p:nvSpPr>
+            <p:spPr>
+              <a:xfrm>
+                <a:off x="947478" y="5373216"/>
+                <a:ext cx="2074607" cy="400110"/>
+              </a:xfrm>
+              <a:prstGeom prst="rect">
+                <a:avLst/>
+              </a:prstGeom>
+              <a:noFill/>
+            </p:spPr>
+            <p:txBody>
+              <a:bodyPr wrap="square" rtlCol="0">
+                <a:spAutoFit/>
+              </a:bodyPr>
+              <a:lstStyle/>
+              <a:p>
+                <a14:m>
+                  <m:oMath xmlns:m="http://schemas.openxmlformats.org/officeDocument/2006/math">
+                    <m:r>
+                      <a:rPr lang="en-US" altLang="zh-CN" sz="2000" b="0" i="1" smtClean="0">
+                        <a:latin typeface="Cambria Math"/>
+                        <a:cs typeface="Times New Roman" pitchFamily="18" charset="0"/>
+                      </a:rPr>
+                      <m:t>𝑥</m:t>
+                    </m:r>
+                  </m:oMath>
+                </a14:m>
+                <a:r>
+                  <a:rPr lang="en-US" altLang="zh-CN" sz="2000" dirty="0" smtClean="0">
+                    <a:latin typeface="Times New Roman" pitchFamily="18" charset="0"/>
+                    <a:cs typeface="Times New Roman" pitchFamily="18" charset="0"/>
+                  </a:rPr>
+                  <a:t> </a:t>
+                </a:r>
+                <a:r>
+                  <a:rPr lang="en-US" altLang="zh-CN" sz="2000" dirty="0">
+                    <a:latin typeface="Times New Roman" pitchFamily="18" charset="0"/>
+                    <a:cs typeface="Times New Roman" pitchFamily="18" charset="0"/>
+                  </a:rPr>
+                  <a:t>is a feature </a:t>
+                </a:r>
+                <a:r>
+                  <a:rPr lang="en-US" altLang="zh-CN" sz="2000" dirty="0" smtClean="0">
+                    <a:latin typeface="Times New Roman" pitchFamily="18" charset="0"/>
+                    <a:cs typeface="Times New Roman" pitchFamily="18" charset="0"/>
+                  </a:rPr>
+                  <a:t>track</a:t>
+                </a:r>
+                <a:endParaRPr lang="zh-CN" altLang="en-US" sz="2000" dirty="0">
+                  <a:latin typeface="Times New Roman" pitchFamily="18" charset="0"/>
+                  <a:cs typeface="Times New Roman" pitchFamily="18" charset="0"/>
+                </a:endParaRPr>
+              </a:p>
+            </p:txBody>
+          </p:sp>
+        </mc:Choice>
+        <mc:Fallback>
+          <p:sp>
+            <p:nvSpPr>
+              <p:cNvPr id="3" name="矩形 2"/>
+              <p:cNvSpPr>
+                <a:spLocks noRot="1" noChangeAspect="1" noMove="1" noResize="1" noEditPoints="1" noAdjustHandles="1" noChangeArrowheads="1" noChangeShapeType="1" noTextEdit="1"/>
+              </p:cNvSpPr>
+              <p:nvPr/>
+            </p:nvSpPr>
+            <p:spPr>
+              <a:xfrm>
+                <a:off x="947478" y="5373216"/>
+                <a:ext cx="2074607" cy="400110"/>
+              </a:xfrm>
+              <a:prstGeom prst="rect">
+                <a:avLst/>
+              </a:prstGeom>
+              <a:blipFill rotWithShape="1">
+                <a:blip r:embed="rId6"/>
+                <a:stretch>
+                  <a:fillRect t="-7576" r="-2933" b="-25758"/>
+                </a:stretch>
+              </a:blipFill>
+            </p:spPr>
+            <p:txBody>
+              <a:bodyPr/>
+              <a:lstStyle/>
+              <a:p>
+                <a:r>
+                  <a:rPr lang="zh-CN" altLang="en-US">
+                    <a:noFill/>
+                  </a:rPr>
+                  <a:t> </a:t>
+                </a:r>
+              </a:p>
+            </p:txBody>
+          </p:sp>
+        </mc:Fallback>
+      </mc:AlternateContent>
+      <p:sp>
+        <p:nvSpPr>
+          <p:cNvPr id="14" name="矩形 13"/>
+          <p:cNvSpPr/>
+          <p:nvPr/>
+        </p:nvSpPr>
+        <p:spPr>
+          <a:xfrm>
+            <a:off x="395536" y="5773326"/>
+            <a:ext cx="1194494" cy="523220"/>
+          </a:xfrm>
+          <a:prstGeom prst="rect">
+            <a:avLst/>
+          </a:prstGeom>
+        </p:spPr>
+        <p:txBody>
+          <a:bodyPr wrap="none">
+            <a:spAutoFit/>
+          </a:bodyPr>
+          <a:lstStyle/>
+          <a:p>
+            <a:r>
+              <a:rPr lang="en-US" altLang="zh-CN" sz="2800" b="1" i="1" dirty="0" smtClean="0">
+                <a:solidFill>
+                  <a:schemeClr val="accent2"/>
+                </a:solidFill>
+                <a:latin typeface="Times New Roman" pitchFamily="18" charset="0"/>
+                <a:cs typeface="Times New Roman" pitchFamily="18" charset="0"/>
+              </a:rPr>
+              <a:t>Effect:</a:t>
+            </a:r>
+            <a:endParaRPr lang="en-US" sz="2800" dirty="0">
+              <a:solidFill>
+                <a:schemeClr val="accent2"/>
+              </a:solidFill>
+              <a:latin typeface="Times New Roman" pitchFamily="18" charset="0"/>
+              <a:cs typeface="Times New Roman" pitchFamily="18" charset="0"/>
+            </a:endParaRPr>
+          </a:p>
+        </p:txBody>
+      </p:sp>
+      <p:sp>
+        <p:nvSpPr>
+          <p:cNvPr id="15" name="矩形 14"/>
+          <p:cNvSpPr/>
+          <p:nvPr/>
+        </p:nvSpPr>
+        <p:spPr>
+          <a:xfrm>
+            <a:off x="992783" y="6314011"/>
+            <a:ext cx="6747569" cy="400110"/>
+          </a:xfrm>
+          <a:prstGeom prst="rect">
+            <a:avLst/>
+          </a:prstGeom>
+          <a:noFill/>
+        </p:spPr>
+        <p:txBody>
+          <a:bodyPr wrap="square" rtlCol="0">
+            <a:spAutoFit/>
+          </a:bodyPr>
+          <a:lstStyle/>
+          <a:p>
+            <a:r>
+              <a:rPr lang="en-US" altLang="zh-CN" sz="2000" dirty="0" smtClean="0">
+                <a:latin typeface="Times New Roman" pitchFamily="18" charset="0"/>
+                <a:cs typeface="Times New Roman" pitchFamily="18" charset="0"/>
+              </a:rPr>
+              <a:t>Greatly improved the rate </a:t>
+            </a:r>
+            <a:r>
+              <a:rPr lang="en-US" altLang="zh-CN" sz="2000" smtClean="0">
+                <a:latin typeface="Times New Roman" pitchFamily="18" charset="0"/>
+                <a:cs typeface="Times New Roman" pitchFamily="18" charset="0"/>
+              </a:rPr>
+              <a:t>of convergence. </a:t>
+            </a:r>
+            <a:endParaRPr lang="zh-CN" altLang="en-US" sz="2000" dirty="0">
+              <a:latin typeface="Times New Roman" pitchFamily="18" charset="0"/>
+              <a:cs typeface="Times New Roman" pitchFamily="18" charset="0"/>
+            </a:endParaRPr>
+          </a:p>
+        </p:txBody>
+      </p:sp>
     </p:spTree>
     <p:extLst>
       <p:ext uri="{BB962C8B-B14F-4D97-AF65-F5344CB8AC3E}">
@@ -19295,7 +20774,7 @@
 </p:sld>
 </file>
 
-<file path=ppt/slides/slide7.xml><?xml version="1.0" encoding="utf-8"?>
+<file path=ppt/slides/slide8.xml><?xml version="1.0" encoding="utf-8"?>
 <p:sld xmlns:a="http://schemas.openxmlformats.org/drawingml/2006/main" xmlns:r="http://schemas.openxmlformats.org/officeDocument/2006/relationships" xmlns:p="http://schemas.openxmlformats.org/presentationml/2006/main">
   <p:cSld>
     <p:spTree>
@@ -19528,374 +21007,6 @@
 </p:sld>
 </file>
 
-<file path=ppt/slides/slide8.xml><?xml version="1.0" encoding="utf-8"?>
-<p:sld xmlns:a="http://schemas.openxmlformats.org/drawingml/2006/main" xmlns:r="http://schemas.openxmlformats.org/officeDocument/2006/relationships" xmlns:p="http://schemas.openxmlformats.org/presentationml/2006/main">
-  <p:cSld>
-    <p:spTree>
-      <p:nvGrpSpPr>
-        <p:cNvPr id="1" name=""/>
-        <p:cNvGrpSpPr/>
-        <p:nvPr/>
-      </p:nvGrpSpPr>
-      <p:grpSpPr>
-        <a:xfrm>
-          <a:off x="0" y="0"/>
-          <a:ext cx="0" cy="0"/>
-          <a:chOff x="0" y="0"/>
-          <a:chExt cx="0" cy="0"/>
-        </a:xfrm>
-      </p:grpSpPr>
-      <p:cxnSp>
-        <p:nvCxnSpPr>
-          <p:cNvPr id="8" name="直接连接符 7"/>
-          <p:cNvCxnSpPr/>
-          <p:nvPr/>
-        </p:nvCxnSpPr>
-        <p:spPr>
-          <a:xfrm>
-            <a:off x="571472" y="692696"/>
-            <a:ext cx="7786742" cy="1588"/>
-          </a:xfrm>
-          <a:prstGeom prst="line">
-            <a:avLst/>
-          </a:prstGeom>
-          <a:ln>
-            <a:solidFill>
-              <a:schemeClr val="accent2">
-                <a:lumMod val="75000"/>
-              </a:schemeClr>
-            </a:solidFill>
-          </a:ln>
-        </p:spPr>
-        <p:style>
-          <a:lnRef idx="1">
-            <a:schemeClr val="accent1"/>
-          </a:lnRef>
-          <a:fillRef idx="0">
-            <a:schemeClr val="accent1"/>
-          </a:fillRef>
-          <a:effectRef idx="0">
-            <a:schemeClr val="accent1"/>
-          </a:effectRef>
-          <a:fontRef idx="minor">
-            <a:schemeClr val="tx1"/>
-          </a:fontRef>
-        </p:style>
-      </p:cxnSp>
-      <p:sp>
-        <p:nvSpPr>
-          <p:cNvPr id="2" name="TextBox 1"/>
-          <p:cNvSpPr txBox="1"/>
-          <p:nvPr/>
-        </p:nvSpPr>
-        <p:spPr>
-          <a:xfrm>
-            <a:off x="571472" y="1412776"/>
-            <a:ext cx="7746654" cy="3785652"/>
-          </a:xfrm>
-          <a:prstGeom prst="rect">
-            <a:avLst/>
-          </a:prstGeom>
-          <a:noFill/>
-        </p:spPr>
-        <p:txBody>
-          <a:bodyPr wrap="square" rtlCol="0">
-            <a:spAutoFit/>
-          </a:bodyPr>
-          <a:lstStyle/>
-          <a:p>
-            <a:r>
-              <a:rPr lang="en-US" altLang="zh-CN" sz="2000" b="1" dirty="0" smtClean="0">
-                <a:latin typeface="Times New Roman" pitchFamily="18" charset="0"/>
-                <a:cs typeface="Times New Roman" pitchFamily="18" charset="0"/>
-              </a:rPr>
-              <a:t>Condition 1</a:t>
-            </a:r>
-          </a:p>
-          <a:p>
-            <a:pPr lvl="1"/>
-            <a:r>
-              <a:rPr lang="en-US" altLang="zh-CN" sz="2000" dirty="0" smtClean="0">
-                <a:latin typeface="Times New Roman" pitchFamily="18" charset="0"/>
-                <a:cs typeface="Times New Roman" pitchFamily="18" charset="0"/>
-              </a:rPr>
-              <a:t>The transfer point lies on the trifocal plane of the image </a:t>
-            </a:r>
-            <a:r>
-              <a:rPr lang="en-US" altLang="zh-CN" sz="2000" i="1" dirty="0" err="1" smtClean="0">
-                <a:latin typeface="Times New Roman" pitchFamily="18" charset="0"/>
-                <a:cs typeface="Times New Roman" pitchFamily="18" charset="0"/>
-              </a:rPr>
-              <a:t>i</a:t>
-            </a:r>
-            <a:r>
-              <a:rPr lang="en-US" altLang="zh-CN" sz="2000" dirty="0" smtClean="0">
-                <a:latin typeface="Times New Roman" pitchFamily="18" charset="0"/>
-                <a:cs typeface="Times New Roman" pitchFamily="18" charset="0"/>
-              </a:rPr>
-              <a:t>, </a:t>
-            </a:r>
-            <a:r>
-              <a:rPr lang="en-US" altLang="zh-CN" sz="2000" i="1" dirty="0" smtClean="0">
-                <a:latin typeface="Times New Roman" pitchFamily="18" charset="0"/>
-                <a:cs typeface="Times New Roman" pitchFamily="18" charset="0"/>
-              </a:rPr>
-              <a:t>j</a:t>
-            </a:r>
-            <a:r>
-              <a:rPr lang="en-US" altLang="zh-CN" sz="2000" dirty="0" smtClean="0">
-                <a:latin typeface="Times New Roman" pitchFamily="18" charset="0"/>
-                <a:cs typeface="Times New Roman" pitchFamily="18" charset="0"/>
-              </a:rPr>
-              <a:t> and </a:t>
-            </a:r>
-            <a:r>
-              <a:rPr lang="en-US" altLang="zh-CN" sz="2000" i="1" dirty="0" smtClean="0">
-                <a:latin typeface="Times New Roman" pitchFamily="18" charset="0"/>
-                <a:cs typeface="Times New Roman" pitchFamily="18" charset="0"/>
-              </a:rPr>
-              <a:t>k</a:t>
-            </a:r>
-            <a:r>
-              <a:rPr lang="en-US" altLang="zh-CN" sz="2000" dirty="0" smtClean="0">
-                <a:latin typeface="Times New Roman" pitchFamily="18" charset="0"/>
-                <a:cs typeface="Times New Roman" pitchFamily="18" charset="0"/>
-              </a:rPr>
-              <a:t>.</a:t>
-            </a:r>
-          </a:p>
-          <a:p>
-            <a:r>
-              <a:rPr lang="en-US" altLang="zh-CN" sz="2000" b="1" dirty="0" smtClean="0">
-                <a:latin typeface="Times New Roman" pitchFamily="18" charset="0"/>
-                <a:cs typeface="Times New Roman" pitchFamily="18" charset="0"/>
-              </a:rPr>
-              <a:t>Solution</a:t>
-            </a:r>
-          </a:p>
-          <a:p>
-            <a:pPr marL="914400" lvl="1" indent="-457200">
-              <a:buFont typeface="+mj-lt"/>
-              <a:buAutoNum type="alphaLcParenR"/>
-            </a:pPr>
-            <a:r>
-              <a:rPr lang="en-US" altLang="zh-CN" sz="2000" dirty="0" smtClean="0">
-                <a:latin typeface="Times New Roman" pitchFamily="18" charset="0"/>
-                <a:cs typeface="Times New Roman" pitchFamily="18" charset="0"/>
-              </a:rPr>
-              <a:t>Do not consider points where the two transfer lines are nearly parallel or the transfer lines lay near the </a:t>
-            </a:r>
-            <a:r>
-              <a:rPr lang="en-US" altLang="zh-CN" sz="2000" dirty="0" err="1" smtClean="0">
-                <a:latin typeface="Times New Roman" pitchFamily="18" charset="0"/>
-                <a:cs typeface="Times New Roman" pitchFamily="18" charset="0"/>
-              </a:rPr>
-              <a:t>epipole</a:t>
-            </a:r>
-            <a:r>
-              <a:rPr lang="en-US" altLang="zh-CN" sz="2000" dirty="0" smtClean="0">
-                <a:latin typeface="Times New Roman" pitchFamily="18" charset="0"/>
-                <a:cs typeface="Times New Roman" pitchFamily="18" charset="0"/>
-              </a:rPr>
-              <a:t>.</a:t>
-            </a:r>
-          </a:p>
-          <a:p>
-            <a:pPr marL="914400" lvl="1" indent="-457200">
-              <a:buFont typeface="+mj-lt"/>
-              <a:buAutoNum type="alphaLcParenR"/>
-            </a:pPr>
-            <a:r>
-              <a:rPr lang="en-US" altLang="zh-CN" sz="2000" dirty="0" smtClean="0">
-                <a:latin typeface="Times New Roman" pitchFamily="18" charset="0"/>
-                <a:cs typeface="Times New Roman" pitchFamily="18" charset="0"/>
-              </a:rPr>
-              <a:t>The latter scenario can be checked by examining the norm of the transfer line.</a:t>
-            </a:r>
-          </a:p>
-          <a:p>
-            <a:endParaRPr lang="en-US" altLang="zh-CN" sz="2000" dirty="0" smtClean="0">
-              <a:latin typeface="Times New Roman" pitchFamily="18" charset="0"/>
-              <a:cs typeface="Times New Roman" pitchFamily="18" charset="0"/>
-            </a:endParaRPr>
-          </a:p>
-          <a:p>
-            <a:r>
-              <a:rPr lang="en-US" altLang="zh-CN" sz="2000" b="1" dirty="0" smtClean="0">
-                <a:latin typeface="Times New Roman" pitchFamily="18" charset="0"/>
-                <a:cs typeface="Times New Roman" pitchFamily="18" charset="0"/>
-              </a:rPr>
-              <a:t>Condition 2</a:t>
-            </a:r>
-          </a:p>
-          <a:p>
-            <a:pPr lvl="1"/>
-            <a:r>
-              <a:rPr lang="en-US" altLang="zh-CN" sz="2000" dirty="0" smtClean="0">
-                <a:latin typeface="Times New Roman" pitchFamily="18" charset="0"/>
-                <a:cs typeface="Times New Roman" pitchFamily="18" charset="0"/>
-              </a:rPr>
-              <a:t>The tree camera centers are collinear.</a:t>
-            </a:r>
-            <a:endParaRPr lang="en-US" altLang="zh-CN" sz="2000" dirty="0">
-              <a:latin typeface="Times New Roman" pitchFamily="18" charset="0"/>
-              <a:cs typeface="Times New Roman" pitchFamily="18" charset="0"/>
-            </a:endParaRPr>
-          </a:p>
-          <a:p>
-            <a:r>
-              <a:rPr lang="en-US" altLang="zh-CN" sz="2000" b="1" dirty="0" smtClean="0">
-                <a:latin typeface="Times New Roman" pitchFamily="18" charset="0"/>
-                <a:cs typeface="Times New Roman" pitchFamily="18" charset="0"/>
-              </a:rPr>
-              <a:t>Solution</a:t>
-            </a:r>
-          </a:p>
-          <a:p>
-            <a:pPr lvl="1"/>
-            <a:r>
-              <a:rPr lang="en-US" altLang="zh-CN" sz="2000" dirty="0" smtClean="0">
-                <a:latin typeface="Times New Roman" pitchFamily="18" charset="0"/>
-                <a:cs typeface="Times New Roman" pitchFamily="18" charset="0"/>
-              </a:rPr>
-              <a:t>Remove collinear triplets where the </a:t>
-            </a:r>
-            <a:r>
-              <a:rPr lang="en-US" altLang="zh-CN" sz="2000" dirty="0" err="1" smtClean="0">
-                <a:latin typeface="Times New Roman" pitchFamily="18" charset="0"/>
-                <a:cs typeface="Times New Roman" pitchFamily="18" charset="0"/>
-              </a:rPr>
-              <a:t>epipoles</a:t>
-            </a:r>
-            <a:r>
-              <a:rPr lang="en-US" altLang="zh-CN" sz="2000" dirty="0" smtClean="0">
-                <a:latin typeface="Times New Roman" pitchFamily="18" charset="0"/>
-                <a:cs typeface="Times New Roman" pitchFamily="18" charset="0"/>
-              </a:rPr>
-              <a:t> are equal.</a:t>
-            </a:r>
-            <a:endParaRPr lang="zh-CN" altLang="en-US" sz="2000" dirty="0">
-              <a:latin typeface="Times New Roman" pitchFamily="18" charset="0"/>
-              <a:cs typeface="Times New Roman" pitchFamily="18" charset="0"/>
-            </a:endParaRPr>
-          </a:p>
-        </p:txBody>
-      </p:sp>
-      <p:sp>
-        <p:nvSpPr>
-          <p:cNvPr id="6" name="矩形 5"/>
-          <p:cNvSpPr/>
-          <p:nvPr/>
-        </p:nvSpPr>
-        <p:spPr>
-          <a:xfrm>
-            <a:off x="526433" y="791043"/>
-            <a:ext cx="3704860" cy="523220"/>
-          </a:xfrm>
-          <a:prstGeom prst="rect">
-            <a:avLst/>
-          </a:prstGeom>
-        </p:spPr>
-        <p:txBody>
-          <a:bodyPr wrap="none">
-            <a:spAutoFit/>
-          </a:bodyPr>
-          <a:lstStyle/>
-          <a:p>
-            <a:r>
-              <a:rPr lang="en-US" altLang="zh-CN" sz="2800" b="1" i="1" dirty="0" smtClean="0">
-                <a:solidFill>
-                  <a:schemeClr val="accent2"/>
-                </a:solidFill>
-                <a:latin typeface="Times New Roman" pitchFamily="18" charset="0"/>
-                <a:cs typeface="Times New Roman" pitchFamily="18" charset="0"/>
-              </a:rPr>
-              <a:t>Nonlinear Optimization</a:t>
-            </a:r>
-            <a:endParaRPr lang="en-US" sz="2800" dirty="0">
-              <a:solidFill>
-                <a:schemeClr val="accent2"/>
-              </a:solidFill>
-              <a:latin typeface="Times New Roman" pitchFamily="18" charset="0"/>
-              <a:cs typeface="Times New Roman" pitchFamily="18" charset="0"/>
-            </a:endParaRPr>
-          </a:p>
-        </p:txBody>
-      </p:sp>
-      <p:sp>
-        <p:nvSpPr>
-          <p:cNvPr id="7" name="标题 3"/>
-          <p:cNvSpPr txBox="1">
-            <a:spLocks/>
-          </p:cNvSpPr>
-          <p:nvPr/>
-        </p:nvSpPr>
-        <p:spPr bwMode="auto">
-          <a:xfrm>
-            <a:off x="257175" y="142852"/>
-            <a:ext cx="8491289" cy="609600"/>
-          </a:xfrm>
-          <a:prstGeom prst="rect">
-            <a:avLst/>
-          </a:prstGeom>
-          <a:noFill/>
-          <a:ln w="9525">
-            <a:noFill/>
-            <a:miter lim="800000"/>
-            <a:headEnd/>
-            <a:tailEnd/>
-          </a:ln>
-        </p:spPr>
-        <p:txBody>
-          <a:bodyPr anchor="ctr"/>
-          <a:lstStyle/>
-          <a:p>
-            <a:pPr>
-              <a:defRPr/>
-            </a:pPr>
-            <a:r>
-              <a:rPr lang="en-US" altLang="zh-CN" sz="2800" b="1" i="1" dirty="0">
-                <a:latin typeface="Calibri" pitchFamily="34" charset="0"/>
-                <a:cs typeface="Calibri" pitchFamily="34" charset="0"/>
-              </a:rPr>
-              <a:t>3</a:t>
-            </a:r>
-            <a:r>
-              <a:rPr lang="en-US" altLang="zh-CN" sz="2800" b="1" i="1" dirty="0" smtClean="0">
-                <a:latin typeface="Calibri" pitchFamily="34" charset="0"/>
-                <a:cs typeface="Calibri" pitchFamily="34" charset="0"/>
-              </a:rPr>
-              <a:t>. Create a Consistent  Viewing Graph</a:t>
-            </a:r>
-            <a:endParaRPr lang="zh-CN" altLang="en-US" sz="3200" b="1" kern="0" dirty="0">
-              <a:effectLst/>
-              <a:latin typeface="Calibri" pitchFamily="34" charset="0"/>
-              <a:ea typeface="楷体" pitchFamily="49" charset="-122"/>
-              <a:cs typeface="Calibri" pitchFamily="34" charset="0"/>
-            </a:endParaRPr>
-          </a:p>
-        </p:txBody>
-      </p:sp>
-    </p:spTree>
-    <p:extLst>
-      <p:ext uri="{BB962C8B-B14F-4D97-AF65-F5344CB8AC3E}">
-        <p14:creationId xmlns:p14="http://schemas.microsoft.com/office/powerpoint/2010/main" val="1794193869"/>
-      </p:ext>
-    </p:extLst>
-  </p:cSld>
-  <p:clrMapOvr>
-    <a:masterClrMapping/>
-  </p:clrMapOvr>
-  <p:timing>
-    <p:tnLst>
-      <p:par>
-        <p:cTn id="1" dur="indefinite" restart="never" nodeType="tmRoot"/>
-      </p:par>
-    </p:tnLst>
-  </p:timing>
-</p:sld>
-</file>
-
 <file path=ppt/slides/slide9.xml><?xml version="1.0" encoding="utf-8"?>
 <p:sld xmlns:a="http://schemas.openxmlformats.org/drawingml/2006/main" xmlns:r="http://schemas.openxmlformats.org/officeDocument/2006/relationships" xmlns:p="http://schemas.openxmlformats.org/presentationml/2006/main">
   <p:cSld>
@@ -19952,7 +21063,247 @@
       </p:cxnSp>
       <p:sp>
         <p:nvSpPr>
-          <p:cNvPr id="5" name="标题 3"/>
+          <p:cNvPr id="2" name="TextBox 1"/>
+          <p:cNvSpPr txBox="1"/>
+          <p:nvPr/>
+        </p:nvSpPr>
+        <p:spPr>
+          <a:xfrm>
+            <a:off x="571472" y="1412776"/>
+            <a:ext cx="7746654" cy="3785652"/>
+          </a:xfrm>
+          <a:prstGeom prst="rect">
+            <a:avLst/>
+          </a:prstGeom>
+          <a:noFill/>
+        </p:spPr>
+        <p:txBody>
+          <a:bodyPr wrap="square" rtlCol="0">
+            <a:spAutoFit/>
+          </a:bodyPr>
+          <a:lstStyle/>
+          <a:p>
+            <a:r>
+              <a:rPr lang="en-US" altLang="zh-CN" sz="2000" b="1" dirty="0" smtClean="0">
+                <a:latin typeface="Times New Roman" pitchFamily="18" charset="0"/>
+                <a:cs typeface="Times New Roman" pitchFamily="18" charset="0"/>
+              </a:rPr>
+              <a:t>Condition 1</a:t>
+            </a:r>
+          </a:p>
+          <a:p>
+            <a:pPr lvl="1"/>
+            <a:r>
+              <a:rPr lang="en-US" altLang="zh-CN" sz="2000" dirty="0" smtClean="0">
+                <a:latin typeface="Times New Roman" pitchFamily="18" charset="0"/>
+                <a:cs typeface="Times New Roman" pitchFamily="18" charset="0"/>
+              </a:rPr>
+              <a:t>The transfer point lies on the trifocal plane of the image </a:t>
+            </a:r>
+            <a:r>
+              <a:rPr lang="en-US" altLang="zh-CN" sz="2000" i="1" dirty="0" err="1" smtClean="0">
+                <a:latin typeface="Times New Roman" pitchFamily="18" charset="0"/>
+                <a:cs typeface="Times New Roman" pitchFamily="18" charset="0"/>
+              </a:rPr>
+              <a:t>i</a:t>
+            </a:r>
+            <a:r>
+              <a:rPr lang="en-US" altLang="zh-CN" sz="2000" dirty="0" smtClean="0">
+                <a:latin typeface="Times New Roman" pitchFamily="18" charset="0"/>
+                <a:cs typeface="Times New Roman" pitchFamily="18" charset="0"/>
+              </a:rPr>
+              <a:t>, </a:t>
+            </a:r>
+            <a:r>
+              <a:rPr lang="en-US" altLang="zh-CN" sz="2000" i="1" dirty="0" smtClean="0">
+                <a:latin typeface="Times New Roman" pitchFamily="18" charset="0"/>
+                <a:cs typeface="Times New Roman" pitchFamily="18" charset="0"/>
+              </a:rPr>
+              <a:t>j</a:t>
+            </a:r>
+            <a:r>
+              <a:rPr lang="en-US" altLang="zh-CN" sz="2000" dirty="0" smtClean="0">
+                <a:latin typeface="Times New Roman" pitchFamily="18" charset="0"/>
+                <a:cs typeface="Times New Roman" pitchFamily="18" charset="0"/>
+              </a:rPr>
+              <a:t> and </a:t>
+            </a:r>
+            <a:r>
+              <a:rPr lang="en-US" altLang="zh-CN" sz="2000" i="1" dirty="0" smtClean="0">
+                <a:latin typeface="Times New Roman" pitchFamily="18" charset="0"/>
+                <a:cs typeface="Times New Roman" pitchFamily="18" charset="0"/>
+              </a:rPr>
+              <a:t>k</a:t>
+            </a:r>
+            <a:r>
+              <a:rPr lang="en-US" altLang="zh-CN" sz="2000" dirty="0" smtClean="0">
+                <a:latin typeface="Times New Roman" pitchFamily="18" charset="0"/>
+                <a:cs typeface="Times New Roman" pitchFamily="18" charset="0"/>
+              </a:rPr>
+              <a:t>.</a:t>
+            </a:r>
+          </a:p>
+          <a:p>
+            <a:r>
+              <a:rPr lang="en-US" altLang="zh-CN" sz="2000" b="1" dirty="0" smtClean="0">
+                <a:latin typeface="Times New Roman" pitchFamily="18" charset="0"/>
+                <a:cs typeface="Times New Roman" pitchFamily="18" charset="0"/>
+              </a:rPr>
+              <a:t>Solution</a:t>
+            </a:r>
+          </a:p>
+          <a:p>
+            <a:pPr marL="914400" lvl="1" indent="-457200">
+              <a:buFont typeface="+mj-lt"/>
+              <a:buAutoNum type="alphaLcParenR"/>
+            </a:pPr>
+            <a:r>
+              <a:rPr lang="en-US" altLang="zh-CN" sz="2000" dirty="0" smtClean="0">
+                <a:latin typeface="Times New Roman" pitchFamily="18" charset="0"/>
+                <a:cs typeface="Times New Roman" pitchFamily="18" charset="0"/>
+              </a:rPr>
+              <a:t>Do not consider points where the two transfer lines are nearly parallel or the transfer lines lay near the </a:t>
+            </a:r>
+            <a:r>
+              <a:rPr lang="en-US" altLang="zh-CN" sz="2000" dirty="0" err="1" smtClean="0">
+                <a:latin typeface="Times New Roman" pitchFamily="18" charset="0"/>
+                <a:cs typeface="Times New Roman" pitchFamily="18" charset="0"/>
+              </a:rPr>
+              <a:t>epipole</a:t>
+            </a:r>
+            <a:r>
+              <a:rPr lang="en-US" altLang="zh-CN" sz="2000" dirty="0" smtClean="0">
+                <a:latin typeface="Times New Roman" pitchFamily="18" charset="0"/>
+                <a:cs typeface="Times New Roman" pitchFamily="18" charset="0"/>
+              </a:rPr>
+              <a:t>.</a:t>
+            </a:r>
+          </a:p>
+          <a:p>
+            <a:pPr marL="914400" lvl="1" indent="-457200">
+              <a:buFont typeface="+mj-lt"/>
+              <a:buAutoNum type="alphaLcParenR"/>
+            </a:pPr>
+            <a:r>
+              <a:rPr lang="en-US" altLang="zh-CN" sz="2000" dirty="0" smtClean="0">
+                <a:latin typeface="Times New Roman" pitchFamily="18" charset="0"/>
+                <a:cs typeface="Times New Roman" pitchFamily="18" charset="0"/>
+              </a:rPr>
+              <a:t>The latter scenario can be checked by examining the norm of the transfer line.</a:t>
+            </a:r>
+          </a:p>
+          <a:p>
+            <a:endParaRPr lang="en-US" altLang="zh-CN" sz="2000" dirty="0" smtClean="0">
+              <a:latin typeface="Times New Roman" pitchFamily="18" charset="0"/>
+              <a:cs typeface="Times New Roman" pitchFamily="18" charset="0"/>
+            </a:endParaRPr>
+          </a:p>
+          <a:p>
+            <a:r>
+              <a:rPr lang="en-US" altLang="zh-CN" sz="2000" b="1" dirty="0" smtClean="0">
+                <a:latin typeface="Times New Roman" pitchFamily="18" charset="0"/>
+                <a:cs typeface="Times New Roman" pitchFamily="18" charset="0"/>
+              </a:rPr>
+              <a:t>Condition 2</a:t>
+            </a:r>
+          </a:p>
+          <a:p>
+            <a:pPr lvl="1"/>
+            <a:r>
+              <a:rPr lang="en-US" altLang="zh-CN" sz="2000" dirty="0" smtClean="0">
+                <a:latin typeface="Times New Roman" pitchFamily="18" charset="0"/>
+                <a:cs typeface="Times New Roman" pitchFamily="18" charset="0"/>
+              </a:rPr>
+              <a:t>The tree camera centers are collinear.</a:t>
+            </a:r>
+            <a:endParaRPr lang="en-US" altLang="zh-CN" sz="2000" dirty="0">
+              <a:latin typeface="Times New Roman" pitchFamily="18" charset="0"/>
+              <a:cs typeface="Times New Roman" pitchFamily="18" charset="0"/>
+            </a:endParaRPr>
+          </a:p>
+          <a:p>
+            <a:r>
+              <a:rPr lang="en-US" altLang="zh-CN" sz="2000" b="1" dirty="0" smtClean="0">
+                <a:latin typeface="Times New Roman" pitchFamily="18" charset="0"/>
+                <a:cs typeface="Times New Roman" pitchFamily="18" charset="0"/>
+              </a:rPr>
+              <a:t>Solution</a:t>
+            </a:r>
+          </a:p>
+          <a:p>
+            <a:pPr lvl="1"/>
+            <a:r>
+              <a:rPr lang="en-US" altLang="zh-CN" sz="2000" dirty="0" smtClean="0">
+                <a:latin typeface="Times New Roman" pitchFamily="18" charset="0"/>
+                <a:cs typeface="Times New Roman" pitchFamily="18" charset="0"/>
+              </a:rPr>
+              <a:t>Remove collinear triplets where the </a:t>
+            </a:r>
+            <a:r>
+              <a:rPr lang="en-US" altLang="zh-CN" sz="2000" dirty="0" err="1" smtClean="0">
+                <a:latin typeface="Times New Roman" pitchFamily="18" charset="0"/>
+                <a:cs typeface="Times New Roman" pitchFamily="18" charset="0"/>
+              </a:rPr>
+              <a:t>epipoles</a:t>
+            </a:r>
+            <a:r>
+              <a:rPr lang="en-US" altLang="zh-CN" sz="2000" dirty="0" smtClean="0">
+                <a:latin typeface="Times New Roman" pitchFamily="18" charset="0"/>
+                <a:cs typeface="Times New Roman" pitchFamily="18" charset="0"/>
+              </a:rPr>
+              <a:t> are equal.</a:t>
+            </a:r>
+            <a:endParaRPr lang="zh-CN" altLang="en-US" sz="2000" dirty="0">
+              <a:latin typeface="Times New Roman" pitchFamily="18" charset="0"/>
+              <a:cs typeface="Times New Roman" pitchFamily="18" charset="0"/>
+            </a:endParaRPr>
+          </a:p>
+        </p:txBody>
+      </p:sp>
+      <p:sp>
+        <p:nvSpPr>
+          <p:cNvPr id="6" name="矩形 5"/>
+          <p:cNvSpPr/>
+          <p:nvPr/>
+        </p:nvSpPr>
+        <p:spPr>
+          <a:xfrm>
+            <a:off x="526433" y="791043"/>
+            <a:ext cx="3704860" cy="523220"/>
+          </a:xfrm>
+          <a:prstGeom prst="rect">
+            <a:avLst/>
+          </a:prstGeom>
+        </p:spPr>
+        <p:txBody>
+          <a:bodyPr wrap="none">
+            <a:spAutoFit/>
+          </a:bodyPr>
+          <a:lstStyle/>
+          <a:p>
+            <a:r>
+              <a:rPr lang="en-US" altLang="zh-CN" sz="2800" b="1" i="1" dirty="0" smtClean="0">
+                <a:solidFill>
+                  <a:schemeClr val="accent2"/>
+                </a:solidFill>
+                <a:latin typeface="Times New Roman" pitchFamily="18" charset="0"/>
+                <a:cs typeface="Times New Roman" pitchFamily="18" charset="0"/>
+              </a:rPr>
+              <a:t>Nonlinear Optimization</a:t>
+            </a:r>
+            <a:endParaRPr lang="en-US" sz="2800" dirty="0">
+              <a:solidFill>
+                <a:schemeClr val="accent2"/>
+              </a:solidFill>
+              <a:latin typeface="Times New Roman" pitchFamily="18" charset="0"/>
+              <a:cs typeface="Times New Roman" pitchFamily="18" charset="0"/>
+            </a:endParaRPr>
+          </a:p>
+        </p:txBody>
+      </p:sp>
+      <p:sp>
+        <p:nvSpPr>
+          <p:cNvPr id="7" name="标题 3"/>
           <p:cNvSpPr txBox="1">
             <a:spLocks/>
           </p:cNvSpPr>
@@ -19982,11 +21333,18 @@
               <a:defRPr/>
             </a:pPr>
             <a:r>
+              <a:rPr lang="en-US" altLang="zh-CN" sz="2800" b="1" i="1" dirty="0">
+                <a:latin typeface="Calibri" pitchFamily="34" charset="0"/>
+                <a:cs typeface="Calibri" pitchFamily="34" charset="0"/>
+              </a:rPr>
+              <a:t>3</a:t>
+            </a:r>
+            <a:r>
               <a:rPr lang="en-US" altLang="zh-CN" sz="2800" b="1" i="1" dirty="0" smtClean="0">
                 <a:latin typeface="Calibri" pitchFamily="34" charset="0"/>
                 <a:cs typeface="Calibri" pitchFamily="34" charset="0"/>
               </a:rPr>
-              <a:t>4.1 Viewing Graph Optimization</a:t>
+              <a:t>. Create a Consistent  Viewing Graph</a:t>
             </a:r>
             <a:endParaRPr lang="zh-CN" altLang="en-US" sz="3200" b="1" kern="0" dirty="0">
               <a:effectLst/>
@@ -19997,104 +21355,10 @@
           </a:p>
         </p:txBody>
       </p:sp>
-      <p:sp>
-        <p:nvSpPr>
-          <p:cNvPr id="2" name="TextBox 1"/>
-          <p:cNvSpPr txBox="1"/>
-          <p:nvPr/>
-        </p:nvSpPr>
-        <p:spPr>
-          <a:xfrm>
-            <a:off x="565544" y="980728"/>
-            <a:ext cx="7746654" cy="1938992"/>
-          </a:xfrm>
-          <a:prstGeom prst="rect">
-            <a:avLst/>
-          </a:prstGeom>
-          <a:noFill/>
-        </p:spPr>
-        <p:txBody>
-          <a:bodyPr wrap="square" rtlCol="0">
-            <a:spAutoFit/>
-          </a:bodyPr>
-          <a:lstStyle/>
-          <a:p>
-            <a:r>
-              <a:rPr lang="en-US" altLang="zh-CN" sz="2000" b="1" dirty="0" smtClean="0">
-                <a:latin typeface="Times New Roman" pitchFamily="18" charset="0"/>
-                <a:cs typeface="Times New Roman" pitchFamily="18" charset="0"/>
-              </a:rPr>
-              <a:t>Target </a:t>
-            </a:r>
-          </a:p>
-          <a:p>
-            <a:pPr lvl="1"/>
-            <a:r>
-              <a:rPr lang="en-US" altLang="zh-CN" sz="2000" dirty="0" smtClean="0">
-                <a:latin typeface="Times New Roman" pitchFamily="18" charset="0"/>
-                <a:cs typeface="Times New Roman" pitchFamily="18" charset="0"/>
-              </a:rPr>
-              <a:t>Find </a:t>
-            </a:r>
-            <a:r>
-              <a:rPr lang="en-US" altLang="zh-CN" sz="2000" dirty="0">
-                <a:latin typeface="Times New Roman" pitchFamily="18" charset="0"/>
-                <a:cs typeface="Times New Roman" pitchFamily="18" charset="0"/>
-              </a:rPr>
-              <a:t>a minimal set of edges </a:t>
-            </a:r>
-            <a:r>
-              <a:rPr lang="en-US" altLang="zh-CN" sz="2000" dirty="0" smtClean="0">
-                <a:latin typeface="Times New Roman" pitchFamily="18" charset="0"/>
-                <a:cs typeface="Times New Roman" pitchFamily="18" charset="0"/>
-              </a:rPr>
-              <a:t>that provide </a:t>
-            </a:r>
-            <a:r>
-              <a:rPr lang="en-US" altLang="zh-CN" sz="2000" dirty="0">
-                <a:latin typeface="Times New Roman" pitchFamily="18" charset="0"/>
-                <a:cs typeface="Times New Roman" pitchFamily="18" charset="0"/>
-              </a:rPr>
-              <a:t>sufficient coverage over all views in the </a:t>
-            </a:r>
-            <a:r>
-              <a:rPr lang="en-US" altLang="zh-CN" sz="2000" dirty="0" smtClean="0">
-                <a:latin typeface="Times New Roman" pitchFamily="18" charset="0"/>
-                <a:cs typeface="Times New Roman" pitchFamily="18" charset="0"/>
-              </a:rPr>
-              <a:t>viewing graph.</a:t>
-            </a:r>
-            <a:endParaRPr lang="en-US" altLang="zh-CN" sz="2000" dirty="0">
-              <a:latin typeface="Times New Roman" pitchFamily="18" charset="0"/>
-              <a:cs typeface="Times New Roman" pitchFamily="18" charset="0"/>
-            </a:endParaRPr>
-          </a:p>
-          <a:p>
-            <a:pPr lvl="1"/>
-            <a:endParaRPr lang="en-US" altLang="zh-CN" sz="2000" dirty="0" smtClean="0">
-              <a:latin typeface="Times New Roman" pitchFamily="18" charset="0"/>
-              <a:cs typeface="Times New Roman" pitchFamily="18" charset="0"/>
-            </a:endParaRPr>
-          </a:p>
-          <a:p>
-            <a:pPr lvl="1"/>
-            <a:endParaRPr lang="en-US" altLang="zh-CN" sz="2000" dirty="0">
-              <a:latin typeface="Times New Roman" pitchFamily="18" charset="0"/>
-              <a:cs typeface="Times New Roman" pitchFamily="18" charset="0"/>
-            </a:endParaRPr>
-          </a:p>
-          <a:p>
-            <a:endParaRPr lang="en-US" altLang="zh-CN" sz="2000" dirty="0" smtClean="0">
-              <a:latin typeface="Times New Roman" pitchFamily="18" charset="0"/>
-              <a:cs typeface="Times New Roman" pitchFamily="18" charset="0"/>
-            </a:endParaRPr>
-          </a:p>
-        </p:txBody>
-      </p:sp>
     </p:spTree>
     <p:extLst>
       <p:ext uri="{BB962C8B-B14F-4D97-AF65-F5344CB8AC3E}">
-        <p14:creationId xmlns:p14="http://schemas.microsoft.com/office/powerpoint/2010/main" val="1435217000"/>
+        <p14:creationId xmlns:p14="http://schemas.microsoft.com/office/powerpoint/2010/main" val="1794193869"/>
       </p:ext>
     </p:extLst>
   </p:cSld>

--- a/2019.03.25 ICCV 2015, Optimizing the Viewing Graph for Structure-from-Motion.pptx
+++ b/2019.03.25 ICCV 2015, Optimizing the Viewing Graph for Structure-from-Motion.pptx
@@ -6,10 +6,10 @@
     <p:sldMasterId id="2147483660" r:id="rId3"/>
   </p:sldMasterIdLst>
   <p:notesMasterIdLst>
-    <p:notesMasterId r:id="rId28"/>
+    <p:notesMasterId r:id="rId24"/>
   </p:notesMasterIdLst>
   <p:handoutMasterIdLst>
-    <p:handoutMasterId r:id="rId29"/>
+    <p:handoutMasterId r:id="rId25"/>
   </p:handoutMasterIdLst>
   <p:sldIdLst>
     <p:sldId id="256" r:id="rId4"/>
@@ -19,23 +19,19 @@
     <p:sldId id="374" r:id="rId8"/>
     <p:sldId id="389" r:id="rId9"/>
     <p:sldId id="407" r:id="rId10"/>
-    <p:sldId id="408" r:id="rId11"/>
-    <p:sldId id="391" r:id="rId12"/>
-    <p:sldId id="393" r:id="rId13"/>
-    <p:sldId id="394" r:id="rId14"/>
-    <p:sldId id="395" r:id="rId15"/>
-    <p:sldId id="396" r:id="rId16"/>
-    <p:sldId id="397" r:id="rId17"/>
-    <p:sldId id="399" r:id="rId18"/>
-    <p:sldId id="401" r:id="rId19"/>
-    <p:sldId id="402" r:id="rId20"/>
-    <p:sldId id="406" r:id="rId21"/>
-    <p:sldId id="403" r:id="rId22"/>
-    <p:sldId id="405" r:id="rId23"/>
-    <p:sldId id="404" r:id="rId24"/>
-    <p:sldId id="353" r:id="rId25"/>
-    <p:sldId id="317" r:id="rId26"/>
-    <p:sldId id="390" r:id="rId27"/>
+    <p:sldId id="393" r:id="rId11"/>
+    <p:sldId id="394" r:id="rId12"/>
+    <p:sldId id="395" r:id="rId13"/>
+    <p:sldId id="397" r:id="rId14"/>
+    <p:sldId id="401" r:id="rId15"/>
+    <p:sldId id="402" r:id="rId16"/>
+    <p:sldId id="406" r:id="rId17"/>
+    <p:sldId id="403" r:id="rId18"/>
+    <p:sldId id="405" r:id="rId19"/>
+    <p:sldId id="404" r:id="rId20"/>
+    <p:sldId id="353" r:id="rId21"/>
+    <p:sldId id="317" r:id="rId22"/>
+    <p:sldId id="390" r:id="rId23"/>
   </p:sldIdLst>
   <p:sldSz cx="9144000" cy="6858000" type="screen4x3"/>
   <p:notesSz cx="6858000" cy="9144000"/>
@@ -136,7 +132,7 @@
   </p:defaultTextStyle>
   <p:extLst>
     <p:ext uri="{EFAFB233-063F-42B5-8137-9DF3F51BA10A}">
-      <p15:sldGuideLst xmlns:p15="http://schemas.microsoft.com/office/powerpoint/2012/main" xmlns="">
+      <p15:sldGuideLst xmlns="" xmlns:p15="http://schemas.microsoft.com/office/powerpoint/2012/main">
         <p15:guide id="1" orient="horz" pos="2160">
           <p15:clr>
             <a:srgbClr val="A4A3A4"/>
@@ -150,7 +146,7 @@
       </p15:sldGuideLst>
     </p:ext>
     <p:ext uri="{2D200454-40CA-4A62-9FC3-DE9A4176ACB9}">
-      <p15:notesGuideLst xmlns:p15="http://schemas.microsoft.com/office/powerpoint/2012/main" xmlns="">
+      <p15:notesGuideLst xmlns="" xmlns:p15="http://schemas.microsoft.com/office/powerpoint/2012/main">
         <p15:guide id="1" orient="horz" pos="2880">
           <p15:clr>
             <a:srgbClr val="A4A3A4"/>
@@ -1262,346 +1258,6 @@
               <a:rPr lang="zh-CN" altLang="en-US" smtClean="0"/>
               <a:pPr/>
               <a:t>18</a:t>
-            </a:fld>
-            <a:endParaRPr lang="zh-CN" altLang="en-US"/>
-          </a:p>
-        </p:txBody>
-      </p:sp>
-    </p:spTree>
-    <p:extLst>
-      <p:ext uri="{BB962C8B-B14F-4D97-AF65-F5344CB8AC3E}">
-        <p14:creationId xmlns:p14="http://schemas.microsoft.com/office/powerpoint/2010/main" val="1198387198"/>
-      </p:ext>
-    </p:extLst>
-  </p:cSld>
-  <p:clrMapOvr>
-    <a:masterClrMapping/>
-  </p:clrMapOvr>
-</p:notes>
-</file>
-
-<file path=ppt/notesSlides/notesSlide16.xml><?xml version="1.0" encoding="utf-8"?>
-<p:notes xmlns:a="http://schemas.openxmlformats.org/drawingml/2006/main" xmlns:r="http://schemas.openxmlformats.org/officeDocument/2006/relationships" xmlns:p="http://schemas.openxmlformats.org/presentationml/2006/main">
-  <p:cSld>
-    <p:spTree>
-      <p:nvGrpSpPr>
-        <p:cNvPr id="1" name=""/>
-        <p:cNvGrpSpPr/>
-        <p:nvPr/>
-      </p:nvGrpSpPr>
-      <p:grpSpPr>
-        <a:xfrm>
-          <a:off x="0" y="0"/>
-          <a:ext cx="0" cy="0"/>
-          <a:chOff x="0" y="0"/>
-          <a:chExt cx="0" cy="0"/>
-        </a:xfrm>
-      </p:grpSpPr>
-      <p:sp>
-        <p:nvSpPr>
-          <p:cNvPr id="2" name="幻灯片图像占位符 1"/>
-          <p:cNvSpPr>
-            <a:spLocks noGrp="1" noRot="1" noChangeAspect="1"/>
-          </p:cNvSpPr>
-          <p:nvPr>
-            <p:ph type="sldImg"/>
-          </p:nvPr>
-        </p:nvSpPr>
-        <p:spPr/>
-      </p:sp>
-      <p:sp>
-        <p:nvSpPr>
-          <p:cNvPr id="3" name="备注占位符 2"/>
-          <p:cNvSpPr>
-            <a:spLocks noGrp="1"/>
-          </p:cNvSpPr>
-          <p:nvPr>
-            <p:ph type="body" idx="1"/>
-          </p:nvPr>
-        </p:nvSpPr>
-        <p:spPr/>
-        <p:txBody>
-          <a:bodyPr/>
-          <a:lstStyle/>
-          <a:p>
-            <a:endParaRPr lang="zh-CN" altLang="en-US" dirty="0"/>
-          </a:p>
-        </p:txBody>
-      </p:sp>
-      <p:sp>
-        <p:nvSpPr>
-          <p:cNvPr id="4" name="灯片编号占位符 3"/>
-          <p:cNvSpPr>
-            <a:spLocks noGrp="1"/>
-          </p:cNvSpPr>
-          <p:nvPr>
-            <p:ph type="sldNum" sz="quarter" idx="10"/>
-          </p:nvPr>
-        </p:nvSpPr>
-        <p:spPr/>
-        <p:txBody>
-          <a:bodyPr/>
-          <a:lstStyle/>
-          <a:p>
-            <a:fld id="{3CBEB2FA-5051-4E61-825C-FAC231D30695}" type="slidenum">
-              <a:rPr lang="zh-CN" altLang="en-US" smtClean="0"/>
-              <a:pPr/>
-              <a:t>19</a:t>
-            </a:fld>
-            <a:endParaRPr lang="zh-CN" altLang="en-US"/>
-          </a:p>
-        </p:txBody>
-      </p:sp>
-    </p:spTree>
-    <p:extLst>
-      <p:ext uri="{BB962C8B-B14F-4D97-AF65-F5344CB8AC3E}">
-        <p14:creationId xmlns:p14="http://schemas.microsoft.com/office/powerpoint/2010/main" val="1198387198"/>
-      </p:ext>
-    </p:extLst>
-  </p:cSld>
-  <p:clrMapOvr>
-    <a:masterClrMapping/>
-  </p:clrMapOvr>
-</p:notes>
-</file>
-
-<file path=ppt/notesSlides/notesSlide17.xml><?xml version="1.0" encoding="utf-8"?>
-<p:notes xmlns:a="http://schemas.openxmlformats.org/drawingml/2006/main" xmlns:r="http://schemas.openxmlformats.org/officeDocument/2006/relationships" xmlns:p="http://schemas.openxmlformats.org/presentationml/2006/main">
-  <p:cSld>
-    <p:spTree>
-      <p:nvGrpSpPr>
-        <p:cNvPr id="1" name=""/>
-        <p:cNvGrpSpPr/>
-        <p:nvPr/>
-      </p:nvGrpSpPr>
-      <p:grpSpPr>
-        <a:xfrm>
-          <a:off x="0" y="0"/>
-          <a:ext cx="0" cy="0"/>
-          <a:chOff x="0" y="0"/>
-          <a:chExt cx="0" cy="0"/>
-        </a:xfrm>
-      </p:grpSpPr>
-      <p:sp>
-        <p:nvSpPr>
-          <p:cNvPr id="2" name="幻灯片图像占位符 1"/>
-          <p:cNvSpPr>
-            <a:spLocks noGrp="1" noRot="1" noChangeAspect="1"/>
-          </p:cNvSpPr>
-          <p:nvPr>
-            <p:ph type="sldImg"/>
-          </p:nvPr>
-        </p:nvSpPr>
-        <p:spPr/>
-      </p:sp>
-      <p:sp>
-        <p:nvSpPr>
-          <p:cNvPr id="3" name="备注占位符 2"/>
-          <p:cNvSpPr>
-            <a:spLocks noGrp="1"/>
-          </p:cNvSpPr>
-          <p:nvPr>
-            <p:ph type="body" idx="1"/>
-          </p:nvPr>
-        </p:nvSpPr>
-        <p:spPr/>
-        <p:txBody>
-          <a:bodyPr/>
-          <a:lstStyle/>
-          <a:p>
-            <a:endParaRPr lang="zh-CN" altLang="en-US" dirty="0"/>
-          </a:p>
-        </p:txBody>
-      </p:sp>
-      <p:sp>
-        <p:nvSpPr>
-          <p:cNvPr id="4" name="灯片编号占位符 3"/>
-          <p:cNvSpPr>
-            <a:spLocks noGrp="1"/>
-          </p:cNvSpPr>
-          <p:nvPr>
-            <p:ph type="sldNum" sz="quarter" idx="10"/>
-          </p:nvPr>
-        </p:nvSpPr>
-        <p:spPr/>
-        <p:txBody>
-          <a:bodyPr/>
-          <a:lstStyle/>
-          <a:p>
-            <a:fld id="{3CBEB2FA-5051-4E61-825C-FAC231D30695}" type="slidenum">
-              <a:rPr lang="zh-CN" altLang="en-US" smtClean="0"/>
-              <a:pPr/>
-              <a:t>20</a:t>
-            </a:fld>
-            <a:endParaRPr lang="zh-CN" altLang="en-US"/>
-          </a:p>
-        </p:txBody>
-      </p:sp>
-    </p:spTree>
-    <p:extLst>
-      <p:ext uri="{BB962C8B-B14F-4D97-AF65-F5344CB8AC3E}">
-        <p14:creationId xmlns:p14="http://schemas.microsoft.com/office/powerpoint/2010/main" val="1198387198"/>
-      </p:ext>
-    </p:extLst>
-  </p:cSld>
-  <p:clrMapOvr>
-    <a:masterClrMapping/>
-  </p:clrMapOvr>
-</p:notes>
-</file>
-
-<file path=ppt/notesSlides/notesSlide18.xml><?xml version="1.0" encoding="utf-8"?>
-<p:notes xmlns:a="http://schemas.openxmlformats.org/drawingml/2006/main" xmlns:r="http://schemas.openxmlformats.org/officeDocument/2006/relationships" xmlns:p="http://schemas.openxmlformats.org/presentationml/2006/main">
-  <p:cSld>
-    <p:spTree>
-      <p:nvGrpSpPr>
-        <p:cNvPr id="1" name=""/>
-        <p:cNvGrpSpPr/>
-        <p:nvPr/>
-      </p:nvGrpSpPr>
-      <p:grpSpPr>
-        <a:xfrm>
-          <a:off x="0" y="0"/>
-          <a:ext cx="0" cy="0"/>
-          <a:chOff x="0" y="0"/>
-          <a:chExt cx="0" cy="0"/>
-        </a:xfrm>
-      </p:grpSpPr>
-      <p:sp>
-        <p:nvSpPr>
-          <p:cNvPr id="2" name="幻灯片图像占位符 1"/>
-          <p:cNvSpPr>
-            <a:spLocks noGrp="1" noRot="1" noChangeAspect="1"/>
-          </p:cNvSpPr>
-          <p:nvPr>
-            <p:ph type="sldImg"/>
-          </p:nvPr>
-        </p:nvSpPr>
-        <p:spPr/>
-      </p:sp>
-      <p:sp>
-        <p:nvSpPr>
-          <p:cNvPr id="3" name="备注占位符 2"/>
-          <p:cNvSpPr>
-            <a:spLocks noGrp="1"/>
-          </p:cNvSpPr>
-          <p:nvPr>
-            <p:ph type="body" idx="1"/>
-          </p:nvPr>
-        </p:nvSpPr>
-        <p:spPr/>
-        <p:txBody>
-          <a:bodyPr/>
-          <a:lstStyle/>
-          <a:p>
-            <a:endParaRPr lang="zh-CN" altLang="en-US" dirty="0"/>
-          </a:p>
-        </p:txBody>
-      </p:sp>
-      <p:sp>
-        <p:nvSpPr>
-          <p:cNvPr id="4" name="灯片编号占位符 3"/>
-          <p:cNvSpPr>
-            <a:spLocks noGrp="1"/>
-          </p:cNvSpPr>
-          <p:nvPr>
-            <p:ph type="sldNum" sz="quarter" idx="10"/>
-          </p:nvPr>
-        </p:nvSpPr>
-        <p:spPr/>
-        <p:txBody>
-          <a:bodyPr/>
-          <a:lstStyle/>
-          <a:p>
-            <a:fld id="{3CBEB2FA-5051-4E61-825C-FAC231D30695}" type="slidenum">
-              <a:rPr lang="zh-CN" altLang="en-US" smtClean="0"/>
-              <a:pPr/>
-              <a:t>21</a:t>
-            </a:fld>
-            <a:endParaRPr lang="zh-CN" altLang="en-US"/>
-          </a:p>
-        </p:txBody>
-      </p:sp>
-    </p:spTree>
-    <p:extLst>
-      <p:ext uri="{BB962C8B-B14F-4D97-AF65-F5344CB8AC3E}">
-        <p14:creationId xmlns:p14="http://schemas.microsoft.com/office/powerpoint/2010/main" val="1198387198"/>
-      </p:ext>
-    </p:extLst>
-  </p:cSld>
-  <p:clrMapOvr>
-    <a:masterClrMapping/>
-  </p:clrMapOvr>
-</p:notes>
-</file>
-
-<file path=ppt/notesSlides/notesSlide19.xml><?xml version="1.0" encoding="utf-8"?>
-<p:notes xmlns:a="http://schemas.openxmlformats.org/drawingml/2006/main" xmlns:r="http://schemas.openxmlformats.org/officeDocument/2006/relationships" xmlns:p="http://schemas.openxmlformats.org/presentationml/2006/main">
-  <p:cSld>
-    <p:spTree>
-      <p:nvGrpSpPr>
-        <p:cNvPr id="1" name=""/>
-        <p:cNvGrpSpPr/>
-        <p:nvPr/>
-      </p:nvGrpSpPr>
-      <p:grpSpPr>
-        <a:xfrm>
-          <a:off x="0" y="0"/>
-          <a:ext cx="0" cy="0"/>
-          <a:chOff x="0" y="0"/>
-          <a:chExt cx="0" cy="0"/>
-        </a:xfrm>
-      </p:grpSpPr>
-      <p:sp>
-        <p:nvSpPr>
-          <p:cNvPr id="2" name="幻灯片图像占位符 1"/>
-          <p:cNvSpPr>
-            <a:spLocks noGrp="1" noRot="1" noChangeAspect="1"/>
-          </p:cNvSpPr>
-          <p:nvPr>
-            <p:ph type="sldImg"/>
-          </p:nvPr>
-        </p:nvSpPr>
-        <p:spPr/>
-      </p:sp>
-      <p:sp>
-        <p:nvSpPr>
-          <p:cNvPr id="3" name="备注占位符 2"/>
-          <p:cNvSpPr>
-            <a:spLocks noGrp="1"/>
-          </p:cNvSpPr>
-          <p:nvPr>
-            <p:ph type="body" idx="1"/>
-          </p:nvPr>
-        </p:nvSpPr>
-        <p:spPr/>
-        <p:txBody>
-          <a:bodyPr/>
-          <a:lstStyle/>
-          <a:p>
-            <a:endParaRPr lang="zh-CN" altLang="en-US" dirty="0"/>
-          </a:p>
-        </p:txBody>
-      </p:sp>
-      <p:sp>
-        <p:nvSpPr>
-          <p:cNvPr id="4" name="灯片编号占位符 3"/>
-          <p:cNvSpPr>
-            <a:spLocks noGrp="1"/>
-          </p:cNvSpPr>
-          <p:nvPr>
-            <p:ph type="sldNum" sz="quarter" idx="10"/>
-          </p:nvPr>
-        </p:nvSpPr>
-        <p:spPr/>
-        <p:txBody>
-          <a:bodyPr/>
-          <a:lstStyle/>
-          <a:p>
-            <a:fld id="{3CBEB2FA-5051-4E61-825C-FAC231D30695}" type="slidenum">
-              <a:rPr lang="zh-CN" altLang="en-US" smtClean="0"/>
-              <a:pPr/>
-              <a:t>22</a:t>
             </a:fld>
             <a:endParaRPr lang="zh-CN" altLang="en-US"/>
           </a:p>
@@ -14908,627 +14564,6 @@
         <p:spPr bwMode="auto">
           <a:xfrm>
             <a:off x="257175" y="142852"/>
-            <a:ext cx="8491289" cy="609600"/>
-          </a:xfrm>
-          <a:prstGeom prst="rect">
-            <a:avLst/>
-          </a:prstGeom>
-          <a:noFill/>
-          <a:ln w="9525">
-            <a:noFill/>
-            <a:miter lim="800000"/>
-            <a:headEnd/>
-            <a:tailEnd/>
-          </a:ln>
-        </p:spPr>
-        <p:txBody>
-          <a:bodyPr anchor="ctr"/>
-          <a:lstStyle/>
-          <a:p>
-            <a:pPr>
-              <a:defRPr/>
-            </a:pPr>
-            <a:r>
-              <a:rPr lang="en-US" altLang="zh-CN" sz="2800" b="1" i="1" dirty="0" smtClean="0">
-                <a:latin typeface="Calibri" pitchFamily="34" charset="0"/>
-                <a:cs typeface="Calibri" pitchFamily="34" charset="0"/>
-              </a:rPr>
-              <a:t>4.1 Viewing Graph Optimization</a:t>
-            </a:r>
-            <a:endParaRPr lang="zh-CN" altLang="en-US" sz="3200" b="1" kern="0" dirty="0">
-              <a:effectLst/>
-              <a:latin typeface="Calibri" pitchFamily="34" charset="0"/>
-              <a:ea typeface="楷体" pitchFamily="49" charset="-122"/>
-              <a:cs typeface="Calibri" pitchFamily="34" charset="0"/>
-            </a:endParaRPr>
-          </a:p>
-        </p:txBody>
-      </p:sp>
-      <p:sp>
-        <p:nvSpPr>
-          <p:cNvPr id="2" name="TextBox 1"/>
-          <p:cNvSpPr txBox="1"/>
-          <p:nvPr/>
-        </p:nvSpPr>
-        <p:spPr>
-          <a:xfrm>
-            <a:off x="565544" y="980728"/>
-            <a:ext cx="7746654" cy="1938992"/>
-          </a:xfrm>
-          <a:prstGeom prst="rect">
-            <a:avLst/>
-          </a:prstGeom>
-          <a:noFill/>
-        </p:spPr>
-        <p:txBody>
-          <a:bodyPr wrap="square" rtlCol="0">
-            <a:spAutoFit/>
-          </a:bodyPr>
-          <a:lstStyle/>
-          <a:p>
-            <a:r>
-              <a:rPr lang="en-US" altLang="zh-CN" sz="2000" b="1" dirty="0" smtClean="0">
-                <a:latin typeface="Times New Roman" pitchFamily="18" charset="0"/>
-                <a:cs typeface="Times New Roman" pitchFamily="18" charset="0"/>
-              </a:rPr>
-              <a:t>Target </a:t>
-            </a:r>
-          </a:p>
-          <a:p>
-            <a:pPr lvl="1"/>
-            <a:r>
-              <a:rPr lang="en-US" altLang="zh-CN" sz="2000" dirty="0" smtClean="0">
-                <a:latin typeface="Times New Roman" pitchFamily="18" charset="0"/>
-                <a:cs typeface="Times New Roman" pitchFamily="18" charset="0"/>
-              </a:rPr>
-              <a:t>Find </a:t>
-            </a:r>
-            <a:r>
-              <a:rPr lang="en-US" altLang="zh-CN" sz="2000" dirty="0">
-                <a:latin typeface="Times New Roman" pitchFamily="18" charset="0"/>
-                <a:cs typeface="Times New Roman" pitchFamily="18" charset="0"/>
-              </a:rPr>
-              <a:t>a minimal set of edges </a:t>
-            </a:r>
-            <a:r>
-              <a:rPr lang="en-US" altLang="zh-CN" sz="2000" dirty="0" smtClean="0">
-                <a:latin typeface="Times New Roman" pitchFamily="18" charset="0"/>
-                <a:cs typeface="Times New Roman" pitchFamily="18" charset="0"/>
-              </a:rPr>
-              <a:t>that provide </a:t>
-            </a:r>
-            <a:r>
-              <a:rPr lang="en-US" altLang="zh-CN" sz="2000" dirty="0">
-                <a:latin typeface="Times New Roman" pitchFamily="18" charset="0"/>
-                <a:cs typeface="Times New Roman" pitchFamily="18" charset="0"/>
-              </a:rPr>
-              <a:t>sufficient coverage over all views in the </a:t>
-            </a:r>
-            <a:r>
-              <a:rPr lang="en-US" altLang="zh-CN" sz="2000" dirty="0" smtClean="0">
-                <a:latin typeface="Times New Roman" pitchFamily="18" charset="0"/>
-                <a:cs typeface="Times New Roman" pitchFamily="18" charset="0"/>
-              </a:rPr>
-              <a:t>viewing graph.</a:t>
-            </a:r>
-            <a:endParaRPr lang="en-US" altLang="zh-CN" sz="2000" dirty="0">
-              <a:latin typeface="Times New Roman" pitchFamily="18" charset="0"/>
-              <a:cs typeface="Times New Roman" pitchFamily="18" charset="0"/>
-            </a:endParaRPr>
-          </a:p>
-          <a:p>
-            <a:pPr lvl="1"/>
-            <a:endParaRPr lang="en-US" altLang="zh-CN" sz="2000" dirty="0" smtClean="0">
-              <a:latin typeface="Times New Roman" pitchFamily="18" charset="0"/>
-              <a:cs typeface="Times New Roman" pitchFamily="18" charset="0"/>
-            </a:endParaRPr>
-          </a:p>
-          <a:p>
-            <a:pPr lvl="1"/>
-            <a:endParaRPr lang="en-US" altLang="zh-CN" sz="2000" dirty="0">
-              <a:latin typeface="Times New Roman" pitchFamily="18" charset="0"/>
-              <a:cs typeface="Times New Roman" pitchFamily="18" charset="0"/>
-            </a:endParaRPr>
-          </a:p>
-          <a:p>
-            <a:endParaRPr lang="en-US" altLang="zh-CN" sz="2000" dirty="0" smtClean="0">
-              <a:latin typeface="Times New Roman" pitchFamily="18" charset="0"/>
-              <a:cs typeface="Times New Roman" pitchFamily="18" charset="0"/>
-            </a:endParaRPr>
-          </a:p>
-        </p:txBody>
-      </p:sp>
-    </p:spTree>
-    <p:extLst>
-      <p:ext uri="{BB962C8B-B14F-4D97-AF65-F5344CB8AC3E}">
-        <p14:creationId xmlns:p14="http://schemas.microsoft.com/office/powerpoint/2010/main" val="1435217000"/>
-      </p:ext>
-    </p:extLst>
-  </p:cSld>
-  <p:clrMapOvr>
-    <a:masterClrMapping/>
-  </p:clrMapOvr>
-  <p:timing>
-    <p:tnLst>
-      <p:par>
-        <p:cTn id="1" dur="indefinite" restart="never" nodeType="tmRoot"/>
-      </p:par>
-    </p:tnLst>
-  </p:timing>
-</p:sld>
-</file>
-
-<file path=ppt/slides/slide11.xml><?xml version="1.0" encoding="utf-8"?>
-<p:sld xmlns:a="http://schemas.openxmlformats.org/drawingml/2006/main" xmlns:r="http://schemas.openxmlformats.org/officeDocument/2006/relationships" xmlns:p="http://schemas.openxmlformats.org/presentationml/2006/main">
-  <p:cSld>
-    <p:spTree>
-      <p:nvGrpSpPr>
-        <p:cNvPr id="1" name=""/>
-        <p:cNvGrpSpPr/>
-        <p:nvPr/>
-      </p:nvGrpSpPr>
-      <p:grpSpPr>
-        <a:xfrm>
-          <a:off x="0" y="0"/>
-          <a:ext cx="0" cy="0"/>
-          <a:chOff x="0" y="0"/>
-          <a:chExt cx="0" cy="0"/>
-        </a:xfrm>
-      </p:grpSpPr>
-      <p:cxnSp>
-        <p:nvCxnSpPr>
-          <p:cNvPr id="8" name="直接连接符 7"/>
-          <p:cNvCxnSpPr/>
-          <p:nvPr/>
-        </p:nvCxnSpPr>
-        <p:spPr>
-          <a:xfrm>
-            <a:off x="571472" y="692696"/>
-            <a:ext cx="7786742" cy="1588"/>
-          </a:xfrm>
-          <a:prstGeom prst="line">
-            <a:avLst/>
-          </a:prstGeom>
-          <a:ln>
-            <a:solidFill>
-              <a:schemeClr val="accent2">
-                <a:lumMod val="75000"/>
-              </a:schemeClr>
-            </a:solidFill>
-          </a:ln>
-        </p:spPr>
-        <p:style>
-          <a:lnRef idx="1">
-            <a:schemeClr val="accent1"/>
-          </a:lnRef>
-          <a:fillRef idx="0">
-            <a:schemeClr val="accent1"/>
-          </a:fillRef>
-          <a:effectRef idx="0">
-            <a:schemeClr val="accent1"/>
-          </a:effectRef>
-          <a:fontRef idx="minor">
-            <a:schemeClr val="tx1"/>
-          </a:fontRef>
-        </p:style>
-      </p:cxnSp>
-      <p:sp>
-        <p:nvSpPr>
-          <p:cNvPr id="5" name="标题 3"/>
-          <p:cNvSpPr txBox="1">
-            <a:spLocks/>
-          </p:cNvSpPr>
-          <p:nvPr/>
-        </p:nvSpPr>
-        <p:spPr bwMode="auto">
-          <a:xfrm>
-            <a:off x="257175" y="142852"/>
-            <a:ext cx="8491289" cy="609600"/>
-          </a:xfrm>
-          <a:prstGeom prst="rect">
-            <a:avLst/>
-          </a:prstGeom>
-          <a:noFill/>
-          <a:ln w="9525">
-            <a:noFill/>
-            <a:miter lim="800000"/>
-            <a:headEnd/>
-            <a:tailEnd/>
-          </a:ln>
-        </p:spPr>
-        <p:txBody>
-          <a:bodyPr anchor="ctr"/>
-          <a:lstStyle/>
-          <a:p>
-            <a:pPr>
-              <a:defRPr/>
-            </a:pPr>
-            <a:r>
-              <a:rPr lang="en-US" altLang="zh-CN" sz="2800" b="1" i="1" dirty="0" smtClean="0">
-                <a:latin typeface="Calibri" pitchFamily="34" charset="0"/>
-                <a:cs typeface="Calibri" pitchFamily="34" charset="0"/>
-              </a:rPr>
-              <a:t>4.1 Viewing Graph Optimization</a:t>
-            </a:r>
-            <a:endParaRPr lang="zh-CN" altLang="en-US" sz="3200" b="1" kern="0" dirty="0">
-              <a:effectLst/>
-              <a:latin typeface="Calibri" pitchFamily="34" charset="0"/>
-              <a:ea typeface="楷体" pitchFamily="49" charset="-122"/>
-              <a:cs typeface="Calibri" pitchFamily="34" charset="0"/>
-            </a:endParaRPr>
-          </a:p>
-        </p:txBody>
-      </p:sp>
-      <p:pic>
-        <p:nvPicPr>
-          <p:cNvPr id="11" name="Picture 2"/>
-          <p:cNvPicPr>
-            <a:picLocks noChangeAspect="1" noChangeArrowheads="1"/>
-          </p:cNvPicPr>
-          <p:nvPr/>
-        </p:nvPicPr>
-        <p:blipFill rotWithShape="1">
-          <a:blip r:embed="rId3">
-            <a:extLst>
-              <a:ext uri="{28A0092B-C50C-407E-A947-70E740481C1C}">
-                <a14:useLocalDpi xmlns:a14="http://schemas.microsoft.com/office/drawing/2010/main" val="0"/>
-              </a:ext>
-            </a:extLst>
-          </a:blip>
-          <a:srcRect r="49850"/>
-          <a:stretch/>
-        </p:blipFill>
-        <p:spPr bwMode="auto">
-          <a:xfrm>
-            <a:off x="5123432" y="1536191"/>
-            <a:ext cx="3424989" cy="1928813"/>
-          </a:xfrm>
-          <a:prstGeom prst="rect">
-            <a:avLst/>
-          </a:prstGeom>
-          <a:noFill/>
-          <a:ln>
-            <a:noFill/>
-          </a:ln>
-          <a:effectLst/>
-          <a:extLst>
-            <a:ext uri="{909E8E84-426E-40DD-AFC4-6F175D3DCCD1}">
-              <a14:hiddenFill xmlns:a14="http://schemas.microsoft.com/office/drawing/2010/main">
-                <a:solidFill>
-                  <a:schemeClr val="accent1"/>
-                </a:solidFill>
-              </a14:hiddenFill>
-            </a:ext>
-            <a:ext uri="{91240B29-F687-4F45-9708-019B960494DF}">
-              <a14:hiddenLine xmlns:a14="http://schemas.microsoft.com/office/drawing/2010/main" w="9525">
-                <a:solidFill>
-                  <a:schemeClr val="tx1"/>
-                </a:solidFill>
-                <a:miter lim="800000"/>
-                <a:headEnd/>
-                <a:tailEnd/>
-              </a14:hiddenLine>
-            </a:ext>
-            <a:ext uri="{AF507438-7753-43E0-B8FC-AC1667EBCBE1}">
-              <a14:hiddenEffects xmlns:a14="http://schemas.microsoft.com/office/drawing/2010/main">
-                <a:effectLst>
-                  <a:outerShdw dist="35921" dir="2700000" algn="ctr" rotWithShape="0">
-                    <a:schemeClr val="bg2"/>
-                  </a:outerShdw>
-                </a:effectLst>
-              </a14:hiddenEffects>
-            </a:ext>
-          </a:extLst>
-        </p:spPr>
-      </p:pic>
-      <p:pic>
-        <p:nvPicPr>
-          <p:cNvPr id="12" name="Picture 2"/>
-          <p:cNvPicPr>
-            <a:picLocks noChangeAspect="1" noChangeArrowheads="1"/>
-          </p:cNvPicPr>
-          <p:nvPr/>
-        </p:nvPicPr>
-        <p:blipFill rotWithShape="1">
-          <a:blip r:embed="rId3">
-            <a:extLst>
-              <a:ext uri="{28A0092B-C50C-407E-A947-70E740481C1C}">
-                <a14:useLocalDpi xmlns:a14="http://schemas.microsoft.com/office/drawing/2010/main" val="0"/>
-              </a:ext>
-            </a:extLst>
-          </a:blip>
-          <a:srcRect l="50000"/>
-          <a:stretch/>
-        </p:blipFill>
-        <p:spPr bwMode="auto">
-          <a:xfrm>
-            <a:off x="5137787" y="3479243"/>
-            <a:ext cx="3414713" cy="1928813"/>
-          </a:xfrm>
-          <a:prstGeom prst="rect">
-            <a:avLst/>
-          </a:prstGeom>
-          <a:noFill/>
-          <a:ln>
-            <a:noFill/>
-          </a:ln>
-          <a:effectLst/>
-          <a:extLst>
-            <a:ext uri="{909E8E84-426E-40DD-AFC4-6F175D3DCCD1}">
-              <a14:hiddenFill xmlns:a14="http://schemas.microsoft.com/office/drawing/2010/main">
-                <a:solidFill>
-                  <a:schemeClr val="accent1"/>
-                </a:solidFill>
-              </a14:hiddenFill>
-            </a:ext>
-            <a:ext uri="{91240B29-F687-4F45-9708-019B960494DF}">
-              <a14:hiddenLine xmlns:a14="http://schemas.microsoft.com/office/drawing/2010/main" w="9525">
-                <a:solidFill>
-                  <a:schemeClr val="tx1"/>
-                </a:solidFill>
-                <a:miter lim="800000"/>
-                <a:headEnd/>
-                <a:tailEnd/>
-              </a14:hiddenLine>
-            </a:ext>
-            <a:ext uri="{AF507438-7753-43E0-B8FC-AC1667EBCBE1}">
-              <a14:hiddenEffects xmlns:a14="http://schemas.microsoft.com/office/drawing/2010/main">
-                <a:effectLst>
-                  <a:outerShdw dist="35921" dir="2700000" algn="ctr" rotWithShape="0">
-                    <a:schemeClr val="bg2"/>
-                  </a:outerShdw>
-                </a:effectLst>
-              </a14:hiddenEffects>
-            </a:ext>
-          </a:extLst>
-        </p:spPr>
-      </p:pic>
-      <p:sp>
-        <p:nvSpPr>
-          <p:cNvPr id="4" name="矩形 3"/>
-          <p:cNvSpPr/>
-          <p:nvPr/>
-        </p:nvSpPr>
-        <p:spPr>
-          <a:xfrm>
-            <a:off x="499523" y="5408056"/>
-            <a:ext cx="8006592" cy="1354217"/>
-          </a:xfrm>
-          <a:prstGeom prst="rect">
-            <a:avLst/>
-          </a:prstGeom>
-        </p:spPr>
-        <p:txBody>
-          <a:bodyPr wrap="square">
-            <a:spAutoFit/>
-          </a:bodyPr>
-          <a:lstStyle/>
-          <a:p>
-            <a:r>
-              <a:rPr lang="en-US" altLang="zh-CN" sz="2400" b="1" dirty="0" smtClean="0">
-                <a:latin typeface="Times New Roman" pitchFamily="18" charset="0"/>
-                <a:cs typeface="Times New Roman" pitchFamily="18" charset="0"/>
-              </a:rPr>
-              <a:t>Condition</a:t>
-            </a:r>
-            <a:endParaRPr lang="en-US" altLang="zh-CN" sz="2400" b="1" dirty="0">
-              <a:latin typeface="Times New Roman" pitchFamily="18" charset="0"/>
-              <a:cs typeface="Times New Roman" pitchFamily="18" charset="0"/>
-            </a:endParaRPr>
-          </a:p>
-          <a:p>
-            <a:pPr marL="914400" lvl="1" indent="-457200">
-              <a:spcAft>
-                <a:spcPts val="1200"/>
-              </a:spcAft>
-              <a:buFont typeface="+mj-lt"/>
-              <a:buAutoNum type="arabicParenR"/>
-            </a:pPr>
-            <a:r>
-              <a:rPr lang="en-US" altLang="zh-CN" sz="2400" dirty="0">
-                <a:latin typeface="Times New Roman" pitchFamily="18" charset="0"/>
-                <a:cs typeface="Times New Roman" pitchFamily="18" charset="0"/>
-              </a:rPr>
-              <a:t>Every view is in at least one </a:t>
-            </a:r>
-            <a:r>
-              <a:rPr lang="en-US" altLang="zh-CN" sz="2400" dirty="0" smtClean="0">
-                <a:latin typeface="Times New Roman" pitchFamily="18" charset="0"/>
-                <a:cs typeface="Times New Roman" pitchFamily="18" charset="0"/>
-              </a:rPr>
-              <a:t>triplet.</a:t>
-            </a:r>
-          </a:p>
-          <a:p>
-            <a:pPr marL="914400" lvl="1" indent="-457200">
-              <a:spcAft>
-                <a:spcPts val="1200"/>
-              </a:spcAft>
-              <a:buFont typeface="+mj-lt"/>
-              <a:buAutoNum type="arabicParenR"/>
-            </a:pPr>
-            <a:r>
-              <a:rPr lang="en-US" altLang="zh-CN" sz="2400" dirty="0" smtClean="0">
-                <a:latin typeface="Times New Roman" pitchFamily="18" charset="0"/>
-                <a:cs typeface="Times New Roman" pitchFamily="18" charset="0"/>
-              </a:rPr>
-              <a:t>There </a:t>
-            </a:r>
-            <a:r>
-              <a:rPr lang="en-US" altLang="zh-CN" sz="2400" dirty="0">
-                <a:latin typeface="Times New Roman" pitchFamily="18" charset="0"/>
-                <a:cs typeface="Times New Roman" pitchFamily="18" charset="0"/>
-              </a:rPr>
-              <a:t>are no more “good” edges that can be added.</a:t>
-            </a:r>
-          </a:p>
-        </p:txBody>
-      </p:sp>
-      <p:pic>
-        <p:nvPicPr>
-          <p:cNvPr id="1032" name="Picture 8" descr="D:\mondy-report\monday-speech\OptimazeGraph.png"/>
-          <p:cNvPicPr>
-            <a:picLocks noChangeAspect="1" noChangeArrowheads="1"/>
-          </p:cNvPicPr>
-          <p:nvPr/>
-        </p:nvPicPr>
-        <p:blipFill rotWithShape="1">
-          <a:blip r:embed="rId4">
-            <a:extLst>
-              <a:ext uri="{28A0092B-C50C-407E-A947-70E740481C1C}">
-                <a14:useLocalDpi xmlns:a14="http://schemas.microsoft.com/office/drawing/2010/main" val="0"/>
-              </a:ext>
-            </a:extLst>
-          </a:blip>
-          <a:srcRect l="7498" t="6151" r="7924" b="9136"/>
-          <a:stretch/>
-        </p:blipFill>
-        <p:spPr bwMode="auto">
-          <a:xfrm>
-            <a:off x="571469" y="1259462"/>
-            <a:ext cx="3893371" cy="4248472"/>
-          </a:xfrm>
-          <a:prstGeom prst="rect">
-            <a:avLst/>
-          </a:prstGeom>
-          <a:noFill/>
-          <a:extLst>
-            <a:ext uri="{909E8E84-426E-40DD-AFC4-6F175D3DCCD1}">
-              <a14:hiddenFill xmlns:a14="http://schemas.microsoft.com/office/drawing/2010/main">
-                <a:solidFill>
-                  <a:srgbClr val="FFFFFF"/>
-                </a:solidFill>
-              </a14:hiddenFill>
-            </a:ext>
-          </a:extLst>
-        </p:spPr>
-      </p:pic>
-      <p:sp>
-        <p:nvSpPr>
-          <p:cNvPr id="7" name="矩形 6"/>
-          <p:cNvSpPr/>
-          <p:nvPr/>
-        </p:nvSpPr>
-        <p:spPr>
-          <a:xfrm>
-            <a:off x="2992323" y="736242"/>
-            <a:ext cx="2945037" cy="523220"/>
-          </a:xfrm>
-          <a:prstGeom prst="rect">
-            <a:avLst/>
-          </a:prstGeom>
-        </p:spPr>
-        <p:txBody>
-          <a:bodyPr wrap="none">
-            <a:spAutoFit/>
-          </a:bodyPr>
-          <a:lstStyle/>
-          <a:p>
-            <a:r>
-              <a:rPr lang="en-US" altLang="zh-CN" sz="2800" b="1" i="1" dirty="0">
-                <a:solidFill>
-                  <a:schemeClr val="accent2"/>
-                </a:solidFill>
-                <a:latin typeface="Times New Roman" pitchFamily="18" charset="0"/>
-                <a:cs typeface="Times New Roman" pitchFamily="18" charset="0"/>
-              </a:rPr>
-              <a:t>Edge Optimization</a:t>
-            </a:r>
-            <a:endParaRPr lang="en-US" sz="2800" dirty="0">
-              <a:solidFill>
-                <a:schemeClr val="accent2"/>
-              </a:solidFill>
-              <a:latin typeface="Times New Roman" pitchFamily="18" charset="0"/>
-              <a:cs typeface="Times New Roman" pitchFamily="18" charset="0"/>
-            </a:endParaRPr>
-          </a:p>
-        </p:txBody>
-      </p:sp>
-    </p:spTree>
-    <p:extLst>
-      <p:ext uri="{BB962C8B-B14F-4D97-AF65-F5344CB8AC3E}">
-        <p14:creationId xmlns:p14="http://schemas.microsoft.com/office/powerpoint/2010/main" val="1286310014"/>
-      </p:ext>
-    </p:extLst>
-  </p:cSld>
-  <p:clrMapOvr>
-    <a:masterClrMapping/>
-  </p:clrMapOvr>
-  <p:timing>
-    <p:tnLst>
-      <p:par>
-        <p:cTn id="1" dur="indefinite" restart="never" nodeType="tmRoot"/>
-      </p:par>
-    </p:tnLst>
-  </p:timing>
-</p:sld>
-</file>
-
-<file path=ppt/slides/slide12.xml><?xml version="1.0" encoding="utf-8"?>
-<p:sld xmlns:a="http://schemas.openxmlformats.org/drawingml/2006/main" xmlns:r="http://schemas.openxmlformats.org/officeDocument/2006/relationships" xmlns:p="http://schemas.openxmlformats.org/presentationml/2006/main">
-  <p:cSld>
-    <p:spTree>
-      <p:nvGrpSpPr>
-        <p:cNvPr id="1" name=""/>
-        <p:cNvGrpSpPr/>
-        <p:nvPr/>
-      </p:nvGrpSpPr>
-      <p:grpSpPr>
-        <a:xfrm>
-          <a:off x="0" y="0"/>
-          <a:ext cx="0" cy="0"/>
-          <a:chOff x="0" y="0"/>
-          <a:chExt cx="0" cy="0"/>
-        </a:xfrm>
-      </p:grpSpPr>
-      <p:cxnSp>
-        <p:nvCxnSpPr>
-          <p:cNvPr id="8" name="直接连接符 7"/>
-          <p:cNvCxnSpPr/>
-          <p:nvPr/>
-        </p:nvCxnSpPr>
-        <p:spPr>
-          <a:xfrm>
-            <a:off x="571472" y="692696"/>
-            <a:ext cx="7786742" cy="1588"/>
-          </a:xfrm>
-          <a:prstGeom prst="line">
-            <a:avLst/>
-          </a:prstGeom>
-          <a:ln>
-            <a:solidFill>
-              <a:schemeClr val="accent2">
-                <a:lumMod val="75000"/>
-              </a:schemeClr>
-            </a:solidFill>
-          </a:ln>
-        </p:spPr>
-        <p:style>
-          <a:lnRef idx="1">
-            <a:schemeClr val="accent1"/>
-          </a:lnRef>
-          <a:fillRef idx="0">
-            <a:schemeClr val="accent1"/>
-          </a:fillRef>
-          <a:effectRef idx="0">
-            <a:schemeClr val="accent1"/>
-          </a:effectRef>
-          <a:fontRef idx="minor">
-            <a:schemeClr val="tx1"/>
-          </a:fontRef>
-        </p:style>
-      </p:cxnSp>
-      <p:sp>
-        <p:nvSpPr>
-          <p:cNvPr id="5" name="标题 3"/>
-          <p:cNvSpPr txBox="1">
-            <a:spLocks/>
-          </p:cNvSpPr>
-          <p:nvPr/>
-        </p:nvSpPr>
-        <p:spPr bwMode="auto">
-          <a:xfrm>
-            <a:off x="257175" y="142852"/>
             <a:ext cx="9499401" cy="609600"/>
           </a:xfrm>
           <a:prstGeom prst="rect">
@@ -15677,210 +14712,7 @@
 </p:sld>
 </file>
 
-<file path=ppt/slides/slide13.xml><?xml version="1.0" encoding="utf-8"?>
-<p:sld xmlns:a="http://schemas.openxmlformats.org/drawingml/2006/main" xmlns:r="http://schemas.openxmlformats.org/officeDocument/2006/relationships" xmlns:p="http://schemas.openxmlformats.org/presentationml/2006/main">
-  <p:cSld>
-    <p:spTree>
-      <p:nvGrpSpPr>
-        <p:cNvPr id="1" name=""/>
-        <p:cNvGrpSpPr/>
-        <p:nvPr/>
-      </p:nvGrpSpPr>
-      <p:grpSpPr>
-        <a:xfrm>
-          <a:off x="0" y="0"/>
-          <a:ext cx="0" cy="0"/>
-          <a:chOff x="0" y="0"/>
-          <a:chExt cx="0" cy="0"/>
-        </a:xfrm>
-      </p:grpSpPr>
-      <p:cxnSp>
-        <p:nvCxnSpPr>
-          <p:cNvPr id="8" name="直接连接符 7"/>
-          <p:cNvCxnSpPr/>
-          <p:nvPr/>
-        </p:nvCxnSpPr>
-        <p:spPr>
-          <a:xfrm>
-            <a:off x="571472" y="692696"/>
-            <a:ext cx="7786742" cy="1588"/>
-          </a:xfrm>
-          <a:prstGeom prst="line">
-            <a:avLst/>
-          </a:prstGeom>
-          <a:ln>
-            <a:solidFill>
-              <a:schemeClr val="accent2">
-                <a:lumMod val="75000"/>
-              </a:schemeClr>
-            </a:solidFill>
-          </a:ln>
-        </p:spPr>
-        <p:style>
-          <a:lnRef idx="1">
-            <a:schemeClr val="accent1"/>
-          </a:lnRef>
-          <a:fillRef idx="0">
-            <a:schemeClr val="accent1"/>
-          </a:fillRef>
-          <a:effectRef idx="0">
-            <a:schemeClr val="accent1"/>
-          </a:effectRef>
-          <a:fontRef idx="minor">
-            <a:schemeClr val="tx1"/>
-          </a:fontRef>
-        </p:style>
-      </p:cxnSp>
-      <p:sp>
-        <p:nvSpPr>
-          <p:cNvPr id="5" name="标题 3"/>
-          <p:cNvSpPr txBox="1">
-            <a:spLocks/>
-          </p:cNvSpPr>
-          <p:nvPr/>
-        </p:nvSpPr>
-        <p:spPr bwMode="auto">
-          <a:xfrm>
-            <a:off x="257175" y="142852"/>
-            <a:ext cx="9499401" cy="609600"/>
-          </a:xfrm>
-          <a:prstGeom prst="rect">
-            <a:avLst/>
-          </a:prstGeom>
-          <a:noFill/>
-          <a:ln w="9525">
-            <a:noFill/>
-            <a:miter lim="800000"/>
-            <a:headEnd/>
-            <a:tailEnd/>
-          </a:ln>
-        </p:spPr>
-        <p:txBody>
-          <a:bodyPr anchor="ctr"/>
-          <a:lstStyle/>
-          <a:p>
-            <a:pPr>
-              <a:defRPr/>
-            </a:pPr>
-            <a:r>
-              <a:rPr lang="en-US" altLang="zh-CN" sz="2800" b="1" i="1" dirty="0" smtClean="0">
-                <a:latin typeface="Calibri" pitchFamily="34" charset="0"/>
-                <a:cs typeface="Calibri" pitchFamily="34" charset="0"/>
-              </a:rPr>
-              <a:t>4.2 Viewing Graph Optimization</a:t>
-            </a:r>
-            <a:endParaRPr lang="zh-CN" altLang="en-US" sz="3200" b="1" kern="0" dirty="0">
-              <a:effectLst/>
-              <a:latin typeface="Calibri" pitchFamily="34" charset="0"/>
-              <a:ea typeface="楷体" pitchFamily="49" charset="-122"/>
-              <a:cs typeface="Calibri" pitchFamily="34" charset="0"/>
-            </a:endParaRPr>
-          </a:p>
-        </p:txBody>
-      </p:sp>
-      <p:sp>
-        <p:nvSpPr>
-          <p:cNvPr id="13" name="矩形 12"/>
-          <p:cNvSpPr/>
-          <p:nvPr/>
-        </p:nvSpPr>
-        <p:spPr>
-          <a:xfrm>
-            <a:off x="2992323" y="807228"/>
-            <a:ext cx="3584636" cy="523220"/>
-          </a:xfrm>
-          <a:prstGeom prst="rect">
-            <a:avLst/>
-          </a:prstGeom>
-        </p:spPr>
-        <p:txBody>
-          <a:bodyPr wrap="none">
-            <a:spAutoFit/>
-          </a:bodyPr>
-          <a:lstStyle/>
-          <a:p>
-            <a:r>
-              <a:rPr lang="en-US" altLang="zh-CN" sz="2800" b="1" i="1" dirty="0" smtClean="0">
-                <a:solidFill>
-                  <a:schemeClr val="accent2"/>
-                </a:solidFill>
-                <a:latin typeface="Times New Roman" pitchFamily="18" charset="0"/>
-                <a:cs typeface="Times New Roman" pitchFamily="18" charset="0"/>
-              </a:rPr>
-              <a:t>Optimization Structure</a:t>
-            </a:r>
-            <a:endParaRPr lang="en-US" sz="2800" dirty="0">
-              <a:solidFill>
-                <a:schemeClr val="accent2"/>
-              </a:solidFill>
-              <a:latin typeface="Times New Roman" pitchFamily="18" charset="0"/>
-              <a:cs typeface="Times New Roman" pitchFamily="18" charset="0"/>
-            </a:endParaRPr>
-          </a:p>
-        </p:txBody>
-      </p:sp>
-      <p:pic>
-        <p:nvPicPr>
-          <p:cNvPr id="8195" name="Picture 3" descr="D:\mondy-report\monday-speech\OptimizationStructure.png"/>
-          <p:cNvPicPr>
-            <a:picLocks noChangeAspect="1" noChangeArrowheads="1"/>
-          </p:cNvPicPr>
-          <p:nvPr/>
-        </p:nvPicPr>
-        <p:blipFill>
-          <a:blip r:embed="rId3">
-            <a:extLst>
-              <a:ext uri="{28A0092B-C50C-407E-A947-70E740481C1C}">
-                <a14:useLocalDpi xmlns:a14="http://schemas.microsoft.com/office/drawing/2010/main" val="0"/>
-              </a:ext>
-            </a:extLst>
-          </a:blip>
-          <a:srcRect/>
-          <a:stretch>
-            <a:fillRect/>
-          </a:stretch>
-        </p:blipFill>
-        <p:spPr bwMode="auto">
-          <a:xfrm>
-            <a:off x="0" y="1379538"/>
-            <a:ext cx="8990013" cy="2679700"/>
-          </a:xfrm>
-          <a:prstGeom prst="rect">
-            <a:avLst/>
-          </a:prstGeom>
-          <a:noFill/>
-          <a:extLst>
-            <a:ext uri="{909E8E84-426E-40DD-AFC4-6F175D3DCCD1}">
-              <a14:hiddenFill xmlns:a14="http://schemas.microsoft.com/office/drawing/2010/main">
-                <a:solidFill>
-                  <a:srgbClr val="FFFFFF"/>
-                </a:solidFill>
-              </a14:hiddenFill>
-            </a:ext>
-          </a:extLst>
-        </p:spPr>
-      </p:pic>
-    </p:spTree>
-    <p:extLst>
-      <p:ext uri="{BB962C8B-B14F-4D97-AF65-F5344CB8AC3E}">
-        <p14:creationId xmlns:p14="http://schemas.microsoft.com/office/powerpoint/2010/main" val="2203270940"/>
-      </p:ext>
-    </p:extLst>
-  </p:cSld>
-  <p:clrMapOvr>
-    <a:masterClrMapping/>
-  </p:clrMapOvr>
-  <p:timing>
-    <p:tnLst>
-      <p:par>
-        <p:cTn id="1" dur="indefinite" restart="never" nodeType="tmRoot"/>
-      </p:par>
-    </p:tnLst>
-  </p:timing>
-</p:sld>
-</file>
-
-<file path=ppt/slides/slide14.xml><?xml version="1.0" encoding="utf-8"?>
+<file path=ppt/slides/slide11.xml><?xml version="1.0" encoding="utf-8"?>
 <p:sld xmlns:a="http://schemas.openxmlformats.org/drawingml/2006/main" xmlns:r="http://schemas.openxmlformats.org/officeDocument/2006/relationships" xmlns:p="http://schemas.openxmlformats.org/presentationml/2006/main">
   <p:cSld>
     <p:spTree>
@@ -16155,169 +14987,7 @@
 </p:sld>
 </file>
 
-<file path=ppt/slides/slide15.xml><?xml version="1.0" encoding="utf-8"?>
-<p:sld xmlns:a="http://schemas.openxmlformats.org/drawingml/2006/main" xmlns:r="http://schemas.openxmlformats.org/officeDocument/2006/relationships" xmlns:p="http://schemas.openxmlformats.org/presentationml/2006/main">
-  <p:cSld>
-    <p:spTree>
-      <p:nvGrpSpPr>
-        <p:cNvPr id="1" name=""/>
-        <p:cNvGrpSpPr/>
-        <p:nvPr/>
-      </p:nvGrpSpPr>
-      <p:grpSpPr>
-        <a:xfrm>
-          <a:off x="0" y="0"/>
-          <a:ext cx="0" cy="0"/>
-          <a:chOff x="0" y="0"/>
-          <a:chExt cx="0" cy="0"/>
-        </a:xfrm>
-      </p:grpSpPr>
-      <p:cxnSp>
-        <p:nvCxnSpPr>
-          <p:cNvPr id="8" name="直接连接符 7"/>
-          <p:cNvCxnSpPr/>
-          <p:nvPr/>
-        </p:nvCxnSpPr>
-        <p:spPr>
-          <a:xfrm>
-            <a:off x="571472" y="692696"/>
-            <a:ext cx="7786742" cy="1588"/>
-          </a:xfrm>
-          <a:prstGeom prst="line">
-            <a:avLst/>
-          </a:prstGeom>
-          <a:ln>
-            <a:solidFill>
-              <a:schemeClr val="accent2">
-                <a:lumMod val="75000"/>
-              </a:schemeClr>
-            </a:solidFill>
-          </a:ln>
-        </p:spPr>
-        <p:style>
-          <a:lnRef idx="1">
-            <a:schemeClr val="accent1"/>
-          </a:lnRef>
-          <a:fillRef idx="0">
-            <a:schemeClr val="accent1"/>
-          </a:fillRef>
-          <a:effectRef idx="0">
-            <a:schemeClr val="accent1"/>
-          </a:effectRef>
-          <a:fontRef idx="minor">
-            <a:schemeClr val="tx1"/>
-          </a:fontRef>
-        </p:style>
-      </p:cxnSp>
-      <p:sp>
-        <p:nvSpPr>
-          <p:cNvPr id="5" name="标题 3"/>
-          <p:cNvSpPr txBox="1">
-            <a:spLocks/>
-          </p:cNvSpPr>
-          <p:nvPr/>
-        </p:nvSpPr>
-        <p:spPr bwMode="auto">
-          <a:xfrm>
-            <a:off x="257175" y="142852"/>
-            <a:ext cx="9499401" cy="609600"/>
-          </a:xfrm>
-          <a:prstGeom prst="rect">
-            <a:avLst/>
-          </a:prstGeom>
-          <a:noFill/>
-          <a:ln w="9525">
-            <a:noFill/>
-            <a:miter lim="800000"/>
-            <a:headEnd/>
-            <a:tailEnd/>
-          </a:ln>
-        </p:spPr>
-        <p:txBody>
-          <a:bodyPr anchor="ctr"/>
-          <a:lstStyle/>
-          <a:p>
-            <a:pPr>
-              <a:defRPr/>
-            </a:pPr>
-            <a:r>
-              <a:rPr lang="en-US" altLang="zh-CN" sz="2800" b="1" i="1" dirty="0" smtClean="0">
-                <a:latin typeface="Calibri" pitchFamily="34" charset="0"/>
-                <a:cs typeface="Calibri" pitchFamily="34" charset="0"/>
-              </a:rPr>
-              <a:t>4.3 Pipeline</a:t>
-            </a:r>
-            <a:endParaRPr lang="zh-CN" altLang="en-US" sz="3200" b="1" kern="0" dirty="0">
-              <a:effectLst/>
-              <a:latin typeface="Calibri" pitchFamily="34" charset="0"/>
-              <a:ea typeface="楷体" pitchFamily="49" charset="-122"/>
-              <a:cs typeface="Calibri" pitchFamily="34" charset="0"/>
-            </a:endParaRPr>
-          </a:p>
-        </p:txBody>
-      </p:sp>
-      <p:pic>
-        <p:nvPicPr>
-          <p:cNvPr id="3077" name="Picture 5" descr="D:\mondy-report\monday-speech\pipeline.png"/>
-          <p:cNvPicPr>
-            <a:picLocks noChangeAspect="1" noChangeArrowheads="1"/>
-          </p:cNvPicPr>
-          <p:nvPr/>
-        </p:nvPicPr>
-        <p:blipFill>
-          <a:blip r:embed="rId3">
-            <a:extLst>
-              <a:ext uri="{28A0092B-C50C-407E-A947-70E740481C1C}">
-                <a14:useLocalDpi xmlns:a14="http://schemas.microsoft.com/office/drawing/2010/main" val="0"/>
-              </a:ext>
-            </a:extLst>
-          </a:blip>
-          <a:srcRect/>
-          <a:stretch>
-            <a:fillRect/>
-          </a:stretch>
-        </p:blipFill>
-        <p:spPr bwMode="auto">
-          <a:xfrm>
-            <a:off x="-180528" y="1700808"/>
-            <a:ext cx="9520023" cy="3384376"/>
-          </a:xfrm>
-          <a:prstGeom prst="rect">
-            <a:avLst/>
-          </a:prstGeom>
-          <a:noFill/>
-          <a:extLst>
-            <a:ext uri="{909E8E84-426E-40DD-AFC4-6F175D3DCCD1}">
-              <a14:hiddenFill xmlns:a14="http://schemas.microsoft.com/office/drawing/2010/main">
-                <a:solidFill>
-                  <a:srgbClr val="FFFFFF"/>
-                </a:solidFill>
-              </a14:hiddenFill>
-            </a:ext>
-          </a:extLst>
-        </p:spPr>
-      </p:pic>
-    </p:spTree>
-    <p:extLst>
-      <p:ext uri="{BB962C8B-B14F-4D97-AF65-F5344CB8AC3E}">
-        <p14:creationId xmlns:p14="http://schemas.microsoft.com/office/powerpoint/2010/main" val="1487721687"/>
-      </p:ext>
-    </p:extLst>
-  </p:cSld>
-  <p:clrMapOvr>
-    <a:masterClrMapping/>
-  </p:clrMapOvr>
-  <p:timing>
-    <p:tnLst>
-      <p:par>
-        <p:cTn id="1" dur="indefinite" restart="never" nodeType="tmRoot"/>
-      </p:par>
-    </p:tnLst>
-  </p:timing>
-</p:sld>
-</file>
-
-<file path=ppt/slides/slide16.xml><?xml version="1.0" encoding="utf-8"?>
+<file path=ppt/slides/slide12.xml><?xml version="1.0" encoding="utf-8"?>
 <p:sld xmlns:a="http://schemas.openxmlformats.org/drawingml/2006/main" xmlns:r="http://schemas.openxmlformats.org/officeDocument/2006/relationships" xmlns:p="http://schemas.openxmlformats.org/presentationml/2006/main">
   <p:cSld>
     <p:spTree>
@@ -16523,7 +15193,7 @@
 </p:sld>
 </file>
 
-<file path=ppt/slides/slide17.xml><?xml version="1.0" encoding="utf-8"?>
+<file path=ppt/slides/slide13.xml><?xml version="1.0" encoding="utf-8"?>
 <p:sld xmlns:a="http://schemas.openxmlformats.org/drawingml/2006/main" xmlns:r="http://schemas.openxmlformats.org/officeDocument/2006/relationships" xmlns:p="http://schemas.openxmlformats.org/presentationml/2006/main">
   <p:cSld>
     <p:spTree>
@@ -16624,6 +15294,410 @@
           </a:p>
         </p:txBody>
       </p:sp>
+      <p:pic>
+        <p:nvPicPr>
+          <p:cNvPr id="1026" name="Picture 2"/>
+          <p:cNvPicPr>
+            <a:picLocks noChangeAspect="1" noChangeArrowheads="1"/>
+          </p:cNvPicPr>
+          <p:nvPr/>
+        </p:nvPicPr>
+        <p:blipFill>
+          <a:blip r:embed="rId3">
+            <a:extLst>
+              <a:ext uri="{28A0092B-C50C-407E-A947-70E740481C1C}">
+                <a14:useLocalDpi xmlns:a14="http://schemas.microsoft.com/office/drawing/2010/main" val="0"/>
+              </a:ext>
+            </a:extLst>
+          </a:blip>
+          <a:srcRect/>
+          <a:stretch>
+            <a:fillRect/>
+          </a:stretch>
+        </p:blipFill>
+        <p:spPr bwMode="auto">
+          <a:xfrm>
+            <a:off x="2373381" y="1889968"/>
+            <a:ext cx="3990975" cy="800100"/>
+          </a:xfrm>
+          <a:prstGeom prst="rect">
+            <a:avLst/>
+          </a:prstGeom>
+          <a:noFill/>
+          <a:ln>
+            <a:noFill/>
+          </a:ln>
+          <a:effectLst/>
+          <a:extLst>
+            <a:ext uri="{909E8E84-426E-40DD-AFC4-6F175D3DCCD1}">
+              <a14:hiddenFill xmlns:a14="http://schemas.microsoft.com/office/drawing/2010/main">
+                <a:solidFill>
+                  <a:schemeClr val="accent1"/>
+                </a:solidFill>
+              </a14:hiddenFill>
+            </a:ext>
+            <a:ext uri="{91240B29-F687-4F45-9708-019B960494DF}">
+              <a14:hiddenLine xmlns:a14="http://schemas.microsoft.com/office/drawing/2010/main" w="9525">
+                <a:solidFill>
+                  <a:schemeClr val="tx1"/>
+                </a:solidFill>
+                <a:miter lim="800000"/>
+                <a:headEnd/>
+                <a:tailEnd/>
+              </a14:hiddenLine>
+            </a:ext>
+            <a:ext uri="{AF507438-7753-43E0-B8FC-AC1667EBCBE1}">
+              <a14:hiddenEffects xmlns:a14="http://schemas.microsoft.com/office/drawing/2010/main">
+                <a:effectLst>
+                  <a:outerShdw dist="35921" dir="2700000" algn="ctr" rotWithShape="0">
+                    <a:schemeClr val="bg2"/>
+                  </a:outerShdw>
+                </a:effectLst>
+              </a14:hiddenEffects>
+            </a:ext>
+          </a:extLst>
+        </p:spPr>
+      </p:pic>
+      <p:pic>
+        <p:nvPicPr>
+          <p:cNvPr id="1027" name="Picture 3"/>
+          <p:cNvPicPr>
+            <a:picLocks noChangeAspect="1" noChangeArrowheads="1"/>
+          </p:cNvPicPr>
+          <p:nvPr/>
+        </p:nvPicPr>
+        <p:blipFill>
+          <a:blip r:embed="rId4">
+            <a:extLst>
+              <a:ext uri="{28A0092B-C50C-407E-A947-70E740481C1C}">
+                <a14:useLocalDpi xmlns:a14="http://schemas.microsoft.com/office/drawing/2010/main" val="0"/>
+              </a:ext>
+            </a:extLst>
+          </a:blip>
+          <a:srcRect/>
+          <a:stretch>
+            <a:fillRect/>
+          </a:stretch>
+        </p:blipFill>
+        <p:spPr bwMode="auto">
+          <a:xfrm>
+            <a:off x="3360480" y="1404193"/>
+            <a:ext cx="2209800" cy="485775"/>
+          </a:xfrm>
+          <a:prstGeom prst="rect">
+            <a:avLst/>
+          </a:prstGeom>
+          <a:noFill/>
+          <a:ln>
+            <a:noFill/>
+          </a:ln>
+          <a:effectLst/>
+          <a:extLst>
+            <a:ext uri="{909E8E84-426E-40DD-AFC4-6F175D3DCCD1}">
+              <a14:hiddenFill xmlns:a14="http://schemas.microsoft.com/office/drawing/2010/main">
+                <a:solidFill>
+                  <a:schemeClr val="accent1"/>
+                </a:solidFill>
+              </a14:hiddenFill>
+            </a:ext>
+            <a:ext uri="{91240B29-F687-4F45-9708-019B960494DF}">
+              <a14:hiddenLine xmlns:a14="http://schemas.microsoft.com/office/drawing/2010/main" w="9525">
+                <a:solidFill>
+                  <a:schemeClr val="tx1"/>
+                </a:solidFill>
+                <a:miter lim="800000"/>
+                <a:headEnd/>
+                <a:tailEnd/>
+              </a14:hiddenLine>
+            </a:ext>
+            <a:ext uri="{AF507438-7753-43E0-B8FC-AC1667EBCBE1}">
+              <a14:hiddenEffects xmlns:a14="http://schemas.microsoft.com/office/drawing/2010/main">
+                <a:effectLst>
+                  <a:outerShdw dist="35921" dir="2700000" algn="ctr" rotWithShape="0">
+                    <a:schemeClr val="bg2"/>
+                  </a:outerShdw>
+                </a:effectLst>
+              </a14:hiddenEffects>
+            </a:ext>
+          </a:extLst>
+        </p:spPr>
+      </p:pic>
+      <p:pic>
+        <p:nvPicPr>
+          <p:cNvPr id="1029" name="Picture 5"/>
+          <p:cNvPicPr>
+            <a:picLocks noChangeAspect="1" noChangeArrowheads="1"/>
+          </p:cNvPicPr>
+          <p:nvPr/>
+        </p:nvPicPr>
+        <p:blipFill>
+          <a:blip r:embed="rId5">
+            <a:extLst>
+              <a:ext uri="{28A0092B-C50C-407E-A947-70E740481C1C}">
+                <a14:useLocalDpi xmlns:a14="http://schemas.microsoft.com/office/drawing/2010/main" val="0"/>
+              </a:ext>
+            </a:extLst>
+          </a:blip>
+          <a:srcRect/>
+          <a:stretch>
+            <a:fillRect/>
+          </a:stretch>
+        </p:blipFill>
+        <p:spPr bwMode="auto">
+          <a:xfrm>
+            <a:off x="2645169" y="3887383"/>
+            <a:ext cx="3640421" cy="942227"/>
+          </a:xfrm>
+          <a:prstGeom prst="rect">
+            <a:avLst/>
+          </a:prstGeom>
+          <a:noFill/>
+          <a:ln>
+            <a:noFill/>
+          </a:ln>
+          <a:effectLst/>
+          <a:extLst>
+            <a:ext uri="{909E8E84-426E-40DD-AFC4-6F175D3DCCD1}">
+              <a14:hiddenFill xmlns:a14="http://schemas.microsoft.com/office/drawing/2010/main">
+                <a:solidFill>
+                  <a:schemeClr val="accent1"/>
+                </a:solidFill>
+              </a14:hiddenFill>
+            </a:ext>
+            <a:ext uri="{91240B29-F687-4F45-9708-019B960494DF}">
+              <a14:hiddenLine xmlns:a14="http://schemas.microsoft.com/office/drawing/2010/main" w="9525">
+                <a:solidFill>
+                  <a:schemeClr val="tx1"/>
+                </a:solidFill>
+                <a:miter lim="800000"/>
+                <a:headEnd/>
+                <a:tailEnd/>
+              </a14:hiddenLine>
+            </a:ext>
+            <a:ext uri="{AF507438-7753-43E0-B8FC-AC1667EBCBE1}">
+              <a14:hiddenEffects xmlns:a14="http://schemas.microsoft.com/office/drawing/2010/main">
+                <a:effectLst>
+                  <a:outerShdw dist="35921" dir="2700000" algn="ctr" rotWithShape="0">
+                    <a:schemeClr val="bg2"/>
+                  </a:outerShdw>
+                </a:effectLst>
+              </a14:hiddenEffects>
+            </a:ext>
+          </a:extLst>
+        </p:spPr>
+      </p:pic>
+      <p:sp>
+        <p:nvSpPr>
+          <p:cNvPr id="2" name="矩形 1"/>
+          <p:cNvSpPr/>
+          <p:nvPr/>
+        </p:nvSpPr>
+        <p:spPr>
+          <a:xfrm>
+            <a:off x="926604" y="5013176"/>
+            <a:ext cx="7290789" cy="830997"/>
+          </a:xfrm>
+          <a:prstGeom prst="rect">
+            <a:avLst/>
+          </a:prstGeom>
+        </p:spPr>
+        <p:txBody>
+          <a:bodyPr wrap="square">
+            <a:spAutoFit/>
+          </a:bodyPr>
+          <a:lstStyle/>
+          <a:p>
+            <a:r>
+              <a:rPr lang="en-US" sz="2400" dirty="0" smtClean="0">
+                <a:latin typeface="Times New Roman" pitchFamily="18" charset="0"/>
+                <a:cs typeface="Times New Roman" pitchFamily="18" charset="0"/>
+              </a:rPr>
+              <a:t>Where </a:t>
+            </a:r>
+            <a:r>
+              <a:rPr lang="en-US" sz="2400" i="1" dirty="0" smtClean="0">
+                <a:latin typeface="Times New Roman" pitchFamily="18" charset="0"/>
+                <a:cs typeface="Times New Roman" pitchFamily="18" charset="0"/>
+              </a:rPr>
+              <a:t>f </a:t>
+            </a:r>
+            <a:r>
+              <a:rPr lang="en-US" sz="2400" i="1" baseline="30000" dirty="0">
+                <a:latin typeface="Times New Roman" pitchFamily="18" charset="0"/>
+                <a:cs typeface="Times New Roman" pitchFamily="18" charset="0"/>
+              </a:rPr>
+              <a:t>∗</a:t>
+            </a:r>
+            <a:r>
+              <a:rPr lang="en-US" sz="2400" i="1" dirty="0">
+                <a:latin typeface="Times New Roman" pitchFamily="18" charset="0"/>
+                <a:cs typeface="Times New Roman" pitchFamily="18" charset="0"/>
+              </a:rPr>
+              <a:t> </a:t>
+            </a:r>
+            <a:r>
+              <a:rPr lang="en-US" sz="2400" dirty="0">
+                <a:latin typeface="Times New Roman" pitchFamily="18" charset="0"/>
+                <a:cs typeface="Times New Roman" pitchFamily="18" charset="0"/>
+              </a:rPr>
+              <a:t>= </a:t>
+            </a:r>
+            <a:r>
+              <a:rPr lang="en-US" sz="2400" i="1" dirty="0" smtClean="0">
+                <a:latin typeface="Times New Roman" pitchFamily="18" charset="0"/>
+                <a:cs typeface="Times New Roman" pitchFamily="18" charset="0"/>
+              </a:rPr>
+              <a:t>{ f</a:t>
+            </a:r>
+            <a:r>
+              <a:rPr lang="en-US" sz="2400" baseline="-25000" dirty="0" smtClean="0">
+                <a:latin typeface="Times New Roman" pitchFamily="18" charset="0"/>
+                <a:cs typeface="Times New Roman" pitchFamily="18" charset="0"/>
+              </a:rPr>
+              <a:t>0</a:t>
+            </a:r>
+            <a:r>
+              <a:rPr lang="en-US" sz="2400" i="1" dirty="0">
+                <a:latin typeface="Times New Roman" pitchFamily="18" charset="0"/>
+                <a:cs typeface="Times New Roman" pitchFamily="18" charset="0"/>
+              </a:rPr>
+              <a:t>, . . . , </a:t>
+            </a:r>
+            <a:r>
+              <a:rPr lang="en-US" sz="2400" i="1" dirty="0" err="1" smtClean="0">
+                <a:latin typeface="Times New Roman" pitchFamily="18" charset="0"/>
+                <a:cs typeface="Times New Roman" pitchFamily="18" charset="0"/>
+              </a:rPr>
+              <a:t>f</a:t>
+            </a:r>
+            <a:r>
+              <a:rPr lang="en-US" sz="2400" i="1" baseline="-25000" dirty="0" err="1" smtClean="0">
+                <a:latin typeface="Times New Roman" pitchFamily="18" charset="0"/>
+                <a:cs typeface="Times New Roman" pitchFamily="18" charset="0"/>
+              </a:rPr>
+              <a:t>n</a:t>
+            </a:r>
+            <a:r>
+              <a:rPr lang="en-US" sz="2400" i="1" baseline="-25000" dirty="0" smtClean="0">
+                <a:latin typeface="Times New Roman" pitchFamily="18" charset="0"/>
+                <a:cs typeface="Times New Roman" pitchFamily="18" charset="0"/>
+              </a:rPr>
+              <a:t> </a:t>
+            </a:r>
+            <a:r>
+              <a:rPr lang="en-US" sz="2400" i="1" dirty="0" smtClean="0">
+                <a:latin typeface="Times New Roman" pitchFamily="18" charset="0"/>
+                <a:cs typeface="Times New Roman" pitchFamily="18" charset="0"/>
+              </a:rPr>
+              <a:t>} </a:t>
+            </a:r>
+            <a:r>
+              <a:rPr lang="en-US" sz="2400" dirty="0">
+                <a:latin typeface="Times New Roman" pitchFamily="18" charset="0"/>
+                <a:cs typeface="Times New Roman" pitchFamily="18" charset="0"/>
+              </a:rPr>
+              <a:t>is the set of all focal lengths </a:t>
+            </a:r>
+            <a:r>
+              <a:rPr lang="en-US" sz="2400" dirty="0" smtClean="0">
+                <a:latin typeface="Times New Roman" pitchFamily="18" charset="0"/>
+                <a:cs typeface="Times New Roman" pitchFamily="18" charset="0"/>
+              </a:rPr>
+              <a:t>of all </a:t>
+            </a:r>
+            <a:r>
+              <a:rPr lang="en-US" sz="2400" dirty="0">
+                <a:latin typeface="Times New Roman" pitchFamily="18" charset="0"/>
+                <a:cs typeface="Times New Roman" pitchFamily="18" charset="0"/>
+              </a:rPr>
+              <a:t>views in the viewing graph </a:t>
+            </a:r>
+            <a:r>
+              <a:rPr lang="en-US" sz="2400" i="1" dirty="0" smtClean="0">
+                <a:latin typeface="Times New Roman" pitchFamily="18" charset="0"/>
+                <a:cs typeface="Times New Roman" pitchFamily="18" charset="0"/>
+              </a:rPr>
+              <a:t>G.</a:t>
+            </a:r>
+            <a:endParaRPr lang="en-US" sz="2400" dirty="0">
+              <a:latin typeface="Times New Roman" pitchFamily="18" charset="0"/>
+              <a:cs typeface="Times New Roman" pitchFamily="18" charset="0"/>
+            </a:endParaRPr>
+          </a:p>
+        </p:txBody>
+      </p:sp>
+      <p:sp>
+        <p:nvSpPr>
+          <p:cNvPr id="3" name="TextBox 2"/>
+          <p:cNvSpPr txBox="1"/>
+          <p:nvPr/>
+        </p:nvSpPr>
+        <p:spPr>
+          <a:xfrm>
+            <a:off x="683567" y="843631"/>
+            <a:ext cx="4826591" cy="461665"/>
+          </a:xfrm>
+          <a:prstGeom prst="rect">
+            <a:avLst/>
+          </a:prstGeom>
+          <a:noFill/>
+        </p:spPr>
+        <p:txBody>
+          <a:bodyPr wrap="square" rtlCol="0">
+            <a:spAutoFit/>
+          </a:bodyPr>
+          <a:lstStyle/>
+          <a:p>
+            <a:r>
+              <a:rPr lang="en-US" sz="2400" b="1" dirty="0" smtClean="0">
+                <a:latin typeface="Times New Roman" pitchFamily="18" charset="0"/>
+                <a:cs typeface="Times New Roman" pitchFamily="18" charset="0"/>
+              </a:rPr>
+              <a:t>Cost Function Definition:</a:t>
+            </a:r>
+            <a:endParaRPr lang="en-US" sz="2400" b="1" dirty="0">
+              <a:latin typeface="Times New Roman" pitchFamily="18" charset="0"/>
+              <a:cs typeface="Times New Roman" pitchFamily="18" charset="0"/>
+            </a:endParaRPr>
+          </a:p>
+        </p:txBody>
+      </p:sp>
+      <p:sp>
+        <p:nvSpPr>
+          <p:cNvPr id="10" name="TextBox 9"/>
+          <p:cNvSpPr txBox="1"/>
+          <p:nvPr/>
+        </p:nvSpPr>
+        <p:spPr>
+          <a:xfrm>
+            <a:off x="672254" y="3140968"/>
+            <a:ext cx="4826591" cy="461665"/>
+          </a:xfrm>
+          <a:prstGeom prst="rect">
+            <a:avLst/>
+          </a:prstGeom>
+          <a:noFill/>
+        </p:spPr>
+        <p:txBody>
+          <a:bodyPr wrap="square" rtlCol="0">
+            <a:spAutoFit/>
+          </a:bodyPr>
+          <a:lstStyle/>
+          <a:p>
+            <a:r>
+              <a:rPr lang="en-US" sz="2400" b="1" dirty="0" smtClean="0">
+                <a:latin typeface="Times New Roman" pitchFamily="18" charset="0"/>
+                <a:cs typeface="Times New Roman" pitchFamily="18" charset="0"/>
+              </a:rPr>
+              <a:t>Objective Function:</a:t>
+            </a:r>
+            <a:endParaRPr lang="en-US" sz="2400" b="1" dirty="0">
+              <a:latin typeface="Times New Roman" pitchFamily="18" charset="0"/>
+              <a:cs typeface="Times New Roman" pitchFamily="18" charset="0"/>
+            </a:endParaRPr>
+          </a:p>
+        </p:txBody>
+      </p:sp>
     </p:spTree>
     <p:extLst>
       <p:ext uri="{BB962C8B-B14F-4D97-AF65-F5344CB8AC3E}">
@@ -16644,7 +15718,7 @@
 </p:sld>
 </file>
 
-<file path=ppt/slides/slide18.xml><?xml version="1.0" encoding="utf-8"?>
+<file path=ppt/slides/slide14.xml><?xml version="1.0" encoding="utf-8"?>
 <p:sld xmlns:a="http://schemas.openxmlformats.org/drawingml/2006/main" xmlns:r="http://schemas.openxmlformats.org/officeDocument/2006/relationships" xmlns:p="http://schemas.openxmlformats.org/presentationml/2006/main">
   <p:cSld>
     <p:spTree>
@@ -16768,7 +15842,7 @@
         </p:blipFill>
         <p:spPr bwMode="auto">
           <a:xfrm>
-            <a:off x="952419" y="1124744"/>
+            <a:off x="961247" y="1484784"/>
             <a:ext cx="7024848" cy="2847305"/>
           </a:xfrm>
           <a:prstGeom prst="rect">
@@ -16829,7 +15903,7 @@
 </p:sld>
 </file>
 
-<file path=ppt/slides/slide19.xml><?xml version="1.0" encoding="utf-8"?>
+<file path=ppt/slides/slide15.xml><?xml version="1.0" encoding="utf-8"?>
 <p:sld xmlns:a="http://schemas.openxmlformats.org/drawingml/2006/main" xmlns:r="http://schemas.openxmlformats.org/officeDocument/2006/relationships" xmlns:p="http://schemas.openxmlformats.org/presentationml/2006/main">
   <p:cSld>
     <p:spTree>
@@ -16974,7 +16048,7 @@
         </p:blipFill>
         <p:spPr bwMode="auto">
           <a:xfrm>
-            <a:off x="2195736" y="1052736"/>
+            <a:off x="2195735" y="1196752"/>
             <a:ext cx="3868563" cy="3066854"/>
           </a:xfrm>
           <a:prstGeom prst="rect">
@@ -17035,242 +16109,7 @@
 </p:sld>
 </file>
 
-<file path=ppt/slides/slide2.xml><?xml version="1.0" encoding="utf-8"?>
-<p:sld xmlns:a="http://schemas.openxmlformats.org/drawingml/2006/main" xmlns:r="http://schemas.openxmlformats.org/officeDocument/2006/relationships" xmlns:p="http://schemas.openxmlformats.org/presentationml/2006/main">
-  <p:cSld>
-    <p:spTree>
-      <p:nvGrpSpPr>
-        <p:cNvPr id="1" name=""/>
-        <p:cNvGrpSpPr/>
-        <p:nvPr/>
-      </p:nvGrpSpPr>
-      <p:grpSpPr>
-        <a:xfrm>
-          <a:off x="0" y="0"/>
-          <a:ext cx="0" cy="0"/>
-          <a:chOff x="0" y="0"/>
-          <a:chExt cx="0" cy="0"/>
-        </a:xfrm>
-      </p:grpSpPr>
-      <p:cxnSp>
-        <p:nvCxnSpPr>
-          <p:cNvPr id="12" name="直接连接符 11"/>
-          <p:cNvCxnSpPr/>
-          <p:nvPr/>
-        </p:nvCxnSpPr>
-        <p:spPr>
-          <a:xfrm>
-            <a:off x="785786" y="857232"/>
-            <a:ext cx="7786742" cy="1588"/>
-          </a:xfrm>
-          <a:prstGeom prst="line">
-            <a:avLst/>
-          </a:prstGeom>
-          <a:ln>
-            <a:solidFill>
-              <a:schemeClr val="accent2">
-                <a:lumMod val="75000"/>
-              </a:schemeClr>
-            </a:solidFill>
-          </a:ln>
-        </p:spPr>
-        <p:style>
-          <a:lnRef idx="1">
-            <a:schemeClr val="accent1"/>
-          </a:lnRef>
-          <a:fillRef idx="0">
-            <a:schemeClr val="accent1"/>
-          </a:fillRef>
-          <a:effectRef idx="0">
-            <a:schemeClr val="accent1"/>
-          </a:effectRef>
-          <a:fontRef idx="minor">
-            <a:schemeClr val="tx1"/>
-          </a:fontRef>
-        </p:style>
-      </p:cxnSp>
-      <p:sp>
-        <p:nvSpPr>
-          <p:cNvPr id="13" name="标题 3"/>
-          <p:cNvSpPr txBox="1">
-            <a:spLocks/>
-          </p:cNvSpPr>
-          <p:nvPr/>
-        </p:nvSpPr>
-        <p:spPr bwMode="auto">
-          <a:xfrm>
-            <a:off x="362269" y="132025"/>
-            <a:ext cx="7243783" cy="609600"/>
-          </a:xfrm>
-          <a:prstGeom prst="rect">
-            <a:avLst/>
-          </a:prstGeom>
-          <a:noFill/>
-          <a:ln w="9525">
-            <a:noFill/>
-            <a:miter lim="800000"/>
-            <a:headEnd/>
-            <a:tailEnd/>
-          </a:ln>
-        </p:spPr>
-        <p:txBody>
-          <a:bodyPr anchor="ctr"/>
-          <a:lstStyle/>
-          <a:p>
-            <a:pPr>
-              <a:defRPr/>
-            </a:pPr>
-            <a:r>
-              <a:rPr lang="en-US" altLang="zh-CN" sz="2800" b="1" i="1" dirty="0">
-                <a:latin typeface="Calibri" pitchFamily="34" charset="0"/>
-                <a:cs typeface="Calibri" pitchFamily="34" charset="0"/>
-              </a:rPr>
-              <a:t>1.  Introduction</a:t>
-            </a:r>
-            <a:endParaRPr lang="zh-CN" altLang="en-US" sz="3200" b="1" kern="0" dirty="0">
-              <a:effectLst/>
-              <a:latin typeface="Calibri" pitchFamily="34" charset="0"/>
-              <a:ea typeface="楷体" pitchFamily="49" charset="-122"/>
-              <a:cs typeface="Calibri" pitchFamily="34" charset="0"/>
-            </a:endParaRPr>
-          </a:p>
-        </p:txBody>
-      </p:sp>
-      <p:pic>
-        <p:nvPicPr>
-          <p:cNvPr id="2" name="Picture 2"/>
-          <p:cNvPicPr>
-            <a:picLocks noChangeAspect="1" noChangeArrowheads="1"/>
-          </p:cNvPicPr>
-          <p:nvPr/>
-        </p:nvPicPr>
-        <p:blipFill>
-          <a:blip r:embed="rId2">
-            <a:extLst>
-              <a:ext uri="{28A0092B-C50C-407E-A947-70E740481C1C}">
-                <a14:useLocalDpi xmlns:a14="http://schemas.microsoft.com/office/drawing/2010/main" val="0"/>
-              </a:ext>
-            </a:extLst>
-          </a:blip>
-          <a:srcRect/>
-          <a:stretch>
-            <a:fillRect/>
-          </a:stretch>
-        </p:blipFill>
-        <p:spPr bwMode="auto">
-          <a:xfrm>
-            <a:off x="2627784" y="908720"/>
-            <a:ext cx="3795713" cy="3690937"/>
-          </a:xfrm>
-          <a:prstGeom prst="rect">
-            <a:avLst/>
-          </a:prstGeom>
-          <a:noFill/>
-          <a:ln>
-            <a:noFill/>
-          </a:ln>
-          <a:effectLst/>
-          <a:extLst>
-            <a:ext uri="{909E8E84-426E-40DD-AFC4-6F175D3DCCD1}">
-              <a14:hiddenFill xmlns:a14="http://schemas.microsoft.com/office/drawing/2010/main">
-                <a:solidFill>
-                  <a:schemeClr val="accent1"/>
-                </a:solidFill>
-              </a14:hiddenFill>
-            </a:ext>
-            <a:ext uri="{91240B29-F687-4F45-9708-019B960494DF}">
-              <a14:hiddenLine xmlns:a14="http://schemas.microsoft.com/office/drawing/2010/main" w="9525">
-                <a:solidFill>
-                  <a:schemeClr val="tx1"/>
-                </a:solidFill>
-                <a:miter lim="800000"/>
-                <a:headEnd/>
-                <a:tailEnd/>
-              </a14:hiddenLine>
-            </a:ext>
-            <a:ext uri="{AF507438-7753-43E0-B8FC-AC1667EBCBE1}">
-              <a14:hiddenEffects xmlns:a14="http://schemas.microsoft.com/office/drawing/2010/main">
-                <a:effectLst>
-                  <a:outerShdw dist="35921" dir="2700000" algn="ctr" rotWithShape="0">
-                    <a:schemeClr val="bg2"/>
-                  </a:outerShdw>
-                </a:effectLst>
-              </a14:hiddenEffects>
-            </a:ext>
-          </a:extLst>
-        </p:spPr>
-      </p:pic>
-      <p:sp>
-        <p:nvSpPr>
-          <p:cNvPr id="3" name="TextBox 2"/>
-          <p:cNvSpPr txBox="1"/>
-          <p:nvPr/>
-        </p:nvSpPr>
-        <p:spPr>
-          <a:xfrm>
-            <a:off x="683568" y="4653136"/>
-            <a:ext cx="8178702" cy="1200329"/>
-          </a:xfrm>
-          <a:prstGeom prst="rect">
-            <a:avLst/>
-          </a:prstGeom>
-          <a:noFill/>
-        </p:spPr>
-        <p:txBody>
-          <a:bodyPr wrap="square" rtlCol="0">
-            <a:spAutoFit/>
-          </a:bodyPr>
-          <a:lstStyle/>
-          <a:p>
-            <a:r>
-              <a:rPr lang="en-US" altLang="zh-CN" sz="2400" dirty="0" smtClean="0">
-                <a:latin typeface="Times New Roman" pitchFamily="18" charset="0"/>
-                <a:cs typeface="Times New Roman" pitchFamily="18" charset="0"/>
-              </a:rPr>
-              <a:t>A novel optimization that improves the quality of the relative geometries by enforcing loop consistency constraints with the </a:t>
-            </a:r>
-            <a:r>
-              <a:rPr lang="en-US" altLang="zh-CN" sz="2400" dirty="0" err="1" smtClean="0">
-                <a:latin typeface="Times New Roman" pitchFamily="18" charset="0"/>
-                <a:cs typeface="Times New Roman" pitchFamily="18" charset="0"/>
-              </a:rPr>
-              <a:t>epipolar</a:t>
-            </a:r>
-            <a:r>
-              <a:rPr lang="en-US" altLang="zh-CN" sz="2400" dirty="0" smtClean="0">
-                <a:latin typeface="Times New Roman" pitchFamily="18" charset="0"/>
-                <a:cs typeface="Times New Roman" pitchFamily="18" charset="0"/>
-              </a:rPr>
-              <a:t> point transfer.</a:t>
-            </a:r>
-            <a:endParaRPr lang="en-US" sz="2400" dirty="0">
-              <a:latin typeface="Times New Roman" pitchFamily="18" charset="0"/>
-              <a:cs typeface="Times New Roman" pitchFamily="18" charset="0"/>
-            </a:endParaRPr>
-          </a:p>
-        </p:txBody>
-      </p:sp>
-    </p:spTree>
-    <p:extLst>
-      <p:ext uri="{BB962C8B-B14F-4D97-AF65-F5344CB8AC3E}">
-        <p14:creationId xmlns:p14="http://schemas.microsoft.com/office/powerpoint/2010/main" val="1309278673"/>
-      </p:ext>
-    </p:extLst>
-  </p:cSld>
-  <p:clrMapOvr>
-    <a:masterClrMapping/>
-  </p:clrMapOvr>
-  <p:timing>
-    <p:tnLst>
-      <p:par>
-        <p:cTn id="1" dur="indefinite" restart="never" nodeType="tmRoot"/>
-      </p:par>
-    </p:tnLst>
-  </p:timing>
-</p:sld>
-</file>
-
-<file path=ppt/slides/slide20.xml><?xml version="1.0" encoding="utf-8"?>
+<file path=ppt/slides/slide16.xml><?xml version="1.0" encoding="utf-8"?>
 <p:sld xmlns:a="http://schemas.openxmlformats.org/drawingml/2006/main" xmlns:r="http://schemas.openxmlformats.org/officeDocument/2006/relationships" xmlns:p="http://schemas.openxmlformats.org/presentationml/2006/main">
   <p:cSld>
     <p:spTree>
@@ -17599,7 +16438,7 @@
 </p:sld>
 </file>
 
-<file path=ppt/slides/slide21.xml><?xml version="1.0" encoding="utf-8"?>
+<file path=ppt/slides/slide17.xml><?xml version="1.0" encoding="utf-8"?>
 <p:sld xmlns:a="http://schemas.openxmlformats.org/drawingml/2006/main" xmlns:r="http://schemas.openxmlformats.org/officeDocument/2006/relationships" xmlns:p="http://schemas.openxmlformats.org/presentationml/2006/main">
   <p:cSld>
     <p:spTree>
@@ -17696,7 +16535,21 @@
                 <a:latin typeface="Calibri" pitchFamily="34" charset="0"/>
                 <a:cs typeface="Calibri" pitchFamily="34" charset="0"/>
               </a:rPr>
-              <a:t> Results</a:t>
+              <a:t> </a:t>
+            </a:r>
+            <a:r>
+              <a:rPr lang="en-US" altLang="zh-CN" sz="2800" b="1" i="1" dirty="0" smtClean="0">
+                <a:latin typeface="Calibri" pitchFamily="34" charset="0"/>
+                <a:cs typeface="Calibri" pitchFamily="34" charset="0"/>
+              </a:rPr>
+              <a:t>Results——</a:t>
+            </a:r>
+            <a:r>
+              <a:rPr lang="en-US" altLang="zh-CN" sz="3200" b="1" i="1" dirty="0">
+                <a:latin typeface="Calibri" pitchFamily="34" charset="0"/>
+                <a:cs typeface="Calibri" pitchFamily="34" charset="0"/>
+              </a:rPr>
+              <a:t>Test for Proposed Pipeline</a:t>
             </a:r>
             <a:endParaRPr lang="zh-CN" altLang="en-US" sz="3200" b="1" kern="0" dirty="0">
               <a:effectLst/>
@@ -17791,7 +16644,7 @@
 </p:sld>
 </file>
 
-<file path=ppt/slides/slide22.xml><?xml version="1.0" encoding="utf-8"?>
+<file path=ppt/slides/slide18.xml><?xml version="1.0" encoding="utf-8"?>
 <p:sld xmlns:a="http://schemas.openxmlformats.org/drawingml/2006/main" xmlns:r="http://schemas.openxmlformats.org/officeDocument/2006/relationships" xmlns:p="http://schemas.openxmlformats.org/presentationml/2006/main">
   <p:cSld>
     <p:spTree>
@@ -17850,7 +16703,7 @@
           <p:cNvPr id="15" name="标题 3">
             <a:extLst>
               <a:ext uri="{FF2B5EF4-FFF2-40B4-BE49-F238E27FC236}">
-                <a16:creationId xmlns:a16="http://schemas.microsoft.com/office/drawing/2014/main" xmlns="" id="{F68BA453-3377-4256-A938-E7CF0F36192B}"/>
+                <a16:creationId xmlns="" xmlns:a16="http://schemas.microsoft.com/office/drawing/2014/main" id="{F68BA453-3377-4256-A938-E7CF0F36192B}"/>
               </a:ext>
             </a:extLst>
           </p:cNvPr>
@@ -17914,7 +16767,7 @@
           <p:cNvPr id="5" name="TextBox 16">
             <a:extLst>
               <a:ext uri="{FF2B5EF4-FFF2-40B4-BE49-F238E27FC236}">
-                <a16:creationId xmlns:a16="http://schemas.microsoft.com/office/drawing/2014/main" xmlns="" id="{DEDB19A1-0490-463A-9A9E-10132D9DF7E3}"/>
+                <a16:creationId xmlns="" xmlns:a16="http://schemas.microsoft.com/office/drawing/2014/main" id="{DEDB19A1-0490-463A-9A9E-10132D9DF7E3}"/>
               </a:ext>
             </a:extLst>
           </p:cNvPr>
@@ -17926,7 +16779,7 @@
         <p:spPr bwMode="auto">
           <a:xfrm>
             <a:off x="467544" y="963600"/>
-            <a:ext cx="7890670" cy="707886"/>
+            <a:ext cx="7890670" cy="5262979"/>
           </a:xfrm>
           <a:prstGeom prst="rect">
             <a:avLst/>
@@ -17954,14 +16807,208 @@
               <a:buChar char="Ø"/>
             </a:pPr>
             <a:r>
-              <a:rPr lang="en-US" altLang="zh-CN" sz="2000" dirty="0" err="1" smtClean="0">
-                <a:latin typeface="Times New Roman" panose="02020603050405020304" pitchFamily="18" charset="0"/>
-                <a:ea typeface="楷体" pitchFamily="49" charset="-122"/>
-                <a:cs typeface="Times New Roman" panose="02020603050405020304" pitchFamily="18" charset="0"/>
+              <a:rPr lang="en-US" sz="2400" dirty="0">
+                <a:latin typeface="Times New Roman" pitchFamily="18" charset="0"/>
+                <a:cs typeface="Times New Roman" pitchFamily="18" charset="0"/>
               </a:rPr>
-              <a:t>wo</a:t>
-            </a:r>
-            <a:endParaRPr lang="en-US" altLang="zh-CN" sz="2000" dirty="0">
+              <a:t>we </a:t>
+            </a:r>
+            <a:r>
+              <a:rPr lang="en-US" sz="2400" b="1" dirty="0">
+                <a:solidFill>
+                  <a:srgbClr val="FF0000"/>
+                </a:solidFill>
+                <a:latin typeface="Times New Roman" pitchFamily="18" charset="0"/>
+                <a:cs typeface="Times New Roman" pitchFamily="18" charset="0"/>
+              </a:rPr>
+              <a:t>propose an optimization</a:t>
+            </a:r>
+            <a:r>
+              <a:rPr lang="en-US" sz="2400" dirty="0">
+                <a:latin typeface="Times New Roman" pitchFamily="18" charset="0"/>
+                <a:cs typeface="Times New Roman" pitchFamily="18" charset="0"/>
+              </a:rPr>
+              <a:t> </a:t>
+            </a:r>
+            <a:r>
+              <a:rPr lang="en-US" sz="2400" dirty="0" smtClean="0">
+                <a:latin typeface="Times New Roman" pitchFamily="18" charset="0"/>
+                <a:cs typeface="Times New Roman" pitchFamily="18" charset="0"/>
+              </a:rPr>
+              <a:t>that </a:t>
+            </a:r>
+            <a:r>
+              <a:rPr lang="en-US" sz="2400" dirty="0">
+                <a:latin typeface="Times New Roman" pitchFamily="18" charset="0"/>
+                <a:cs typeface="Times New Roman" pitchFamily="18" charset="0"/>
+              </a:rPr>
+              <a:t>corrects the viewing graph and enforces global </a:t>
+            </a:r>
+            <a:r>
+              <a:rPr lang="en-US" sz="2400" dirty="0" smtClean="0">
+                <a:latin typeface="Times New Roman" pitchFamily="18" charset="0"/>
+                <a:cs typeface="Times New Roman" pitchFamily="18" charset="0"/>
+              </a:rPr>
+              <a:t>consistency via </a:t>
+            </a:r>
+            <a:r>
+              <a:rPr lang="en-US" sz="2400" dirty="0">
+                <a:latin typeface="Times New Roman" pitchFamily="18" charset="0"/>
+                <a:cs typeface="Times New Roman" pitchFamily="18" charset="0"/>
+              </a:rPr>
+              <a:t>loop constraints before applying </a:t>
+            </a:r>
+            <a:r>
+              <a:rPr lang="en-US" sz="2400" dirty="0" err="1" smtClean="0">
+                <a:latin typeface="Times New Roman" pitchFamily="18" charset="0"/>
+                <a:cs typeface="Times New Roman" pitchFamily="18" charset="0"/>
+              </a:rPr>
+              <a:t>S</a:t>
+            </a:r>
+            <a:r>
+              <a:rPr lang="en-US" altLang="zh-CN" sz="2400" dirty="0" err="1" smtClean="0">
+                <a:latin typeface="Times New Roman" pitchFamily="18" charset="0"/>
+                <a:cs typeface="Times New Roman" pitchFamily="18" charset="0"/>
+              </a:rPr>
+              <a:t>fM</a:t>
+            </a:r>
+            <a:r>
+              <a:rPr lang="en-US" altLang="zh-CN" sz="2400" dirty="0" smtClean="0">
+                <a:latin typeface="Times New Roman" pitchFamily="18" charset="0"/>
+                <a:cs typeface="Times New Roman" pitchFamily="18" charset="0"/>
+              </a:rPr>
+              <a:t>;</a:t>
+            </a:r>
+          </a:p>
+          <a:p>
+            <a:pPr marL="342900" indent="-342900">
+              <a:lnSpc>
+                <a:spcPct val="200000"/>
+              </a:lnSpc>
+              <a:buFont typeface="Wingdings" pitchFamily="2" charset="2"/>
+              <a:buChar char="Ø"/>
+            </a:pPr>
+            <a:r>
+              <a:rPr lang="en-US" sz="2400" dirty="0">
+                <a:latin typeface="Times New Roman" pitchFamily="18" charset="0"/>
+                <a:cs typeface="Times New Roman" pitchFamily="18" charset="0"/>
+              </a:rPr>
+              <a:t>we provide </a:t>
+            </a:r>
+            <a:r>
+              <a:rPr lang="en-US" sz="2400" b="1" dirty="0">
+                <a:solidFill>
+                  <a:srgbClr val="FF0000"/>
+                </a:solidFill>
+                <a:latin typeface="Times New Roman" pitchFamily="18" charset="0"/>
+                <a:cs typeface="Times New Roman" pitchFamily="18" charset="0"/>
+              </a:rPr>
+              <a:t>a new method for calibrating cameras </a:t>
+            </a:r>
+            <a:r>
+              <a:rPr lang="en-US" sz="2400" dirty="0">
+                <a:latin typeface="Times New Roman" pitchFamily="18" charset="0"/>
+                <a:cs typeface="Times New Roman" pitchFamily="18" charset="0"/>
+              </a:rPr>
+              <a:t>from a set of </a:t>
+            </a:r>
+            <a:r>
+              <a:rPr lang="en-US" sz="2400" dirty="0" smtClean="0">
+                <a:latin typeface="Times New Roman" pitchFamily="18" charset="0"/>
+                <a:cs typeface="Times New Roman" pitchFamily="18" charset="0"/>
+              </a:rPr>
+              <a:t>fundamental matrices</a:t>
+            </a:r>
+            <a:r>
+              <a:rPr lang="en-US" sz="2400" dirty="0">
+                <a:latin typeface="Times New Roman" pitchFamily="18" charset="0"/>
+                <a:cs typeface="Times New Roman" pitchFamily="18" charset="0"/>
+              </a:rPr>
+              <a:t>;</a:t>
+            </a:r>
+            <a:endParaRPr lang="en-US" sz="2400" dirty="0" smtClean="0">
+              <a:latin typeface="Times New Roman" pitchFamily="18" charset="0"/>
+              <a:cs typeface="Times New Roman" pitchFamily="18" charset="0"/>
+            </a:endParaRPr>
+          </a:p>
+          <a:p>
+            <a:pPr marL="342900" indent="-342900">
+              <a:lnSpc>
+                <a:spcPct val="200000"/>
+              </a:lnSpc>
+              <a:buFont typeface="Wingdings" pitchFamily="2" charset="2"/>
+              <a:buChar char="Ø"/>
+            </a:pPr>
+            <a:r>
+              <a:rPr lang="en-US" sz="2400" dirty="0">
+                <a:latin typeface="Times New Roman" pitchFamily="18" charset="0"/>
+                <a:cs typeface="Times New Roman" pitchFamily="18" charset="0"/>
+              </a:rPr>
+              <a:t>We incorporated the </a:t>
+            </a:r>
+            <a:r>
+              <a:rPr lang="en-US" sz="2400" b="1" dirty="0">
+                <a:solidFill>
+                  <a:srgbClr val="FF0000"/>
+                </a:solidFill>
+                <a:latin typeface="Times New Roman" pitchFamily="18" charset="0"/>
+                <a:cs typeface="Times New Roman" pitchFamily="18" charset="0"/>
+              </a:rPr>
+              <a:t>viewing graph optimization </a:t>
+            </a:r>
+            <a:r>
+              <a:rPr lang="en-US" sz="2400" dirty="0">
+                <a:latin typeface="Times New Roman" pitchFamily="18" charset="0"/>
+                <a:cs typeface="Times New Roman" pitchFamily="18" charset="0"/>
+              </a:rPr>
+              <a:t>and </a:t>
+            </a:r>
+            <a:r>
+              <a:rPr lang="en-US" sz="2400" b="1" dirty="0">
+                <a:solidFill>
+                  <a:srgbClr val="FF0000"/>
+                </a:solidFill>
+                <a:latin typeface="Times New Roman" pitchFamily="18" charset="0"/>
+                <a:cs typeface="Times New Roman" pitchFamily="18" charset="0"/>
+              </a:rPr>
+              <a:t>focal length calibration</a:t>
+            </a:r>
+            <a:r>
+              <a:rPr lang="en-US" sz="2400" dirty="0">
+                <a:latin typeface="Times New Roman" pitchFamily="18" charset="0"/>
+                <a:cs typeface="Times New Roman" pitchFamily="18" charset="0"/>
+              </a:rPr>
+              <a:t> into a global </a:t>
+            </a:r>
+            <a:r>
+              <a:rPr lang="en-US" sz="2400" dirty="0" err="1">
+                <a:latin typeface="Times New Roman" pitchFamily="18" charset="0"/>
+                <a:cs typeface="Times New Roman" pitchFamily="18" charset="0"/>
+              </a:rPr>
+              <a:t>SfM</a:t>
+            </a:r>
+            <a:r>
+              <a:rPr lang="en-US" sz="2400" dirty="0">
+                <a:latin typeface="Times New Roman" pitchFamily="18" charset="0"/>
+                <a:cs typeface="Times New Roman" pitchFamily="18" charset="0"/>
+              </a:rPr>
+              <a:t> </a:t>
+            </a:r>
+            <a:r>
+              <a:rPr lang="en-US" sz="2400" dirty="0" smtClean="0">
+                <a:latin typeface="Times New Roman" pitchFamily="18" charset="0"/>
+                <a:cs typeface="Times New Roman" pitchFamily="18" charset="0"/>
+              </a:rPr>
+              <a:t>pipeline</a:t>
+            </a:r>
+            <a:r>
+              <a:rPr lang="en-US" sz="2400" dirty="0">
+                <a:latin typeface="Times New Roman" pitchFamily="18" charset="0"/>
+                <a:cs typeface="Times New Roman" pitchFamily="18" charset="0"/>
+              </a:rPr>
+              <a:t>.</a:t>
+            </a:r>
+            <a:endParaRPr lang="en-US" altLang="zh-CN" sz="2400" dirty="0">
               <a:latin typeface="Times New Roman" panose="02020603050405020304" pitchFamily="18" charset="0"/>
               <a:ea typeface="楷体" pitchFamily="49" charset="-122"/>
               <a:cs typeface="Times New Roman" panose="02020603050405020304" pitchFamily="18" charset="0"/>
@@ -17989,7 +17036,7 @@
 </p:sld>
 </file>
 
-<file path=ppt/slides/slide23.xml><?xml version="1.0" encoding="utf-8"?>
+<file path=ppt/slides/slide19.xml><?xml version="1.0" encoding="utf-8"?>
 <p:sld xmlns:a="http://schemas.openxmlformats.org/drawingml/2006/main" xmlns:r="http://schemas.openxmlformats.org/officeDocument/2006/relationships" xmlns:p="http://schemas.openxmlformats.org/presentationml/2006/main">
   <p:cSld>
     <p:spTree>
@@ -18076,14 +17123,7 @@
                 <a:latin typeface="Times New Roman" pitchFamily="18" charset="0"/>
                 <a:cs typeface="Times New Roman" pitchFamily="18" charset="0"/>
               </a:rPr>
-              <a:t>Q3: What is the norm of transfer line</a:t>
-            </a:r>
-            <a:r>
-              <a:rPr lang="en-US" altLang="zh-CN" dirty="0" smtClean="0">
-                <a:latin typeface="Times New Roman" pitchFamily="18" charset="0"/>
-                <a:cs typeface="Times New Roman" pitchFamily="18" charset="0"/>
-              </a:rPr>
-              <a:t>?</a:t>
+              <a:t>Q3: What is the norm of transfer line?</a:t>
             </a:r>
           </a:p>
           <a:p>
@@ -18109,7 +17149,242 @@
 </p:sld>
 </file>
 
-<file path=ppt/slides/slide24.xml><?xml version="1.0" encoding="utf-8"?>
+<file path=ppt/slides/slide2.xml><?xml version="1.0" encoding="utf-8"?>
+<p:sld xmlns:a="http://schemas.openxmlformats.org/drawingml/2006/main" xmlns:r="http://schemas.openxmlformats.org/officeDocument/2006/relationships" xmlns:p="http://schemas.openxmlformats.org/presentationml/2006/main">
+  <p:cSld>
+    <p:spTree>
+      <p:nvGrpSpPr>
+        <p:cNvPr id="1" name=""/>
+        <p:cNvGrpSpPr/>
+        <p:nvPr/>
+      </p:nvGrpSpPr>
+      <p:grpSpPr>
+        <a:xfrm>
+          <a:off x="0" y="0"/>
+          <a:ext cx="0" cy="0"/>
+          <a:chOff x="0" y="0"/>
+          <a:chExt cx="0" cy="0"/>
+        </a:xfrm>
+      </p:grpSpPr>
+      <p:cxnSp>
+        <p:nvCxnSpPr>
+          <p:cNvPr id="12" name="直接连接符 11"/>
+          <p:cNvCxnSpPr/>
+          <p:nvPr/>
+        </p:nvCxnSpPr>
+        <p:spPr>
+          <a:xfrm>
+            <a:off x="785786" y="857232"/>
+            <a:ext cx="7786742" cy="1588"/>
+          </a:xfrm>
+          <a:prstGeom prst="line">
+            <a:avLst/>
+          </a:prstGeom>
+          <a:ln>
+            <a:solidFill>
+              <a:schemeClr val="accent2">
+                <a:lumMod val="75000"/>
+              </a:schemeClr>
+            </a:solidFill>
+          </a:ln>
+        </p:spPr>
+        <p:style>
+          <a:lnRef idx="1">
+            <a:schemeClr val="accent1"/>
+          </a:lnRef>
+          <a:fillRef idx="0">
+            <a:schemeClr val="accent1"/>
+          </a:fillRef>
+          <a:effectRef idx="0">
+            <a:schemeClr val="accent1"/>
+          </a:effectRef>
+          <a:fontRef idx="minor">
+            <a:schemeClr val="tx1"/>
+          </a:fontRef>
+        </p:style>
+      </p:cxnSp>
+      <p:sp>
+        <p:nvSpPr>
+          <p:cNvPr id="13" name="标题 3"/>
+          <p:cNvSpPr txBox="1">
+            <a:spLocks/>
+          </p:cNvSpPr>
+          <p:nvPr/>
+        </p:nvSpPr>
+        <p:spPr bwMode="auto">
+          <a:xfrm>
+            <a:off x="362269" y="132025"/>
+            <a:ext cx="7243783" cy="609600"/>
+          </a:xfrm>
+          <a:prstGeom prst="rect">
+            <a:avLst/>
+          </a:prstGeom>
+          <a:noFill/>
+          <a:ln w="9525">
+            <a:noFill/>
+            <a:miter lim="800000"/>
+            <a:headEnd/>
+            <a:tailEnd/>
+          </a:ln>
+        </p:spPr>
+        <p:txBody>
+          <a:bodyPr anchor="ctr"/>
+          <a:lstStyle/>
+          <a:p>
+            <a:pPr>
+              <a:defRPr/>
+            </a:pPr>
+            <a:r>
+              <a:rPr lang="en-US" altLang="zh-CN" sz="2800" b="1" i="1" dirty="0">
+                <a:latin typeface="Calibri" pitchFamily="34" charset="0"/>
+                <a:cs typeface="Calibri" pitchFamily="34" charset="0"/>
+              </a:rPr>
+              <a:t>1.  Introduction</a:t>
+            </a:r>
+            <a:endParaRPr lang="zh-CN" altLang="en-US" sz="3200" b="1" kern="0" dirty="0">
+              <a:effectLst/>
+              <a:latin typeface="Calibri" pitchFamily="34" charset="0"/>
+              <a:ea typeface="楷体" pitchFamily="49" charset="-122"/>
+              <a:cs typeface="Calibri" pitchFamily="34" charset="0"/>
+            </a:endParaRPr>
+          </a:p>
+        </p:txBody>
+      </p:sp>
+      <p:pic>
+        <p:nvPicPr>
+          <p:cNvPr id="2" name="Picture 2"/>
+          <p:cNvPicPr>
+            <a:picLocks noChangeAspect="1" noChangeArrowheads="1"/>
+          </p:cNvPicPr>
+          <p:nvPr/>
+        </p:nvPicPr>
+        <p:blipFill>
+          <a:blip r:embed="rId2">
+            <a:extLst>
+              <a:ext uri="{28A0092B-C50C-407E-A947-70E740481C1C}">
+                <a14:useLocalDpi xmlns:a14="http://schemas.microsoft.com/office/drawing/2010/main" val="0"/>
+              </a:ext>
+            </a:extLst>
+          </a:blip>
+          <a:srcRect/>
+          <a:stretch>
+            <a:fillRect/>
+          </a:stretch>
+        </p:blipFill>
+        <p:spPr bwMode="auto">
+          <a:xfrm>
+            <a:off x="2627784" y="908720"/>
+            <a:ext cx="3795713" cy="3690937"/>
+          </a:xfrm>
+          <a:prstGeom prst="rect">
+            <a:avLst/>
+          </a:prstGeom>
+          <a:noFill/>
+          <a:ln>
+            <a:noFill/>
+          </a:ln>
+          <a:effectLst/>
+          <a:extLst>
+            <a:ext uri="{909E8E84-426E-40DD-AFC4-6F175D3DCCD1}">
+              <a14:hiddenFill xmlns:a14="http://schemas.microsoft.com/office/drawing/2010/main">
+                <a:solidFill>
+                  <a:schemeClr val="accent1"/>
+                </a:solidFill>
+              </a14:hiddenFill>
+            </a:ext>
+            <a:ext uri="{91240B29-F687-4F45-9708-019B960494DF}">
+              <a14:hiddenLine xmlns:a14="http://schemas.microsoft.com/office/drawing/2010/main" w="9525">
+                <a:solidFill>
+                  <a:schemeClr val="tx1"/>
+                </a:solidFill>
+                <a:miter lim="800000"/>
+                <a:headEnd/>
+                <a:tailEnd/>
+              </a14:hiddenLine>
+            </a:ext>
+            <a:ext uri="{AF507438-7753-43E0-B8FC-AC1667EBCBE1}">
+              <a14:hiddenEffects xmlns:a14="http://schemas.microsoft.com/office/drawing/2010/main">
+                <a:effectLst>
+                  <a:outerShdw dist="35921" dir="2700000" algn="ctr" rotWithShape="0">
+                    <a:schemeClr val="bg2"/>
+                  </a:outerShdw>
+                </a:effectLst>
+              </a14:hiddenEffects>
+            </a:ext>
+          </a:extLst>
+        </p:spPr>
+      </p:pic>
+      <p:sp>
+        <p:nvSpPr>
+          <p:cNvPr id="3" name="TextBox 2"/>
+          <p:cNvSpPr txBox="1"/>
+          <p:nvPr/>
+        </p:nvSpPr>
+        <p:spPr>
+          <a:xfrm>
+            <a:off x="683568" y="4653136"/>
+            <a:ext cx="8178702" cy="1200329"/>
+          </a:xfrm>
+          <a:prstGeom prst="rect">
+            <a:avLst/>
+          </a:prstGeom>
+          <a:noFill/>
+        </p:spPr>
+        <p:txBody>
+          <a:bodyPr wrap="square" rtlCol="0">
+            <a:spAutoFit/>
+          </a:bodyPr>
+          <a:lstStyle/>
+          <a:p>
+            <a:r>
+              <a:rPr lang="en-US" altLang="zh-CN" sz="2400" dirty="0" smtClean="0">
+                <a:latin typeface="Times New Roman" pitchFamily="18" charset="0"/>
+                <a:cs typeface="Times New Roman" pitchFamily="18" charset="0"/>
+              </a:rPr>
+              <a:t>A novel optimization that improves the quality of the relative geometries by enforcing loop consistency constraints with the </a:t>
+            </a:r>
+            <a:r>
+              <a:rPr lang="en-US" altLang="zh-CN" sz="2400" dirty="0" err="1" smtClean="0">
+                <a:latin typeface="Times New Roman" pitchFamily="18" charset="0"/>
+                <a:cs typeface="Times New Roman" pitchFamily="18" charset="0"/>
+              </a:rPr>
+              <a:t>epipolar</a:t>
+            </a:r>
+            <a:r>
+              <a:rPr lang="en-US" altLang="zh-CN" sz="2400" dirty="0" smtClean="0">
+                <a:latin typeface="Times New Roman" pitchFamily="18" charset="0"/>
+                <a:cs typeface="Times New Roman" pitchFamily="18" charset="0"/>
+              </a:rPr>
+              <a:t> point transfer.</a:t>
+            </a:r>
+            <a:endParaRPr lang="en-US" sz="2400" dirty="0">
+              <a:latin typeface="Times New Roman" pitchFamily="18" charset="0"/>
+              <a:cs typeface="Times New Roman" pitchFamily="18" charset="0"/>
+            </a:endParaRPr>
+          </a:p>
+        </p:txBody>
+      </p:sp>
+    </p:spTree>
+    <p:extLst>
+      <p:ext uri="{BB962C8B-B14F-4D97-AF65-F5344CB8AC3E}">
+        <p14:creationId xmlns:p14="http://schemas.microsoft.com/office/powerpoint/2010/main" val="1309278673"/>
+      </p:ext>
+    </p:extLst>
+  </p:cSld>
+  <p:clrMapOvr>
+    <a:masterClrMapping/>
+  </p:clrMapOvr>
+  <p:timing>
+    <p:tnLst>
+      <p:par>
+        <p:cTn id="1" dur="indefinite" restart="never" nodeType="tmRoot"/>
+      </p:par>
+    </p:tnLst>
+  </p:timing>
+</p:sld>
+</file>
+
+<file path=ppt/slides/slide20.xml><?xml version="1.0" encoding="utf-8"?>
 <p:sld xmlns:a="http://schemas.openxmlformats.org/drawingml/2006/main" xmlns:r="http://schemas.openxmlformats.org/officeDocument/2006/relationships" xmlns:p="http://schemas.openxmlformats.org/presentationml/2006/main">
   <p:cSld>
     <p:spTree>
@@ -18391,8 +17666,8 @@
           </a:p>
         </p:txBody>
       </p:sp>
-      <mc:AlternateContent xmlns:mc="http://schemas.openxmlformats.org/markup-compatibility/2006">
-        <mc:Choice xmlns:a14="http://schemas.microsoft.com/office/drawing/2010/main" Requires="a14">
+      <mc:AlternateContent xmlns:mc="http://schemas.openxmlformats.org/markup-compatibility/2006" xmlns:a14="http://schemas.microsoft.com/office/drawing/2010/main">
+        <mc:Choice Requires="a14">
           <p:sp>
             <p:nvSpPr>
               <p:cNvPr id="4" name="TextBox 3"/>
@@ -18637,7 +17912,7 @@
             </p:txBody>
           </p:sp>
         </mc:Choice>
-        <mc:Fallback>
+        <mc:Fallback xmlns="">
           <p:sp>
             <p:nvSpPr>
               <p:cNvPr id="4" name="TextBox 3"/>
@@ -18681,8 +17956,8 @@
           </p:sp>
         </mc:Fallback>
       </mc:AlternateContent>
-      <mc:AlternateContent xmlns:mc="http://schemas.openxmlformats.org/markup-compatibility/2006">
-        <mc:Choice xmlns:a14="http://schemas.microsoft.com/office/drawing/2010/main" Requires="a14">
+      <mc:AlternateContent xmlns:mc="http://schemas.openxmlformats.org/markup-compatibility/2006" xmlns:a14="http://schemas.microsoft.com/office/drawing/2010/main">
+        <mc:Choice Requires="a14">
           <p:sp>
             <p:nvSpPr>
               <p:cNvPr id="7" name="TextBox 6"/>
@@ -19005,7 +18280,7 @@
             </p:txBody>
           </p:sp>
         </mc:Choice>
-        <mc:Fallback>
+        <mc:Fallback xmlns="">
           <p:sp>
             <p:nvSpPr>
               <p:cNvPr id="7" name="TextBox 6"/>
@@ -19175,7 +18450,7 @@
           <p:cNvPr id="7" name="TextBox 16">
             <a:extLst>
               <a:ext uri="{FF2B5EF4-FFF2-40B4-BE49-F238E27FC236}">
-                <a16:creationId xmlns:a16="http://schemas.microsoft.com/office/drawing/2014/main" xmlns="" id="{0ECBC174-8EE7-4D48-B168-91CFF26277BE}"/>
+                <a16:creationId xmlns="" xmlns:a16="http://schemas.microsoft.com/office/drawing/2014/main" id="{0ECBC174-8EE7-4D48-B168-91CFF26277BE}"/>
               </a:ext>
             </a:extLst>
           </p:cNvPr>
@@ -19494,14 +18769,7 @@
                 <a:latin typeface="Calibri" pitchFamily="34" charset="0"/>
                 <a:cs typeface="Calibri" pitchFamily="34" charset="0"/>
               </a:rPr>
-              <a:t>. </a:t>
-            </a:r>
-            <a:r>
-              <a:rPr lang="en-US" altLang="zh-CN" sz="2800" b="1" i="1" dirty="0" smtClean="0">
-                <a:latin typeface="Calibri" pitchFamily="34" charset="0"/>
-                <a:cs typeface="Calibri" pitchFamily="34" charset="0"/>
-              </a:rPr>
-              <a:t>Definition</a:t>
+              <a:t>. Definition</a:t>
             </a:r>
             <a:endParaRPr lang="zh-CN" altLang="en-US" sz="3200" b="1" kern="0" dirty="0">
               <a:effectLst/>
@@ -19832,8 +19100,8 @@
         </p:blipFill>
         <p:spPr bwMode="auto">
           <a:xfrm>
-            <a:off x="3203848" y="5011555"/>
-            <a:ext cx="3320908" cy="489970"/>
+            <a:off x="3203848" y="5034063"/>
+            <a:ext cx="3168352" cy="467462"/>
           </a:xfrm>
           <a:prstGeom prst="rect">
             <a:avLst/>
@@ -20183,17 +19451,7 @@
                 <a:latin typeface="Times New Roman" pitchFamily="18" charset="0"/>
                 <a:cs typeface="Times New Roman" pitchFamily="18" charset="0"/>
               </a:rPr>
-              <a:t>Adjust </a:t>
-            </a:r>
-            <a:r>
-              <a:rPr lang="en-US" altLang="zh-CN" sz="2800" b="1" i="1" dirty="0" smtClean="0">
-                <a:solidFill>
-                  <a:schemeClr val="accent2"/>
-                </a:solidFill>
-                <a:latin typeface="Times New Roman" pitchFamily="18" charset="0"/>
-                <a:cs typeface="Times New Roman" pitchFamily="18" charset="0"/>
-              </a:rPr>
-              <a:t>Fundamental Matrices</a:t>
+              <a:t>Adjust Fundamental Matrices</a:t>
             </a:r>
             <a:endParaRPr lang="en-US" sz="2800" dirty="0">
               <a:solidFill>
@@ -20567,8 +19825,8 @@
           </a:p>
         </p:txBody>
       </p:sp>
-      <mc:AlternateContent xmlns:mc="http://schemas.openxmlformats.org/markup-compatibility/2006">
-        <mc:Choice xmlns:a14="http://schemas.microsoft.com/office/drawing/2010/main" Requires="a14">
+      <mc:AlternateContent xmlns:mc="http://schemas.openxmlformats.org/markup-compatibility/2006" xmlns:a14="http://schemas.microsoft.com/office/drawing/2010/main">
+        <mc:Choice Requires="a14">
           <p:sp>
             <p:nvSpPr>
               <p:cNvPr id="3" name="矩形 2"/>
@@ -20631,7 +19889,7 @@
             </p:txBody>
           </p:sp>
         </mc:Choice>
-        <mc:Fallback>
+        <mc:Fallback xmlns="">
           <p:sp>
             <p:nvSpPr>
               <p:cNvPr id="3" name="矩形 2"/>
@@ -20860,18 +20118,11 @@
               <a:defRPr/>
             </a:pPr>
             <a:r>
-              <a:rPr lang="en-US" altLang="zh-CN" sz="2800" b="1" i="1" dirty="0">
-                <a:latin typeface="Calibri" pitchFamily="34" charset="0"/>
-                <a:cs typeface="Calibri" pitchFamily="34" charset="0"/>
-              </a:rPr>
-              <a:t>3</a:t>
-            </a:r>
-            <a:r>
               <a:rPr lang="en-US" altLang="zh-CN" sz="2800" b="1" i="1" dirty="0" smtClean="0">
                 <a:latin typeface="Calibri" pitchFamily="34" charset="0"/>
                 <a:cs typeface="Calibri" pitchFamily="34" charset="0"/>
               </a:rPr>
-              <a:t>. Create a Consistent  Viewing Graph</a:t>
+              <a:t>4.1 Viewing Graph Optimization</a:t>
             </a:r>
             <a:endParaRPr lang="zh-CN" altLang="en-US" sz="3200" b="1" kern="0" dirty="0">
               <a:effectLst/>
@@ -20884,14 +20135,108 @@
       </p:sp>
       <p:sp>
         <p:nvSpPr>
+          <p:cNvPr id="2" name="TextBox 1"/>
+          <p:cNvSpPr txBox="1"/>
+          <p:nvPr/>
+        </p:nvSpPr>
+        <p:spPr>
+          <a:xfrm>
+            <a:off x="565544" y="980728"/>
+            <a:ext cx="7746654" cy="1938992"/>
+          </a:xfrm>
+          <a:prstGeom prst="rect">
+            <a:avLst/>
+          </a:prstGeom>
+          <a:noFill/>
+        </p:spPr>
+        <p:txBody>
+          <a:bodyPr wrap="square" rtlCol="0">
+            <a:spAutoFit/>
+          </a:bodyPr>
+          <a:lstStyle/>
+          <a:p>
+            <a:r>
+              <a:rPr lang="en-US" altLang="zh-CN" sz="2000" b="1" dirty="0" smtClean="0">
+                <a:latin typeface="Times New Roman" pitchFamily="18" charset="0"/>
+                <a:cs typeface="Times New Roman" pitchFamily="18" charset="0"/>
+              </a:rPr>
+              <a:t>Target </a:t>
+            </a:r>
+          </a:p>
+          <a:p>
+            <a:pPr lvl="1"/>
+            <a:r>
+              <a:rPr lang="en-US" altLang="zh-CN" sz="2000" dirty="0" smtClean="0">
+                <a:latin typeface="Times New Roman" pitchFamily="18" charset="0"/>
+                <a:cs typeface="Times New Roman" pitchFamily="18" charset="0"/>
+              </a:rPr>
+              <a:t>Find </a:t>
+            </a:r>
+            <a:r>
+              <a:rPr lang="en-US" altLang="zh-CN" sz="2000" dirty="0">
+                <a:latin typeface="Times New Roman" pitchFamily="18" charset="0"/>
+                <a:cs typeface="Times New Roman" pitchFamily="18" charset="0"/>
+              </a:rPr>
+              <a:t>a minimal set of edges </a:t>
+            </a:r>
+            <a:r>
+              <a:rPr lang="en-US" altLang="zh-CN" sz="2000" dirty="0" smtClean="0">
+                <a:latin typeface="Times New Roman" pitchFamily="18" charset="0"/>
+                <a:cs typeface="Times New Roman" pitchFamily="18" charset="0"/>
+              </a:rPr>
+              <a:t>that provide </a:t>
+            </a:r>
+            <a:r>
+              <a:rPr lang="en-US" altLang="zh-CN" sz="2000" dirty="0">
+                <a:latin typeface="Times New Roman" pitchFamily="18" charset="0"/>
+                <a:cs typeface="Times New Roman" pitchFamily="18" charset="0"/>
+              </a:rPr>
+              <a:t>sufficient coverage over all views in the </a:t>
+            </a:r>
+            <a:r>
+              <a:rPr lang="en-US" altLang="zh-CN" sz="2000" dirty="0" smtClean="0">
+                <a:latin typeface="Times New Roman" pitchFamily="18" charset="0"/>
+                <a:cs typeface="Times New Roman" pitchFamily="18" charset="0"/>
+              </a:rPr>
+              <a:t>viewing graph.</a:t>
+            </a:r>
+            <a:endParaRPr lang="en-US" altLang="zh-CN" sz="2000" dirty="0">
+              <a:latin typeface="Times New Roman" pitchFamily="18" charset="0"/>
+              <a:cs typeface="Times New Roman" pitchFamily="18" charset="0"/>
+            </a:endParaRPr>
+          </a:p>
+          <a:p>
+            <a:pPr lvl="1"/>
+            <a:endParaRPr lang="en-US" altLang="zh-CN" sz="2000" dirty="0" smtClean="0">
+              <a:latin typeface="Times New Roman" pitchFamily="18" charset="0"/>
+              <a:cs typeface="Times New Roman" pitchFamily="18" charset="0"/>
+            </a:endParaRPr>
+          </a:p>
+          <a:p>
+            <a:pPr lvl="1"/>
+            <a:endParaRPr lang="en-US" altLang="zh-CN" sz="2000" dirty="0">
+              <a:latin typeface="Times New Roman" pitchFamily="18" charset="0"/>
+              <a:cs typeface="Times New Roman" pitchFamily="18" charset="0"/>
+            </a:endParaRPr>
+          </a:p>
+          <a:p>
+            <a:endParaRPr lang="en-US" altLang="zh-CN" sz="2000" dirty="0" smtClean="0">
+              <a:latin typeface="Times New Roman" pitchFamily="18" charset="0"/>
+              <a:cs typeface="Times New Roman" pitchFamily="18" charset="0"/>
+            </a:endParaRPr>
+          </a:p>
+        </p:txBody>
+      </p:sp>
+      <p:sp>
+        <p:nvSpPr>
           <p:cNvPr id="6" name="矩形 5"/>
           <p:cNvSpPr/>
           <p:nvPr/>
         </p:nvSpPr>
         <p:spPr>
           <a:xfrm>
-            <a:off x="526433" y="791043"/>
-            <a:ext cx="3704860" cy="523220"/>
+            <a:off x="2962159" y="2496650"/>
+            <a:ext cx="3584636" cy="523220"/>
           </a:xfrm>
           <a:prstGeom prst="rect">
             <a:avLst/>
@@ -20911,7 +20256,7 @@
                 <a:latin typeface="Times New Roman" pitchFamily="18" charset="0"/>
                 <a:cs typeface="Times New Roman" pitchFamily="18" charset="0"/>
               </a:rPr>
-              <a:t>Nonlinear Optimization</a:t>
+              <a:t>Optimization Structure</a:t>
             </a:r>
             <a:endParaRPr lang="en-US" sz="2800" dirty="0">
               <a:solidFill>
@@ -20925,7 +20270,7 @@
       </p:sp>
       <p:pic>
         <p:nvPicPr>
-          <p:cNvPr id="11266" name="Picture 2"/>
+          <p:cNvPr id="7" name="Picture 3" descr="D:\mondy-report\monday-speech\OptimizationStructure.png"/>
           <p:cNvPicPr>
             <a:picLocks noChangeAspect="1" noChangeArrowheads="1"/>
           </p:cNvPicPr>
@@ -20946,43 +20291,20 @@
         </p:blipFill>
         <p:spPr bwMode="auto">
           <a:xfrm>
-            <a:off x="647700" y="1988840"/>
-            <a:ext cx="7848600" cy="1009650"/>
+            <a:off x="-30164" y="3068960"/>
+            <a:ext cx="8990013" cy="2679700"/>
           </a:xfrm>
           <a:prstGeom prst="rect">
             <a:avLst/>
           </a:prstGeom>
           <a:noFill/>
-          <a:ln>
-            <a:noFill/>
-          </a:ln>
-          <a:effectLst/>
           <a:extLst>
             <a:ext uri="{909E8E84-426E-40DD-AFC4-6F175D3DCCD1}">
               <a14:hiddenFill xmlns:a14="http://schemas.microsoft.com/office/drawing/2010/main">
                 <a:solidFill>
-                  <a:schemeClr val="accent1"/>
+                  <a:srgbClr val="FFFFFF"/>
                 </a:solidFill>
               </a14:hiddenFill>
-            </a:ext>
-            <a:ext uri="{91240B29-F687-4F45-9708-019B960494DF}">
-              <a14:hiddenLine xmlns:a14="http://schemas.microsoft.com/office/drawing/2010/main" w="9525">
-                <a:solidFill>
-                  <a:schemeClr val="tx1"/>
-                </a:solidFill>
-                <a:miter lim="800000"/>
-                <a:headEnd/>
-                <a:tailEnd/>
-              </a14:hiddenLine>
-            </a:ext>
-            <a:ext uri="{AF507438-7753-43E0-B8FC-AC1667EBCBE1}">
-              <a14:hiddenEffects xmlns:a14="http://schemas.microsoft.com/office/drawing/2010/main">
-                <a:effectLst>
-                  <a:outerShdw dist="35921" dir="2700000" algn="ctr" rotWithShape="0">
-                    <a:schemeClr val="bg2"/>
-                  </a:outerShdw>
-                </a:effectLst>
-              </a14:hiddenEffects>
             </a:ext>
           </a:extLst>
         </p:spPr>
@@ -20990,7 +20312,7 @@
     </p:spTree>
     <p:extLst>
       <p:ext uri="{BB962C8B-B14F-4D97-AF65-F5344CB8AC3E}">
-        <p14:creationId xmlns:p14="http://schemas.microsoft.com/office/powerpoint/2010/main" val="1452300686"/>
+        <p14:creationId xmlns:p14="http://schemas.microsoft.com/office/powerpoint/2010/main" val="1435217000"/>
       </p:ext>
     </p:extLst>
   </p:cSld>
@@ -21063,247 +20385,7 @@
       </p:cxnSp>
       <p:sp>
         <p:nvSpPr>
-          <p:cNvPr id="2" name="TextBox 1"/>
-          <p:cNvSpPr txBox="1"/>
-          <p:nvPr/>
-        </p:nvSpPr>
-        <p:spPr>
-          <a:xfrm>
-            <a:off x="571472" y="1412776"/>
-            <a:ext cx="7746654" cy="3785652"/>
-          </a:xfrm>
-          <a:prstGeom prst="rect">
-            <a:avLst/>
-          </a:prstGeom>
-          <a:noFill/>
-        </p:spPr>
-        <p:txBody>
-          <a:bodyPr wrap="square" rtlCol="0">
-            <a:spAutoFit/>
-          </a:bodyPr>
-          <a:lstStyle/>
-          <a:p>
-            <a:r>
-              <a:rPr lang="en-US" altLang="zh-CN" sz="2000" b="1" dirty="0" smtClean="0">
-                <a:latin typeface="Times New Roman" pitchFamily="18" charset="0"/>
-                <a:cs typeface="Times New Roman" pitchFamily="18" charset="0"/>
-              </a:rPr>
-              <a:t>Condition 1</a:t>
-            </a:r>
-          </a:p>
-          <a:p>
-            <a:pPr lvl="1"/>
-            <a:r>
-              <a:rPr lang="en-US" altLang="zh-CN" sz="2000" dirty="0" smtClean="0">
-                <a:latin typeface="Times New Roman" pitchFamily="18" charset="0"/>
-                <a:cs typeface="Times New Roman" pitchFamily="18" charset="0"/>
-              </a:rPr>
-              <a:t>The transfer point lies on the trifocal plane of the image </a:t>
-            </a:r>
-            <a:r>
-              <a:rPr lang="en-US" altLang="zh-CN" sz="2000" i="1" dirty="0" err="1" smtClean="0">
-                <a:latin typeface="Times New Roman" pitchFamily="18" charset="0"/>
-                <a:cs typeface="Times New Roman" pitchFamily="18" charset="0"/>
-              </a:rPr>
-              <a:t>i</a:t>
-            </a:r>
-            <a:r>
-              <a:rPr lang="en-US" altLang="zh-CN" sz="2000" dirty="0" smtClean="0">
-                <a:latin typeface="Times New Roman" pitchFamily="18" charset="0"/>
-                <a:cs typeface="Times New Roman" pitchFamily="18" charset="0"/>
-              </a:rPr>
-              <a:t>, </a:t>
-            </a:r>
-            <a:r>
-              <a:rPr lang="en-US" altLang="zh-CN" sz="2000" i="1" dirty="0" smtClean="0">
-                <a:latin typeface="Times New Roman" pitchFamily="18" charset="0"/>
-                <a:cs typeface="Times New Roman" pitchFamily="18" charset="0"/>
-              </a:rPr>
-              <a:t>j</a:t>
-            </a:r>
-            <a:r>
-              <a:rPr lang="en-US" altLang="zh-CN" sz="2000" dirty="0" smtClean="0">
-                <a:latin typeface="Times New Roman" pitchFamily="18" charset="0"/>
-                <a:cs typeface="Times New Roman" pitchFamily="18" charset="0"/>
-              </a:rPr>
-              <a:t> and </a:t>
-            </a:r>
-            <a:r>
-              <a:rPr lang="en-US" altLang="zh-CN" sz="2000" i="1" dirty="0" smtClean="0">
-                <a:latin typeface="Times New Roman" pitchFamily="18" charset="0"/>
-                <a:cs typeface="Times New Roman" pitchFamily="18" charset="0"/>
-              </a:rPr>
-              <a:t>k</a:t>
-            </a:r>
-            <a:r>
-              <a:rPr lang="en-US" altLang="zh-CN" sz="2000" dirty="0" smtClean="0">
-                <a:latin typeface="Times New Roman" pitchFamily="18" charset="0"/>
-                <a:cs typeface="Times New Roman" pitchFamily="18" charset="0"/>
-              </a:rPr>
-              <a:t>.</a:t>
-            </a:r>
-          </a:p>
-          <a:p>
-            <a:r>
-              <a:rPr lang="en-US" altLang="zh-CN" sz="2000" b="1" dirty="0" smtClean="0">
-                <a:latin typeface="Times New Roman" pitchFamily="18" charset="0"/>
-                <a:cs typeface="Times New Roman" pitchFamily="18" charset="0"/>
-              </a:rPr>
-              <a:t>Solution</a:t>
-            </a:r>
-          </a:p>
-          <a:p>
-            <a:pPr marL="914400" lvl="1" indent="-457200">
-              <a:buFont typeface="+mj-lt"/>
-              <a:buAutoNum type="alphaLcParenR"/>
-            </a:pPr>
-            <a:r>
-              <a:rPr lang="en-US" altLang="zh-CN" sz="2000" dirty="0" smtClean="0">
-                <a:latin typeface="Times New Roman" pitchFamily="18" charset="0"/>
-                <a:cs typeface="Times New Roman" pitchFamily="18" charset="0"/>
-              </a:rPr>
-              <a:t>Do not consider points where the two transfer lines are nearly parallel or the transfer lines lay near the </a:t>
-            </a:r>
-            <a:r>
-              <a:rPr lang="en-US" altLang="zh-CN" sz="2000" dirty="0" err="1" smtClean="0">
-                <a:latin typeface="Times New Roman" pitchFamily="18" charset="0"/>
-                <a:cs typeface="Times New Roman" pitchFamily="18" charset="0"/>
-              </a:rPr>
-              <a:t>epipole</a:t>
-            </a:r>
-            <a:r>
-              <a:rPr lang="en-US" altLang="zh-CN" sz="2000" dirty="0" smtClean="0">
-                <a:latin typeface="Times New Roman" pitchFamily="18" charset="0"/>
-                <a:cs typeface="Times New Roman" pitchFamily="18" charset="0"/>
-              </a:rPr>
-              <a:t>.</a:t>
-            </a:r>
-          </a:p>
-          <a:p>
-            <a:pPr marL="914400" lvl="1" indent="-457200">
-              <a:buFont typeface="+mj-lt"/>
-              <a:buAutoNum type="alphaLcParenR"/>
-            </a:pPr>
-            <a:r>
-              <a:rPr lang="en-US" altLang="zh-CN" sz="2000" dirty="0" smtClean="0">
-                <a:latin typeface="Times New Roman" pitchFamily="18" charset="0"/>
-                <a:cs typeface="Times New Roman" pitchFamily="18" charset="0"/>
-              </a:rPr>
-              <a:t>The latter scenario can be checked by examining the norm of the transfer line.</a:t>
-            </a:r>
-          </a:p>
-          <a:p>
-            <a:endParaRPr lang="en-US" altLang="zh-CN" sz="2000" dirty="0" smtClean="0">
-              <a:latin typeface="Times New Roman" pitchFamily="18" charset="0"/>
-              <a:cs typeface="Times New Roman" pitchFamily="18" charset="0"/>
-            </a:endParaRPr>
-          </a:p>
-          <a:p>
-            <a:r>
-              <a:rPr lang="en-US" altLang="zh-CN" sz="2000" b="1" dirty="0" smtClean="0">
-                <a:latin typeface="Times New Roman" pitchFamily="18" charset="0"/>
-                <a:cs typeface="Times New Roman" pitchFamily="18" charset="0"/>
-              </a:rPr>
-              <a:t>Condition 2</a:t>
-            </a:r>
-          </a:p>
-          <a:p>
-            <a:pPr lvl="1"/>
-            <a:r>
-              <a:rPr lang="en-US" altLang="zh-CN" sz="2000" dirty="0" smtClean="0">
-                <a:latin typeface="Times New Roman" pitchFamily="18" charset="0"/>
-                <a:cs typeface="Times New Roman" pitchFamily="18" charset="0"/>
-              </a:rPr>
-              <a:t>The tree camera centers are collinear.</a:t>
-            </a:r>
-            <a:endParaRPr lang="en-US" altLang="zh-CN" sz="2000" dirty="0">
-              <a:latin typeface="Times New Roman" pitchFamily="18" charset="0"/>
-              <a:cs typeface="Times New Roman" pitchFamily="18" charset="0"/>
-            </a:endParaRPr>
-          </a:p>
-          <a:p>
-            <a:r>
-              <a:rPr lang="en-US" altLang="zh-CN" sz="2000" b="1" dirty="0" smtClean="0">
-                <a:latin typeface="Times New Roman" pitchFamily="18" charset="0"/>
-                <a:cs typeface="Times New Roman" pitchFamily="18" charset="0"/>
-              </a:rPr>
-              <a:t>Solution</a:t>
-            </a:r>
-          </a:p>
-          <a:p>
-            <a:pPr lvl="1"/>
-            <a:r>
-              <a:rPr lang="en-US" altLang="zh-CN" sz="2000" dirty="0" smtClean="0">
-                <a:latin typeface="Times New Roman" pitchFamily="18" charset="0"/>
-                <a:cs typeface="Times New Roman" pitchFamily="18" charset="0"/>
-              </a:rPr>
-              <a:t>Remove collinear triplets where the </a:t>
-            </a:r>
-            <a:r>
-              <a:rPr lang="en-US" altLang="zh-CN" sz="2000" dirty="0" err="1" smtClean="0">
-                <a:latin typeface="Times New Roman" pitchFamily="18" charset="0"/>
-                <a:cs typeface="Times New Roman" pitchFamily="18" charset="0"/>
-              </a:rPr>
-              <a:t>epipoles</a:t>
-            </a:r>
-            <a:r>
-              <a:rPr lang="en-US" altLang="zh-CN" sz="2000" dirty="0" smtClean="0">
-                <a:latin typeface="Times New Roman" pitchFamily="18" charset="0"/>
-                <a:cs typeface="Times New Roman" pitchFamily="18" charset="0"/>
-              </a:rPr>
-              <a:t> are equal.</a:t>
-            </a:r>
-            <a:endParaRPr lang="zh-CN" altLang="en-US" sz="2000" dirty="0">
-              <a:latin typeface="Times New Roman" pitchFamily="18" charset="0"/>
-              <a:cs typeface="Times New Roman" pitchFamily="18" charset="0"/>
-            </a:endParaRPr>
-          </a:p>
-        </p:txBody>
-      </p:sp>
-      <p:sp>
-        <p:nvSpPr>
-          <p:cNvPr id="6" name="矩形 5"/>
-          <p:cNvSpPr/>
-          <p:nvPr/>
-        </p:nvSpPr>
-        <p:spPr>
-          <a:xfrm>
-            <a:off x="526433" y="791043"/>
-            <a:ext cx="3704860" cy="523220"/>
-          </a:xfrm>
-          <a:prstGeom prst="rect">
-            <a:avLst/>
-          </a:prstGeom>
-        </p:spPr>
-        <p:txBody>
-          <a:bodyPr wrap="none">
-            <a:spAutoFit/>
-          </a:bodyPr>
-          <a:lstStyle/>
-          <a:p>
-            <a:r>
-              <a:rPr lang="en-US" altLang="zh-CN" sz="2800" b="1" i="1" dirty="0" smtClean="0">
-                <a:solidFill>
-                  <a:schemeClr val="accent2"/>
-                </a:solidFill>
-                <a:latin typeface="Times New Roman" pitchFamily="18" charset="0"/>
-                <a:cs typeface="Times New Roman" pitchFamily="18" charset="0"/>
-              </a:rPr>
-              <a:t>Nonlinear Optimization</a:t>
-            </a:r>
-            <a:endParaRPr lang="en-US" sz="2800" dirty="0">
-              <a:solidFill>
-                <a:schemeClr val="accent2"/>
-              </a:solidFill>
-              <a:latin typeface="Times New Roman" pitchFamily="18" charset="0"/>
-              <a:cs typeface="Times New Roman" pitchFamily="18" charset="0"/>
-            </a:endParaRPr>
-          </a:p>
-        </p:txBody>
-      </p:sp>
-      <p:sp>
-        <p:nvSpPr>
-          <p:cNvPr id="7" name="标题 3"/>
+          <p:cNvPr id="5" name="标题 3"/>
           <p:cNvSpPr txBox="1">
             <a:spLocks/>
           </p:cNvSpPr>
@@ -21333,18 +20415,11 @@
               <a:defRPr/>
             </a:pPr>
             <a:r>
-              <a:rPr lang="en-US" altLang="zh-CN" sz="2800" b="1" i="1" dirty="0">
-                <a:latin typeface="Calibri" pitchFamily="34" charset="0"/>
-                <a:cs typeface="Calibri" pitchFamily="34" charset="0"/>
-              </a:rPr>
-              <a:t>3</a:t>
-            </a:r>
-            <a:r>
               <a:rPr lang="en-US" altLang="zh-CN" sz="2800" b="1" i="1" dirty="0" smtClean="0">
                 <a:latin typeface="Calibri" pitchFamily="34" charset="0"/>
                 <a:cs typeface="Calibri" pitchFamily="34" charset="0"/>
               </a:rPr>
-              <a:t>. Create a Consistent  Viewing Graph</a:t>
+              <a:t>4.1 Viewing Graph Optimization</a:t>
             </a:r>
             <a:endParaRPr lang="zh-CN" altLang="en-US" sz="3200" b="1" kern="0" dirty="0">
               <a:effectLst/>
@@ -21355,10 +20430,295 @@
           </a:p>
         </p:txBody>
       </p:sp>
+      <p:pic>
+        <p:nvPicPr>
+          <p:cNvPr id="11" name="Picture 2"/>
+          <p:cNvPicPr>
+            <a:picLocks noChangeAspect="1" noChangeArrowheads="1"/>
+          </p:cNvPicPr>
+          <p:nvPr/>
+        </p:nvPicPr>
+        <p:blipFill rotWithShape="1">
+          <a:blip r:embed="rId3">
+            <a:extLst>
+              <a:ext uri="{28A0092B-C50C-407E-A947-70E740481C1C}">
+                <a14:useLocalDpi xmlns:a14="http://schemas.microsoft.com/office/drawing/2010/main" val="0"/>
+              </a:ext>
+            </a:extLst>
+          </a:blip>
+          <a:srcRect r="49850"/>
+          <a:stretch/>
+        </p:blipFill>
+        <p:spPr bwMode="auto">
+          <a:xfrm>
+            <a:off x="5123432" y="1536191"/>
+            <a:ext cx="3424989" cy="1928813"/>
+          </a:xfrm>
+          <a:prstGeom prst="rect">
+            <a:avLst/>
+          </a:prstGeom>
+          <a:noFill/>
+          <a:ln>
+            <a:noFill/>
+          </a:ln>
+          <a:effectLst/>
+          <a:extLst>
+            <a:ext uri="{909E8E84-426E-40DD-AFC4-6F175D3DCCD1}">
+              <a14:hiddenFill xmlns:a14="http://schemas.microsoft.com/office/drawing/2010/main">
+                <a:solidFill>
+                  <a:schemeClr val="accent1"/>
+                </a:solidFill>
+              </a14:hiddenFill>
+            </a:ext>
+            <a:ext uri="{91240B29-F687-4F45-9708-019B960494DF}">
+              <a14:hiddenLine xmlns:a14="http://schemas.microsoft.com/office/drawing/2010/main" w="9525">
+                <a:solidFill>
+                  <a:schemeClr val="tx1"/>
+                </a:solidFill>
+                <a:miter lim="800000"/>
+                <a:headEnd/>
+                <a:tailEnd/>
+              </a14:hiddenLine>
+            </a:ext>
+            <a:ext uri="{AF507438-7753-43E0-B8FC-AC1667EBCBE1}">
+              <a14:hiddenEffects xmlns:a14="http://schemas.microsoft.com/office/drawing/2010/main">
+                <a:effectLst>
+                  <a:outerShdw dist="35921" dir="2700000" algn="ctr" rotWithShape="0">
+                    <a:schemeClr val="bg2"/>
+                  </a:outerShdw>
+                </a:effectLst>
+              </a14:hiddenEffects>
+            </a:ext>
+          </a:extLst>
+        </p:spPr>
+      </p:pic>
+      <p:pic>
+        <p:nvPicPr>
+          <p:cNvPr id="12" name="Picture 2"/>
+          <p:cNvPicPr>
+            <a:picLocks noChangeAspect="1" noChangeArrowheads="1"/>
+          </p:cNvPicPr>
+          <p:nvPr/>
+        </p:nvPicPr>
+        <p:blipFill rotWithShape="1">
+          <a:blip r:embed="rId3">
+            <a:extLst>
+              <a:ext uri="{28A0092B-C50C-407E-A947-70E740481C1C}">
+                <a14:useLocalDpi xmlns:a14="http://schemas.microsoft.com/office/drawing/2010/main" val="0"/>
+              </a:ext>
+            </a:extLst>
+          </a:blip>
+          <a:srcRect l="50000"/>
+          <a:stretch/>
+        </p:blipFill>
+        <p:spPr bwMode="auto">
+          <a:xfrm>
+            <a:off x="5137787" y="3479243"/>
+            <a:ext cx="3414713" cy="1928813"/>
+          </a:xfrm>
+          <a:prstGeom prst="rect">
+            <a:avLst/>
+          </a:prstGeom>
+          <a:noFill/>
+          <a:ln>
+            <a:noFill/>
+          </a:ln>
+          <a:effectLst/>
+          <a:extLst>
+            <a:ext uri="{909E8E84-426E-40DD-AFC4-6F175D3DCCD1}">
+              <a14:hiddenFill xmlns:a14="http://schemas.microsoft.com/office/drawing/2010/main">
+                <a:solidFill>
+                  <a:schemeClr val="accent1"/>
+                </a:solidFill>
+              </a14:hiddenFill>
+            </a:ext>
+            <a:ext uri="{91240B29-F687-4F45-9708-019B960494DF}">
+              <a14:hiddenLine xmlns:a14="http://schemas.microsoft.com/office/drawing/2010/main" w="9525">
+                <a:solidFill>
+                  <a:schemeClr val="tx1"/>
+                </a:solidFill>
+                <a:miter lim="800000"/>
+                <a:headEnd/>
+                <a:tailEnd/>
+              </a14:hiddenLine>
+            </a:ext>
+            <a:ext uri="{AF507438-7753-43E0-B8FC-AC1667EBCBE1}">
+              <a14:hiddenEffects xmlns:a14="http://schemas.microsoft.com/office/drawing/2010/main">
+                <a:effectLst>
+                  <a:outerShdw dist="35921" dir="2700000" algn="ctr" rotWithShape="0">
+                    <a:schemeClr val="bg2"/>
+                  </a:outerShdw>
+                </a:effectLst>
+              </a14:hiddenEffects>
+            </a:ext>
+          </a:extLst>
+        </p:spPr>
+      </p:pic>
+      <p:sp>
+        <p:nvSpPr>
+          <p:cNvPr id="4" name="矩形 3"/>
+          <p:cNvSpPr/>
+          <p:nvPr/>
+        </p:nvSpPr>
+        <p:spPr>
+          <a:xfrm>
+            <a:off x="499523" y="5408056"/>
+            <a:ext cx="8006592" cy="1354217"/>
+          </a:xfrm>
+          <a:prstGeom prst="rect">
+            <a:avLst/>
+          </a:prstGeom>
+        </p:spPr>
+        <p:txBody>
+          <a:bodyPr wrap="square">
+            <a:spAutoFit/>
+          </a:bodyPr>
+          <a:lstStyle/>
+          <a:p>
+            <a:r>
+              <a:rPr lang="en-US" altLang="zh-CN" sz="2400" b="1" dirty="0" smtClean="0">
+                <a:latin typeface="Times New Roman" pitchFamily="18" charset="0"/>
+                <a:cs typeface="Times New Roman" pitchFamily="18" charset="0"/>
+              </a:rPr>
+              <a:t>Condition</a:t>
+            </a:r>
+            <a:endParaRPr lang="en-US" altLang="zh-CN" sz="2400" b="1" dirty="0">
+              <a:latin typeface="Times New Roman" pitchFamily="18" charset="0"/>
+              <a:cs typeface="Times New Roman" pitchFamily="18" charset="0"/>
+            </a:endParaRPr>
+          </a:p>
+          <a:p>
+            <a:pPr marL="914400" lvl="1" indent="-457200">
+              <a:spcAft>
+                <a:spcPts val="1200"/>
+              </a:spcAft>
+              <a:buFont typeface="+mj-lt"/>
+              <a:buAutoNum type="arabicParenR"/>
+            </a:pPr>
+            <a:r>
+              <a:rPr lang="en-US" altLang="zh-CN" sz="2400" dirty="0">
+                <a:latin typeface="Times New Roman" pitchFamily="18" charset="0"/>
+                <a:cs typeface="Times New Roman" pitchFamily="18" charset="0"/>
+              </a:rPr>
+              <a:t>Every view is in at least one </a:t>
+            </a:r>
+            <a:r>
+              <a:rPr lang="en-US" altLang="zh-CN" sz="2400" dirty="0" smtClean="0">
+                <a:latin typeface="Times New Roman" pitchFamily="18" charset="0"/>
+                <a:cs typeface="Times New Roman" pitchFamily="18" charset="0"/>
+              </a:rPr>
+              <a:t>triplet.</a:t>
+            </a:r>
+          </a:p>
+          <a:p>
+            <a:pPr marL="914400" lvl="1" indent="-457200">
+              <a:spcAft>
+                <a:spcPts val="1200"/>
+              </a:spcAft>
+              <a:buFont typeface="+mj-lt"/>
+              <a:buAutoNum type="arabicParenR"/>
+            </a:pPr>
+            <a:r>
+              <a:rPr lang="en-US" altLang="zh-CN" sz="2400" dirty="0" smtClean="0">
+                <a:latin typeface="Times New Roman" pitchFamily="18" charset="0"/>
+                <a:cs typeface="Times New Roman" pitchFamily="18" charset="0"/>
+              </a:rPr>
+              <a:t>There </a:t>
+            </a:r>
+            <a:r>
+              <a:rPr lang="en-US" altLang="zh-CN" sz="2400" dirty="0">
+                <a:latin typeface="Times New Roman" pitchFamily="18" charset="0"/>
+                <a:cs typeface="Times New Roman" pitchFamily="18" charset="0"/>
+              </a:rPr>
+              <a:t>are no more “good” edges that can be added.</a:t>
+            </a:r>
+          </a:p>
+        </p:txBody>
+      </p:sp>
+      <p:pic>
+        <p:nvPicPr>
+          <p:cNvPr id="1032" name="Picture 8" descr="D:\mondy-report\monday-speech\OptimazeGraph.png"/>
+          <p:cNvPicPr>
+            <a:picLocks noChangeAspect="1" noChangeArrowheads="1"/>
+          </p:cNvPicPr>
+          <p:nvPr/>
+        </p:nvPicPr>
+        <p:blipFill rotWithShape="1">
+          <a:blip r:embed="rId4">
+            <a:extLst>
+              <a:ext uri="{28A0092B-C50C-407E-A947-70E740481C1C}">
+                <a14:useLocalDpi xmlns:a14="http://schemas.microsoft.com/office/drawing/2010/main" val="0"/>
+              </a:ext>
+            </a:extLst>
+          </a:blip>
+          <a:srcRect l="7498" t="6151" r="7924" b="9136"/>
+          <a:stretch/>
+        </p:blipFill>
+        <p:spPr bwMode="auto">
+          <a:xfrm>
+            <a:off x="571469" y="1259462"/>
+            <a:ext cx="3893371" cy="4248472"/>
+          </a:xfrm>
+          <a:prstGeom prst="rect">
+            <a:avLst/>
+          </a:prstGeom>
+          <a:noFill/>
+          <a:extLst>
+            <a:ext uri="{909E8E84-426E-40DD-AFC4-6F175D3DCCD1}">
+              <a14:hiddenFill xmlns:a14="http://schemas.microsoft.com/office/drawing/2010/main">
+                <a:solidFill>
+                  <a:srgbClr val="FFFFFF"/>
+                </a:solidFill>
+              </a14:hiddenFill>
+            </a:ext>
+          </a:extLst>
+        </p:spPr>
+      </p:pic>
+      <p:sp>
+        <p:nvSpPr>
+          <p:cNvPr id="7" name="矩形 6"/>
+          <p:cNvSpPr/>
+          <p:nvPr/>
+        </p:nvSpPr>
+        <p:spPr>
+          <a:xfrm>
+            <a:off x="2992323" y="736242"/>
+            <a:ext cx="2945037" cy="523220"/>
+          </a:xfrm>
+          <a:prstGeom prst="rect">
+            <a:avLst/>
+          </a:prstGeom>
+        </p:spPr>
+        <p:txBody>
+          <a:bodyPr wrap="none">
+            <a:spAutoFit/>
+          </a:bodyPr>
+          <a:lstStyle/>
+          <a:p>
+            <a:r>
+              <a:rPr lang="en-US" altLang="zh-CN" sz="2800" b="1" i="1" dirty="0">
+                <a:solidFill>
+                  <a:schemeClr val="accent2"/>
+                </a:solidFill>
+                <a:latin typeface="Times New Roman" pitchFamily="18" charset="0"/>
+                <a:cs typeface="Times New Roman" pitchFamily="18" charset="0"/>
+              </a:rPr>
+              <a:t>Edge Optimization</a:t>
+            </a:r>
+            <a:endParaRPr lang="en-US" sz="2800" dirty="0">
+              <a:solidFill>
+                <a:schemeClr val="accent2"/>
+              </a:solidFill>
+              <a:latin typeface="Times New Roman" pitchFamily="18" charset="0"/>
+              <a:cs typeface="Times New Roman" pitchFamily="18" charset="0"/>
+            </a:endParaRPr>
+          </a:p>
+        </p:txBody>
+      </p:sp>
     </p:spTree>
     <p:extLst>
       <p:ext uri="{BB962C8B-B14F-4D97-AF65-F5344CB8AC3E}">
-        <p14:creationId xmlns:p14="http://schemas.microsoft.com/office/powerpoint/2010/main" val="1794193869"/>
+        <p14:creationId xmlns:p14="http://schemas.microsoft.com/office/powerpoint/2010/main" val="1286310014"/>
       </p:ext>
     </p:extLst>
   </p:cSld>

--- a/2019.03.25 ICCV 2015, Optimizing the Viewing Graph for Structure-from-Motion.pptx
+++ b/2019.03.25 ICCV 2015, Optimizing the Viewing Graph for Structure-from-Motion.pptx
@@ -6,10 +6,10 @@
     <p:sldMasterId id="2147483660" r:id="rId3"/>
   </p:sldMasterIdLst>
   <p:notesMasterIdLst>
-    <p:notesMasterId r:id="rId24"/>
+    <p:notesMasterId r:id="rId25"/>
   </p:notesMasterIdLst>
   <p:handoutMasterIdLst>
-    <p:handoutMasterId r:id="rId25"/>
+    <p:handoutMasterId r:id="rId26"/>
   </p:handoutMasterIdLst>
   <p:sldIdLst>
     <p:sldId id="256" r:id="rId4"/>
@@ -29,9 +29,10 @@
     <p:sldId id="403" r:id="rId18"/>
     <p:sldId id="405" r:id="rId19"/>
     <p:sldId id="404" r:id="rId20"/>
-    <p:sldId id="353" r:id="rId21"/>
-    <p:sldId id="317" r:id="rId22"/>
-    <p:sldId id="390" r:id="rId23"/>
+    <p:sldId id="410" r:id="rId21"/>
+    <p:sldId id="353" r:id="rId22"/>
+    <p:sldId id="317" r:id="rId23"/>
+    <p:sldId id="390" r:id="rId24"/>
   </p:sldIdLst>
   <p:sldSz cx="9144000" cy="6858000" type="screen4x3"/>
   <p:notesSz cx="6858000" cy="9144000"/>
@@ -132,7 +133,7 @@
   </p:defaultTextStyle>
   <p:extLst>
     <p:ext uri="{EFAFB233-063F-42B5-8137-9DF3F51BA10A}">
-      <p15:sldGuideLst xmlns="" xmlns:p15="http://schemas.microsoft.com/office/powerpoint/2012/main">
+      <p15:sldGuideLst xmlns:p15="http://schemas.microsoft.com/office/powerpoint/2012/main" xmlns="">
         <p15:guide id="1" orient="horz" pos="2160">
           <p15:clr>
             <a:srgbClr val="A4A3A4"/>
@@ -146,7 +147,7 @@
       </p15:sldGuideLst>
     </p:ext>
     <p:ext uri="{2D200454-40CA-4A62-9FC3-DE9A4176ACB9}">
-      <p15:notesGuideLst xmlns="" xmlns:p15="http://schemas.microsoft.com/office/powerpoint/2012/main">
+      <p15:notesGuideLst xmlns:p15="http://schemas.microsoft.com/office/powerpoint/2012/main" xmlns="">
         <p15:guide id="1" orient="horz" pos="2880">
           <p15:clr>
             <a:srgbClr val="A4A3A4"/>
@@ -1258,6 +1259,91 @@
               <a:rPr lang="zh-CN" altLang="en-US" smtClean="0"/>
               <a:pPr/>
               <a:t>18</a:t>
+            </a:fld>
+            <a:endParaRPr lang="zh-CN" altLang="en-US"/>
+          </a:p>
+        </p:txBody>
+      </p:sp>
+    </p:spTree>
+    <p:extLst>
+      <p:ext uri="{BB962C8B-B14F-4D97-AF65-F5344CB8AC3E}">
+        <p14:creationId xmlns:p14="http://schemas.microsoft.com/office/powerpoint/2010/main" val="1198387198"/>
+      </p:ext>
+    </p:extLst>
+  </p:cSld>
+  <p:clrMapOvr>
+    <a:masterClrMapping/>
+  </p:clrMapOvr>
+</p:notes>
+</file>
+
+<file path=ppt/notesSlides/notesSlide16.xml><?xml version="1.0" encoding="utf-8"?>
+<p:notes xmlns:a="http://schemas.openxmlformats.org/drawingml/2006/main" xmlns:r="http://schemas.openxmlformats.org/officeDocument/2006/relationships" xmlns:p="http://schemas.openxmlformats.org/presentationml/2006/main">
+  <p:cSld>
+    <p:spTree>
+      <p:nvGrpSpPr>
+        <p:cNvPr id="1" name=""/>
+        <p:cNvGrpSpPr/>
+        <p:nvPr/>
+      </p:nvGrpSpPr>
+      <p:grpSpPr>
+        <a:xfrm>
+          <a:off x="0" y="0"/>
+          <a:ext cx="0" cy="0"/>
+          <a:chOff x="0" y="0"/>
+          <a:chExt cx="0" cy="0"/>
+        </a:xfrm>
+      </p:grpSpPr>
+      <p:sp>
+        <p:nvSpPr>
+          <p:cNvPr id="2" name="幻灯片图像占位符 1"/>
+          <p:cNvSpPr>
+            <a:spLocks noGrp="1" noRot="1" noChangeAspect="1"/>
+          </p:cNvSpPr>
+          <p:nvPr>
+            <p:ph type="sldImg"/>
+          </p:nvPr>
+        </p:nvSpPr>
+        <p:spPr/>
+      </p:sp>
+      <p:sp>
+        <p:nvSpPr>
+          <p:cNvPr id="3" name="备注占位符 2"/>
+          <p:cNvSpPr>
+            <a:spLocks noGrp="1"/>
+          </p:cNvSpPr>
+          <p:nvPr>
+            <p:ph type="body" idx="1"/>
+          </p:nvPr>
+        </p:nvSpPr>
+        <p:spPr/>
+        <p:txBody>
+          <a:bodyPr/>
+          <a:lstStyle/>
+          <a:p>
+            <a:endParaRPr lang="zh-CN" altLang="en-US" dirty="0"/>
+          </a:p>
+        </p:txBody>
+      </p:sp>
+      <p:sp>
+        <p:nvSpPr>
+          <p:cNvPr id="4" name="灯片编号占位符 3"/>
+          <p:cNvSpPr>
+            <a:spLocks noGrp="1"/>
+          </p:cNvSpPr>
+          <p:nvPr>
+            <p:ph type="sldNum" sz="quarter" idx="10"/>
+          </p:nvPr>
+        </p:nvSpPr>
+        <p:spPr/>
+        <p:txBody>
+          <a:bodyPr/>
+          <a:lstStyle/>
+          <a:p>
+            <a:fld id="{3CBEB2FA-5051-4E61-825C-FAC231D30695}" type="slidenum">
+              <a:rPr lang="zh-CN" altLang="en-US" smtClean="0"/>
+              <a:pPr/>
+              <a:t>19</a:t>
             </a:fld>
             <a:endParaRPr lang="zh-CN" altLang="en-US"/>
           </a:p>
@@ -14821,8 +14907,8 @@
         </p:nvSpPr>
         <p:spPr>
           <a:xfrm>
-            <a:off x="827584" y="1268760"/>
-            <a:ext cx="7776864" cy="2031325"/>
+            <a:off x="827584" y="980728"/>
+            <a:ext cx="7776864" cy="3046988"/>
           </a:xfrm>
           <a:prstGeom prst="rect">
             <a:avLst/>
@@ -14840,7 +14926,10 @@
               <a:buAutoNum type="arabicParenR"/>
             </a:pPr>
             <a:r>
-              <a:rPr lang="en-US" dirty="0" smtClean="0"/>
+              <a:rPr lang="en-US" sz="2400" dirty="0" smtClean="0">
+                <a:latin typeface="Times New Roman" pitchFamily="18" charset="0"/>
+                <a:cs typeface="Times New Roman" pitchFamily="18" charset="0"/>
+              </a:rPr>
               <a:t>Assume cameras have been calibrated</a:t>
             </a:r>
           </a:p>
@@ -14850,37 +14939,49 @@
               <a:buAutoNum type="arabicParenR"/>
             </a:pPr>
             <a:r>
-              <a:rPr lang="en-US" dirty="0" smtClean="0"/>
+              <a:rPr lang="en-US" sz="2400" dirty="0" smtClean="0">
+                <a:latin typeface="Times New Roman" pitchFamily="18" charset="0"/>
+                <a:cs typeface="Times New Roman" pitchFamily="18" charset="0"/>
+              </a:rPr>
               <a:t>Solve orientation</a:t>
+            </a:r>
+          </a:p>
+          <a:p>
+            <a:pPr marL="914400" lvl="1" indent="-457200">
+              <a:buFont typeface="+mj-lt"/>
+              <a:buAutoNum type="alphaLcParenR"/>
+            </a:pPr>
+            <a:r>
+              <a:rPr lang="en-US" sz="2400" dirty="0" smtClean="0">
+                <a:latin typeface="Times New Roman" pitchFamily="18" charset="0"/>
+                <a:cs typeface="Times New Roman" pitchFamily="18" charset="0"/>
+              </a:rPr>
+              <a:t>Cost function: relative rotation constraint</a:t>
             </a:r>
           </a:p>
           <a:p>
             <a:pPr marL="800100" lvl="1" indent="-342900">
               <a:buFont typeface="+mj-lt"/>
-              <a:buAutoNum type="arabicParenR"/>
+              <a:buAutoNum type="alphaLcParenR"/>
             </a:pPr>
             <a:r>
-              <a:rPr lang="en-US" dirty="0" smtClean="0"/>
-              <a:t>Cost function: relative rotation constraint</a:t>
+              <a:rPr lang="en-US" sz="2400" dirty="0" smtClean="0">
+                <a:latin typeface="Times New Roman" pitchFamily="18" charset="0"/>
+                <a:cs typeface="Times New Roman" pitchFamily="18" charset="0"/>
+              </a:rPr>
+              <a:t>Use the angle-axis parameterization to solve for matrices</a:t>
             </a:r>
           </a:p>
           <a:p>
             <a:pPr marL="800100" lvl="1" indent="-342900">
               <a:buFont typeface="+mj-lt"/>
-              <a:buAutoNum type="arabicParenR"/>
+              <a:buAutoNum type="alphaLcParenR"/>
             </a:pPr>
             <a:r>
-              <a:rPr lang="en-US" dirty="0" smtClean="0"/>
-              <a:t>Use the angle-axis parameterization to solve for matrices</a:t>
-            </a:r>
-          </a:p>
-          <a:p>
-            <a:pPr marL="800100" lvl="1" indent="-342900">
-              <a:buFont typeface="+mj-lt"/>
-              <a:buAutoNum type="arabicParenR"/>
-            </a:pPr>
-            <a:r>
-              <a:rPr lang="en-US" dirty="0" smtClean="0"/>
+              <a:rPr lang="en-US" sz="2400" dirty="0" smtClean="0">
+                <a:latin typeface="Times New Roman" pitchFamily="18" charset="0"/>
+                <a:cs typeface="Times New Roman" pitchFamily="18" charset="0"/>
+              </a:rPr>
               <a:t>Initialization: chaining relative rotation from a random spanning tree</a:t>
             </a:r>
           </a:p>
@@ -14890,16 +14991,23 @@
               <a:buAutoNum type="arabicParenR"/>
             </a:pPr>
             <a:r>
-              <a:rPr lang="en-US" dirty="0" smtClean="0"/>
-              <a:t> enforcing the relative rotation constraint</a:t>
-            </a:r>
-          </a:p>
-          <a:p>
-            <a:pPr marL="342900" indent="-342900">
-              <a:buFont typeface="+mj-lt"/>
-              <a:buAutoNum type="arabicParenR"/>
-            </a:pPr>
-            <a:endParaRPr lang="en-US" dirty="0"/>
+              <a:rPr lang="en-US" sz="2400" dirty="0" smtClean="0">
+                <a:latin typeface="Times New Roman" pitchFamily="18" charset="0"/>
+                <a:cs typeface="Times New Roman" pitchFamily="18" charset="0"/>
+              </a:rPr>
+              <a:t> enforcing the relative rotation </a:t>
+            </a:r>
+            <a:r>
+              <a:rPr lang="en-US" sz="2400" dirty="0" smtClean="0">
+                <a:latin typeface="Times New Roman" pitchFamily="18" charset="0"/>
+                <a:cs typeface="Times New Roman" pitchFamily="18" charset="0"/>
+              </a:rPr>
+              <a:t>constraint</a:t>
+            </a:r>
+            <a:endParaRPr lang="en-US" sz="2400" dirty="0" smtClean="0">
+              <a:latin typeface="Times New Roman" pitchFamily="18" charset="0"/>
+              <a:cs typeface="Times New Roman" pitchFamily="18" charset="0"/>
+            </a:endParaRPr>
           </a:p>
         </p:txBody>
       </p:sp>
@@ -14926,8 +15034,8 @@
         </p:blipFill>
         <p:spPr bwMode="auto">
           <a:xfrm>
-            <a:off x="2339752" y="3501008"/>
-            <a:ext cx="3079254" cy="1033856"/>
+            <a:off x="3425003" y="4197293"/>
+            <a:ext cx="2079680" cy="698250"/>
           </a:xfrm>
           <a:prstGeom prst="rect">
             <a:avLst/>
@@ -15132,8 +15240,8 @@
         </p:blipFill>
         <p:spPr bwMode="auto">
           <a:xfrm>
-            <a:off x="411683" y="1124744"/>
-            <a:ext cx="8106320" cy="3465364"/>
+            <a:off x="943504" y="908720"/>
+            <a:ext cx="7402387" cy="3164440"/>
           </a:xfrm>
           <a:prstGeom prst="rect">
             <a:avLst/>
@@ -16238,7 +16346,7 @@
         </p:blipFill>
         <p:spPr bwMode="auto">
           <a:xfrm>
-            <a:off x="755576" y="1124744"/>
+            <a:off x="747300" y="1378685"/>
             <a:ext cx="7193607" cy="2000250"/>
           </a:xfrm>
           <a:prstGeom prst="rect">
@@ -16287,7 +16395,7 @@
         </p:nvGrpSpPr>
         <p:grpSpPr>
           <a:xfrm>
-            <a:off x="755576" y="3501008"/>
+            <a:off x="747300" y="4005064"/>
             <a:ext cx="5944022" cy="2000250"/>
             <a:chOff x="257176" y="3284984"/>
             <a:chExt cx="5944022" cy="2000250"/>
@@ -16418,6 +16526,42 @@
           </p:spPr>
         </p:pic>
       </p:grpSp>
+      <p:sp>
+        <p:nvSpPr>
+          <p:cNvPr id="3" name="TextBox 2"/>
+          <p:cNvSpPr txBox="1"/>
+          <p:nvPr/>
+        </p:nvSpPr>
+        <p:spPr>
+          <a:xfrm>
+            <a:off x="747300" y="908720"/>
+            <a:ext cx="6561004" cy="461665"/>
+          </a:xfrm>
+          <a:prstGeom prst="rect">
+            <a:avLst/>
+          </a:prstGeom>
+          <a:noFill/>
+        </p:spPr>
+        <p:txBody>
+          <a:bodyPr wrap="square" rtlCol="0">
+            <a:spAutoFit/>
+          </a:bodyPr>
+          <a:lstStyle/>
+          <a:p>
+            <a:r>
+              <a:rPr lang="en-US" altLang="zh-CN" sz="2400" dirty="0" smtClean="0">
+                <a:latin typeface="Times New Roman" pitchFamily="18" charset="0"/>
+                <a:cs typeface="Times New Roman" pitchFamily="18" charset="0"/>
+              </a:rPr>
+              <a:t>Accuracy results on small-scale datasets:</a:t>
+            </a:r>
+            <a:endParaRPr lang="en-US" sz="2400" dirty="0">
+              <a:latin typeface="Times New Roman" pitchFamily="18" charset="0"/>
+              <a:cs typeface="Times New Roman" pitchFamily="18" charset="0"/>
+            </a:endParaRPr>
+          </a:p>
+        </p:txBody>
+      </p:sp>
     </p:spTree>
     <p:extLst>
       <p:ext uri="{BB962C8B-B14F-4D97-AF65-F5344CB8AC3E}">
@@ -16535,14 +16679,7 @@
                 <a:latin typeface="Calibri" pitchFamily="34" charset="0"/>
                 <a:cs typeface="Calibri" pitchFamily="34" charset="0"/>
               </a:rPr>
-              <a:t> </a:t>
-            </a:r>
-            <a:r>
-              <a:rPr lang="en-US" altLang="zh-CN" sz="2800" b="1" i="1" dirty="0" smtClean="0">
-                <a:latin typeface="Calibri" pitchFamily="34" charset="0"/>
-                <a:cs typeface="Calibri" pitchFamily="34" charset="0"/>
-              </a:rPr>
-              <a:t>Results——</a:t>
+              <a:t> Results——</a:t>
             </a:r>
             <a:r>
               <a:rPr lang="en-US" altLang="zh-CN" sz="3200" b="1" i="1" dirty="0">
@@ -16583,8 +16720,279 @@
         </p:blipFill>
         <p:spPr bwMode="auto">
           <a:xfrm>
-            <a:off x="257175" y="1268760"/>
+            <a:off x="257175" y="1772816"/>
             <a:ext cx="8686800" cy="3657600"/>
+          </a:xfrm>
+          <a:prstGeom prst="rect">
+            <a:avLst/>
+          </a:prstGeom>
+          <a:noFill/>
+          <a:ln>
+            <a:noFill/>
+          </a:ln>
+          <a:effectLst/>
+          <a:extLst>
+            <a:ext uri="{909E8E84-426E-40DD-AFC4-6F175D3DCCD1}">
+              <a14:hiddenFill xmlns:a14="http://schemas.microsoft.com/office/drawing/2010/main">
+                <a:solidFill>
+                  <a:schemeClr val="accent1"/>
+                </a:solidFill>
+              </a14:hiddenFill>
+            </a:ext>
+            <a:ext uri="{91240B29-F687-4F45-9708-019B960494DF}">
+              <a14:hiddenLine xmlns:a14="http://schemas.microsoft.com/office/drawing/2010/main" w="9525">
+                <a:solidFill>
+                  <a:schemeClr val="tx1"/>
+                </a:solidFill>
+                <a:miter lim="800000"/>
+                <a:headEnd/>
+                <a:tailEnd/>
+              </a14:hiddenLine>
+            </a:ext>
+            <a:ext uri="{AF507438-7753-43E0-B8FC-AC1667EBCBE1}">
+              <a14:hiddenEffects xmlns:a14="http://schemas.microsoft.com/office/drawing/2010/main">
+                <a:effectLst>
+                  <a:outerShdw dist="35921" dir="2700000" algn="ctr" rotWithShape="0">
+                    <a:schemeClr val="bg2"/>
+                  </a:outerShdw>
+                </a:effectLst>
+              </a14:hiddenEffects>
+            </a:ext>
+          </a:extLst>
+        </p:spPr>
+      </p:pic>
+      <p:sp>
+        <p:nvSpPr>
+          <p:cNvPr id="2" name="TextBox 1"/>
+          <p:cNvSpPr txBox="1"/>
+          <p:nvPr/>
+        </p:nvSpPr>
+        <p:spPr>
+          <a:xfrm>
+            <a:off x="571472" y="1052735"/>
+            <a:ext cx="6664824" cy="461665"/>
+          </a:xfrm>
+          <a:prstGeom prst="rect">
+            <a:avLst/>
+          </a:prstGeom>
+          <a:noFill/>
+        </p:spPr>
+        <p:txBody>
+          <a:bodyPr wrap="square" rtlCol="0">
+            <a:spAutoFit/>
+          </a:bodyPr>
+          <a:lstStyle/>
+          <a:p>
+            <a:r>
+              <a:rPr lang="en-US" sz="2400" dirty="0" smtClean="0">
+                <a:latin typeface="Times New Roman" pitchFamily="18" charset="0"/>
+                <a:cs typeface="Times New Roman" pitchFamily="18" charset="0"/>
+              </a:rPr>
+              <a:t>Median position results on large-scale datasets: </a:t>
+            </a:r>
+            <a:endParaRPr lang="en-US" sz="2400" dirty="0">
+              <a:latin typeface="Times New Roman" pitchFamily="18" charset="0"/>
+              <a:cs typeface="Times New Roman" pitchFamily="18" charset="0"/>
+            </a:endParaRPr>
+          </a:p>
+        </p:txBody>
+      </p:sp>
+    </p:spTree>
+    <p:extLst>
+      <p:ext uri="{BB962C8B-B14F-4D97-AF65-F5344CB8AC3E}">
+        <p14:creationId xmlns:p14="http://schemas.microsoft.com/office/powerpoint/2010/main" val="1121824884"/>
+      </p:ext>
+    </p:extLst>
+  </p:cSld>
+  <p:clrMapOvr>
+    <a:masterClrMapping/>
+  </p:clrMapOvr>
+  <p:timing>
+    <p:tnLst>
+      <p:par>
+        <p:cTn id="1" dur="indefinite" restart="never" nodeType="tmRoot"/>
+      </p:par>
+    </p:tnLst>
+  </p:timing>
+</p:sld>
+</file>
+
+<file path=ppt/slides/slide18.xml><?xml version="1.0" encoding="utf-8"?>
+<p:sld xmlns:a="http://schemas.openxmlformats.org/drawingml/2006/main" xmlns:r="http://schemas.openxmlformats.org/officeDocument/2006/relationships" xmlns:p="http://schemas.openxmlformats.org/presentationml/2006/main">
+  <p:cSld>
+    <p:spTree>
+      <p:nvGrpSpPr>
+        <p:cNvPr id="1" name=""/>
+        <p:cNvGrpSpPr/>
+        <p:nvPr/>
+      </p:nvGrpSpPr>
+      <p:grpSpPr>
+        <a:xfrm>
+          <a:off x="0" y="0"/>
+          <a:ext cx="0" cy="0"/>
+          <a:chOff x="0" y="0"/>
+          <a:chExt cx="0" cy="0"/>
+        </a:xfrm>
+      </p:grpSpPr>
+      <p:cxnSp>
+        <p:nvCxnSpPr>
+          <p:cNvPr id="8" name="直接连接符 7"/>
+          <p:cNvCxnSpPr/>
+          <p:nvPr/>
+        </p:nvCxnSpPr>
+        <p:spPr>
+          <a:xfrm>
+            <a:off x="571472" y="692696"/>
+            <a:ext cx="7786742" cy="1588"/>
+          </a:xfrm>
+          <a:prstGeom prst="line">
+            <a:avLst/>
+          </a:prstGeom>
+          <a:ln>
+            <a:solidFill>
+              <a:schemeClr val="accent2">
+                <a:lumMod val="75000"/>
+              </a:schemeClr>
+            </a:solidFill>
+          </a:ln>
+        </p:spPr>
+        <p:style>
+          <a:lnRef idx="1">
+            <a:schemeClr val="accent1"/>
+          </a:lnRef>
+          <a:fillRef idx="0">
+            <a:schemeClr val="accent1"/>
+          </a:fillRef>
+          <a:effectRef idx="0">
+            <a:schemeClr val="accent1"/>
+          </a:effectRef>
+          <a:fontRef idx="minor">
+            <a:schemeClr val="tx1"/>
+          </a:fontRef>
+        </p:style>
+      </p:cxnSp>
+      <p:sp>
+        <p:nvSpPr>
+          <p:cNvPr id="5" name="标题 3"/>
+          <p:cNvSpPr txBox="1">
+            <a:spLocks/>
+          </p:cNvSpPr>
+          <p:nvPr/>
+        </p:nvSpPr>
+        <p:spPr bwMode="auto">
+          <a:xfrm>
+            <a:off x="257175" y="142852"/>
+            <a:ext cx="9499401" cy="609600"/>
+          </a:xfrm>
+          <a:prstGeom prst="rect">
+            <a:avLst/>
+          </a:prstGeom>
+          <a:noFill/>
+          <a:ln w="9525">
+            <a:noFill/>
+            <a:miter lim="800000"/>
+            <a:headEnd/>
+            <a:tailEnd/>
+          </a:ln>
+        </p:spPr>
+        <p:txBody>
+          <a:bodyPr anchor="ctr"/>
+          <a:lstStyle/>
+          <a:p>
+            <a:pPr>
+              <a:defRPr/>
+            </a:pPr>
+            <a:r>
+              <a:rPr lang="en-US" altLang="zh-CN" sz="2800" b="1" i="1" dirty="0">
+                <a:latin typeface="Calibri" pitchFamily="34" charset="0"/>
+                <a:cs typeface="Calibri" pitchFamily="34" charset="0"/>
+              </a:rPr>
+              <a:t>6</a:t>
+            </a:r>
+            <a:r>
+              <a:rPr lang="en-US" altLang="zh-CN" sz="2800" b="1" i="1" dirty="0" smtClean="0">
+                <a:latin typeface="Calibri" pitchFamily="34" charset="0"/>
+                <a:cs typeface="Calibri" pitchFamily="34" charset="0"/>
+              </a:rPr>
+              <a:t> Results——</a:t>
+            </a:r>
+            <a:r>
+              <a:rPr lang="en-US" altLang="zh-CN" sz="3200" b="1" i="1" dirty="0">
+                <a:latin typeface="Calibri" pitchFamily="34" charset="0"/>
+                <a:cs typeface="Calibri" pitchFamily="34" charset="0"/>
+              </a:rPr>
+              <a:t>Test for Proposed Pipeline</a:t>
+            </a:r>
+            <a:endParaRPr lang="zh-CN" altLang="en-US" sz="3200" b="1" kern="0" dirty="0">
+              <a:effectLst/>
+              <a:latin typeface="Calibri" pitchFamily="34" charset="0"/>
+              <a:ea typeface="楷体" pitchFamily="49" charset="-122"/>
+              <a:cs typeface="Calibri" pitchFamily="34" charset="0"/>
+            </a:endParaRPr>
+          </a:p>
+        </p:txBody>
+      </p:sp>
+      <p:sp>
+        <p:nvSpPr>
+          <p:cNvPr id="2" name="TextBox 1"/>
+          <p:cNvSpPr txBox="1"/>
+          <p:nvPr/>
+        </p:nvSpPr>
+        <p:spPr>
+          <a:xfrm>
+            <a:off x="571472" y="1052735"/>
+            <a:ext cx="4720608" cy="461665"/>
+          </a:xfrm>
+          <a:prstGeom prst="rect">
+            <a:avLst/>
+          </a:prstGeom>
+          <a:noFill/>
+        </p:spPr>
+        <p:txBody>
+          <a:bodyPr wrap="square" rtlCol="0">
+            <a:spAutoFit/>
+          </a:bodyPr>
+          <a:lstStyle/>
+          <a:p>
+            <a:r>
+              <a:rPr lang="en-US" sz="2400" dirty="0" smtClean="0">
+                <a:latin typeface="Times New Roman" pitchFamily="18" charset="0"/>
+                <a:cs typeface="Times New Roman" pitchFamily="18" charset="0"/>
+              </a:rPr>
+              <a:t>Test result on large-scale datasets: </a:t>
+            </a:r>
+            <a:endParaRPr lang="en-US" sz="2400" dirty="0">
+              <a:latin typeface="Times New Roman" pitchFamily="18" charset="0"/>
+              <a:cs typeface="Times New Roman" pitchFamily="18" charset="0"/>
+            </a:endParaRPr>
+          </a:p>
+        </p:txBody>
+      </p:sp>
+      <p:pic>
+        <p:nvPicPr>
+          <p:cNvPr id="1026" name="Picture 2"/>
+          <p:cNvPicPr>
+            <a:picLocks noChangeAspect="1" noChangeArrowheads="1"/>
+          </p:cNvPicPr>
+          <p:nvPr/>
+        </p:nvPicPr>
+        <p:blipFill>
+          <a:blip r:embed="rId3">
+            <a:extLst>
+              <a:ext uri="{28A0092B-C50C-407E-A947-70E740481C1C}">
+                <a14:useLocalDpi xmlns:a14="http://schemas.microsoft.com/office/drawing/2010/main" val="0"/>
+              </a:ext>
+            </a:extLst>
+          </a:blip>
+          <a:srcRect/>
+          <a:stretch>
+            <a:fillRect/>
+          </a:stretch>
+        </p:blipFill>
+        <p:spPr bwMode="auto">
+          <a:xfrm>
+            <a:off x="144684" y="1787876"/>
+            <a:ext cx="8838924" cy="3816424"/>
           </a:xfrm>
           <a:prstGeom prst="rect">
             <a:avLst/>
@@ -16627,7 +17035,7 @@
     </p:spTree>
     <p:extLst>
       <p:ext uri="{BB962C8B-B14F-4D97-AF65-F5344CB8AC3E}">
-        <p14:creationId xmlns:p14="http://schemas.microsoft.com/office/powerpoint/2010/main" val="1121824884"/>
+        <p14:creationId xmlns:p14="http://schemas.microsoft.com/office/powerpoint/2010/main" val="2667684269"/>
       </p:ext>
     </p:extLst>
   </p:cSld>
@@ -16644,7 +17052,7 @@
 </p:sld>
 </file>
 
-<file path=ppt/slides/slide18.xml><?xml version="1.0" encoding="utf-8"?>
+<file path=ppt/slides/slide19.xml><?xml version="1.0" encoding="utf-8"?>
 <p:sld xmlns:a="http://schemas.openxmlformats.org/drawingml/2006/main" xmlns:r="http://schemas.openxmlformats.org/officeDocument/2006/relationships" xmlns:p="http://schemas.openxmlformats.org/presentationml/2006/main">
   <p:cSld>
     <p:spTree>
@@ -16703,7 +17111,7 @@
           <p:cNvPr id="15" name="标题 3">
             <a:extLst>
               <a:ext uri="{FF2B5EF4-FFF2-40B4-BE49-F238E27FC236}">
-                <a16:creationId xmlns="" xmlns:a16="http://schemas.microsoft.com/office/drawing/2014/main" id="{F68BA453-3377-4256-A938-E7CF0F36192B}"/>
+                <a16:creationId xmlns:a16="http://schemas.microsoft.com/office/drawing/2014/main" xmlns="" id="{F68BA453-3377-4256-A938-E7CF0F36192B}"/>
               </a:ext>
             </a:extLst>
           </p:cNvPr>
@@ -16767,7 +17175,7 @@
           <p:cNvPr id="5" name="TextBox 16">
             <a:extLst>
               <a:ext uri="{FF2B5EF4-FFF2-40B4-BE49-F238E27FC236}">
-                <a16:creationId xmlns="" xmlns:a16="http://schemas.microsoft.com/office/drawing/2014/main" id="{DEDB19A1-0490-463A-9A9E-10132D9DF7E3}"/>
+                <a16:creationId xmlns:a16="http://schemas.microsoft.com/office/drawing/2014/main" xmlns="" id="{DEDB19A1-0490-463A-9A9E-10132D9DF7E3}"/>
               </a:ext>
             </a:extLst>
           </p:cNvPr>
@@ -17033,119 +17441,6 @@
       </p:par>
     </p:tnLst>
   </p:timing>
-</p:sld>
-</file>
-
-<file path=ppt/slides/slide19.xml><?xml version="1.0" encoding="utf-8"?>
-<p:sld xmlns:a="http://schemas.openxmlformats.org/drawingml/2006/main" xmlns:r="http://schemas.openxmlformats.org/officeDocument/2006/relationships" xmlns:p="http://schemas.openxmlformats.org/presentationml/2006/main">
-  <p:cSld>
-    <p:spTree>
-      <p:nvGrpSpPr>
-        <p:cNvPr id="1" name=""/>
-        <p:cNvGrpSpPr/>
-        <p:nvPr/>
-      </p:nvGrpSpPr>
-      <p:grpSpPr>
-        <a:xfrm>
-          <a:off x="0" y="0"/>
-          <a:ext cx="0" cy="0"/>
-          <a:chOff x="0" y="0"/>
-          <a:chExt cx="0" cy="0"/>
-        </a:xfrm>
-      </p:grpSpPr>
-      <p:sp>
-        <p:nvSpPr>
-          <p:cNvPr id="2" name="TextBox 1"/>
-          <p:cNvSpPr txBox="1"/>
-          <p:nvPr/>
-        </p:nvSpPr>
-        <p:spPr>
-          <a:xfrm>
-            <a:off x="611560" y="980728"/>
-            <a:ext cx="7056784" cy="1200329"/>
-          </a:xfrm>
-          <a:prstGeom prst="rect">
-            <a:avLst/>
-          </a:prstGeom>
-          <a:noFill/>
-        </p:spPr>
-        <p:txBody>
-          <a:bodyPr wrap="square" rtlCol="0">
-            <a:spAutoFit/>
-          </a:bodyPr>
-          <a:lstStyle/>
-          <a:p>
-            <a:r>
-              <a:rPr lang="en-US" altLang="zh-CN" dirty="0" smtClean="0">
-                <a:latin typeface="Times New Roman" pitchFamily="18" charset="0"/>
-                <a:cs typeface="Times New Roman" pitchFamily="18" charset="0"/>
-              </a:rPr>
-              <a:t>Q1: What is SO(3) rotation and O(3) matrices?</a:t>
-            </a:r>
-          </a:p>
-          <a:p>
-            <a:r>
-              <a:rPr lang="en-US" altLang="zh-CN" dirty="0" smtClean="0">
-                <a:latin typeface="Times New Roman" pitchFamily="18" charset="0"/>
-                <a:cs typeface="Times New Roman" pitchFamily="18" charset="0"/>
-              </a:rPr>
-              <a:t>Q2: Why the </a:t>
-            </a:r>
-            <a:r>
-              <a:rPr lang="en-US" altLang="zh-CN" dirty="0" err="1" smtClean="0">
-                <a:latin typeface="Times New Roman" pitchFamily="18" charset="0"/>
-                <a:cs typeface="Times New Roman" pitchFamily="18" charset="0"/>
-              </a:rPr>
-              <a:t>epipole</a:t>
-            </a:r>
-            <a:r>
-              <a:rPr lang="en-US" altLang="zh-CN" dirty="0" smtClean="0">
-                <a:latin typeface="Times New Roman" pitchFamily="18" charset="0"/>
-                <a:cs typeface="Times New Roman" pitchFamily="18" charset="0"/>
-              </a:rPr>
-              <a:t> is in the null space of fundamental matrix</a:t>
-            </a:r>
-            <a:r>
-              <a:rPr lang="zh-CN" altLang="en-US" dirty="0" smtClean="0">
-                <a:latin typeface="Times New Roman" pitchFamily="18" charset="0"/>
-                <a:cs typeface="Times New Roman" pitchFamily="18" charset="0"/>
-              </a:rPr>
-              <a:t>？</a:t>
-            </a:r>
-            <a:endParaRPr lang="en-US" altLang="zh-CN" dirty="0" smtClean="0">
-              <a:latin typeface="Times New Roman" pitchFamily="18" charset="0"/>
-              <a:cs typeface="Times New Roman" pitchFamily="18" charset="0"/>
-            </a:endParaRPr>
-          </a:p>
-          <a:p>
-            <a:r>
-              <a:rPr lang="en-US" altLang="zh-CN" dirty="0" smtClean="0">
-                <a:latin typeface="Times New Roman" pitchFamily="18" charset="0"/>
-                <a:cs typeface="Times New Roman" pitchFamily="18" charset="0"/>
-              </a:rPr>
-              <a:t>Q3: What is the norm of transfer line?</a:t>
-            </a:r>
-          </a:p>
-          <a:p>
-            <a:r>
-              <a:rPr lang="en-US" altLang="zh-CN" dirty="0" smtClean="0">
-                <a:latin typeface="Times New Roman" pitchFamily="18" charset="0"/>
-                <a:cs typeface="Times New Roman" pitchFamily="18" charset="0"/>
-              </a:rPr>
-              <a:t>Q4: How to get fundamental matrix?</a:t>
-            </a:r>
-            <a:endParaRPr lang="zh-CN" altLang="en-US" dirty="0">
-              <a:latin typeface="Times New Roman" pitchFamily="18" charset="0"/>
-              <a:cs typeface="Times New Roman" pitchFamily="18" charset="0"/>
-            </a:endParaRPr>
-          </a:p>
-        </p:txBody>
-      </p:sp>
-    </p:spTree>
-  </p:cSld>
-  <p:clrMapOvr>
-    <a:masterClrMapping/>
-  </p:clrMapOvr>
 </p:sld>
 </file>
 
@@ -17403,6 +17698,126 @@
       </p:grpSpPr>
       <p:sp>
         <p:nvSpPr>
+          <p:cNvPr id="2" name="TextBox 1"/>
+          <p:cNvSpPr txBox="1"/>
+          <p:nvPr/>
+        </p:nvSpPr>
+        <p:spPr>
+          <a:xfrm>
+            <a:off x="611560" y="980728"/>
+            <a:ext cx="7056784" cy="1200329"/>
+          </a:xfrm>
+          <a:prstGeom prst="rect">
+            <a:avLst/>
+          </a:prstGeom>
+          <a:noFill/>
+        </p:spPr>
+        <p:txBody>
+          <a:bodyPr wrap="square" rtlCol="0">
+            <a:spAutoFit/>
+          </a:bodyPr>
+          <a:lstStyle/>
+          <a:p>
+            <a:r>
+              <a:rPr lang="en-US" altLang="zh-CN" dirty="0" smtClean="0">
+                <a:latin typeface="Times New Roman" pitchFamily="18" charset="0"/>
+                <a:cs typeface="Times New Roman" pitchFamily="18" charset="0"/>
+              </a:rPr>
+              <a:t>Q1: What is SO(3) rotation and O(3) matrices?</a:t>
+            </a:r>
+          </a:p>
+          <a:p>
+            <a:r>
+              <a:rPr lang="en-US" altLang="zh-CN" dirty="0" smtClean="0">
+                <a:latin typeface="Times New Roman" pitchFamily="18" charset="0"/>
+                <a:cs typeface="Times New Roman" pitchFamily="18" charset="0"/>
+              </a:rPr>
+              <a:t>Q2: Why the </a:t>
+            </a:r>
+            <a:r>
+              <a:rPr lang="en-US" altLang="zh-CN" dirty="0" err="1" smtClean="0">
+                <a:latin typeface="Times New Roman" pitchFamily="18" charset="0"/>
+                <a:cs typeface="Times New Roman" pitchFamily="18" charset="0"/>
+              </a:rPr>
+              <a:t>epipole</a:t>
+            </a:r>
+            <a:r>
+              <a:rPr lang="en-US" altLang="zh-CN" dirty="0" smtClean="0">
+                <a:latin typeface="Times New Roman" pitchFamily="18" charset="0"/>
+                <a:cs typeface="Times New Roman" pitchFamily="18" charset="0"/>
+              </a:rPr>
+              <a:t> is in the null space of fundamental matrix</a:t>
+            </a:r>
+            <a:r>
+              <a:rPr lang="zh-CN" altLang="en-US" dirty="0" smtClean="0">
+                <a:latin typeface="Times New Roman" pitchFamily="18" charset="0"/>
+                <a:cs typeface="Times New Roman" pitchFamily="18" charset="0"/>
+              </a:rPr>
+              <a:t>？</a:t>
+            </a:r>
+            <a:endParaRPr lang="en-US" altLang="zh-CN" dirty="0" smtClean="0">
+              <a:latin typeface="Times New Roman" pitchFamily="18" charset="0"/>
+              <a:cs typeface="Times New Roman" pitchFamily="18" charset="0"/>
+            </a:endParaRPr>
+          </a:p>
+          <a:p>
+            <a:r>
+              <a:rPr lang="en-US" altLang="zh-CN" dirty="0" smtClean="0">
+                <a:latin typeface="Times New Roman" pitchFamily="18" charset="0"/>
+                <a:cs typeface="Times New Roman" pitchFamily="18" charset="0"/>
+              </a:rPr>
+              <a:t>Q3: What is the norm of transfer line?</a:t>
+            </a:r>
+          </a:p>
+          <a:p>
+            <a:r>
+              <a:rPr lang="en-US" altLang="zh-CN" dirty="0" smtClean="0">
+                <a:latin typeface="Times New Roman" pitchFamily="18" charset="0"/>
+                <a:cs typeface="Times New Roman" pitchFamily="18" charset="0"/>
+              </a:rPr>
+              <a:t>Q4: How to get fundamental matrix?</a:t>
+            </a:r>
+            <a:endParaRPr lang="zh-CN" altLang="en-US" dirty="0">
+              <a:latin typeface="Times New Roman" pitchFamily="18" charset="0"/>
+              <a:cs typeface="Times New Roman" pitchFamily="18" charset="0"/>
+            </a:endParaRPr>
+          </a:p>
+        </p:txBody>
+      </p:sp>
+    </p:spTree>
+  </p:cSld>
+  <p:clrMapOvr>
+    <a:masterClrMapping/>
+  </p:clrMapOvr>
+  <p:timing>
+    <p:tnLst>
+      <p:par>
+        <p:cTn id="1" dur="indefinite" restart="never" nodeType="tmRoot"/>
+      </p:par>
+    </p:tnLst>
+  </p:timing>
+</p:sld>
+</file>
+
+<file path=ppt/slides/slide21.xml><?xml version="1.0" encoding="utf-8"?>
+<p:sld xmlns:a="http://schemas.openxmlformats.org/drawingml/2006/main" xmlns:r="http://schemas.openxmlformats.org/officeDocument/2006/relationships" xmlns:p="http://schemas.openxmlformats.org/presentationml/2006/main">
+  <p:cSld>
+    <p:spTree>
+      <p:nvGrpSpPr>
+        <p:cNvPr id="1" name=""/>
+        <p:cNvGrpSpPr/>
+        <p:nvPr/>
+      </p:nvGrpSpPr>
+      <p:grpSpPr>
+        <a:xfrm>
+          <a:off x="0" y="0"/>
+          <a:ext cx="0" cy="0"/>
+          <a:chOff x="0" y="0"/>
+          <a:chExt cx="0" cy="0"/>
+        </a:xfrm>
+      </p:grpSpPr>
+      <p:sp>
+        <p:nvSpPr>
           <p:cNvPr id="4" name="矩形 3"/>
           <p:cNvSpPr/>
           <p:nvPr/>
@@ -17562,6 +17977,13 @@
   <p:clrMapOvr>
     <a:masterClrMapping/>
   </p:clrMapOvr>
+  <p:timing>
+    <p:tnLst>
+      <p:par>
+        <p:cTn id="1" dur="indefinite" restart="never" nodeType="tmRoot"/>
+      </p:par>
+    </p:tnLst>
+  </p:timing>
 </p:sld>
 </file>
 
@@ -18450,7 +18872,7 @@
           <p:cNvPr id="7" name="TextBox 16">
             <a:extLst>
               <a:ext uri="{FF2B5EF4-FFF2-40B4-BE49-F238E27FC236}">
-                <a16:creationId xmlns="" xmlns:a16="http://schemas.microsoft.com/office/drawing/2014/main" id="{0ECBC174-8EE7-4D48-B168-91CFF26277BE}"/>
+                <a16:creationId xmlns:a16="http://schemas.microsoft.com/office/drawing/2014/main" xmlns="" id="{0ECBC174-8EE7-4D48-B168-91CFF26277BE}"/>
               </a:ext>
             </a:extLst>
           </p:cNvPr>
@@ -18462,7 +18884,7 @@
         <p:spPr bwMode="auto">
           <a:xfrm>
             <a:off x="389877" y="868231"/>
-            <a:ext cx="8352928" cy="4062651"/>
+            <a:ext cx="8352928" cy="5170646"/>
           </a:xfrm>
           <a:prstGeom prst="rect">
             <a:avLst/>
@@ -18551,7 +18973,15 @@
                 <a:ea typeface="楷体" pitchFamily="49" charset="-122"/>
                 <a:cs typeface="Times New Roman" panose="02020603050405020304" pitchFamily="18" charset="0"/>
               </a:rPr>
-              <a:t> image sets;</a:t>
+              <a:t> image sets</a:t>
+            </a:r>
+            <a:r>
+              <a:rPr lang="en-US" altLang="zh-CN" sz="2400" dirty="0" smtClean="0">
+                <a:latin typeface="Times New Roman" panose="02020603050405020304" pitchFamily="18" charset="0"/>
+                <a:ea typeface="楷体" pitchFamily="49" charset="-122"/>
+                <a:cs typeface="Times New Roman" panose="02020603050405020304" pitchFamily="18" charset="0"/>
+              </a:rPr>
+              <a:t>;</a:t>
             </a:r>
           </a:p>
           <a:p>
@@ -18568,7 +18998,42 @@
                 <a:ea typeface="楷体" pitchFamily="49" charset="-122"/>
                 <a:cs typeface="Times New Roman" panose="02020603050405020304" pitchFamily="18" charset="0"/>
               </a:rPr>
-              <a:t>It provide a new method for calibrating cameras from </a:t>
+              <a:t>It </a:t>
+            </a:r>
+            <a:r>
+              <a:rPr lang="en-US" altLang="zh-CN" sz="2400" dirty="0" smtClean="0">
+                <a:latin typeface="Times New Roman" panose="02020603050405020304" pitchFamily="18" charset="0"/>
+                <a:ea typeface="楷体" pitchFamily="49" charset="-122"/>
+                <a:cs typeface="Times New Roman" panose="02020603050405020304" pitchFamily="18" charset="0"/>
+              </a:rPr>
+              <a:t>provide a new method for calibrating </a:t>
+            </a:r>
+            <a:r>
+              <a:rPr lang="en-US" altLang="zh-CN" sz="2400" dirty="0" smtClean="0">
+                <a:latin typeface="Times New Roman" panose="02020603050405020304" pitchFamily="18" charset="0"/>
+                <a:ea typeface="楷体" pitchFamily="49" charset="-122"/>
+                <a:cs typeface="Times New Roman" panose="02020603050405020304" pitchFamily="18" charset="0"/>
+              </a:rPr>
+              <a:t>cameras </a:t>
+            </a:r>
+            <a:r>
+              <a:rPr lang="en-US" altLang="zh-CN" sz="2400" b="1" dirty="0" smtClean="0">
+                <a:solidFill>
+                  <a:srgbClr val="FF0000"/>
+                </a:solidFill>
+                <a:latin typeface="Times New Roman" panose="02020603050405020304" pitchFamily="18" charset="0"/>
+                <a:ea typeface="楷体" pitchFamily="49" charset="-122"/>
+                <a:cs typeface="Times New Roman" panose="02020603050405020304" pitchFamily="18" charset="0"/>
+              </a:rPr>
+              <a:t>at scale </a:t>
+            </a:r>
+            <a:r>
+              <a:rPr lang="en-US" altLang="zh-CN" sz="2400" dirty="0" smtClean="0">
+                <a:latin typeface="Times New Roman" panose="02020603050405020304" pitchFamily="18" charset="0"/>
+                <a:ea typeface="楷体" pitchFamily="49" charset="-122"/>
+                <a:cs typeface="Times New Roman" panose="02020603050405020304" pitchFamily="18" charset="0"/>
+              </a:rPr>
+              <a:t>from </a:t>
             </a:r>
             <a:r>
               <a:rPr lang="en-US" altLang="zh-CN" sz="2400" b="1" dirty="0" smtClean="0">
@@ -18587,8 +19052,91 @@
                 <a:ea typeface="楷体" pitchFamily="49" charset="-122"/>
                 <a:cs typeface="Times New Roman" panose="02020603050405020304" pitchFamily="18" charset="0"/>
               </a:rPr>
-              <a:t> fundamental matrices.</a:t>
-            </a:r>
+              <a:t> fundamental </a:t>
+            </a:r>
+            <a:r>
+              <a:rPr lang="en-US" altLang="zh-CN" sz="2400" dirty="0" smtClean="0">
+                <a:latin typeface="Times New Roman" panose="02020603050405020304" pitchFamily="18" charset="0"/>
+                <a:ea typeface="楷体" pitchFamily="49" charset="-122"/>
+                <a:cs typeface="Times New Roman" panose="02020603050405020304" pitchFamily="18" charset="0"/>
+              </a:rPr>
+              <a:t>matrices</a:t>
+            </a:r>
+            <a:r>
+              <a:rPr lang="en-US" altLang="zh-CN" sz="2400" dirty="0">
+                <a:latin typeface="Times New Roman" panose="02020603050405020304" pitchFamily="18" charset="0"/>
+                <a:ea typeface="楷体" pitchFamily="49" charset="-122"/>
+                <a:cs typeface="Times New Roman" panose="02020603050405020304" pitchFamily="18" charset="0"/>
+              </a:rPr>
+              <a:t>;</a:t>
+            </a:r>
+            <a:endParaRPr lang="en-US" altLang="zh-CN" sz="2400" dirty="0" smtClean="0">
+              <a:latin typeface="Times New Roman" panose="02020603050405020304" pitchFamily="18" charset="0"/>
+              <a:ea typeface="楷体" pitchFamily="49" charset="-122"/>
+              <a:cs typeface="Times New Roman" panose="02020603050405020304" pitchFamily="18" charset="0"/>
+            </a:endParaRPr>
+          </a:p>
+          <a:p>
+            <a:pPr marL="800100" lvl="1" indent="-342900">
+              <a:lnSpc>
+                <a:spcPct val="150000"/>
+              </a:lnSpc>
+              <a:buFont typeface="Wingdings" panose="05000000000000000000" pitchFamily="2" charset="2"/>
+              <a:buChar char="Ø"/>
+            </a:pPr>
+            <a:r>
+              <a:rPr lang="en-US" sz="2400" dirty="0">
+                <a:latin typeface="Times New Roman" panose="02020603050405020304" pitchFamily="18" charset="0"/>
+                <a:ea typeface="楷体" pitchFamily="49" charset="-122"/>
+                <a:cs typeface="Times New Roman" panose="02020603050405020304" pitchFamily="18" charset="0"/>
+              </a:rPr>
+              <a:t>A scalable </a:t>
+            </a:r>
+            <a:r>
+              <a:rPr lang="en-US" sz="2400" dirty="0">
+                <a:latin typeface="Times New Roman" panose="02020603050405020304" pitchFamily="18" charset="0"/>
+                <a:ea typeface="楷体" pitchFamily="49" charset="-122"/>
+                <a:cs typeface="Times New Roman" panose="02020603050405020304" pitchFamily="18" charset="0"/>
+              </a:rPr>
+              <a:t>calibration method for determining focal lengths </a:t>
+            </a:r>
+            <a:r>
+              <a:rPr lang="en-US" sz="2400" dirty="0">
+                <a:latin typeface="Times New Roman" panose="02020603050405020304" pitchFamily="18" charset="0"/>
+                <a:ea typeface="楷体" pitchFamily="49" charset="-122"/>
+                <a:cs typeface="Times New Roman" panose="02020603050405020304" pitchFamily="18" charset="0"/>
+              </a:rPr>
+              <a:t>of </a:t>
+            </a:r>
+            <a:r>
+              <a:rPr lang="en-US" sz="2400" dirty="0" err="1">
+                <a:latin typeface="Times New Roman" panose="02020603050405020304" pitchFamily="18" charset="0"/>
+                <a:ea typeface="楷体" pitchFamily="49" charset="-122"/>
+                <a:cs typeface="Times New Roman" panose="02020603050405020304" pitchFamily="18" charset="0"/>
+              </a:rPr>
+              <a:t>uncalibrated</a:t>
+            </a:r>
+            <a:r>
+              <a:rPr lang="en-US" sz="2400" dirty="0">
+                <a:latin typeface="Times New Roman" panose="02020603050405020304" pitchFamily="18" charset="0"/>
+                <a:ea typeface="楷体" pitchFamily="49" charset="-122"/>
+                <a:cs typeface="Times New Roman" panose="02020603050405020304" pitchFamily="18" charset="0"/>
+              </a:rPr>
+              <a:t> </a:t>
+            </a:r>
+            <a:r>
+              <a:rPr lang="en-US" sz="2400" dirty="0" smtClean="0">
+                <a:latin typeface="Times New Roman" panose="02020603050405020304" pitchFamily="18" charset="0"/>
+                <a:ea typeface="楷体" pitchFamily="49" charset="-122"/>
+                <a:cs typeface="Times New Roman" panose="02020603050405020304" pitchFamily="18" charset="0"/>
+              </a:rPr>
+              <a:t>cameras is presented;</a:t>
+            </a:r>
+            <a:endParaRPr lang="en-US" altLang="zh-CN" sz="2400" dirty="0">
+              <a:latin typeface="Times New Roman" panose="02020603050405020304" pitchFamily="18" charset="0"/>
+              <a:ea typeface="楷体" pitchFamily="49" charset="-122"/>
+              <a:cs typeface="Times New Roman" panose="02020603050405020304" pitchFamily="18" charset="0"/>
+            </a:endParaRPr>
           </a:p>
           <a:p>
             <a:pPr marL="800100" lvl="1" indent="-342900">
@@ -19977,7 +20525,7 @@
         </p:nvSpPr>
         <p:spPr>
           <a:xfrm>
-            <a:off x="992783" y="6314011"/>
+            <a:off x="947478" y="6296546"/>
             <a:ext cx="6747569" cy="400110"/>
           </a:xfrm>
           <a:prstGeom prst="rect">
